--- a/PPTs/Exam/CSC112 MidtermExam Sp2025.pptx
+++ b/PPTs/Exam/CSC112 MidtermExam Sp2025.pptx
@@ -228,14 +228,14 @@
           <a:effectLst/>
           <a:extLst>
             <a:ext uri="{909E8E84-426E-40dd-AFC4-6F175D3DCCD1}">
-              <a14:hiddenFill xmlns="" xmlns:a14="http://schemas.microsoft.com/office/drawing/2010/main">
+              <a14:hiddenFill xmlns:a14="http://schemas.microsoft.com/office/drawing/2010/main" xmlns="">
                 <a:solidFill>
                   <a:schemeClr val="bg1"/>
                 </a:solidFill>
               </a14:hiddenFill>
             </a:ext>
             <a:ext uri="{91240B29-F687-4f45-9708-019B960494DF}">
-              <a14:hiddenLine xmlns="" xmlns:a14="http://schemas.microsoft.com/office/drawing/2010/main" w="12700">
+              <a14:hiddenLine xmlns:a14="http://schemas.microsoft.com/office/drawing/2010/main" xmlns="" w="12700">
                 <a:pattFill prst="narHorz">
                   <a:fgClr>
                     <a:schemeClr val="tx1"/>
@@ -250,7 +250,7 @@
               </a14:hiddenLine>
             </a:ext>
             <a:ext uri="{AF507438-7753-43e0-B8FC-AC1667EBCBE1}">
-              <a14:hiddenEffects xmlns="" xmlns:a14="http://schemas.microsoft.com/office/drawing/2010/main">
+              <a14:hiddenEffects xmlns:a14="http://schemas.microsoft.com/office/drawing/2010/main" xmlns="">
                 <a:effectLst>
                   <a:outerShdw dist="35921" dir="2700000" algn="ctr" rotWithShape="0">
                     <a:schemeClr val="bg2"/>
@@ -356,14 +356,14 @@
           <a:effectLst/>
           <a:extLst>
             <a:ext uri="{909E8E84-426E-40dd-AFC4-6F175D3DCCD1}">
-              <a14:hiddenFill xmlns="" xmlns:a14="http://schemas.microsoft.com/office/drawing/2010/main">
+              <a14:hiddenFill xmlns:a14="http://schemas.microsoft.com/office/drawing/2010/main" xmlns="">
                 <a:solidFill>
                   <a:schemeClr val="bg1"/>
                 </a:solidFill>
               </a14:hiddenFill>
             </a:ext>
             <a:ext uri="{91240B29-F687-4f45-9708-019B960494DF}">
-              <a14:hiddenLine xmlns="" xmlns:a14="http://schemas.microsoft.com/office/drawing/2010/main" w="12700">
+              <a14:hiddenLine xmlns:a14="http://schemas.microsoft.com/office/drawing/2010/main" xmlns="" w="12700">
                 <a:pattFill prst="narHorz">
                   <a:fgClr>
                     <a:schemeClr val="tx1"/>
@@ -378,7 +378,7 @@
               </a14:hiddenLine>
             </a:ext>
             <a:ext uri="{AF507438-7753-43e0-B8FC-AC1667EBCBE1}">
-              <a14:hiddenEffects xmlns="" xmlns:a14="http://schemas.microsoft.com/office/drawing/2010/main">
+              <a14:hiddenEffects xmlns:a14="http://schemas.microsoft.com/office/drawing/2010/main" xmlns="">
                 <a:effectLst>
                   <a:outerShdw dist="35921" dir="2700000" algn="ctr" rotWithShape="0">
                     <a:schemeClr val="bg2"/>
@@ -446,17 +446,17 @@
           <a:effectLst/>
           <a:extLst>
             <a:ext uri="{FAA26D3D-D897-4be2-8F04-BA451C77F1D7}">
-              <ma14:placeholderFlag xmlns="" xmlns:ma14="http://schemas.microsoft.com/office/mac/drawingml/2011/main" val="1"/>
+              <ma14:placeholderFlag xmlns:ma14="http://schemas.microsoft.com/office/mac/drawingml/2011/main" xmlns="" val="1"/>
             </a:ext>
             <a:ext uri="{909E8E84-426E-40dd-AFC4-6F175D3DCCD1}">
-              <a14:hiddenFill xmlns="" xmlns:a14="http://schemas.microsoft.com/office/drawing/2010/main">
+              <a14:hiddenFill xmlns:a14="http://schemas.microsoft.com/office/drawing/2010/main" xmlns="">
                 <a:solidFill>
                   <a:srgbClr val="FFFFFF"/>
                 </a:solidFill>
               </a14:hiddenFill>
             </a:ext>
             <a:ext uri="{AF507438-7753-43e0-B8FC-AC1667EBCBE1}">
-              <a14:hiddenEffects xmlns="" xmlns:a14="http://schemas.microsoft.com/office/drawing/2010/main">
+              <a14:hiddenEffects xmlns:a14="http://schemas.microsoft.com/office/drawing/2010/main" xmlns="">
                 <a:effectLst>
                   <a:outerShdw blurRad="63500" dist="38099" dir="2700000" algn="ctr" rotWithShape="0">
                     <a:srgbClr val="000000">
@@ -467,7 +467,7 @@
               </a14:hiddenEffects>
             </a:ext>
             <a:ext uri="{53640926-AAD7-44d8-BBD7-CCE9431645EC}">
-              <a14:shadowObscured xmlns="" xmlns:a14="http://schemas.microsoft.com/office/drawing/2010/main" val="1"/>
+              <a14:shadowObscured xmlns:a14="http://schemas.microsoft.com/office/drawing/2010/main" xmlns="" val="1"/>
             </a:ext>
           </a:extLst>
         </p:spPr>
@@ -497,14 +497,14 @@
           <a:effectLst/>
           <a:extLst>
             <a:ext uri="{909E8E84-426E-40dd-AFC4-6F175D3DCCD1}">
-              <a14:hiddenFill xmlns="" xmlns:a14="http://schemas.microsoft.com/office/drawing/2010/main">
+              <a14:hiddenFill xmlns:a14="http://schemas.microsoft.com/office/drawing/2010/main" xmlns="">
                 <a:solidFill>
                   <a:schemeClr val="bg1"/>
                 </a:solidFill>
               </a14:hiddenFill>
             </a:ext>
             <a:ext uri="{91240B29-F687-4f45-9708-019B960494DF}">
-              <a14:hiddenLine xmlns="" xmlns:a14="http://schemas.microsoft.com/office/drawing/2010/main" w="12700">
+              <a14:hiddenLine xmlns:a14="http://schemas.microsoft.com/office/drawing/2010/main" xmlns="" w="12700">
                 <a:pattFill prst="narHorz">
                   <a:fgClr>
                     <a:schemeClr val="tx1"/>
@@ -519,7 +519,7 @@
               </a14:hiddenLine>
             </a:ext>
             <a:ext uri="{AF507438-7753-43e0-B8FC-AC1667EBCBE1}">
-              <a14:hiddenEffects xmlns="" xmlns:a14="http://schemas.microsoft.com/office/drawing/2010/main">
+              <a14:hiddenEffects xmlns:a14="http://schemas.microsoft.com/office/drawing/2010/main" xmlns="">
                 <a:effectLst>
                   <a:outerShdw dist="35921" dir="2700000" algn="ctr" rotWithShape="0">
                     <a:schemeClr val="bg2"/>
@@ -769,10 +769,10 @@
         <p:spPr>
           <a:extLst>
             <a:ext uri="{FAA26D3D-D897-4be2-8F04-BA451C77F1D7}">
-              <ma14:placeholderFlag xmlns="" xmlns:ma14="http://schemas.microsoft.com/office/mac/drawingml/2011/main" val="1"/>
+              <ma14:placeholderFlag xmlns:ma14="http://schemas.microsoft.com/office/mac/drawingml/2011/main" xmlns="" val="1"/>
             </a:ext>
             <a:ext uri="{AF507438-7753-43e0-B8FC-AC1667EBCBE1}">
-              <a14:hiddenEffects xmlns="" xmlns:a14="http://schemas.microsoft.com/office/drawing/2010/main">
+              <a14:hiddenEffects xmlns:a14="http://schemas.microsoft.com/office/drawing/2010/main" xmlns="">
                 <a:effectLst>
                   <a:outerShdw blurRad="63500" dist="38099" dir="2700000" algn="ctr" rotWithShape="0">
                     <a:schemeClr val="bg2">
@@ -4232,17 +4232,17 @@
           <a:effectLst/>
           <a:extLst>
             <a:ext uri="{FAA26D3D-D897-4be2-8F04-BA451C77F1D7}">
-              <ma14:placeholderFlag xmlns="" xmlns:ma14="http://schemas.microsoft.com/office/mac/drawingml/2011/main" val="1"/>
+              <ma14:placeholderFlag xmlns:ma14="http://schemas.microsoft.com/office/mac/drawingml/2011/main" xmlns="" val="1"/>
             </a:ext>
             <a:ext uri="{909E8E84-426E-40dd-AFC4-6F175D3DCCD1}">
-              <a14:hiddenFill xmlns="" xmlns:a14="http://schemas.microsoft.com/office/drawing/2010/main">
+              <a14:hiddenFill xmlns:a14="http://schemas.microsoft.com/office/drawing/2010/main" xmlns="">
                 <a:solidFill>
                   <a:schemeClr val="bg1"/>
                 </a:solidFill>
               </a14:hiddenFill>
             </a:ext>
             <a:ext uri="{91240B29-F687-4f45-9708-019B960494DF}">
-              <a14:hiddenLine xmlns="" xmlns:a14="http://schemas.microsoft.com/office/drawing/2010/main" w="12700">
+              <a14:hiddenLine xmlns:a14="http://schemas.microsoft.com/office/drawing/2010/main" xmlns="" w="12700">
                 <a:pattFill prst="narHorz">
                   <a:fgClr>
                     <a:schemeClr val="tx1"/>
@@ -4257,7 +4257,7 @@
               </a14:hiddenLine>
             </a:ext>
             <a:ext uri="{AF507438-7753-43e0-B8FC-AC1667EBCBE1}">
-              <a14:hiddenEffects xmlns="" xmlns:a14="http://schemas.microsoft.com/office/drawing/2010/main">
+              <a14:hiddenEffects xmlns:a14="http://schemas.microsoft.com/office/drawing/2010/main" xmlns="">
                 <a:effectLst>
                   <a:outerShdw blurRad="63500" dist="38099" dir="2700000" algn="ctr" rotWithShape="0">
                     <a:schemeClr val="bg2">
@@ -4310,17 +4310,17 @@
           <a:effectLst/>
           <a:extLst>
             <a:ext uri="{FAA26D3D-D897-4be2-8F04-BA451C77F1D7}">
-              <ma14:placeholderFlag xmlns="" xmlns:ma14="http://schemas.microsoft.com/office/mac/drawingml/2011/main" val="1"/>
+              <ma14:placeholderFlag xmlns:ma14="http://schemas.microsoft.com/office/mac/drawingml/2011/main" xmlns="" val="1"/>
             </a:ext>
             <a:ext uri="{909E8E84-426E-40dd-AFC4-6F175D3DCCD1}">
-              <a14:hiddenFill xmlns="" xmlns:a14="http://schemas.microsoft.com/office/drawing/2010/main">
+              <a14:hiddenFill xmlns:a14="http://schemas.microsoft.com/office/drawing/2010/main" xmlns="">
                 <a:solidFill>
                   <a:schemeClr val="bg1"/>
                 </a:solidFill>
               </a14:hiddenFill>
             </a:ext>
             <a:ext uri="{91240B29-F687-4f45-9708-019B960494DF}">
-              <a14:hiddenLine xmlns="" xmlns:a14="http://schemas.microsoft.com/office/drawing/2010/main" w="12700">
+              <a14:hiddenLine xmlns:a14="http://schemas.microsoft.com/office/drawing/2010/main" xmlns="" w="12700">
                 <a:pattFill prst="narHorz">
                   <a:fgClr>
                     <a:schemeClr val="tx1"/>
@@ -4335,7 +4335,7 @@
               </a14:hiddenLine>
             </a:ext>
             <a:ext uri="{AF507438-7753-43e0-B8FC-AC1667EBCBE1}">
-              <a14:hiddenEffects xmlns="" xmlns:a14="http://schemas.microsoft.com/office/drawing/2010/main">
+              <a14:hiddenEffects xmlns:a14="http://schemas.microsoft.com/office/drawing/2010/main" xmlns="">
                 <a:effectLst>
                   <a:outerShdw blurRad="63500" dist="38099" dir="2700000" algn="ctr" rotWithShape="0">
                     <a:schemeClr val="bg2">
@@ -4414,14 +4414,14 @@
           <a:effectLst/>
           <a:extLst>
             <a:ext uri="{909E8E84-426E-40dd-AFC4-6F175D3DCCD1}">
-              <a14:hiddenFill xmlns="" xmlns:a14="http://schemas.microsoft.com/office/drawing/2010/main">
+              <a14:hiddenFill xmlns:a14="http://schemas.microsoft.com/office/drawing/2010/main" xmlns="">
                 <a:solidFill>
                   <a:schemeClr val="bg1"/>
                 </a:solidFill>
               </a14:hiddenFill>
             </a:ext>
             <a:ext uri="{91240B29-F687-4f45-9708-019B960494DF}">
-              <a14:hiddenLine xmlns="" xmlns:a14="http://schemas.microsoft.com/office/drawing/2010/main" w="12700">
+              <a14:hiddenLine xmlns:a14="http://schemas.microsoft.com/office/drawing/2010/main" xmlns="" w="12700">
                 <a:pattFill prst="narHorz">
                   <a:fgClr>
                     <a:schemeClr val="tx1"/>
@@ -4436,7 +4436,7 @@
               </a14:hiddenLine>
             </a:ext>
             <a:ext uri="{AF507438-7753-43e0-B8FC-AC1667EBCBE1}">
-              <a14:hiddenEffects xmlns="" xmlns:a14="http://schemas.microsoft.com/office/drawing/2010/main">
+              <a14:hiddenEffects xmlns:a14="http://schemas.microsoft.com/office/drawing/2010/main" xmlns="">
                 <a:effectLst>
                   <a:outerShdw dist="35921" dir="2700000" algn="ctr" rotWithShape="0">
                     <a:schemeClr val="bg2"/>
@@ -4502,12 +4502,12 @@
           <a:effectLst/>
           <a:extLst>
             <a:ext uri="{909E8E84-426E-40dd-AFC4-6F175D3DCCD1}">
-              <a14:hiddenFill xmlns="" xmlns:a14="http://schemas.microsoft.com/office/drawing/2010/main">
+              <a14:hiddenFill xmlns:a14="http://schemas.microsoft.com/office/drawing/2010/main" xmlns="">
                 <a:noFill/>
               </a14:hiddenFill>
             </a:ext>
             <a:ext uri="{AF507438-7753-43e0-B8FC-AC1667EBCBE1}">
-              <a14:hiddenEffects xmlns="" xmlns:a14="http://schemas.microsoft.com/office/drawing/2010/main">
+              <a14:hiddenEffects xmlns:a14="http://schemas.microsoft.com/office/drawing/2010/main" xmlns="">
                 <a:effectLst>
                   <a:outerShdw blurRad="63500" dist="38099" dir="2700000" algn="ctr" rotWithShape="0">
                     <a:schemeClr val="bg2">
@@ -6031,7 +6031,19 @@
           <a:p>
             <a:r>
               <a:rPr lang="en-GB" dirty="0"/>
-              <a:t>(You may think of other cases, e.g., x=x*2 in T3 is erased, and T1, T2 run, then x=0. But it is not necessary to enumerate all these cases, as we already have the possible outputs 0, 1, and -1 from part b), so these cases do not generate any new values.)</a:t>
+              <a:t>You may think of other cases, e.g., x=x*2 in T3 is erased, and T1, T2 run, then x=0. But it is not necessary to enumerate all these cases, as we already have the possible outputs 0, 1, and -1 from part b), so these cases do not </a:t>
+            </a:r>
+            <a:r>
+              <a:rPr lang="en-US" altLang="zh-CN"/>
+              <a:t>result in</a:t>
+            </a:r>
+            <a:r>
+              <a:rPr lang="en-GB"/>
+              <a:t> </a:t>
+            </a:r>
+            <a:r>
+              <a:rPr lang="en-GB" dirty="0"/>
+              <a:t>any new values.</a:t>
             </a:r>
             <a:endParaRPr lang="en-SE" dirty="0"/>
           </a:p>
@@ -17364,17 +17376,17 @@
           <a:effectLst/>
           <a:extLst>
             <a:ext uri="{FAA26D3D-D897-4be2-8F04-BA451C77F1D7}">
-              <ma14:placeholderFlag xmlns="" xmlns:ma14="http://schemas.microsoft.com/office/mac/drawingml/2011/main" val="1"/>
+              <ma14:placeholderFlag xmlns:ma14="http://schemas.microsoft.com/office/mac/drawingml/2011/main" xmlns="" val="1"/>
             </a:ext>
             <a:ext uri="{909E8E84-426E-40dd-AFC4-6F175D3DCCD1}">
-              <a14:hiddenFill xmlns="" xmlns:a14="http://schemas.microsoft.com/office/drawing/2010/main">
+              <a14:hiddenFill xmlns:a14="http://schemas.microsoft.com/office/drawing/2010/main" xmlns="">
                 <a:solidFill>
                   <a:schemeClr val="bg1"/>
                 </a:solidFill>
               </a14:hiddenFill>
             </a:ext>
             <a:ext uri="{91240B29-F687-4f45-9708-019B960494DF}">
-              <a14:hiddenLine xmlns="" xmlns:a14="http://schemas.microsoft.com/office/drawing/2010/main" w="12700">
+              <a14:hiddenLine xmlns:a14="http://schemas.microsoft.com/office/drawing/2010/main" xmlns="" w="12700">
                 <a:pattFill prst="narHorz">
                   <a:fgClr>
                     <a:schemeClr val="tx1"/>
@@ -17389,7 +17401,7 @@
               </a14:hiddenLine>
             </a:ext>
             <a:ext uri="{AF507438-7753-43e0-B8FC-AC1667EBCBE1}">
-              <a14:hiddenEffects xmlns="" xmlns:a14="http://schemas.microsoft.com/office/drawing/2010/main">
+              <a14:hiddenEffects xmlns:a14="http://schemas.microsoft.com/office/drawing/2010/main" xmlns="">
                 <a:effectLst>
                   <a:outerShdw blurRad="63500" dist="38099" dir="2700000" algn="ctr" rotWithShape="0">
                     <a:schemeClr val="bg2">
@@ -17637,7 +17649,7 @@
           </a:ln>
           <a:extLst>
             <a:ext uri="{AF507438-7753-43e0-B8FC-AC1667EBCBE1}">
-              <a14:hiddenEffects xmlns:a14="http://schemas.microsoft.com/office/drawing/2010/main" xmlns="">
+              <a14:hiddenEffects xmlns="" xmlns:a14="http://schemas.microsoft.com/office/drawing/2010/main">
                 <a:effectLst>
                   <a:outerShdw dist="35921" dir="2700000" algn="ctr" rotWithShape="0">
                     <a:schemeClr val="bg2"/>
@@ -17745,7 +17757,7 @@
           </a:ln>
           <a:extLst>
             <a:ext uri="{AF507438-7753-43e0-B8FC-AC1667EBCBE1}">
-              <a14:hiddenEffects xmlns:a14="http://schemas.microsoft.com/office/drawing/2010/main" xmlns="">
+              <a14:hiddenEffects xmlns="" xmlns:a14="http://schemas.microsoft.com/office/drawing/2010/main">
                 <a:effectLst>
                   <a:outerShdw dist="35921" dir="2700000" algn="ctr" rotWithShape="0">
                     <a:schemeClr val="bg2"/>
@@ -19834,17 +19846,17 @@
           <a:effectLst/>
           <a:extLst>
             <a:ext uri="{FAA26D3D-D897-4be2-8F04-BA451C77F1D7}">
-              <ma14:placeholderFlag xmlns="" xmlns:ma14="http://schemas.microsoft.com/office/mac/drawingml/2011/main" val="1"/>
+              <ma14:placeholderFlag xmlns:ma14="http://schemas.microsoft.com/office/mac/drawingml/2011/main" xmlns="" val="1"/>
             </a:ext>
             <a:ext uri="{909E8E84-426E-40dd-AFC4-6F175D3DCCD1}">
-              <a14:hiddenFill xmlns="" xmlns:a14="http://schemas.microsoft.com/office/drawing/2010/main">
+              <a14:hiddenFill xmlns:a14="http://schemas.microsoft.com/office/drawing/2010/main" xmlns="">
                 <a:solidFill>
                   <a:schemeClr val="bg1"/>
                 </a:solidFill>
               </a14:hiddenFill>
             </a:ext>
             <a:ext uri="{91240B29-F687-4f45-9708-019B960494DF}">
-              <a14:hiddenLine xmlns="" xmlns:a14="http://schemas.microsoft.com/office/drawing/2010/main" w="12700">
+              <a14:hiddenLine xmlns:a14="http://schemas.microsoft.com/office/drawing/2010/main" xmlns="" w="12700">
                 <a:pattFill prst="narHorz">
                   <a:fgClr>
                     <a:schemeClr val="tx1"/>
@@ -19859,7 +19871,7 @@
               </a14:hiddenLine>
             </a:ext>
             <a:ext uri="{AF507438-7753-43e0-B8FC-AC1667EBCBE1}">
-              <a14:hiddenEffects xmlns="" xmlns:a14="http://schemas.microsoft.com/office/drawing/2010/main">
+              <a14:hiddenEffects xmlns:a14="http://schemas.microsoft.com/office/drawing/2010/main" xmlns="">
                 <a:effectLst>
                   <a:outerShdw blurRad="63500" dist="38099" dir="2700000" algn="ctr" rotWithShape="0">
                     <a:schemeClr val="bg2">
@@ -23576,17 +23588,17 @@
           <a:effectLst/>
           <a:extLst>
             <a:ext uri="{FAA26D3D-D897-4be2-8F04-BA451C77F1D7}">
-              <ma14:placeholderFlag xmlns="" xmlns:ma14="http://schemas.microsoft.com/office/mac/drawingml/2011/main" val="1"/>
+              <ma14:placeholderFlag xmlns:ma14="http://schemas.microsoft.com/office/mac/drawingml/2011/main" xmlns="" val="1"/>
             </a:ext>
             <a:ext uri="{909E8E84-426E-40dd-AFC4-6F175D3DCCD1}">
-              <a14:hiddenFill xmlns="" xmlns:a14="http://schemas.microsoft.com/office/drawing/2010/main">
+              <a14:hiddenFill xmlns:a14="http://schemas.microsoft.com/office/drawing/2010/main" xmlns="">
                 <a:solidFill>
                   <a:schemeClr val="bg1"/>
                 </a:solidFill>
               </a14:hiddenFill>
             </a:ext>
             <a:ext uri="{91240B29-F687-4f45-9708-019B960494DF}">
-              <a14:hiddenLine xmlns="" xmlns:a14="http://schemas.microsoft.com/office/drawing/2010/main" w="12700">
+              <a14:hiddenLine xmlns:a14="http://schemas.microsoft.com/office/drawing/2010/main" xmlns="" w="12700">
                 <a:pattFill prst="narHorz">
                   <a:fgClr>
                     <a:schemeClr val="tx1"/>
@@ -23601,7 +23613,7 @@
               </a14:hiddenLine>
             </a:ext>
             <a:ext uri="{AF507438-7753-43e0-B8FC-AC1667EBCBE1}">
-              <a14:hiddenEffects xmlns="" xmlns:a14="http://schemas.microsoft.com/office/drawing/2010/main">
+              <a14:hiddenEffects xmlns:a14="http://schemas.microsoft.com/office/drawing/2010/main" xmlns="">
                 <a:effectLst>
                   <a:outerShdw blurRad="63500" dist="38099" dir="2700000" algn="ctr" rotWithShape="0">
                     <a:schemeClr val="bg2">
@@ -23849,7 +23861,7 @@
           </a:ln>
           <a:extLst>
             <a:ext uri="{AF507438-7753-43e0-B8FC-AC1667EBCBE1}">
-              <a14:hiddenEffects xmlns:a14="http://schemas.microsoft.com/office/drawing/2010/main" xmlns="">
+              <a14:hiddenEffects xmlns="" xmlns:a14="http://schemas.microsoft.com/office/drawing/2010/main">
                 <a:effectLst>
                   <a:outerShdw dist="35921" dir="2700000" algn="ctr" rotWithShape="0">
                     <a:schemeClr val="bg2"/>
@@ -23957,7 +23969,7 @@
           </a:ln>
           <a:extLst>
             <a:ext uri="{AF507438-7753-43e0-B8FC-AC1667EBCBE1}">
-              <a14:hiddenEffects xmlns:a14="http://schemas.microsoft.com/office/drawing/2010/main" xmlns="">
+              <a14:hiddenEffects xmlns="" xmlns:a14="http://schemas.microsoft.com/office/drawing/2010/main">
                 <a:effectLst>
                   <a:outerShdw dist="35921" dir="2700000" algn="ctr" rotWithShape="0">
                     <a:schemeClr val="bg2"/>
@@ -25885,17 +25897,17 @@
           <a:effectLst/>
           <a:extLst>
             <a:ext uri="{FAA26D3D-D897-4be2-8F04-BA451C77F1D7}">
-              <ma14:placeholderFlag xmlns="" xmlns:ma14="http://schemas.microsoft.com/office/mac/drawingml/2011/main" val="1"/>
+              <ma14:placeholderFlag xmlns:ma14="http://schemas.microsoft.com/office/mac/drawingml/2011/main" xmlns="" val="1"/>
             </a:ext>
             <a:ext uri="{909E8E84-426E-40dd-AFC4-6F175D3DCCD1}">
-              <a14:hiddenFill xmlns="" xmlns:a14="http://schemas.microsoft.com/office/drawing/2010/main">
+              <a14:hiddenFill xmlns:a14="http://schemas.microsoft.com/office/drawing/2010/main" xmlns="">
                 <a:solidFill>
                   <a:schemeClr val="bg1"/>
                 </a:solidFill>
               </a14:hiddenFill>
             </a:ext>
             <a:ext uri="{91240B29-F687-4f45-9708-019B960494DF}">
-              <a14:hiddenLine xmlns="" xmlns:a14="http://schemas.microsoft.com/office/drawing/2010/main" w="12700">
+              <a14:hiddenLine xmlns:a14="http://schemas.microsoft.com/office/drawing/2010/main" xmlns="" w="12700">
                 <a:pattFill prst="narHorz">
                   <a:fgClr>
                     <a:schemeClr val="tx1"/>
@@ -25910,7 +25922,7 @@
               </a14:hiddenLine>
             </a:ext>
             <a:ext uri="{AF507438-7753-43e0-B8FC-AC1667EBCBE1}">
-              <a14:hiddenEffects xmlns="" xmlns:a14="http://schemas.microsoft.com/office/drawing/2010/main">
+              <a14:hiddenEffects xmlns:a14="http://schemas.microsoft.com/office/drawing/2010/main" xmlns="">
                 <a:effectLst>
                   <a:outerShdw blurRad="63500" dist="38099" dir="2700000" algn="ctr" rotWithShape="0">
                     <a:schemeClr val="bg2">
@@ -35510,7 +35522,7 @@
         <a:effectLst/>
         <a:extLst>
           <a:ext uri="{AF507438-7753-43e0-B8FC-AC1667EBCBE1}">
-            <a14:hiddenEffects xmlns="" xmlns:a14="http://schemas.microsoft.com/office/drawing/2010/main">
+            <a14:hiddenEffects xmlns:a14="http://schemas.microsoft.com/office/drawing/2010/main" xmlns="">
               <a:effectLst>
                 <a:outerShdw dist="35921" dir="2700000" algn="ctr" rotWithShape="0">
                   <a:schemeClr val="bg2"/>
@@ -35583,7 +35595,7 @@
         <a:effectLst/>
         <a:extLst>
           <a:ext uri="{AF507438-7753-43e0-B8FC-AC1667EBCBE1}">
-            <a14:hiddenEffects xmlns="" xmlns:a14="http://schemas.microsoft.com/office/drawing/2010/main">
+            <a14:hiddenEffects xmlns:a14="http://schemas.microsoft.com/office/drawing/2010/main" xmlns="">
               <a:effectLst>
                 <a:outerShdw dist="35921" dir="2700000" algn="ctr" rotWithShape="0">
                   <a:schemeClr val="bg2"/>

--- a/PPTs/Exam/CSC112 MidtermExam Sp2025.pptx
+++ b/PPTs/Exam/CSC112 MidtermExam Sp2025.pptx
@@ -228,14 +228,14 @@
           <a:effectLst/>
           <a:extLst>
             <a:ext uri="{909E8E84-426E-40dd-AFC4-6F175D3DCCD1}">
-              <a14:hiddenFill xmlns:a14="http://schemas.microsoft.com/office/drawing/2010/main" xmlns="">
+              <a14:hiddenFill xmlns="" xmlns:a14="http://schemas.microsoft.com/office/drawing/2010/main">
                 <a:solidFill>
                   <a:schemeClr val="bg1"/>
                 </a:solidFill>
               </a14:hiddenFill>
             </a:ext>
             <a:ext uri="{91240B29-F687-4f45-9708-019B960494DF}">
-              <a14:hiddenLine xmlns:a14="http://schemas.microsoft.com/office/drawing/2010/main" xmlns="" w="12700">
+              <a14:hiddenLine xmlns="" xmlns:a14="http://schemas.microsoft.com/office/drawing/2010/main" w="12700">
                 <a:pattFill prst="narHorz">
                   <a:fgClr>
                     <a:schemeClr val="tx1"/>
@@ -250,7 +250,7 @@
               </a14:hiddenLine>
             </a:ext>
             <a:ext uri="{AF507438-7753-43e0-B8FC-AC1667EBCBE1}">
-              <a14:hiddenEffects xmlns:a14="http://schemas.microsoft.com/office/drawing/2010/main" xmlns="">
+              <a14:hiddenEffects xmlns="" xmlns:a14="http://schemas.microsoft.com/office/drawing/2010/main">
                 <a:effectLst>
                   <a:outerShdw dist="35921" dir="2700000" algn="ctr" rotWithShape="0">
                     <a:schemeClr val="bg2"/>
@@ -356,14 +356,14 @@
           <a:effectLst/>
           <a:extLst>
             <a:ext uri="{909E8E84-426E-40dd-AFC4-6F175D3DCCD1}">
-              <a14:hiddenFill xmlns:a14="http://schemas.microsoft.com/office/drawing/2010/main" xmlns="">
+              <a14:hiddenFill xmlns="" xmlns:a14="http://schemas.microsoft.com/office/drawing/2010/main">
                 <a:solidFill>
                   <a:schemeClr val="bg1"/>
                 </a:solidFill>
               </a14:hiddenFill>
             </a:ext>
             <a:ext uri="{91240B29-F687-4f45-9708-019B960494DF}">
-              <a14:hiddenLine xmlns:a14="http://schemas.microsoft.com/office/drawing/2010/main" xmlns="" w="12700">
+              <a14:hiddenLine xmlns="" xmlns:a14="http://schemas.microsoft.com/office/drawing/2010/main" w="12700">
                 <a:pattFill prst="narHorz">
                   <a:fgClr>
                     <a:schemeClr val="tx1"/>
@@ -378,7 +378,7 @@
               </a14:hiddenLine>
             </a:ext>
             <a:ext uri="{AF507438-7753-43e0-B8FC-AC1667EBCBE1}">
-              <a14:hiddenEffects xmlns:a14="http://schemas.microsoft.com/office/drawing/2010/main" xmlns="">
+              <a14:hiddenEffects xmlns="" xmlns:a14="http://schemas.microsoft.com/office/drawing/2010/main">
                 <a:effectLst>
                   <a:outerShdw dist="35921" dir="2700000" algn="ctr" rotWithShape="0">
                     <a:schemeClr val="bg2"/>
@@ -446,17 +446,17 @@
           <a:effectLst/>
           <a:extLst>
             <a:ext uri="{FAA26D3D-D897-4be2-8F04-BA451C77F1D7}">
-              <ma14:placeholderFlag xmlns:ma14="http://schemas.microsoft.com/office/mac/drawingml/2011/main" xmlns="" val="1"/>
+              <ma14:placeholderFlag xmlns="" xmlns:ma14="http://schemas.microsoft.com/office/mac/drawingml/2011/main" val="1"/>
             </a:ext>
             <a:ext uri="{909E8E84-426E-40dd-AFC4-6F175D3DCCD1}">
-              <a14:hiddenFill xmlns:a14="http://schemas.microsoft.com/office/drawing/2010/main" xmlns="">
+              <a14:hiddenFill xmlns="" xmlns:a14="http://schemas.microsoft.com/office/drawing/2010/main">
                 <a:solidFill>
                   <a:srgbClr val="FFFFFF"/>
                 </a:solidFill>
               </a14:hiddenFill>
             </a:ext>
             <a:ext uri="{AF507438-7753-43e0-B8FC-AC1667EBCBE1}">
-              <a14:hiddenEffects xmlns:a14="http://schemas.microsoft.com/office/drawing/2010/main" xmlns="">
+              <a14:hiddenEffects xmlns="" xmlns:a14="http://schemas.microsoft.com/office/drawing/2010/main">
                 <a:effectLst>
                   <a:outerShdw blurRad="63500" dist="38099" dir="2700000" algn="ctr" rotWithShape="0">
                     <a:srgbClr val="000000">
@@ -467,7 +467,7 @@
               </a14:hiddenEffects>
             </a:ext>
             <a:ext uri="{53640926-AAD7-44d8-BBD7-CCE9431645EC}">
-              <a14:shadowObscured xmlns:a14="http://schemas.microsoft.com/office/drawing/2010/main" xmlns="" val="1"/>
+              <a14:shadowObscured xmlns="" xmlns:a14="http://schemas.microsoft.com/office/drawing/2010/main" val="1"/>
             </a:ext>
           </a:extLst>
         </p:spPr>
@@ -497,14 +497,14 @@
           <a:effectLst/>
           <a:extLst>
             <a:ext uri="{909E8E84-426E-40dd-AFC4-6F175D3DCCD1}">
-              <a14:hiddenFill xmlns:a14="http://schemas.microsoft.com/office/drawing/2010/main" xmlns="">
+              <a14:hiddenFill xmlns="" xmlns:a14="http://schemas.microsoft.com/office/drawing/2010/main">
                 <a:solidFill>
                   <a:schemeClr val="bg1"/>
                 </a:solidFill>
               </a14:hiddenFill>
             </a:ext>
             <a:ext uri="{91240B29-F687-4f45-9708-019B960494DF}">
-              <a14:hiddenLine xmlns:a14="http://schemas.microsoft.com/office/drawing/2010/main" xmlns="" w="12700">
+              <a14:hiddenLine xmlns="" xmlns:a14="http://schemas.microsoft.com/office/drawing/2010/main" w="12700">
                 <a:pattFill prst="narHorz">
                   <a:fgClr>
                     <a:schemeClr val="tx1"/>
@@ -519,7 +519,7 @@
               </a14:hiddenLine>
             </a:ext>
             <a:ext uri="{AF507438-7753-43e0-B8FC-AC1667EBCBE1}">
-              <a14:hiddenEffects xmlns:a14="http://schemas.microsoft.com/office/drawing/2010/main" xmlns="">
+              <a14:hiddenEffects xmlns="" xmlns:a14="http://schemas.microsoft.com/office/drawing/2010/main">
                 <a:effectLst>
                   <a:outerShdw dist="35921" dir="2700000" algn="ctr" rotWithShape="0">
                     <a:schemeClr val="bg2"/>
@@ -769,10 +769,10 @@
         <p:spPr>
           <a:extLst>
             <a:ext uri="{FAA26D3D-D897-4be2-8F04-BA451C77F1D7}">
-              <ma14:placeholderFlag xmlns:ma14="http://schemas.microsoft.com/office/mac/drawingml/2011/main" xmlns="" val="1"/>
+              <ma14:placeholderFlag xmlns="" xmlns:ma14="http://schemas.microsoft.com/office/mac/drawingml/2011/main" val="1"/>
             </a:ext>
             <a:ext uri="{AF507438-7753-43e0-B8FC-AC1667EBCBE1}">
-              <a14:hiddenEffects xmlns:a14="http://schemas.microsoft.com/office/drawing/2010/main" xmlns="">
+              <a14:hiddenEffects xmlns="" xmlns:a14="http://schemas.microsoft.com/office/drawing/2010/main">
                 <a:effectLst>
                   <a:outerShdw blurRad="63500" dist="38099" dir="2700000" algn="ctr" rotWithShape="0">
                     <a:schemeClr val="bg2">
@@ -4232,17 +4232,17 @@
           <a:effectLst/>
           <a:extLst>
             <a:ext uri="{FAA26D3D-D897-4be2-8F04-BA451C77F1D7}">
-              <ma14:placeholderFlag xmlns:ma14="http://schemas.microsoft.com/office/mac/drawingml/2011/main" xmlns="" val="1"/>
+              <ma14:placeholderFlag xmlns="" xmlns:ma14="http://schemas.microsoft.com/office/mac/drawingml/2011/main" val="1"/>
             </a:ext>
             <a:ext uri="{909E8E84-426E-40dd-AFC4-6F175D3DCCD1}">
-              <a14:hiddenFill xmlns:a14="http://schemas.microsoft.com/office/drawing/2010/main" xmlns="">
+              <a14:hiddenFill xmlns="" xmlns:a14="http://schemas.microsoft.com/office/drawing/2010/main">
                 <a:solidFill>
                   <a:schemeClr val="bg1"/>
                 </a:solidFill>
               </a14:hiddenFill>
             </a:ext>
             <a:ext uri="{91240B29-F687-4f45-9708-019B960494DF}">
-              <a14:hiddenLine xmlns:a14="http://schemas.microsoft.com/office/drawing/2010/main" xmlns="" w="12700">
+              <a14:hiddenLine xmlns="" xmlns:a14="http://schemas.microsoft.com/office/drawing/2010/main" w="12700">
                 <a:pattFill prst="narHorz">
                   <a:fgClr>
                     <a:schemeClr val="tx1"/>
@@ -4257,7 +4257,7 @@
               </a14:hiddenLine>
             </a:ext>
             <a:ext uri="{AF507438-7753-43e0-B8FC-AC1667EBCBE1}">
-              <a14:hiddenEffects xmlns:a14="http://schemas.microsoft.com/office/drawing/2010/main" xmlns="">
+              <a14:hiddenEffects xmlns="" xmlns:a14="http://schemas.microsoft.com/office/drawing/2010/main">
                 <a:effectLst>
                   <a:outerShdw blurRad="63500" dist="38099" dir="2700000" algn="ctr" rotWithShape="0">
                     <a:schemeClr val="bg2">
@@ -4310,17 +4310,17 @@
           <a:effectLst/>
           <a:extLst>
             <a:ext uri="{FAA26D3D-D897-4be2-8F04-BA451C77F1D7}">
-              <ma14:placeholderFlag xmlns:ma14="http://schemas.microsoft.com/office/mac/drawingml/2011/main" xmlns="" val="1"/>
+              <ma14:placeholderFlag xmlns="" xmlns:ma14="http://schemas.microsoft.com/office/mac/drawingml/2011/main" val="1"/>
             </a:ext>
             <a:ext uri="{909E8E84-426E-40dd-AFC4-6F175D3DCCD1}">
-              <a14:hiddenFill xmlns:a14="http://schemas.microsoft.com/office/drawing/2010/main" xmlns="">
+              <a14:hiddenFill xmlns="" xmlns:a14="http://schemas.microsoft.com/office/drawing/2010/main">
                 <a:solidFill>
                   <a:schemeClr val="bg1"/>
                 </a:solidFill>
               </a14:hiddenFill>
             </a:ext>
             <a:ext uri="{91240B29-F687-4f45-9708-019B960494DF}">
-              <a14:hiddenLine xmlns:a14="http://schemas.microsoft.com/office/drawing/2010/main" xmlns="" w="12700">
+              <a14:hiddenLine xmlns="" xmlns:a14="http://schemas.microsoft.com/office/drawing/2010/main" w="12700">
                 <a:pattFill prst="narHorz">
                   <a:fgClr>
                     <a:schemeClr val="tx1"/>
@@ -4335,7 +4335,7 @@
               </a14:hiddenLine>
             </a:ext>
             <a:ext uri="{AF507438-7753-43e0-B8FC-AC1667EBCBE1}">
-              <a14:hiddenEffects xmlns:a14="http://schemas.microsoft.com/office/drawing/2010/main" xmlns="">
+              <a14:hiddenEffects xmlns="" xmlns:a14="http://schemas.microsoft.com/office/drawing/2010/main">
                 <a:effectLst>
                   <a:outerShdw blurRad="63500" dist="38099" dir="2700000" algn="ctr" rotWithShape="0">
                     <a:schemeClr val="bg2">
@@ -4414,14 +4414,14 @@
           <a:effectLst/>
           <a:extLst>
             <a:ext uri="{909E8E84-426E-40dd-AFC4-6F175D3DCCD1}">
-              <a14:hiddenFill xmlns:a14="http://schemas.microsoft.com/office/drawing/2010/main" xmlns="">
+              <a14:hiddenFill xmlns="" xmlns:a14="http://schemas.microsoft.com/office/drawing/2010/main">
                 <a:solidFill>
                   <a:schemeClr val="bg1"/>
                 </a:solidFill>
               </a14:hiddenFill>
             </a:ext>
             <a:ext uri="{91240B29-F687-4f45-9708-019B960494DF}">
-              <a14:hiddenLine xmlns:a14="http://schemas.microsoft.com/office/drawing/2010/main" xmlns="" w="12700">
+              <a14:hiddenLine xmlns="" xmlns:a14="http://schemas.microsoft.com/office/drawing/2010/main" w="12700">
                 <a:pattFill prst="narHorz">
                   <a:fgClr>
                     <a:schemeClr val="tx1"/>
@@ -4436,7 +4436,7 @@
               </a14:hiddenLine>
             </a:ext>
             <a:ext uri="{AF507438-7753-43e0-B8FC-AC1667EBCBE1}">
-              <a14:hiddenEffects xmlns:a14="http://schemas.microsoft.com/office/drawing/2010/main" xmlns="">
+              <a14:hiddenEffects xmlns="" xmlns:a14="http://schemas.microsoft.com/office/drawing/2010/main">
                 <a:effectLst>
                   <a:outerShdw dist="35921" dir="2700000" algn="ctr" rotWithShape="0">
                     <a:schemeClr val="bg2"/>
@@ -4502,12 +4502,12 @@
           <a:effectLst/>
           <a:extLst>
             <a:ext uri="{909E8E84-426E-40dd-AFC4-6F175D3DCCD1}">
-              <a14:hiddenFill xmlns:a14="http://schemas.microsoft.com/office/drawing/2010/main" xmlns="">
+              <a14:hiddenFill xmlns="" xmlns:a14="http://schemas.microsoft.com/office/drawing/2010/main">
                 <a:noFill/>
               </a14:hiddenFill>
             </a:ext>
             <a:ext uri="{AF507438-7753-43e0-B8FC-AC1667EBCBE1}">
-              <a14:hiddenEffects xmlns:a14="http://schemas.microsoft.com/office/drawing/2010/main" xmlns="">
+              <a14:hiddenEffects xmlns="" xmlns:a14="http://schemas.microsoft.com/office/drawing/2010/main">
                 <a:effectLst>
                   <a:outerShdw blurRad="63500" dist="38099" dir="2700000" algn="ctr" rotWithShape="0">
                     <a:schemeClr val="bg2">
@@ -17376,17 +17376,17 @@
           <a:effectLst/>
           <a:extLst>
             <a:ext uri="{FAA26D3D-D897-4be2-8F04-BA451C77F1D7}">
-              <ma14:placeholderFlag xmlns:ma14="http://schemas.microsoft.com/office/mac/drawingml/2011/main" xmlns="" val="1"/>
+              <ma14:placeholderFlag xmlns="" xmlns:ma14="http://schemas.microsoft.com/office/mac/drawingml/2011/main" val="1"/>
             </a:ext>
             <a:ext uri="{909E8E84-426E-40dd-AFC4-6F175D3DCCD1}">
-              <a14:hiddenFill xmlns:a14="http://schemas.microsoft.com/office/drawing/2010/main" xmlns="">
+              <a14:hiddenFill xmlns="" xmlns:a14="http://schemas.microsoft.com/office/drawing/2010/main">
                 <a:solidFill>
                   <a:schemeClr val="bg1"/>
                 </a:solidFill>
               </a14:hiddenFill>
             </a:ext>
             <a:ext uri="{91240B29-F687-4f45-9708-019B960494DF}">
-              <a14:hiddenLine xmlns:a14="http://schemas.microsoft.com/office/drawing/2010/main" xmlns="" w="12700">
+              <a14:hiddenLine xmlns="" xmlns:a14="http://schemas.microsoft.com/office/drawing/2010/main" w="12700">
                 <a:pattFill prst="narHorz">
                   <a:fgClr>
                     <a:schemeClr val="tx1"/>
@@ -17401,7 +17401,7 @@
               </a14:hiddenLine>
             </a:ext>
             <a:ext uri="{AF507438-7753-43e0-B8FC-AC1667EBCBE1}">
-              <a14:hiddenEffects xmlns:a14="http://schemas.microsoft.com/office/drawing/2010/main" xmlns="">
+              <a14:hiddenEffects xmlns="" xmlns:a14="http://schemas.microsoft.com/office/drawing/2010/main">
                 <a:effectLst>
                   <a:outerShdw blurRad="63500" dist="38099" dir="2700000" algn="ctr" rotWithShape="0">
                     <a:schemeClr val="bg2">
@@ -17649,7 +17649,7 @@
           </a:ln>
           <a:extLst>
             <a:ext uri="{AF507438-7753-43e0-B8FC-AC1667EBCBE1}">
-              <a14:hiddenEffects xmlns="" xmlns:a14="http://schemas.microsoft.com/office/drawing/2010/main">
+              <a14:hiddenEffects xmlns:a14="http://schemas.microsoft.com/office/drawing/2010/main" xmlns="">
                 <a:effectLst>
                   <a:outerShdw dist="35921" dir="2700000" algn="ctr" rotWithShape="0">
                     <a:schemeClr val="bg2"/>
@@ -17757,7 +17757,7 @@
           </a:ln>
           <a:extLst>
             <a:ext uri="{AF507438-7753-43e0-B8FC-AC1667EBCBE1}">
-              <a14:hiddenEffects xmlns="" xmlns:a14="http://schemas.microsoft.com/office/drawing/2010/main">
+              <a14:hiddenEffects xmlns:a14="http://schemas.microsoft.com/office/drawing/2010/main" xmlns="">
                 <a:effectLst>
                   <a:outerShdw dist="35921" dir="2700000" algn="ctr" rotWithShape="0">
                     <a:schemeClr val="bg2"/>
@@ -19846,17 +19846,17 @@
           <a:effectLst/>
           <a:extLst>
             <a:ext uri="{FAA26D3D-D897-4be2-8F04-BA451C77F1D7}">
-              <ma14:placeholderFlag xmlns:ma14="http://schemas.microsoft.com/office/mac/drawingml/2011/main" xmlns="" val="1"/>
+              <ma14:placeholderFlag xmlns="" xmlns:ma14="http://schemas.microsoft.com/office/mac/drawingml/2011/main" val="1"/>
             </a:ext>
             <a:ext uri="{909E8E84-426E-40dd-AFC4-6F175D3DCCD1}">
-              <a14:hiddenFill xmlns:a14="http://schemas.microsoft.com/office/drawing/2010/main" xmlns="">
+              <a14:hiddenFill xmlns="" xmlns:a14="http://schemas.microsoft.com/office/drawing/2010/main">
                 <a:solidFill>
                   <a:schemeClr val="bg1"/>
                 </a:solidFill>
               </a14:hiddenFill>
             </a:ext>
             <a:ext uri="{91240B29-F687-4f45-9708-019B960494DF}">
-              <a14:hiddenLine xmlns:a14="http://schemas.microsoft.com/office/drawing/2010/main" xmlns="" w="12700">
+              <a14:hiddenLine xmlns="" xmlns:a14="http://schemas.microsoft.com/office/drawing/2010/main" w="12700">
                 <a:pattFill prst="narHorz">
                   <a:fgClr>
                     <a:schemeClr val="tx1"/>
@@ -19871,7 +19871,7 @@
               </a14:hiddenLine>
             </a:ext>
             <a:ext uri="{AF507438-7753-43e0-B8FC-AC1667EBCBE1}">
-              <a14:hiddenEffects xmlns:a14="http://schemas.microsoft.com/office/drawing/2010/main" xmlns="">
+              <a14:hiddenEffects xmlns="" xmlns:a14="http://schemas.microsoft.com/office/drawing/2010/main">
                 <a:effectLst>
                   <a:outerShdw blurRad="63500" dist="38099" dir="2700000" algn="ctr" rotWithShape="0">
                     <a:schemeClr val="bg2">
@@ -23588,17 +23588,17 @@
           <a:effectLst/>
           <a:extLst>
             <a:ext uri="{FAA26D3D-D897-4be2-8F04-BA451C77F1D7}">
-              <ma14:placeholderFlag xmlns:ma14="http://schemas.microsoft.com/office/mac/drawingml/2011/main" xmlns="" val="1"/>
+              <ma14:placeholderFlag xmlns="" xmlns:ma14="http://schemas.microsoft.com/office/mac/drawingml/2011/main" val="1"/>
             </a:ext>
             <a:ext uri="{909E8E84-426E-40dd-AFC4-6F175D3DCCD1}">
-              <a14:hiddenFill xmlns:a14="http://schemas.microsoft.com/office/drawing/2010/main" xmlns="">
+              <a14:hiddenFill xmlns="" xmlns:a14="http://schemas.microsoft.com/office/drawing/2010/main">
                 <a:solidFill>
                   <a:schemeClr val="bg1"/>
                 </a:solidFill>
               </a14:hiddenFill>
             </a:ext>
             <a:ext uri="{91240B29-F687-4f45-9708-019B960494DF}">
-              <a14:hiddenLine xmlns:a14="http://schemas.microsoft.com/office/drawing/2010/main" xmlns="" w="12700">
+              <a14:hiddenLine xmlns="" xmlns:a14="http://schemas.microsoft.com/office/drawing/2010/main" w="12700">
                 <a:pattFill prst="narHorz">
                   <a:fgClr>
                     <a:schemeClr val="tx1"/>
@@ -23613,7 +23613,7 @@
               </a14:hiddenLine>
             </a:ext>
             <a:ext uri="{AF507438-7753-43e0-B8FC-AC1667EBCBE1}">
-              <a14:hiddenEffects xmlns:a14="http://schemas.microsoft.com/office/drawing/2010/main" xmlns="">
+              <a14:hiddenEffects xmlns="" xmlns:a14="http://schemas.microsoft.com/office/drawing/2010/main">
                 <a:effectLst>
                   <a:outerShdw blurRad="63500" dist="38099" dir="2700000" algn="ctr" rotWithShape="0">
                     <a:schemeClr val="bg2">
@@ -23861,7 +23861,7 @@
           </a:ln>
           <a:extLst>
             <a:ext uri="{AF507438-7753-43e0-B8FC-AC1667EBCBE1}">
-              <a14:hiddenEffects xmlns="" xmlns:a14="http://schemas.microsoft.com/office/drawing/2010/main">
+              <a14:hiddenEffects xmlns:a14="http://schemas.microsoft.com/office/drawing/2010/main" xmlns="">
                 <a:effectLst>
                   <a:outerShdw dist="35921" dir="2700000" algn="ctr" rotWithShape="0">
                     <a:schemeClr val="bg2"/>
@@ -23969,7 +23969,7 @@
           </a:ln>
           <a:extLst>
             <a:ext uri="{AF507438-7753-43e0-B8FC-AC1667EBCBE1}">
-              <a14:hiddenEffects xmlns="" xmlns:a14="http://schemas.microsoft.com/office/drawing/2010/main">
+              <a14:hiddenEffects xmlns:a14="http://schemas.microsoft.com/office/drawing/2010/main" xmlns="">
                 <a:effectLst>
                   <a:outerShdw dist="35921" dir="2700000" algn="ctr" rotWithShape="0">
                     <a:schemeClr val="bg2"/>
@@ -25897,17 +25897,17 @@
           <a:effectLst/>
           <a:extLst>
             <a:ext uri="{FAA26D3D-D897-4be2-8F04-BA451C77F1D7}">
-              <ma14:placeholderFlag xmlns:ma14="http://schemas.microsoft.com/office/mac/drawingml/2011/main" xmlns="" val="1"/>
+              <ma14:placeholderFlag xmlns="" xmlns:ma14="http://schemas.microsoft.com/office/mac/drawingml/2011/main" val="1"/>
             </a:ext>
             <a:ext uri="{909E8E84-426E-40dd-AFC4-6F175D3DCCD1}">
-              <a14:hiddenFill xmlns:a14="http://schemas.microsoft.com/office/drawing/2010/main" xmlns="">
+              <a14:hiddenFill xmlns="" xmlns:a14="http://schemas.microsoft.com/office/drawing/2010/main">
                 <a:solidFill>
                   <a:schemeClr val="bg1"/>
                 </a:solidFill>
               </a14:hiddenFill>
             </a:ext>
             <a:ext uri="{91240B29-F687-4f45-9708-019B960494DF}">
-              <a14:hiddenLine xmlns:a14="http://schemas.microsoft.com/office/drawing/2010/main" xmlns="" w="12700">
+              <a14:hiddenLine xmlns="" xmlns:a14="http://schemas.microsoft.com/office/drawing/2010/main" w="12700">
                 <a:pattFill prst="narHorz">
                   <a:fgClr>
                     <a:schemeClr val="tx1"/>
@@ -25922,7 +25922,7 @@
               </a14:hiddenLine>
             </a:ext>
             <a:ext uri="{AF507438-7753-43e0-B8FC-AC1667EBCBE1}">
-              <a14:hiddenEffects xmlns:a14="http://schemas.microsoft.com/office/drawing/2010/main" xmlns="">
+              <a14:hiddenEffects xmlns="" xmlns:a14="http://schemas.microsoft.com/office/drawing/2010/main">
                 <a:effectLst>
                   <a:outerShdw blurRad="63500" dist="38099" dir="2700000" algn="ctr" rotWithShape="0">
                     <a:schemeClr val="bg2">
@@ -26800,19 +26800,25 @@
         </p:spPr>
         <p:txBody>
           <a:bodyPr>
-            <a:normAutofit/>
+            <a:normAutofit fontScale="85000" lnSpcReduction="20000"/>
           </a:bodyPr>
           <a:lstStyle/>
           <a:p>
             <a:r>
               <a:rPr lang="en-GB" dirty="0"/>
-              <a:t>ANS: Parent</a:t>
+              <a:t>ANS: Parent\n</a:t>
             </a:r>
           </a:p>
           <a:p>
             <a:r>
               <a:rPr lang="en-GB" dirty="0"/>
-              <a:t>exec() replaces the current process image with a new program called SOME_COMMAND. The child process will execute the command and terminate. The code following it (e.g., </a:t>
+              <a:t>ret == 0 indicates the Child process; ret &gt; 0 indicates the Parent process; code outside of if-then-else blocks is executed by both Child and Parent</a:t>
+            </a:r>
+          </a:p>
+          <a:p>
+            <a:r>
+              <a:rPr lang="en-GB" dirty="0"/>
+              <a:t>In Child process: exec() replaces the current process image with a new program called SOME_COMMAND. The child process will execute the command and terminate. The code following it (e.g., </a:t>
             </a:r>
             <a:r>
               <a:rPr lang="en-GB" dirty="0" err="1"/>
@@ -26820,13 +26826,28 @@
             </a:r>
             <a:r>
               <a:rPr lang="en-GB" dirty="0"/>
-              <a:t>("Child\n")) will not be executed because the current child process image is replaced.</a:t>
-            </a:r>
-          </a:p>
-          <a:p>
+              <a:t>("Child\n")) will not be executed because it is now running</a:t>
+            </a:r>
+            <a:r>
+              <a:rPr lang="en-US" altLang="zh-CN" dirty="0"/>
+              <a:t> </a:t>
+            </a:r>
             <a:r>
               <a:rPr lang="en-GB" dirty="0"/>
-              <a:t>The parent process waits for the child to finish using wait(NULL) and then prints "Parent\n".</a:t>
+              <a:t>SOME_COMMAND, not the code shown in the text box.</a:t>
+            </a:r>
+          </a:p>
+          <a:p>
+            <a:r>
+              <a:rPr lang="en-GB" dirty="0"/>
+              <a:t>In Parent process: wait for the child to finish using wait(NULL) and then prints "Parent\n“</a:t>
+            </a:r>
+          </a:p>
+          <a:p>
+            <a:pPr lvl="1"/>
+            <a:r>
+              <a:rPr lang="en-GB" dirty="0"/>
+              <a:t>wait(NULL) waits for any child process to terminate, not a specific one. it returns PID of the terminated child process</a:t>
             </a:r>
             <a:endParaRPr lang="en-SE" dirty="0"/>
           </a:p>
@@ -28384,7 +28405,7 @@
           <p:nvPr/>
         </p:nvSpPr>
         <p:spPr>
-          <a:xfrm rot="4718799">
+          <a:xfrm rot="4676906">
             <a:off x="507767" y="4420464"/>
             <a:ext cx="1446587" cy="321863"/>
           </a:xfrm>
@@ -28726,7 +28747,7 @@
         </p:nvSpPr>
         <p:spPr>
           <a:xfrm>
-            <a:off x="5255009" y="4943084"/>
+            <a:off x="5219752" y="4953000"/>
             <a:ext cx="810389" cy="259045"/>
           </a:xfrm>
           <a:prstGeom prst="rect">
@@ -28928,7 +28949,7 @@
         </p:spPr>
         <p:txBody>
           <a:bodyPr>
-            <a:normAutofit fontScale="92500" lnSpcReduction="10000"/>
+            <a:normAutofit/>
           </a:bodyPr>
           <a:lstStyle/>
           <a:p>
@@ -28940,7 +28961,7 @@
           <a:p>
             <a:r>
               <a:rPr lang="en-GB" dirty="0"/>
-              <a:t>exec() replaces the current process image with a new program called SOME_COMMAND. The child process will execute the command and terminate. The code following it (e.g., </a:t>
+              <a:t>In Child process: </a:t>
             </a:r>
             <a:r>
               <a:rPr lang="en-GB" dirty="0" err="1"/>
@@ -28948,13 +28969,7 @@
             </a:r>
             <a:r>
               <a:rPr lang="en-GB" dirty="0"/>
-              <a:t>(“3")) will not be executed because the current child process image is replaced</a:t>
-            </a:r>
-          </a:p>
-          <a:p>
-            <a:r>
-              <a:rPr lang="en-GB" dirty="0"/>
-              <a:t>Parent executes: </a:t>
+              <a:t>("1") → exec(SOME_COMMAND). </a:t>
             </a:r>
             <a:r>
               <a:rPr lang="en-GB" dirty="0" err="1"/>
@@ -28962,7 +28977,13 @@
             </a:r>
             <a:r>
               <a:rPr lang="en-GB" dirty="0"/>
-              <a:t>("2") → </a:t>
+              <a:t>("3") in child will not be executed</a:t>
+            </a:r>
+          </a:p>
+          <a:p>
+            <a:r>
+              <a:rPr lang="en-GB" dirty="0"/>
+              <a:t>In Parent process: </a:t>
             </a:r>
             <a:r>
               <a:rPr lang="en-GB" dirty="0" err="1"/>
@@ -28970,13 +28991,7 @@
             </a:r>
             <a:r>
               <a:rPr lang="en-GB" dirty="0"/>
-              <a:t>("3"), output 23</a:t>
-            </a:r>
-          </a:p>
-          <a:p>
-            <a:r>
-              <a:rPr lang="en-GB" dirty="0"/>
-              <a:t>Child executes: </a:t>
+              <a:t>("2") → </a:t>
             </a:r>
             <a:r>
               <a:rPr lang="en-GB" dirty="0" err="1"/>
@@ -28984,15 +28999,7 @@
             </a:r>
             <a:r>
               <a:rPr lang="en-GB" dirty="0"/>
-              <a:t>("1") → exec(SOME_COMMAND), so  </a:t>
-            </a:r>
-            <a:r>
-              <a:rPr lang="en-GB" dirty="0" err="1"/>
-              <a:t>printf</a:t>
-            </a:r>
-            <a:r>
-              <a:rPr lang="en-GB" dirty="0"/>
-              <a:t>("3") in child will not be called</a:t>
+              <a:t>("3"), output 23</a:t>
             </a:r>
           </a:p>
           <a:p>
@@ -31080,7 +31087,7 @@
           <a:p>
             <a:r>
               <a:rPr lang="en-GB" dirty="0"/>
-              <a:t>Parent executes: </a:t>
+              <a:t>In Child process: </a:t>
             </a:r>
             <a:r>
               <a:rPr lang="en-GB" dirty="0" err="1"/>
@@ -31088,7 +31095,7 @@
             </a:r>
             <a:r>
               <a:rPr lang="en-GB" dirty="0"/>
-              <a:t>("2") → </a:t>
+              <a:t>("1") → </a:t>
             </a:r>
             <a:r>
               <a:rPr lang="en-GB" dirty="0" err="1"/>
@@ -31096,13 +31103,13 @@
             </a:r>
             <a:r>
               <a:rPr lang="en-GB" dirty="0"/>
-              <a:t>("3"), output 23</a:t>
+              <a:t>("3"), output 13</a:t>
             </a:r>
           </a:p>
           <a:p>
             <a:r>
               <a:rPr lang="en-GB" dirty="0"/>
-              <a:t>Child executes: </a:t>
+              <a:t>In Parent process: </a:t>
             </a:r>
             <a:r>
               <a:rPr lang="en-GB" dirty="0" err="1"/>
@@ -31110,7 +31117,7 @@
             </a:r>
             <a:r>
               <a:rPr lang="en-GB" dirty="0"/>
-              <a:t>("1") → </a:t>
+              <a:t>("2") → </a:t>
             </a:r>
             <a:r>
               <a:rPr lang="en-GB" dirty="0" err="1"/>
@@ -31118,7 +31125,7 @@
             </a:r>
             <a:r>
               <a:rPr lang="en-GB" dirty="0"/>
-              <a:t>("3"), output 13</a:t>
+              <a:t>("3"), output 23</a:t>
             </a:r>
           </a:p>
           <a:p>
@@ -35522,7 +35529,7 @@
         <a:effectLst/>
         <a:extLst>
           <a:ext uri="{AF507438-7753-43e0-B8FC-AC1667EBCBE1}">
-            <a14:hiddenEffects xmlns:a14="http://schemas.microsoft.com/office/drawing/2010/main" xmlns="">
+            <a14:hiddenEffects xmlns="" xmlns:a14="http://schemas.microsoft.com/office/drawing/2010/main">
               <a:effectLst>
                 <a:outerShdw dist="35921" dir="2700000" algn="ctr" rotWithShape="0">
                   <a:schemeClr val="bg2"/>
@@ -35595,7 +35602,7 @@
         <a:effectLst/>
         <a:extLst>
           <a:ext uri="{AF507438-7753-43e0-B8FC-AC1667EBCBE1}">
-            <a14:hiddenEffects xmlns:a14="http://schemas.microsoft.com/office/drawing/2010/main" xmlns="">
+            <a14:hiddenEffects xmlns="" xmlns:a14="http://schemas.microsoft.com/office/drawing/2010/main">
               <a:effectLst>
                 <a:outerShdw dist="35921" dir="2700000" algn="ctr" rotWithShape="0">
                   <a:schemeClr val="bg2"/>

--- a/PPTs/Exam/CSC112 MidtermExam Sp2025.pptx
+++ b/PPTs/Exam/CSC112 MidtermExam Sp2025.pptx
@@ -26812,7 +26812,7 @@
           <a:p>
             <a:r>
               <a:rPr lang="en-GB" dirty="0"/>
-              <a:t>ret == 0 indicates the Child process; ret &gt; 0 indicates the Parent process; code outside of if-then-else blocks is executed by both Child and Parent</a:t>
+              <a:t>Code inside if(ret == 0){} block is executed by Child process; code inside if(ret &gt; 0){} block is executed by Parent process; code outside of if-then-else blocks is executed by both Child and Parent</a:t>
             </a:r>
           </a:p>
           <a:p>
@@ -28211,8 +28211,8 @@
           <p:nvPr/>
         </p:nvSpPr>
         <p:spPr>
-          <a:xfrm rot="10256998">
-            <a:off x="1912799" y="5247464"/>
+          <a:xfrm rot="10131385">
+            <a:off x="1912799" y="5347167"/>
             <a:ext cx="3263614" cy="591431"/>
           </a:xfrm>
           <a:custGeom>
@@ -28354,7 +28354,7 @@
         </p:nvSpPr>
         <p:spPr>
           <a:xfrm>
-            <a:off x="671039" y="5322216"/>
+            <a:off x="671039" y="5529770"/>
             <a:ext cx="1344500" cy="268539"/>
           </a:xfrm>
           <a:prstGeom prst="rect">
@@ -28406,8 +28406,8 @@
         </p:nvSpPr>
         <p:spPr>
           <a:xfrm rot="4676906">
-            <a:off x="507767" y="4420464"/>
-            <a:ext cx="1446587" cy="321863"/>
+            <a:off x="422026" y="4521908"/>
+            <a:ext cx="1657715" cy="326396"/>
           </a:xfrm>
           <a:custGeom>
             <a:avLst/>
@@ -28485,8 +28485,8 @@
           <p:nvPr/>
         </p:nvSpPr>
         <p:spPr>
-          <a:xfrm rot="4718799">
-            <a:off x="916914" y="5895555"/>
+          <a:xfrm rot="4619132">
+            <a:off x="980785" y="6047650"/>
             <a:ext cx="602939" cy="130876"/>
           </a:xfrm>
           <a:custGeom>
@@ -28566,7 +28566,7 @@
         </p:nvSpPr>
         <p:spPr>
           <a:xfrm>
-            <a:off x="1264342" y="5761692"/>
+            <a:off x="1347398" y="5918478"/>
             <a:ext cx="853495" cy="289823"/>
           </a:xfrm>
           <a:prstGeom prst="rect">
@@ -33540,164 +33540,6 @@
       </p:sp>
       <p:sp>
         <p:nvSpPr>
-          <p:cNvPr id="24" name="object 23">
-            <a:extLst>
-              <a:ext uri="{FF2B5EF4-FFF2-40B4-BE49-F238E27FC236}">
-                <a16:creationId xmlns:a16="http://schemas.microsoft.com/office/drawing/2014/main" id="{AB256BA5-2FB8-0EAD-9C2E-EEFB31ED958D}"/>
-              </a:ext>
-            </a:extLst>
-          </p:cNvPr>
-          <p:cNvSpPr/>
-          <p:nvPr/>
-        </p:nvSpPr>
-        <p:spPr>
-          <a:xfrm>
-            <a:off x="5616864" y="4572115"/>
-            <a:ext cx="45719" cy="583740"/>
-          </a:xfrm>
-          <a:custGeom>
-            <a:avLst/>
-            <a:gdLst/>
-            <a:ahLst/>
-            <a:cxnLst/>
-            <a:rect l="l" t="t" r="r" b="b"/>
-            <a:pathLst>
-              <a:path h="241935">
-                <a:moveTo>
-                  <a:pt x="0" y="0"/>
-                </a:moveTo>
-                <a:lnTo>
-                  <a:pt x="0" y="228741"/>
-                </a:lnTo>
-                <a:lnTo>
-                  <a:pt x="0" y="241441"/>
-                </a:lnTo>
-              </a:path>
-            </a:pathLst>
-          </a:custGeom>
-          <a:ln w="25400">
-            <a:solidFill>
-              <a:srgbClr val="0365C0"/>
-            </a:solidFill>
-          </a:ln>
-        </p:spPr>
-        <p:txBody>
-          <a:bodyPr wrap="square" lIns="0" tIns="0" rIns="0" bIns="0" rtlCol="0"/>
-          <a:lstStyle/>
-          <a:p>
-            <a:pPr marL="0" marR="0" lvl="0" indent="0" defTabSz="914400" eaLnBrk="1" fontAlgn="auto" latinLnBrk="0" hangingPunct="1">
-              <a:lnSpc>
-                <a:spcPct val="100000"/>
-              </a:lnSpc>
-              <a:spcBef>
-                <a:spcPts val="0"/>
-              </a:spcBef>
-              <a:spcAft>
-                <a:spcPts val="0"/>
-              </a:spcAft>
-              <a:buClrTx/>
-              <a:buSzTx/>
-              <a:buFontTx/>
-              <a:buNone/>
-              <a:tabLst/>
-              <a:defRPr/>
-            </a:pPr>
-            <a:endParaRPr kumimoji="0" sz="1800" b="0" i="0" u="none" strike="noStrike" kern="0" cap="none" spc="0" normalizeH="0" baseline="0" noProof="0">
-              <a:ln>
-                <a:noFill/>
-              </a:ln>
-              <a:solidFill>
-                <a:sysClr val="windowText" lastClr="000000"/>
-              </a:solidFill>
-              <a:effectLst/>
-              <a:uLnTx/>
-              <a:uFillTx/>
-            </a:endParaRPr>
-          </a:p>
-        </p:txBody>
-      </p:sp>
-      <p:sp>
-        <p:nvSpPr>
-          <p:cNvPr id="25" name="object 24">
-            <a:extLst>
-              <a:ext uri="{FF2B5EF4-FFF2-40B4-BE49-F238E27FC236}">
-                <a16:creationId xmlns:a16="http://schemas.microsoft.com/office/drawing/2014/main" id="{DC076301-460F-84A1-AF93-7C29F06AFBC1}"/>
-              </a:ext>
-            </a:extLst>
-          </p:cNvPr>
-          <p:cNvSpPr/>
-          <p:nvPr/>
-        </p:nvSpPr>
-        <p:spPr>
-          <a:xfrm>
-            <a:off x="5565844" y="5155855"/>
-            <a:ext cx="121920" cy="121920"/>
-          </a:xfrm>
-          <a:custGeom>
-            <a:avLst/>
-            <a:gdLst/>
-            <a:ahLst/>
-            <a:cxnLst/>
-            <a:rect l="l" t="t" r="r" b="b"/>
-            <a:pathLst>
-              <a:path w="121920" h="121919">
-                <a:moveTo>
-                  <a:pt x="121920" y="0"/>
-                </a:moveTo>
-                <a:lnTo>
-                  <a:pt x="0" y="0"/>
-                </a:lnTo>
-                <a:lnTo>
-                  <a:pt x="60960" y="121919"/>
-                </a:lnTo>
-                <a:lnTo>
-                  <a:pt x="121920" y="0"/>
-                </a:lnTo>
-                <a:close/>
-              </a:path>
-            </a:pathLst>
-          </a:custGeom>
-          <a:solidFill>
-            <a:srgbClr val="0365C0"/>
-          </a:solidFill>
-        </p:spPr>
-        <p:txBody>
-          <a:bodyPr wrap="square" lIns="0" tIns="0" rIns="0" bIns="0" rtlCol="0"/>
-          <a:lstStyle/>
-          <a:p>
-            <a:pPr marL="0" marR="0" lvl="0" indent="0" defTabSz="914400" eaLnBrk="1" fontAlgn="auto" latinLnBrk="0" hangingPunct="1">
-              <a:lnSpc>
-                <a:spcPct val="100000"/>
-              </a:lnSpc>
-              <a:spcBef>
-                <a:spcPts val="0"/>
-              </a:spcBef>
-              <a:spcAft>
-                <a:spcPts val="0"/>
-              </a:spcAft>
-              <a:buClrTx/>
-              <a:buSzTx/>
-              <a:buFontTx/>
-              <a:buNone/>
-              <a:tabLst/>
-              <a:defRPr/>
-            </a:pPr>
-            <a:endParaRPr kumimoji="0" sz="1800" b="0" i="0" u="none" strike="noStrike" kern="0" cap="none" spc="0" normalizeH="0" baseline="0" noProof="0">
-              <a:ln>
-                <a:noFill/>
-              </a:ln>
-              <a:solidFill>
-                <a:sysClr val="windowText" lastClr="000000"/>
-              </a:solidFill>
-              <a:effectLst/>
-              <a:uLnTx/>
-              <a:uFillTx/>
-            </a:endParaRPr>
-          </a:p>
-        </p:txBody>
-      </p:sp>
-      <p:sp>
-        <p:nvSpPr>
           <p:cNvPr id="68" name="object 67">
             <a:extLst>
               <a:ext uri="{FF2B5EF4-FFF2-40B4-BE49-F238E27FC236}">
@@ -34265,10 +34107,72 @@
       </p:sp>
       <p:sp>
         <p:nvSpPr>
-          <p:cNvPr id="134" name="object 19">
+          <p:cNvPr id="135" name="object 66">
             <a:extLst>
               <a:ext uri="{FF2B5EF4-FFF2-40B4-BE49-F238E27FC236}">
-                <a16:creationId xmlns:a16="http://schemas.microsoft.com/office/drawing/2014/main" id="{8C08D948-96C6-E287-FD98-DEF9CC34E3C0}"/>
+                <a16:creationId xmlns:a16="http://schemas.microsoft.com/office/drawing/2014/main" id="{8B53FD93-4D85-6ECF-FF3B-57BAA632B488}"/>
+              </a:ext>
+            </a:extLst>
+          </p:cNvPr>
+          <p:cNvSpPr txBox="1"/>
+          <p:nvPr/>
+        </p:nvSpPr>
+        <p:spPr>
+          <a:xfrm>
+            <a:off x="1981334" y="3140631"/>
+            <a:ext cx="1386759" cy="258241"/>
+          </a:xfrm>
+          <a:prstGeom prst="rect">
+            <a:avLst/>
+          </a:prstGeom>
+        </p:spPr>
+        <p:txBody>
+          <a:bodyPr vert="horz" wrap="square" lIns="0" tIns="12700" rIns="0" bIns="0" rtlCol="0">
+            <a:spAutoFit/>
+          </a:bodyPr>
+          <a:lstStyle/>
+          <a:p>
+            <a:pPr marL="12700" eaLnBrk="1" fontAlgn="auto" hangingPunct="1">
+              <a:spcBef>
+                <a:spcPts val="100"/>
+              </a:spcBef>
+              <a:spcAft>
+                <a:spcPts val="0"/>
+              </a:spcAft>
+            </a:pPr>
+            <a:r>
+              <a:rPr lang="en-GB" sz="1600" b="0" kern="0" dirty="0" err="1">
+                <a:solidFill>
+                  <a:sysClr val="windowText" lastClr="000000"/>
+                </a:solidFill>
+                <a:latin typeface="Courier New"/>
+                <a:cs typeface="Courier New"/>
+              </a:rPr>
+              <a:t>pid</a:t>
+            </a:r>
+            <a:r>
+              <a:rPr lang="en-GB" sz="1600" b="0" kern="0" dirty="0">
+                <a:solidFill>
+                  <a:sysClr val="windowText" lastClr="000000"/>
+                </a:solidFill>
+                <a:latin typeface="Courier New"/>
+                <a:cs typeface="Courier New"/>
+              </a:rPr>
+              <a:t>=fork()</a:t>
+            </a:r>
+            <a:endParaRPr sz="1600" b="0" kern="0" dirty="0">
+              <a:latin typeface="Arial MT"/>
+              <a:cs typeface="Arial MT"/>
+            </a:endParaRPr>
+          </a:p>
+        </p:txBody>
+      </p:sp>
+      <p:sp>
+        <p:nvSpPr>
+          <p:cNvPr id="137" name="object 19">
+            <a:extLst>
+              <a:ext uri="{FF2B5EF4-FFF2-40B4-BE49-F238E27FC236}">
+                <a16:creationId xmlns:a16="http://schemas.microsoft.com/office/drawing/2014/main" id="{FBF09B64-0861-22CD-3BC5-FF2D931072CA}"/>
               </a:ext>
             </a:extLst>
           </p:cNvPr>
@@ -34276,8 +34180,183 @@
           <p:nvPr/>
         </p:nvSpPr>
         <p:spPr>
-          <a:xfrm rot="10256998">
-            <a:off x="1954660" y="5030648"/>
+          <a:xfrm rot="4589571">
+            <a:off x="423035" y="4298120"/>
+            <a:ext cx="1694892" cy="390353"/>
+          </a:xfrm>
+          <a:custGeom>
+            <a:avLst/>
+            <a:gdLst/>
+            <a:ahLst/>
+            <a:cxnLst/>
+            <a:rect l="l" t="t" r="r" b="b"/>
+            <a:pathLst>
+              <a:path w="3268345" h="734060">
+                <a:moveTo>
+                  <a:pt x="0" y="0"/>
+                </a:moveTo>
+                <a:lnTo>
+                  <a:pt x="3255691" y="730800"/>
+                </a:lnTo>
+                <a:lnTo>
+                  <a:pt x="3268082" y="733581"/>
+                </a:lnTo>
+              </a:path>
+            </a:pathLst>
+          </a:custGeom>
+          <a:ln w="25400">
+            <a:solidFill>
+              <a:srgbClr val="0365C0"/>
+            </a:solidFill>
+            <a:headEnd type="none" w="med" len="med"/>
+            <a:tailEnd type="triangle" w="lg" len="lg"/>
+          </a:ln>
+        </p:spPr>
+        <p:txBody>
+          <a:bodyPr wrap="square" lIns="0" tIns="0" rIns="0" bIns="0" rtlCol="0"/>
+          <a:lstStyle/>
+          <a:p>
+            <a:pPr marL="0" marR="0" lvl="0" indent="0" defTabSz="914400" eaLnBrk="1" fontAlgn="auto" latinLnBrk="0" hangingPunct="1">
+              <a:lnSpc>
+                <a:spcPct val="100000"/>
+              </a:lnSpc>
+              <a:spcBef>
+                <a:spcPts val="0"/>
+              </a:spcBef>
+              <a:spcAft>
+                <a:spcPts val="0"/>
+              </a:spcAft>
+              <a:buClrTx/>
+              <a:buSzTx/>
+              <a:buFontTx/>
+              <a:buNone/>
+              <a:tabLst/>
+              <a:defRPr/>
+            </a:pPr>
+            <a:endParaRPr kumimoji="0" sz="1800" b="0" i="0" u="none" strike="noStrike" kern="0" cap="none" spc="0" normalizeH="0" baseline="0" noProof="0">
+              <a:ln>
+                <a:noFill/>
+              </a:ln>
+              <a:solidFill>
+                <a:sysClr val="windowText" lastClr="000000"/>
+              </a:solidFill>
+              <a:effectLst/>
+              <a:uLnTx/>
+              <a:uFillTx/>
+            </a:endParaRPr>
+          </a:p>
+        </p:txBody>
+      </p:sp>
+      <p:sp>
+        <p:nvSpPr>
+          <p:cNvPr id="141" name="Content Placeholder 2">
+            <a:extLst>
+              <a:ext uri="{FF2B5EF4-FFF2-40B4-BE49-F238E27FC236}">
+                <a16:creationId xmlns:a16="http://schemas.microsoft.com/office/drawing/2014/main" id="{CC3CFD75-694E-AD7F-8A30-653E5176E559}"/>
+              </a:ext>
+            </a:extLst>
+          </p:cNvPr>
+          <p:cNvSpPr>
+            <a:spLocks noGrp="1"/>
+          </p:cNvSpPr>
+          <p:nvPr>
+            <p:ph idx="1"/>
+          </p:nvPr>
+        </p:nvSpPr>
+        <p:spPr>
+          <a:xfrm>
+            <a:off x="6247830" y="807595"/>
+            <a:ext cx="5746050" cy="5775765"/>
+          </a:xfrm>
+        </p:spPr>
+        <p:txBody>
+          <a:bodyPr>
+            <a:normAutofit fontScale="92500" lnSpcReduction="10000"/>
+          </a:bodyPr>
+          <a:lstStyle/>
+          <a:p>
+            <a:r>
+              <a:rPr lang="en-GB" dirty="0"/>
+              <a:t>ANS: ABBCC or ABCBC</a:t>
+            </a:r>
+          </a:p>
+          <a:p>
+            <a:r>
+              <a:rPr lang="en-GB" dirty="0"/>
+              <a:t>Parent prints A</a:t>
+            </a:r>
+          </a:p>
+          <a:p>
+            <a:r>
+              <a:rPr lang="en-GB" dirty="0"/>
+              <a:t>fork() is called. Concurrently:</a:t>
+            </a:r>
+          </a:p>
+          <a:p>
+            <a:pPr lvl="1"/>
+            <a:r>
+              <a:rPr lang="en-GB" dirty="0"/>
+              <a:t>Parent prints B, then waits for child to finish</a:t>
+            </a:r>
+          </a:p>
+          <a:p>
+            <a:pPr lvl="1"/>
+            <a:r>
+              <a:rPr lang="en-GB" dirty="0"/>
+              <a:t>Child prints B, then prints C</a:t>
+            </a:r>
+          </a:p>
+          <a:p>
+            <a:r>
+              <a:rPr lang="en-GB" dirty="0"/>
+              <a:t>Parent continues after child finishes execution, and prints C.</a:t>
+            </a:r>
+          </a:p>
+          <a:p>
+            <a:r>
+              <a:rPr lang="en-GB" dirty="0"/>
+              <a:t>Output sequence can be either ABBCC and ABCBC</a:t>
+            </a:r>
+          </a:p>
+          <a:p>
+            <a:pPr lvl="1"/>
+            <a:r>
+              <a:rPr lang="en-GB" dirty="0"/>
+              <a:t>Initially parent prints A first</a:t>
+            </a:r>
+          </a:p>
+          <a:p>
+            <a:pPr lvl="1"/>
+            <a:r>
+              <a:rPr lang="en-GB" dirty="0"/>
+              <a:t>Parent’s printing of B and child’s printing of B, C can interleave in arbitrary order, with two possible outputs BBC or BCB</a:t>
+            </a:r>
+          </a:p>
+          <a:p>
+            <a:pPr lvl="1"/>
+            <a:r>
+              <a:rPr lang="en-GB" dirty="0"/>
+              <a:t>The parent’s wait(NULL) ensures that parent prints C last.</a:t>
+            </a:r>
+            <a:endParaRPr lang="en-SE" dirty="0"/>
+          </a:p>
+        </p:txBody>
+      </p:sp>
+      <p:sp>
+        <p:nvSpPr>
+          <p:cNvPr id="17" name="object 19">
+            <a:extLst>
+              <a:ext uri="{FF2B5EF4-FFF2-40B4-BE49-F238E27FC236}">
+                <a16:creationId xmlns:a16="http://schemas.microsoft.com/office/drawing/2014/main" id="{2FDC8D90-8C8E-B954-EE70-BEA7A8A06999}"/>
+              </a:ext>
+            </a:extLst>
+          </p:cNvPr>
+          <p:cNvSpPr/>
+          <p:nvPr/>
+        </p:nvSpPr>
+        <p:spPr>
+          <a:xfrm rot="10131385">
+            <a:off x="1912799" y="5186602"/>
             <a:ext cx="3263614" cy="591431"/>
           </a:xfrm>
           <a:custGeom>
@@ -34345,10 +34424,10 @@
       </p:sp>
       <p:sp>
         <p:nvSpPr>
-          <p:cNvPr id="135" name="object 66">
+          <p:cNvPr id="18" name="object 66">
             <a:extLst>
               <a:ext uri="{FF2B5EF4-FFF2-40B4-BE49-F238E27FC236}">
-                <a16:creationId xmlns:a16="http://schemas.microsoft.com/office/drawing/2014/main" id="{8B53FD93-4D85-6ECF-FF3B-57BAA632B488}"/>
+                <a16:creationId xmlns:a16="http://schemas.microsoft.com/office/drawing/2014/main" id="{B6BF453F-9FAF-90F9-3054-FBB72805368D}"/>
               </a:ext>
             </a:extLst>
           </p:cNvPr>
@@ -34357,69 +34436,7 @@
         </p:nvSpPr>
         <p:spPr>
           <a:xfrm>
-            <a:off x="1981334" y="3140631"/>
-            <a:ext cx="1386759" cy="258241"/>
-          </a:xfrm>
-          <a:prstGeom prst="rect">
-            <a:avLst/>
-          </a:prstGeom>
-        </p:spPr>
-        <p:txBody>
-          <a:bodyPr vert="horz" wrap="square" lIns="0" tIns="12700" rIns="0" bIns="0" rtlCol="0">
-            <a:spAutoFit/>
-          </a:bodyPr>
-          <a:lstStyle/>
-          <a:p>
-            <a:pPr marL="12700" eaLnBrk="1" fontAlgn="auto" hangingPunct="1">
-              <a:spcBef>
-                <a:spcPts val="100"/>
-              </a:spcBef>
-              <a:spcAft>
-                <a:spcPts val="0"/>
-              </a:spcAft>
-            </a:pPr>
-            <a:r>
-              <a:rPr lang="en-GB" sz="1600" b="0" kern="0" dirty="0" err="1">
-                <a:solidFill>
-                  <a:sysClr val="windowText" lastClr="000000"/>
-                </a:solidFill>
-                <a:latin typeface="Courier New"/>
-                <a:cs typeface="Courier New"/>
-              </a:rPr>
-              <a:t>pid</a:t>
-            </a:r>
-            <a:r>
-              <a:rPr lang="en-GB" sz="1600" b="0" kern="0" dirty="0">
-                <a:solidFill>
-                  <a:sysClr val="windowText" lastClr="000000"/>
-                </a:solidFill>
-                <a:latin typeface="Courier New"/>
-                <a:cs typeface="Courier New"/>
-              </a:rPr>
-              <a:t>=fork()</a:t>
-            </a:r>
-            <a:endParaRPr sz="1600" b="0" kern="0" dirty="0">
-              <a:latin typeface="Arial MT"/>
-              <a:cs typeface="Arial MT"/>
-            </a:endParaRPr>
-          </a:p>
-        </p:txBody>
-      </p:sp>
-      <p:sp>
-        <p:nvSpPr>
-          <p:cNvPr id="136" name="object 66">
-            <a:extLst>
-              <a:ext uri="{FF2B5EF4-FFF2-40B4-BE49-F238E27FC236}">
-                <a16:creationId xmlns:a16="http://schemas.microsoft.com/office/drawing/2014/main" id="{32CC8358-B3AC-D5A1-A3B4-62FF379C6AEF}"/>
-              </a:ext>
-            </a:extLst>
-          </p:cNvPr>
-          <p:cNvSpPr txBox="1"/>
-          <p:nvPr/>
-        </p:nvSpPr>
-        <p:spPr>
-          <a:xfrm>
-            <a:off x="712900" y="5105400"/>
+            <a:off x="671039" y="5369205"/>
             <a:ext cx="1344500" cy="268539"/>
           </a:xfrm>
           <a:prstGeom prst="rect">
@@ -34459,10 +34476,10 @@
       </p:sp>
       <p:sp>
         <p:nvSpPr>
-          <p:cNvPr id="137" name="object 19">
+          <p:cNvPr id="19" name="object 19">
             <a:extLst>
               <a:ext uri="{FF2B5EF4-FFF2-40B4-BE49-F238E27FC236}">
-                <a16:creationId xmlns:a16="http://schemas.microsoft.com/office/drawing/2014/main" id="{FBF09B64-0861-22CD-3BC5-FF2D931072CA}"/>
+                <a16:creationId xmlns:a16="http://schemas.microsoft.com/office/drawing/2014/main" id="{9551382B-EF7F-5EC8-C47B-A94B7AACB232}"/>
               </a:ext>
             </a:extLst>
           </p:cNvPr>
@@ -34470,88 +34487,8 @@
           <p:nvPr/>
         </p:nvSpPr>
         <p:spPr>
-          <a:xfrm rot="4718799">
-            <a:off x="549628" y="4203648"/>
-            <a:ext cx="1446587" cy="321863"/>
-          </a:xfrm>
-          <a:custGeom>
-            <a:avLst/>
-            <a:gdLst/>
-            <a:ahLst/>
-            <a:cxnLst/>
-            <a:rect l="l" t="t" r="r" b="b"/>
-            <a:pathLst>
-              <a:path w="3268345" h="734060">
-                <a:moveTo>
-                  <a:pt x="0" y="0"/>
-                </a:moveTo>
-                <a:lnTo>
-                  <a:pt x="3255691" y="730800"/>
-                </a:lnTo>
-                <a:lnTo>
-                  <a:pt x="3268082" y="733581"/>
-                </a:lnTo>
-              </a:path>
-            </a:pathLst>
-          </a:custGeom>
-          <a:ln w="25400">
-            <a:solidFill>
-              <a:srgbClr val="0365C0"/>
-            </a:solidFill>
-            <a:headEnd type="none" w="med" len="med"/>
-            <a:tailEnd type="triangle" w="lg" len="lg"/>
-          </a:ln>
-        </p:spPr>
-        <p:txBody>
-          <a:bodyPr wrap="square" lIns="0" tIns="0" rIns="0" bIns="0" rtlCol="0"/>
-          <a:lstStyle/>
-          <a:p>
-            <a:pPr marL="0" marR="0" lvl="0" indent="0" defTabSz="914400" eaLnBrk="1" fontAlgn="auto" latinLnBrk="0" hangingPunct="1">
-              <a:lnSpc>
-                <a:spcPct val="100000"/>
-              </a:lnSpc>
-              <a:spcBef>
-                <a:spcPts val="0"/>
-              </a:spcBef>
-              <a:spcAft>
-                <a:spcPts val="0"/>
-              </a:spcAft>
-              <a:buClrTx/>
-              <a:buSzTx/>
-              <a:buFontTx/>
-              <a:buNone/>
-              <a:tabLst/>
-              <a:defRPr/>
-            </a:pPr>
-            <a:endParaRPr kumimoji="0" sz="1800" b="0" i="0" u="none" strike="noStrike" kern="0" cap="none" spc="0" normalizeH="0" baseline="0" noProof="0">
-              <a:ln>
-                <a:noFill/>
-              </a:ln>
-              <a:solidFill>
-                <a:sysClr val="windowText" lastClr="000000"/>
-              </a:solidFill>
-              <a:effectLst/>
-              <a:uLnTx/>
-              <a:uFillTx/>
-            </a:endParaRPr>
-          </a:p>
-        </p:txBody>
-      </p:sp>
-      <p:sp>
-        <p:nvSpPr>
-          <p:cNvPr id="138" name="object 19">
-            <a:extLst>
-              <a:ext uri="{FF2B5EF4-FFF2-40B4-BE49-F238E27FC236}">
-                <a16:creationId xmlns:a16="http://schemas.microsoft.com/office/drawing/2014/main" id="{D7C25243-701A-F8D5-7A09-4D7EB724B0D9}"/>
-              </a:ext>
-            </a:extLst>
-          </p:cNvPr>
-          <p:cNvSpPr/>
-          <p:nvPr/>
-        </p:nvSpPr>
-        <p:spPr>
-          <a:xfrm rot="4718799">
-            <a:off x="958775" y="5678739"/>
+          <a:xfrm rot="4619132">
+            <a:off x="980785" y="5887085"/>
             <a:ext cx="602939" cy="130876"/>
           </a:xfrm>
           <a:custGeom>
@@ -34619,10 +34556,10 @@
       </p:sp>
       <p:sp>
         <p:nvSpPr>
-          <p:cNvPr id="139" name="object 66">
+          <p:cNvPr id="22" name="object 66">
             <a:extLst>
               <a:ext uri="{FF2B5EF4-FFF2-40B4-BE49-F238E27FC236}">
-                <a16:creationId xmlns:a16="http://schemas.microsoft.com/office/drawing/2014/main" id="{BC33C53B-3BFA-28AF-979C-B12728FF54FC}"/>
+                <a16:creationId xmlns:a16="http://schemas.microsoft.com/office/drawing/2014/main" id="{9BE65BEA-E189-B481-859E-90F6C5645AB3}"/>
               </a:ext>
             </a:extLst>
           </p:cNvPr>
@@ -34631,8 +34568,8 @@
         </p:nvSpPr>
         <p:spPr>
           <a:xfrm>
-            <a:off x="1306204" y="5544876"/>
-            <a:ext cx="522596" cy="289823"/>
+            <a:off x="1347398" y="5757913"/>
+            <a:ext cx="853495" cy="289823"/>
           </a:xfrm>
           <a:prstGeom prst="rect">
             <a:avLst/>
@@ -34657,7 +34594,21 @@
                 <a:latin typeface="Arial MT"/>
                 <a:cs typeface="Arial MT"/>
               </a:rPr>
-              <a:t>“C”</a:t>
+              <a:t>“</a:t>
+            </a:r>
+            <a:r>
+              <a:rPr lang="en-US" altLang="zh-CN" b="0" kern="0" dirty="0">
+                <a:latin typeface="Arial MT"/>
+                <a:cs typeface="Arial MT"/>
+              </a:rPr>
+              <a:t>C</a:t>
+            </a:r>
+            <a:r>
+              <a:rPr lang="en-GB" b="0" kern="0" dirty="0">
+                <a:latin typeface="Arial MT"/>
+                <a:cs typeface="Arial MT"/>
+              </a:rPr>
+              <a:t>”</a:t>
             </a:r>
             <a:endParaRPr b="0" kern="0" dirty="0">
               <a:latin typeface="Arial MT"/>
@@ -34668,10 +34619,10 @@
       </p:sp>
       <p:sp>
         <p:nvSpPr>
-          <p:cNvPr id="140" name="object 66">
+          <p:cNvPr id="23" name="object 66">
             <a:extLst>
               <a:ext uri="{FF2B5EF4-FFF2-40B4-BE49-F238E27FC236}">
-                <a16:creationId xmlns:a16="http://schemas.microsoft.com/office/drawing/2014/main" id="{2A9EA4E7-7678-320C-03E7-DD1286B00DC6}"/>
+                <a16:creationId xmlns:a16="http://schemas.microsoft.com/office/drawing/2014/main" id="{8FA2ABA8-23A8-0C07-4DCF-2F1DBDB1724D}"/>
               </a:ext>
             </a:extLst>
           </p:cNvPr>
@@ -34680,7 +34631,7 @@
         </p:nvSpPr>
         <p:spPr>
           <a:xfrm>
-            <a:off x="5306690" y="5239597"/>
+            <a:off x="5264829" y="5295848"/>
             <a:ext cx="810389" cy="259045"/>
           </a:xfrm>
           <a:prstGeom prst="rect">
@@ -34720,96 +34671,81 @@
       </p:sp>
       <p:sp>
         <p:nvSpPr>
-          <p:cNvPr id="141" name="Content Placeholder 2">
+          <p:cNvPr id="26" name="object 19">
             <a:extLst>
               <a:ext uri="{FF2B5EF4-FFF2-40B4-BE49-F238E27FC236}">
-                <a16:creationId xmlns:a16="http://schemas.microsoft.com/office/drawing/2014/main" id="{CC3CFD75-694E-AD7F-8A30-653E5176E559}"/>
+                <a16:creationId xmlns:a16="http://schemas.microsoft.com/office/drawing/2014/main" id="{5598DDCD-E51F-1A51-7AE4-15FB013C17AF}"/>
               </a:ext>
             </a:extLst>
           </p:cNvPr>
-          <p:cNvSpPr>
-            <a:spLocks noGrp="1"/>
-          </p:cNvSpPr>
-          <p:nvPr>
-            <p:ph idx="1"/>
-          </p:nvPr>
+          <p:cNvSpPr/>
+          <p:nvPr/>
         </p:nvSpPr>
         <p:spPr>
-          <a:xfrm>
-            <a:off x="6247830" y="807595"/>
-            <a:ext cx="5746050" cy="5775765"/>
+          <a:xfrm rot="4619132">
+            <a:off x="5269354" y="4862414"/>
+            <a:ext cx="726256" cy="163621"/>
           </a:xfrm>
+          <a:custGeom>
+            <a:avLst/>
+            <a:gdLst/>
+            <a:ahLst/>
+            <a:cxnLst/>
+            <a:rect l="l" t="t" r="r" b="b"/>
+            <a:pathLst>
+              <a:path w="3268345" h="734060">
+                <a:moveTo>
+                  <a:pt x="0" y="0"/>
+                </a:moveTo>
+                <a:lnTo>
+                  <a:pt x="3255691" y="730800"/>
+                </a:lnTo>
+                <a:lnTo>
+                  <a:pt x="3268082" y="733581"/>
+                </a:lnTo>
+              </a:path>
+            </a:pathLst>
+          </a:custGeom>
+          <a:ln w="25400">
+            <a:solidFill>
+              <a:srgbClr val="0365C0"/>
+            </a:solidFill>
+            <a:headEnd type="none" w="med" len="med"/>
+            <a:tailEnd type="triangle" w="lg" len="lg"/>
+          </a:ln>
         </p:spPr>
         <p:txBody>
-          <a:bodyPr>
-            <a:normAutofit fontScale="92500" lnSpcReduction="10000"/>
-          </a:bodyPr>
+          <a:bodyPr wrap="square" lIns="0" tIns="0" rIns="0" bIns="0" rtlCol="0"/>
           <a:lstStyle/>
           <a:p>
-            <a:r>
-              <a:rPr lang="en-GB" dirty="0"/>
-              <a:t>ANS: ABBCC or ABCBC</a:t>
-            </a:r>
-          </a:p>
-          <a:p>
-            <a:r>
-              <a:rPr lang="en-GB" dirty="0"/>
-              <a:t>Parent prints A</a:t>
-            </a:r>
-          </a:p>
-          <a:p>
-            <a:r>
-              <a:rPr lang="en-GB" dirty="0"/>
-              <a:t>fork() is called. Concurrently:</a:t>
-            </a:r>
-          </a:p>
-          <a:p>
-            <a:pPr lvl="1"/>
-            <a:r>
-              <a:rPr lang="en-GB" dirty="0"/>
-              <a:t>Parent prints B, then waits for child to finish</a:t>
-            </a:r>
-          </a:p>
-          <a:p>
-            <a:pPr lvl="1"/>
-            <a:r>
-              <a:rPr lang="en-GB" dirty="0"/>
-              <a:t>Child prints B, then prints C</a:t>
-            </a:r>
-          </a:p>
-          <a:p>
-            <a:r>
-              <a:rPr lang="en-GB" dirty="0"/>
-              <a:t>Parent continues after child finishes execution, and prints C.</a:t>
-            </a:r>
-          </a:p>
-          <a:p>
-            <a:r>
-              <a:rPr lang="en-GB" dirty="0"/>
-              <a:t>Output sequence can be either ABBCC and ABCBC</a:t>
-            </a:r>
-          </a:p>
-          <a:p>
-            <a:pPr lvl="1"/>
-            <a:r>
-              <a:rPr lang="en-GB" dirty="0"/>
-              <a:t>Initially parent prints A first</a:t>
-            </a:r>
-          </a:p>
-          <a:p>
-            <a:pPr lvl="1"/>
-            <a:r>
-              <a:rPr lang="en-GB" dirty="0"/>
-              <a:t>Parent’s printing of B and child’s printing of B, C can interleave in arbitrary order, with two possible outputs BBC or BCB</a:t>
-            </a:r>
-          </a:p>
-          <a:p>
-            <a:pPr lvl="1"/>
-            <a:r>
-              <a:rPr lang="en-GB" dirty="0"/>
-              <a:t>The parent’s wait(NULL) ensures that parent prints C last.</a:t>
-            </a:r>
-            <a:endParaRPr lang="en-SE" dirty="0"/>
+            <a:pPr marL="0" marR="0" lvl="0" indent="0" defTabSz="914400" eaLnBrk="1" fontAlgn="auto" latinLnBrk="0" hangingPunct="1">
+              <a:lnSpc>
+                <a:spcPct val="100000"/>
+              </a:lnSpc>
+              <a:spcBef>
+                <a:spcPts val="0"/>
+              </a:spcBef>
+              <a:spcAft>
+                <a:spcPts val="0"/>
+              </a:spcAft>
+              <a:buClrTx/>
+              <a:buSzTx/>
+              <a:buFontTx/>
+              <a:buNone/>
+              <a:tabLst/>
+              <a:defRPr/>
+            </a:pPr>
+            <a:endParaRPr kumimoji="0" sz="1800" b="0" i="0" u="none" strike="noStrike" kern="0" cap="none" spc="0" normalizeH="0" baseline="0" noProof="0">
+              <a:ln>
+                <a:noFill/>
+              </a:ln>
+              <a:solidFill>
+                <a:sysClr val="windowText" lastClr="000000"/>
+              </a:solidFill>
+              <a:effectLst/>
+              <a:uLnTx/>
+              <a:uFillTx/>
+            </a:endParaRPr>
           </a:p>
         </p:txBody>
       </p:sp>

--- a/PPTs/Exam/CSC112 MidtermExam Sp2025.pptx
+++ b/PPTs/Exam/CSC112 MidtermExam Sp2025.pptx
@@ -228,14 +228,14 @@
           <a:effectLst/>
           <a:extLst>
             <a:ext uri="{909E8E84-426E-40dd-AFC4-6F175D3DCCD1}">
-              <a14:hiddenFill xmlns="" xmlns:a14="http://schemas.microsoft.com/office/drawing/2010/main">
+              <a14:hiddenFill xmlns:a14="http://schemas.microsoft.com/office/drawing/2010/main" xmlns="">
                 <a:solidFill>
                   <a:schemeClr val="bg1"/>
                 </a:solidFill>
               </a14:hiddenFill>
             </a:ext>
             <a:ext uri="{91240B29-F687-4f45-9708-019B960494DF}">
-              <a14:hiddenLine xmlns="" xmlns:a14="http://schemas.microsoft.com/office/drawing/2010/main" w="12700">
+              <a14:hiddenLine xmlns:a14="http://schemas.microsoft.com/office/drawing/2010/main" xmlns="" w="12700">
                 <a:pattFill prst="narHorz">
                   <a:fgClr>
                     <a:schemeClr val="tx1"/>
@@ -250,7 +250,7 @@
               </a14:hiddenLine>
             </a:ext>
             <a:ext uri="{AF507438-7753-43e0-B8FC-AC1667EBCBE1}">
-              <a14:hiddenEffects xmlns="" xmlns:a14="http://schemas.microsoft.com/office/drawing/2010/main">
+              <a14:hiddenEffects xmlns:a14="http://schemas.microsoft.com/office/drawing/2010/main" xmlns="">
                 <a:effectLst>
                   <a:outerShdw dist="35921" dir="2700000" algn="ctr" rotWithShape="0">
                     <a:schemeClr val="bg2"/>
@@ -356,14 +356,14 @@
           <a:effectLst/>
           <a:extLst>
             <a:ext uri="{909E8E84-426E-40dd-AFC4-6F175D3DCCD1}">
-              <a14:hiddenFill xmlns="" xmlns:a14="http://schemas.microsoft.com/office/drawing/2010/main">
+              <a14:hiddenFill xmlns:a14="http://schemas.microsoft.com/office/drawing/2010/main" xmlns="">
                 <a:solidFill>
                   <a:schemeClr val="bg1"/>
                 </a:solidFill>
               </a14:hiddenFill>
             </a:ext>
             <a:ext uri="{91240B29-F687-4f45-9708-019B960494DF}">
-              <a14:hiddenLine xmlns="" xmlns:a14="http://schemas.microsoft.com/office/drawing/2010/main" w="12700">
+              <a14:hiddenLine xmlns:a14="http://schemas.microsoft.com/office/drawing/2010/main" xmlns="" w="12700">
                 <a:pattFill prst="narHorz">
                   <a:fgClr>
                     <a:schemeClr val="tx1"/>
@@ -378,7 +378,7 @@
               </a14:hiddenLine>
             </a:ext>
             <a:ext uri="{AF507438-7753-43e0-B8FC-AC1667EBCBE1}">
-              <a14:hiddenEffects xmlns="" xmlns:a14="http://schemas.microsoft.com/office/drawing/2010/main">
+              <a14:hiddenEffects xmlns:a14="http://schemas.microsoft.com/office/drawing/2010/main" xmlns="">
                 <a:effectLst>
                   <a:outerShdw dist="35921" dir="2700000" algn="ctr" rotWithShape="0">
                     <a:schemeClr val="bg2"/>
@@ -446,17 +446,17 @@
           <a:effectLst/>
           <a:extLst>
             <a:ext uri="{FAA26D3D-D897-4be2-8F04-BA451C77F1D7}">
-              <ma14:placeholderFlag xmlns="" xmlns:ma14="http://schemas.microsoft.com/office/mac/drawingml/2011/main" val="1"/>
+              <ma14:placeholderFlag xmlns:ma14="http://schemas.microsoft.com/office/mac/drawingml/2011/main" xmlns="" val="1"/>
             </a:ext>
             <a:ext uri="{909E8E84-426E-40dd-AFC4-6F175D3DCCD1}">
-              <a14:hiddenFill xmlns="" xmlns:a14="http://schemas.microsoft.com/office/drawing/2010/main">
+              <a14:hiddenFill xmlns:a14="http://schemas.microsoft.com/office/drawing/2010/main" xmlns="">
                 <a:solidFill>
                   <a:srgbClr val="FFFFFF"/>
                 </a:solidFill>
               </a14:hiddenFill>
             </a:ext>
             <a:ext uri="{AF507438-7753-43e0-B8FC-AC1667EBCBE1}">
-              <a14:hiddenEffects xmlns="" xmlns:a14="http://schemas.microsoft.com/office/drawing/2010/main">
+              <a14:hiddenEffects xmlns:a14="http://schemas.microsoft.com/office/drawing/2010/main" xmlns="">
                 <a:effectLst>
                   <a:outerShdw blurRad="63500" dist="38099" dir="2700000" algn="ctr" rotWithShape="0">
                     <a:srgbClr val="000000">
@@ -467,7 +467,7 @@
               </a14:hiddenEffects>
             </a:ext>
             <a:ext uri="{53640926-AAD7-44d8-BBD7-CCE9431645EC}">
-              <a14:shadowObscured xmlns="" xmlns:a14="http://schemas.microsoft.com/office/drawing/2010/main" val="1"/>
+              <a14:shadowObscured xmlns:a14="http://schemas.microsoft.com/office/drawing/2010/main" xmlns="" val="1"/>
             </a:ext>
           </a:extLst>
         </p:spPr>
@@ -497,14 +497,14 @@
           <a:effectLst/>
           <a:extLst>
             <a:ext uri="{909E8E84-426E-40dd-AFC4-6F175D3DCCD1}">
-              <a14:hiddenFill xmlns="" xmlns:a14="http://schemas.microsoft.com/office/drawing/2010/main">
+              <a14:hiddenFill xmlns:a14="http://schemas.microsoft.com/office/drawing/2010/main" xmlns="">
                 <a:solidFill>
                   <a:schemeClr val="bg1"/>
                 </a:solidFill>
               </a14:hiddenFill>
             </a:ext>
             <a:ext uri="{91240B29-F687-4f45-9708-019B960494DF}">
-              <a14:hiddenLine xmlns="" xmlns:a14="http://schemas.microsoft.com/office/drawing/2010/main" w="12700">
+              <a14:hiddenLine xmlns:a14="http://schemas.microsoft.com/office/drawing/2010/main" xmlns="" w="12700">
                 <a:pattFill prst="narHorz">
                   <a:fgClr>
                     <a:schemeClr val="tx1"/>
@@ -519,7 +519,7 @@
               </a14:hiddenLine>
             </a:ext>
             <a:ext uri="{AF507438-7753-43e0-B8FC-AC1667EBCBE1}">
-              <a14:hiddenEffects xmlns="" xmlns:a14="http://schemas.microsoft.com/office/drawing/2010/main">
+              <a14:hiddenEffects xmlns:a14="http://schemas.microsoft.com/office/drawing/2010/main" xmlns="">
                 <a:effectLst>
                   <a:outerShdw dist="35921" dir="2700000" algn="ctr" rotWithShape="0">
                     <a:schemeClr val="bg2"/>
@@ -769,10 +769,10 @@
         <p:spPr>
           <a:extLst>
             <a:ext uri="{FAA26D3D-D897-4be2-8F04-BA451C77F1D7}">
-              <ma14:placeholderFlag xmlns="" xmlns:ma14="http://schemas.microsoft.com/office/mac/drawingml/2011/main" val="1"/>
+              <ma14:placeholderFlag xmlns:ma14="http://schemas.microsoft.com/office/mac/drawingml/2011/main" xmlns="" val="1"/>
             </a:ext>
             <a:ext uri="{AF507438-7753-43e0-B8FC-AC1667EBCBE1}">
-              <a14:hiddenEffects xmlns="" xmlns:a14="http://schemas.microsoft.com/office/drawing/2010/main">
+              <a14:hiddenEffects xmlns:a14="http://schemas.microsoft.com/office/drawing/2010/main" xmlns="">
                 <a:effectLst>
                   <a:outerShdw blurRad="63500" dist="38099" dir="2700000" algn="ctr" rotWithShape="0">
                     <a:schemeClr val="bg2">
@@ -4232,17 +4232,17 @@
           <a:effectLst/>
           <a:extLst>
             <a:ext uri="{FAA26D3D-D897-4be2-8F04-BA451C77F1D7}">
-              <ma14:placeholderFlag xmlns="" xmlns:ma14="http://schemas.microsoft.com/office/mac/drawingml/2011/main" val="1"/>
+              <ma14:placeholderFlag xmlns:ma14="http://schemas.microsoft.com/office/mac/drawingml/2011/main" xmlns="" val="1"/>
             </a:ext>
             <a:ext uri="{909E8E84-426E-40dd-AFC4-6F175D3DCCD1}">
-              <a14:hiddenFill xmlns="" xmlns:a14="http://schemas.microsoft.com/office/drawing/2010/main">
+              <a14:hiddenFill xmlns:a14="http://schemas.microsoft.com/office/drawing/2010/main" xmlns="">
                 <a:solidFill>
                   <a:schemeClr val="bg1"/>
                 </a:solidFill>
               </a14:hiddenFill>
             </a:ext>
             <a:ext uri="{91240B29-F687-4f45-9708-019B960494DF}">
-              <a14:hiddenLine xmlns="" xmlns:a14="http://schemas.microsoft.com/office/drawing/2010/main" w="12700">
+              <a14:hiddenLine xmlns:a14="http://schemas.microsoft.com/office/drawing/2010/main" xmlns="" w="12700">
                 <a:pattFill prst="narHorz">
                   <a:fgClr>
                     <a:schemeClr val="tx1"/>
@@ -4257,7 +4257,7 @@
               </a14:hiddenLine>
             </a:ext>
             <a:ext uri="{AF507438-7753-43e0-B8FC-AC1667EBCBE1}">
-              <a14:hiddenEffects xmlns="" xmlns:a14="http://schemas.microsoft.com/office/drawing/2010/main">
+              <a14:hiddenEffects xmlns:a14="http://schemas.microsoft.com/office/drawing/2010/main" xmlns="">
                 <a:effectLst>
                   <a:outerShdw blurRad="63500" dist="38099" dir="2700000" algn="ctr" rotWithShape="0">
                     <a:schemeClr val="bg2">
@@ -4310,17 +4310,17 @@
           <a:effectLst/>
           <a:extLst>
             <a:ext uri="{FAA26D3D-D897-4be2-8F04-BA451C77F1D7}">
-              <ma14:placeholderFlag xmlns="" xmlns:ma14="http://schemas.microsoft.com/office/mac/drawingml/2011/main" val="1"/>
+              <ma14:placeholderFlag xmlns:ma14="http://schemas.microsoft.com/office/mac/drawingml/2011/main" xmlns="" val="1"/>
             </a:ext>
             <a:ext uri="{909E8E84-426E-40dd-AFC4-6F175D3DCCD1}">
-              <a14:hiddenFill xmlns="" xmlns:a14="http://schemas.microsoft.com/office/drawing/2010/main">
+              <a14:hiddenFill xmlns:a14="http://schemas.microsoft.com/office/drawing/2010/main" xmlns="">
                 <a:solidFill>
                   <a:schemeClr val="bg1"/>
                 </a:solidFill>
               </a14:hiddenFill>
             </a:ext>
             <a:ext uri="{91240B29-F687-4f45-9708-019B960494DF}">
-              <a14:hiddenLine xmlns="" xmlns:a14="http://schemas.microsoft.com/office/drawing/2010/main" w="12700">
+              <a14:hiddenLine xmlns:a14="http://schemas.microsoft.com/office/drawing/2010/main" xmlns="" w="12700">
                 <a:pattFill prst="narHorz">
                   <a:fgClr>
                     <a:schemeClr val="tx1"/>
@@ -4335,7 +4335,7 @@
               </a14:hiddenLine>
             </a:ext>
             <a:ext uri="{AF507438-7753-43e0-B8FC-AC1667EBCBE1}">
-              <a14:hiddenEffects xmlns="" xmlns:a14="http://schemas.microsoft.com/office/drawing/2010/main">
+              <a14:hiddenEffects xmlns:a14="http://schemas.microsoft.com/office/drawing/2010/main" xmlns="">
                 <a:effectLst>
                   <a:outerShdw blurRad="63500" dist="38099" dir="2700000" algn="ctr" rotWithShape="0">
                     <a:schemeClr val="bg2">
@@ -4414,14 +4414,14 @@
           <a:effectLst/>
           <a:extLst>
             <a:ext uri="{909E8E84-426E-40dd-AFC4-6F175D3DCCD1}">
-              <a14:hiddenFill xmlns="" xmlns:a14="http://schemas.microsoft.com/office/drawing/2010/main">
+              <a14:hiddenFill xmlns:a14="http://schemas.microsoft.com/office/drawing/2010/main" xmlns="">
                 <a:solidFill>
                   <a:schemeClr val="bg1"/>
                 </a:solidFill>
               </a14:hiddenFill>
             </a:ext>
             <a:ext uri="{91240B29-F687-4f45-9708-019B960494DF}">
-              <a14:hiddenLine xmlns="" xmlns:a14="http://schemas.microsoft.com/office/drawing/2010/main" w="12700">
+              <a14:hiddenLine xmlns:a14="http://schemas.microsoft.com/office/drawing/2010/main" xmlns="" w="12700">
                 <a:pattFill prst="narHorz">
                   <a:fgClr>
                     <a:schemeClr val="tx1"/>
@@ -4436,7 +4436,7 @@
               </a14:hiddenLine>
             </a:ext>
             <a:ext uri="{AF507438-7753-43e0-B8FC-AC1667EBCBE1}">
-              <a14:hiddenEffects xmlns="" xmlns:a14="http://schemas.microsoft.com/office/drawing/2010/main">
+              <a14:hiddenEffects xmlns:a14="http://schemas.microsoft.com/office/drawing/2010/main" xmlns="">
                 <a:effectLst>
                   <a:outerShdw dist="35921" dir="2700000" algn="ctr" rotWithShape="0">
                     <a:schemeClr val="bg2"/>
@@ -4502,12 +4502,12 @@
           <a:effectLst/>
           <a:extLst>
             <a:ext uri="{909E8E84-426E-40dd-AFC4-6F175D3DCCD1}">
-              <a14:hiddenFill xmlns="" xmlns:a14="http://schemas.microsoft.com/office/drawing/2010/main">
+              <a14:hiddenFill xmlns:a14="http://schemas.microsoft.com/office/drawing/2010/main" xmlns="">
                 <a:noFill/>
               </a14:hiddenFill>
             </a:ext>
             <a:ext uri="{AF507438-7753-43e0-B8FC-AC1667EBCBE1}">
-              <a14:hiddenEffects xmlns="" xmlns:a14="http://schemas.microsoft.com/office/drawing/2010/main">
+              <a14:hiddenEffects xmlns:a14="http://schemas.microsoft.com/office/drawing/2010/main" xmlns="">
                 <a:effectLst>
                   <a:outerShdw blurRad="63500" dist="38099" dir="2700000" algn="ctr" rotWithShape="0">
                     <a:schemeClr val="bg2">
@@ -17376,17 +17376,17 @@
           <a:effectLst/>
           <a:extLst>
             <a:ext uri="{FAA26D3D-D897-4be2-8F04-BA451C77F1D7}">
-              <ma14:placeholderFlag xmlns="" xmlns:ma14="http://schemas.microsoft.com/office/mac/drawingml/2011/main" val="1"/>
+              <ma14:placeholderFlag xmlns:ma14="http://schemas.microsoft.com/office/mac/drawingml/2011/main" xmlns="" val="1"/>
             </a:ext>
             <a:ext uri="{909E8E84-426E-40dd-AFC4-6F175D3DCCD1}">
-              <a14:hiddenFill xmlns="" xmlns:a14="http://schemas.microsoft.com/office/drawing/2010/main">
+              <a14:hiddenFill xmlns:a14="http://schemas.microsoft.com/office/drawing/2010/main" xmlns="">
                 <a:solidFill>
                   <a:schemeClr val="bg1"/>
                 </a:solidFill>
               </a14:hiddenFill>
             </a:ext>
             <a:ext uri="{91240B29-F687-4f45-9708-019B960494DF}">
-              <a14:hiddenLine xmlns="" xmlns:a14="http://schemas.microsoft.com/office/drawing/2010/main" w="12700">
+              <a14:hiddenLine xmlns:a14="http://schemas.microsoft.com/office/drawing/2010/main" xmlns="" w="12700">
                 <a:pattFill prst="narHorz">
                   <a:fgClr>
                     <a:schemeClr val="tx1"/>
@@ -17401,7 +17401,7 @@
               </a14:hiddenLine>
             </a:ext>
             <a:ext uri="{AF507438-7753-43e0-B8FC-AC1667EBCBE1}">
-              <a14:hiddenEffects xmlns="" xmlns:a14="http://schemas.microsoft.com/office/drawing/2010/main">
+              <a14:hiddenEffects xmlns:a14="http://schemas.microsoft.com/office/drawing/2010/main" xmlns="">
                 <a:effectLst>
                   <a:outerShdw blurRad="63500" dist="38099" dir="2700000" algn="ctr" rotWithShape="0">
                     <a:schemeClr val="bg2">
@@ -17649,7 +17649,7 @@
           </a:ln>
           <a:extLst>
             <a:ext uri="{AF507438-7753-43e0-B8FC-AC1667EBCBE1}">
-              <a14:hiddenEffects xmlns:a14="http://schemas.microsoft.com/office/drawing/2010/main" xmlns="">
+              <a14:hiddenEffects xmlns="" xmlns:a14="http://schemas.microsoft.com/office/drawing/2010/main">
                 <a:effectLst>
                   <a:outerShdw dist="35921" dir="2700000" algn="ctr" rotWithShape="0">
                     <a:schemeClr val="bg2"/>
@@ -17757,7 +17757,7 @@
           </a:ln>
           <a:extLst>
             <a:ext uri="{AF507438-7753-43e0-B8FC-AC1667EBCBE1}">
-              <a14:hiddenEffects xmlns:a14="http://schemas.microsoft.com/office/drawing/2010/main" xmlns="">
+              <a14:hiddenEffects xmlns="" xmlns:a14="http://schemas.microsoft.com/office/drawing/2010/main">
                 <a:effectLst>
                   <a:outerShdw dist="35921" dir="2700000" algn="ctr" rotWithShape="0">
                     <a:schemeClr val="bg2"/>
@@ -19846,17 +19846,17 @@
           <a:effectLst/>
           <a:extLst>
             <a:ext uri="{FAA26D3D-D897-4be2-8F04-BA451C77F1D7}">
-              <ma14:placeholderFlag xmlns="" xmlns:ma14="http://schemas.microsoft.com/office/mac/drawingml/2011/main" val="1"/>
+              <ma14:placeholderFlag xmlns:ma14="http://schemas.microsoft.com/office/mac/drawingml/2011/main" xmlns="" val="1"/>
             </a:ext>
             <a:ext uri="{909E8E84-426E-40dd-AFC4-6F175D3DCCD1}">
-              <a14:hiddenFill xmlns="" xmlns:a14="http://schemas.microsoft.com/office/drawing/2010/main">
+              <a14:hiddenFill xmlns:a14="http://schemas.microsoft.com/office/drawing/2010/main" xmlns="">
                 <a:solidFill>
                   <a:schemeClr val="bg1"/>
                 </a:solidFill>
               </a14:hiddenFill>
             </a:ext>
             <a:ext uri="{91240B29-F687-4f45-9708-019B960494DF}">
-              <a14:hiddenLine xmlns="" xmlns:a14="http://schemas.microsoft.com/office/drawing/2010/main" w="12700">
+              <a14:hiddenLine xmlns:a14="http://schemas.microsoft.com/office/drawing/2010/main" xmlns="" w="12700">
                 <a:pattFill prst="narHorz">
                   <a:fgClr>
                     <a:schemeClr val="tx1"/>
@@ -19871,7 +19871,7 @@
               </a14:hiddenLine>
             </a:ext>
             <a:ext uri="{AF507438-7753-43e0-B8FC-AC1667EBCBE1}">
-              <a14:hiddenEffects xmlns="" xmlns:a14="http://schemas.microsoft.com/office/drawing/2010/main">
+              <a14:hiddenEffects xmlns:a14="http://schemas.microsoft.com/office/drawing/2010/main" xmlns="">
                 <a:effectLst>
                   <a:outerShdw blurRad="63500" dist="38099" dir="2700000" algn="ctr" rotWithShape="0">
                     <a:schemeClr val="bg2">
@@ -23588,17 +23588,17 @@
           <a:effectLst/>
           <a:extLst>
             <a:ext uri="{FAA26D3D-D897-4be2-8F04-BA451C77F1D7}">
-              <ma14:placeholderFlag xmlns="" xmlns:ma14="http://schemas.microsoft.com/office/mac/drawingml/2011/main" val="1"/>
+              <ma14:placeholderFlag xmlns:ma14="http://schemas.microsoft.com/office/mac/drawingml/2011/main" xmlns="" val="1"/>
             </a:ext>
             <a:ext uri="{909E8E84-426E-40dd-AFC4-6F175D3DCCD1}">
-              <a14:hiddenFill xmlns="" xmlns:a14="http://schemas.microsoft.com/office/drawing/2010/main">
+              <a14:hiddenFill xmlns:a14="http://schemas.microsoft.com/office/drawing/2010/main" xmlns="">
                 <a:solidFill>
                   <a:schemeClr val="bg1"/>
                 </a:solidFill>
               </a14:hiddenFill>
             </a:ext>
             <a:ext uri="{91240B29-F687-4f45-9708-019B960494DF}">
-              <a14:hiddenLine xmlns="" xmlns:a14="http://schemas.microsoft.com/office/drawing/2010/main" w="12700">
+              <a14:hiddenLine xmlns:a14="http://schemas.microsoft.com/office/drawing/2010/main" xmlns="" w="12700">
                 <a:pattFill prst="narHorz">
                   <a:fgClr>
                     <a:schemeClr val="tx1"/>
@@ -23613,7 +23613,7 @@
               </a14:hiddenLine>
             </a:ext>
             <a:ext uri="{AF507438-7753-43e0-B8FC-AC1667EBCBE1}">
-              <a14:hiddenEffects xmlns="" xmlns:a14="http://schemas.microsoft.com/office/drawing/2010/main">
+              <a14:hiddenEffects xmlns:a14="http://schemas.microsoft.com/office/drawing/2010/main" xmlns="">
                 <a:effectLst>
                   <a:outerShdw blurRad="63500" dist="38099" dir="2700000" algn="ctr" rotWithShape="0">
                     <a:schemeClr val="bg2">
@@ -23861,7 +23861,7 @@
           </a:ln>
           <a:extLst>
             <a:ext uri="{AF507438-7753-43e0-B8FC-AC1667EBCBE1}">
-              <a14:hiddenEffects xmlns:a14="http://schemas.microsoft.com/office/drawing/2010/main" xmlns="">
+              <a14:hiddenEffects xmlns="" xmlns:a14="http://schemas.microsoft.com/office/drawing/2010/main">
                 <a:effectLst>
                   <a:outerShdw dist="35921" dir="2700000" algn="ctr" rotWithShape="0">
                     <a:schemeClr val="bg2"/>
@@ -23969,7 +23969,7 @@
           </a:ln>
           <a:extLst>
             <a:ext uri="{AF507438-7753-43e0-B8FC-AC1667EBCBE1}">
-              <a14:hiddenEffects xmlns:a14="http://schemas.microsoft.com/office/drawing/2010/main" xmlns="">
+              <a14:hiddenEffects xmlns="" xmlns:a14="http://schemas.microsoft.com/office/drawing/2010/main">
                 <a:effectLst>
                   <a:outerShdw dist="35921" dir="2700000" algn="ctr" rotWithShape="0">
                     <a:schemeClr val="bg2"/>
@@ -25897,17 +25897,17 @@
           <a:effectLst/>
           <a:extLst>
             <a:ext uri="{FAA26D3D-D897-4be2-8F04-BA451C77F1D7}">
-              <ma14:placeholderFlag xmlns="" xmlns:ma14="http://schemas.microsoft.com/office/mac/drawingml/2011/main" val="1"/>
+              <ma14:placeholderFlag xmlns:ma14="http://schemas.microsoft.com/office/mac/drawingml/2011/main" xmlns="" val="1"/>
             </a:ext>
             <a:ext uri="{909E8E84-426E-40dd-AFC4-6F175D3DCCD1}">
-              <a14:hiddenFill xmlns="" xmlns:a14="http://schemas.microsoft.com/office/drawing/2010/main">
+              <a14:hiddenFill xmlns:a14="http://schemas.microsoft.com/office/drawing/2010/main" xmlns="">
                 <a:solidFill>
                   <a:schemeClr val="bg1"/>
                 </a:solidFill>
               </a14:hiddenFill>
             </a:ext>
             <a:ext uri="{91240B29-F687-4f45-9708-019B960494DF}">
-              <a14:hiddenLine xmlns="" xmlns:a14="http://schemas.microsoft.com/office/drawing/2010/main" w="12700">
+              <a14:hiddenLine xmlns:a14="http://schemas.microsoft.com/office/drawing/2010/main" xmlns="" w="12700">
                 <a:pattFill prst="narHorz">
                   <a:fgClr>
                     <a:schemeClr val="tx1"/>
@@ -25922,7 +25922,7 @@
               </a14:hiddenLine>
             </a:ext>
             <a:ext uri="{AF507438-7753-43e0-B8FC-AC1667EBCBE1}">
-              <a14:hiddenEffects xmlns="" xmlns:a14="http://schemas.microsoft.com/office/drawing/2010/main">
+              <a14:hiddenEffects xmlns:a14="http://schemas.microsoft.com/office/drawing/2010/main" xmlns="">
                 <a:effectLst>
                   <a:outerShdw blurRad="63500" dist="38099" dir="2700000" algn="ctr" rotWithShape="0">
                     <a:schemeClr val="bg2">
@@ -26794,13 +26794,13 @@
         </p:nvSpPr>
         <p:spPr>
           <a:xfrm>
-            <a:off x="6247830" y="807595"/>
-            <a:ext cx="5746050" cy="5775765"/>
+            <a:off x="6254271" y="879370"/>
+            <a:ext cx="5746050" cy="5859251"/>
           </a:xfrm>
         </p:spPr>
         <p:txBody>
           <a:bodyPr>
-            <a:normAutofit fontScale="85000" lnSpcReduction="20000"/>
+            <a:normAutofit fontScale="77500" lnSpcReduction="20000"/>
           </a:bodyPr>
           <a:lstStyle/>
           <a:p>
@@ -26848,6 +26848,17 @@
             <a:r>
               <a:rPr lang="en-GB" dirty="0"/>
               <a:t>wait(NULL) waits for any child process to terminate, not a specific one. it returns PID of the terminated child process</a:t>
+            </a:r>
+          </a:p>
+          <a:p>
+            <a:pPr lvl="1"/>
+            <a:r>
+              <a:rPr lang="en-US" altLang="zh-CN" dirty="0"/>
+              <a:t>It works as a </a:t>
+            </a:r>
+            <a:r>
+              <a:rPr lang="en-GB" altLang="zh-CN" dirty="0"/>
+              <a:t>“synchronization barrier” between two processes</a:t>
             </a:r>
             <a:endParaRPr lang="en-SE" dirty="0"/>
           </a:p>
@@ -35465,7 +35476,7 @@
         <a:effectLst/>
         <a:extLst>
           <a:ext uri="{AF507438-7753-43e0-B8FC-AC1667EBCBE1}">
-            <a14:hiddenEffects xmlns="" xmlns:a14="http://schemas.microsoft.com/office/drawing/2010/main">
+            <a14:hiddenEffects xmlns:a14="http://schemas.microsoft.com/office/drawing/2010/main" xmlns="">
               <a:effectLst>
                 <a:outerShdw dist="35921" dir="2700000" algn="ctr" rotWithShape="0">
                   <a:schemeClr val="bg2"/>
@@ -35538,7 +35549,7 @@
         <a:effectLst/>
         <a:extLst>
           <a:ext uri="{AF507438-7753-43e0-B8FC-AC1667EBCBE1}">
-            <a14:hiddenEffects xmlns="" xmlns:a14="http://schemas.microsoft.com/office/drawing/2010/main">
+            <a14:hiddenEffects xmlns:a14="http://schemas.microsoft.com/office/drawing/2010/main" xmlns="">
               <a:effectLst>
                 <a:outerShdw dist="35921" dir="2700000" algn="ctr" rotWithShape="0">
                   <a:schemeClr val="bg2"/>

--- a/PPTs/Exam/CSC112 MidtermExam Sp2025.pptx
+++ b/PPTs/Exam/CSC112 MidtermExam Sp2025.pptx
@@ -5,10 +5,10 @@
     <p:sldMasterId id="2147483648" r:id="rId1"/>
   </p:sldMasterIdLst>
   <p:notesMasterIdLst>
-    <p:notesMasterId r:id="rId23"/>
+    <p:notesMasterId r:id="rId24"/>
   </p:notesMasterIdLst>
   <p:handoutMasterIdLst>
-    <p:handoutMasterId r:id="rId24"/>
+    <p:handoutMasterId r:id="rId25"/>
   </p:handoutMasterIdLst>
   <p:sldIdLst>
     <p:sldId id="256" r:id="rId2"/>
@@ -24,14 +24,15 @@
     <p:sldId id="829" r:id="rId12"/>
     <p:sldId id="828" r:id="rId13"/>
     <p:sldId id="827" r:id="rId14"/>
-    <p:sldId id="334" r:id="rId15"/>
+    <p:sldId id="1509" r:id="rId15"/>
     <p:sldId id="824" r:id="rId16"/>
     <p:sldId id="333" r:id="rId17"/>
-    <p:sldId id="826" r:id="rId18"/>
-    <p:sldId id="825" r:id="rId19"/>
-    <p:sldId id="1503" r:id="rId20"/>
-    <p:sldId id="1507" r:id="rId21"/>
-    <p:sldId id="1506" r:id="rId22"/>
+    <p:sldId id="334" r:id="rId18"/>
+    <p:sldId id="826" r:id="rId19"/>
+    <p:sldId id="825" r:id="rId20"/>
+    <p:sldId id="1508" r:id="rId21"/>
+    <p:sldId id="1507" r:id="rId22"/>
+    <p:sldId id="1506" r:id="rId23"/>
   </p:sldIdLst>
   <p:sldSz cx="12192000" cy="6858000"/>
   <p:notesSz cx="9601200" cy="7315200"/>
@@ -228,14 +229,14 @@
           <a:effectLst/>
           <a:extLst>
             <a:ext uri="{909E8E84-426E-40dd-AFC4-6F175D3DCCD1}">
-              <a14:hiddenFill xmlns:a14="http://schemas.microsoft.com/office/drawing/2010/main" xmlns="">
+              <a14:hiddenFill xmlns="" xmlns:a14="http://schemas.microsoft.com/office/drawing/2010/main">
                 <a:solidFill>
                   <a:schemeClr val="bg1"/>
                 </a:solidFill>
               </a14:hiddenFill>
             </a:ext>
             <a:ext uri="{91240B29-F687-4f45-9708-019B960494DF}">
-              <a14:hiddenLine xmlns:a14="http://schemas.microsoft.com/office/drawing/2010/main" xmlns="" w="12700">
+              <a14:hiddenLine xmlns="" xmlns:a14="http://schemas.microsoft.com/office/drawing/2010/main" w="12700">
                 <a:pattFill prst="narHorz">
                   <a:fgClr>
                     <a:schemeClr val="tx1"/>
@@ -250,7 +251,7 @@
               </a14:hiddenLine>
             </a:ext>
             <a:ext uri="{AF507438-7753-43e0-B8FC-AC1667EBCBE1}">
-              <a14:hiddenEffects xmlns:a14="http://schemas.microsoft.com/office/drawing/2010/main" xmlns="">
+              <a14:hiddenEffects xmlns="" xmlns:a14="http://schemas.microsoft.com/office/drawing/2010/main">
                 <a:effectLst>
                   <a:outerShdw dist="35921" dir="2700000" algn="ctr" rotWithShape="0">
                     <a:schemeClr val="bg2"/>
@@ -306,6 +307,84 @@
   </p:cSld>
   <p:clrMap bg1="lt1" tx1="dk1" bg2="lt2" tx2="dk2" accent1="accent1" accent2="accent2" accent3="accent3" accent4="accent4" accent5="accent5" accent6="accent6" hlink="hlink" folHlink="folHlink"/>
 </p:handoutMaster>
+</file>
+
+<file path=ppt/ink/ink1.xml><?xml version="1.0" encoding="utf-8"?>
+<inkml:ink xmlns:inkml="http://www.w3.org/2003/InkML">
+  <inkml:definitions>
+    <inkml:context xml:id="ctx0">
+      <inkml:inkSource xml:id="inkSrc0">
+        <inkml:traceFormat>
+          <inkml:channel name="X" type="integer" min="-2.14748E9" max="2.14748E9" units="cm"/>
+          <inkml:channel name="Y" type="integer" min="-2.14748E9" max="2.14748E9" units="cm"/>
+        </inkml:traceFormat>
+        <inkml:channelProperties>
+          <inkml:channelProperty channel="X" name="resolution" value="1000" units="1/cm"/>
+          <inkml:channelProperty channel="Y" name="resolution" value="1000" units="1/cm"/>
+        </inkml:channelProperties>
+      </inkml:inkSource>
+      <inkml:timestamp xml:id="ts0" timeString="2025-03-31T16:05:36.540"/>
+    </inkml:context>
+    <inkml:brush xml:id="br0">
+      <inkml:brushProperty name="width" value="0.05" units="cm"/>
+      <inkml:brushProperty name="height" value="0.05" units="cm"/>
+      <inkml:brushProperty name="ignorePressure" value="1"/>
+    </inkml:brush>
+  </inkml:definitions>
+  <inkml:trace contextRef="#ctx0" brushRef="#br0">1 1,'0'0</inkml:trace>
+</inkml:ink>
+</file>
+
+<file path=ppt/ink/ink2.xml><?xml version="1.0" encoding="utf-8"?>
+<inkml:ink xmlns:inkml="http://www.w3.org/2003/InkML">
+  <inkml:definitions>
+    <inkml:context xml:id="ctx0">
+      <inkml:inkSource xml:id="inkSrc0">
+        <inkml:traceFormat>
+          <inkml:channel name="X" type="integer" min="-2.14748E9" max="2.14748E9" units="cm"/>
+          <inkml:channel name="Y" type="integer" min="-2.14748E9" max="2.14748E9" units="cm"/>
+        </inkml:traceFormat>
+        <inkml:channelProperties>
+          <inkml:channelProperty channel="X" name="resolution" value="1000" units="1/cm"/>
+          <inkml:channelProperty channel="Y" name="resolution" value="1000" units="1/cm"/>
+        </inkml:channelProperties>
+      </inkml:inkSource>
+      <inkml:timestamp xml:id="ts0" timeString="2025-03-31T16:05:37.532"/>
+    </inkml:context>
+    <inkml:brush xml:id="br0">
+      <inkml:brushProperty name="width" value="0.05" units="cm"/>
+      <inkml:brushProperty name="height" value="0.05" units="cm"/>
+      <inkml:brushProperty name="ignorePressure" value="1"/>
+    </inkml:brush>
+  </inkml:definitions>
+  <inkml:trace contextRef="#ctx0" brushRef="#br0">0 1,'0'0</inkml:trace>
+</inkml:ink>
+</file>
+
+<file path=ppt/ink/ink3.xml><?xml version="1.0" encoding="utf-8"?>
+<inkml:ink xmlns:inkml="http://www.w3.org/2003/InkML">
+  <inkml:definitions>
+    <inkml:context xml:id="ctx0">
+      <inkml:inkSource xml:id="inkSrc0">
+        <inkml:traceFormat>
+          <inkml:channel name="X" type="integer" min="-2.14748E9" max="2.14748E9" units="cm"/>
+          <inkml:channel name="Y" type="integer" min="-2.14748E9" max="2.14748E9" units="cm"/>
+        </inkml:traceFormat>
+        <inkml:channelProperties>
+          <inkml:channelProperty channel="X" name="resolution" value="1000" units="1/cm"/>
+          <inkml:channelProperty channel="Y" name="resolution" value="1000" units="1/cm"/>
+        </inkml:channelProperties>
+      </inkml:inkSource>
+      <inkml:timestamp xml:id="ts0" timeString="2025-03-31T16:30:47.502"/>
+    </inkml:context>
+    <inkml:brush xml:id="br0">
+      <inkml:brushProperty name="width" value="0.05" units="cm"/>
+      <inkml:brushProperty name="height" value="0.05" units="cm"/>
+      <inkml:brushProperty name="ignorePressure" value="1"/>
+    </inkml:brush>
+  </inkml:definitions>
+  <inkml:trace contextRef="#ctx0" brushRef="#br0">1 1,'0'0</inkml:trace>
+</inkml:ink>
 </file>
 
 <file path=ppt/notesMasters/notesMaster1.xml><?xml version="1.0" encoding="utf-8"?>
@@ -356,14 +435,14 @@
           <a:effectLst/>
           <a:extLst>
             <a:ext uri="{909E8E84-426E-40dd-AFC4-6F175D3DCCD1}">
-              <a14:hiddenFill xmlns:a14="http://schemas.microsoft.com/office/drawing/2010/main" xmlns="">
+              <a14:hiddenFill xmlns="" xmlns:a14="http://schemas.microsoft.com/office/drawing/2010/main">
                 <a:solidFill>
                   <a:schemeClr val="bg1"/>
                 </a:solidFill>
               </a14:hiddenFill>
             </a:ext>
             <a:ext uri="{91240B29-F687-4f45-9708-019B960494DF}">
-              <a14:hiddenLine xmlns:a14="http://schemas.microsoft.com/office/drawing/2010/main" xmlns="" w="12700">
+              <a14:hiddenLine xmlns="" xmlns:a14="http://schemas.microsoft.com/office/drawing/2010/main" w="12700">
                 <a:pattFill prst="narHorz">
                   <a:fgClr>
                     <a:schemeClr val="tx1"/>
@@ -378,7 +457,7 @@
               </a14:hiddenLine>
             </a:ext>
             <a:ext uri="{AF507438-7753-43e0-B8FC-AC1667EBCBE1}">
-              <a14:hiddenEffects xmlns:a14="http://schemas.microsoft.com/office/drawing/2010/main" xmlns="">
+              <a14:hiddenEffects xmlns="" xmlns:a14="http://schemas.microsoft.com/office/drawing/2010/main">
                 <a:effectLst>
                   <a:outerShdw dist="35921" dir="2700000" algn="ctr" rotWithShape="0">
                     <a:schemeClr val="bg2"/>
@@ -446,17 +525,17 @@
           <a:effectLst/>
           <a:extLst>
             <a:ext uri="{FAA26D3D-D897-4be2-8F04-BA451C77F1D7}">
-              <ma14:placeholderFlag xmlns:ma14="http://schemas.microsoft.com/office/mac/drawingml/2011/main" xmlns="" val="1"/>
+              <ma14:placeholderFlag xmlns="" xmlns:ma14="http://schemas.microsoft.com/office/mac/drawingml/2011/main" val="1"/>
             </a:ext>
             <a:ext uri="{909E8E84-426E-40dd-AFC4-6F175D3DCCD1}">
-              <a14:hiddenFill xmlns:a14="http://schemas.microsoft.com/office/drawing/2010/main" xmlns="">
+              <a14:hiddenFill xmlns="" xmlns:a14="http://schemas.microsoft.com/office/drawing/2010/main">
                 <a:solidFill>
                   <a:srgbClr val="FFFFFF"/>
                 </a:solidFill>
               </a14:hiddenFill>
             </a:ext>
             <a:ext uri="{AF507438-7753-43e0-B8FC-AC1667EBCBE1}">
-              <a14:hiddenEffects xmlns:a14="http://schemas.microsoft.com/office/drawing/2010/main" xmlns="">
+              <a14:hiddenEffects xmlns="" xmlns:a14="http://schemas.microsoft.com/office/drawing/2010/main">
                 <a:effectLst>
                   <a:outerShdw blurRad="63500" dist="38099" dir="2700000" algn="ctr" rotWithShape="0">
                     <a:srgbClr val="000000">
@@ -467,7 +546,7 @@
               </a14:hiddenEffects>
             </a:ext>
             <a:ext uri="{53640926-AAD7-44d8-BBD7-CCE9431645EC}">
-              <a14:shadowObscured xmlns:a14="http://schemas.microsoft.com/office/drawing/2010/main" xmlns="" val="1"/>
+              <a14:shadowObscured xmlns="" xmlns:a14="http://schemas.microsoft.com/office/drawing/2010/main" val="1"/>
             </a:ext>
           </a:extLst>
         </p:spPr>
@@ -497,14 +576,14 @@
           <a:effectLst/>
           <a:extLst>
             <a:ext uri="{909E8E84-426E-40dd-AFC4-6F175D3DCCD1}">
-              <a14:hiddenFill xmlns:a14="http://schemas.microsoft.com/office/drawing/2010/main" xmlns="">
+              <a14:hiddenFill xmlns="" xmlns:a14="http://schemas.microsoft.com/office/drawing/2010/main">
                 <a:solidFill>
                   <a:schemeClr val="bg1"/>
                 </a:solidFill>
               </a14:hiddenFill>
             </a:ext>
             <a:ext uri="{91240B29-F687-4f45-9708-019B960494DF}">
-              <a14:hiddenLine xmlns:a14="http://schemas.microsoft.com/office/drawing/2010/main" xmlns="" w="12700">
+              <a14:hiddenLine xmlns="" xmlns:a14="http://schemas.microsoft.com/office/drawing/2010/main" w="12700">
                 <a:pattFill prst="narHorz">
                   <a:fgClr>
                     <a:schemeClr val="tx1"/>
@@ -519,7 +598,7 @@
               </a14:hiddenLine>
             </a:ext>
             <a:ext uri="{AF507438-7753-43e0-B8FC-AC1667EBCBE1}">
-              <a14:hiddenEffects xmlns:a14="http://schemas.microsoft.com/office/drawing/2010/main" xmlns="">
+              <a14:hiddenEffects xmlns="" xmlns:a14="http://schemas.microsoft.com/office/drawing/2010/main">
                 <a:effectLst>
                   <a:outerShdw dist="35921" dir="2700000" algn="ctr" rotWithShape="0">
                     <a:schemeClr val="bg2"/>
@@ -769,10 +848,10 @@
         <p:spPr>
           <a:extLst>
             <a:ext uri="{FAA26D3D-D897-4be2-8F04-BA451C77F1D7}">
-              <ma14:placeholderFlag xmlns:ma14="http://schemas.microsoft.com/office/mac/drawingml/2011/main" xmlns="" val="1"/>
+              <ma14:placeholderFlag xmlns="" xmlns:ma14="http://schemas.microsoft.com/office/mac/drawingml/2011/main" val="1"/>
             </a:ext>
             <a:ext uri="{AF507438-7753-43e0-B8FC-AC1667EBCBE1}">
-              <a14:hiddenEffects xmlns:a14="http://schemas.microsoft.com/office/drawing/2010/main" xmlns="">
+              <a14:hiddenEffects xmlns="" xmlns:a14="http://schemas.microsoft.com/office/drawing/2010/main">
                 <a:effectLst>
                   <a:outerShdw blurRad="63500" dist="38099" dir="2700000" algn="ctr" rotWithShape="0">
                     <a:schemeClr val="bg2">
@@ -4232,17 +4311,17 @@
           <a:effectLst/>
           <a:extLst>
             <a:ext uri="{FAA26D3D-D897-4be2-8F04-BA451C77F1D7}">
-              <ma14:placeholderFlag xmlns:ma14="http://schemas.microsoft.com/office/mac/drawingml/2011/main" xmlns="" val="1"/>
+              <ma14:placeholderFlag xmlns="" xmlns:ma14="http://schemas.microsoft.com/office/mac/drawingml/2011/main" val="1"/>
             </a:ext>
             <a:ext uri="{909E8E84-426E-40dd-AFC4-6F175D3DCCD1}">
-              <a14:hiddenFill xmlns:a14="http://schemas.microsoft.com/office/drawing/2010/main" xmlns="">
+              <a14:hiddenFill xmlns="" xmlns:a14="http://schemas.microsoft.com/office/drawing/2010/main">
                 <a:solidFill>
                   <a:schemeClr val="bg1"/>
                 </a:solidFill>
               </a14:hiddenFill>
             </a:ext>
             <a:ext uri="{91240B29-F687-4f45-9708-019B960494DF}">
-              <a14:hiddenLine xmlns:a14="http://schemas.microsoft.com/office/drawing/2010/main" xmlns="" w="12700">
+              <a14:hiddenLine xmlns="" xmlns:a14="http://schemas.microsoft.com/office/drawing/2010/main" w="12700">
                 <a:pattFill prst="narHorz">
                   <a:fgClr>
                     <a:schemeClr val="tx1"/>
@@ -4257,7 +4336,7 @@
               </a14:hiddenLine>
             </a:ext>
             <a:ext uri="{AF507438-7753-43e0-B8FC-AC1667EBCBE1}">
-              <a14:hiddenEffects xmlns:a14="http://schemas.microsoft.com/office/drawing/2010/main" xmlns="">
+              <a14:hiddenEffects xmlns="" xmlns:a14="http://schemas.microsoft.com/office/drawing/2010/main">
                 <a:effectLst>
                   <a:outerShdw blurRad="63500" dist="38099" dir="2700000" algn="ctr" rotWithShape="0">
                     <a:schemeClr val="bg2">
@@ -4310,17 +4389,17 @@
           <a:effectLst/>
           <a:extLst>
             <a:ext uri="{FAA26D3D-D897-4be2-8F04-BA451C77F1D7}">
-              <ma14:placeholderFlag xmlns:ma14="http://schemas.microsoft.com/office/mac/drawingml/2011/main" xmlns="" val="1"/>
+              <ma14:placeholderFlag xmlns="" xmlns:ma14="http://schemas.microsoft.com/office/mac/drawingml/2011/main" val="1"/>
             </a:ext>
             <a:ext uri="{909E8E84-426E-40dd-AFC4-6F175D3DCCD1}">
-              <a14:hiddenFill xmlns:a14="http://schemas.microsoft.com/office/drawing/2010/main" xmlns="">
+              <a14:hiddenFill xmlns="" xmlns:a14="http://schemas.microsoft.com/office/drawing/2010/main">
                 <a:solidFill>
                   <a:schemeClr val="bg1"/>
                 </a:solidFill>
               </a14:hiddenFill>
             </a:ext>
             <a:ext uri="{91240B29-F687-4f45-9708-019B960494DF}">
-              <a14:hiddenLine xmlns:a14="http://schemas.microsoft.com/office/drawing/2010/main" xmlns="" w="12700">
+              <a14:hiddenLine xmlns="" xmlns:a14="http://schemas.microsoft.com/office/drawing/2010/main" w="12700">
                 <a:pattFill prst="narHorz">
                   <a:fgClr>
                     <a:schemeClr val="tx1"/>
@@ -4335,7 +4414,7 @@
               </a14:hiddenLine>
             </a:ext>
             <a:ext uri="{AF507438-7753-43e0-B8FC-AC1667EBCBE1}">
-              <a14:hiddenEffects xmlns:a14="http://schemas.microsoft.com/office/drawing/2010/main" xmlns="">
+              <a14:hiddenEffects xmlns="" xmlns:a14="http://schemas.microsoft.com/office/drawing/2010/main">
                 <a:effectLst>
                   <a:outerShdw blurRad="63500" dist="38099" dir="2700000" algn="ctr" rotWithShape="0">
                     <a:schemeClr val="bg2">
@@ -4414,14 +4493,14 @@
           <a:effectLst/>
           <a:extLst>
             <a:ext uri="{909E8E84-426E-40dd-AFC4-6F175D3DCCD1}">
-              <a14:hiddenFill xmlns:a14="http://schemas.microsoft.com/office/drawing/2010/main" xmlns="">
+              <a14:hiddenFill xmlns="" xmlns:a14="http://schemas.microsoft.com/office/drawing/2010/main">
                 <a:solidFill>
                   <a:schemeClr val="bg1"/>
                 </a:solidFill>
               </a14:hiddenFill>
             </a:ext>
             <a:ext uri="{91240B29-F687-4f45-9708-019B960494DF}">
-              <a14:hiddenLine xmlns:a14="http://schemas.microsoft.com/office/drawing/2010/main" xmlns="" w="12700">
+              <a14:hiddenLine xmlns="" xmlns:a14="http://schemas.microsoft.com/office/drawing/2010/main" w="12700">
                 <a:pattFill prst="narHorz">
                   <a:fgClr>
                     <a:schemeClr val="tx1"/>
@@ -4436,7 +4515,7 @@
               </a14:hiddenLine>
             </a:ext>
             <a:ext uri="{AF507438-7753-43e0-B8FC-AC1667EBCBE1}">
-              <a14:hiddenEffects xmlns:a14="http://schemas.microsoft.com/office/drawing/2010/main" xmlns="">
+              <a14:hiddenEffects xmlns="" xmlns:a14="http://schemas.microsoft.com/office/drawing/2010/main">
                 <a:effectLst>
                   <a:outerShdw dist="35921" dir="2700000" algn="ctr" rotWithShape="0">
                     <a:schemeClr val="bg2"/>
@@ -4502,12 +4581,12 @@
           <a:effectLst/>
           <a:extLst>
             <a:ext uri="{909E8E84-426E-40dd-AFC4-6F175D3DCCD1}">
-              <a14:hiddenFill xmlns:a14="http://schemas.microsoft.com/office/drawing/2010/main" xmlns="">
+              <a14:hiddenFill xmlns="" xmlns:a14="http://schemas.microsoft.com/office/drawing/2010/main">
                 <a:noFill/>
               </a14:hiddenFill>
             </a:ext>
             <a:ext uri="{AF507438-7753-43e0-B8FC-AC1667EBCBE1}">
-              <a14:hiddenEffects xmlns:a14="http://schemas.microsoft.com/office/drawing/2010/main" xmlns="">
+              <a14:hiddenEffects xmlns="" xmlns:a14="http://schemas.microsoft.com/office/drawing/2010/main">
                 <a:effectLst>
                   <a:outerShdw blurRad="63500" dist="38099" dir="2700000" algn="ctr" rotWithShape="0">
                     <a:schemeClr val="bg2">
@@ -5710,6 +5789,8 @@
               <a:rPr lang="en-GB" dirty="0"/>
               <a:t>a) (5 pts) Consider the following concurrent program, where three threads access a shared variable x without mutex locks. What are the possible final values of x after all threads finish execution? Explain why. </a:t>
             </a:r>
+          </a:p>
+          <a:p>
             <a:endParaRPr lang="en-SE" dirty="0"/>
           </a:p>
         </p:txBody>
@@ -6746,7 +6827,7 @@
                       <a:pPr algn="ctr"/>
                       <a:r>
                         <a:rPr lang="en-GB" sz="2000" dirty="0"/>
-                        <a:t>1</a:t>
+                        <a:t>0</a:t>
                       </a:r>
                       <a:endParaRPr lang="en-SE" sz="2000" dirty="0"/>
                     </a:p>
@@ -8076,7 +8157,7 @@
                       <a:pPr algn="ctr"/>
                       <a:r>
                         <a:rPr lang="en-GB" sz="2000" dirty="0"/>
-                        <a:t>1</a:t>
+                        <a:t>0</a:t>
                       </a:r>
                       <a:endParaRPr lang="en-SE" sz="2000" dirty="0"/>
                     </a:p>
@@ -9766,61 +9847,6 @@
           </p:sp>
           <p:sp>
             <p:nvSpPr>
-              <p:cNvPr id="29" name="Line 157">
-                <a:extLst>
-                  <a:ext uri="{FF2B5EF4-FFF2-40B4-BE49-F238E27FC236}">
-                    <a16:creationId xmlns:a16="http://schemas.microsoft.com/office/drawing/2014/main" id="{48E04AB9-99A2-A7CF-CEAF-3D948781984C}"/>
-                  </a:ext>
-                </a:extLst>
-              </p:cNvPr>
-              <p:cNvSpPr>
-                <a:spLocks noChangeShapeType="1"/>
-              </p:cNvSpPr>
-              <p:nvPr/>
-            </p:nvSpPr>
-            <p:spPr bwMode="auto">
-              <a:xfrm flipV="1">
-                <a:off x="3212" y="1393"/>
-                <a:ext cx="148" cy="247"/>
-              </a:xfrm>
-              <a:prstGeom prst="line">
-                <a:avLst/>
-              </a:prstGeom>
-              <a:ln>
-                <a:headEnd/>
-                <a:tailEnd type="stealth" w="med" len="med"/>
-              </a:ln>
-            </p:spPr>
-            <p:style>
-              <a:lnRef idx="2">
-                <a:schemeClr val="dk1"/>
-              </a:lnRef>
-              <a:fillRef idx="1">
-                <a:schemeClr val="lt1"/>
-              </a:fillRef>
-              <a:effectRef idx="0">
-                <a:schemeClr val="dk1"/>
-              </a:effectRef>
-              <a:fontRef idx="minor">
-                <a:schemeClr val="dk1"/>
-              </a:fontRef>
-            </p:style>
-            <p:txBody>
-              <a:bodyPr vert="eaVert" wrap="none" anchor="ctr"/>
-              <a:lstStyle/>
-              <a:p>
-                <a:pPr algn="ctr"/>
-                <a:endParaRPr lang="en-US" b="0">
-                  <a:solidFill>
-                    <a:srgbClr val="000000"/>
-                  </a:solidFill>
-                  <a:latin typeface="Helvetica"/>
-                </a:endParaRPr>
-              </a:p>
-            </p:txBody>
-          </p:sp>
-          <p:sp>
-            <p:nvSpPr>
               <p:cNvPr id="30" name="Line 158">
                 <a:extLst>
                   <a:ext uri="{FF2B5EF4-FFF2-40B4-BE49-F238E27FC236}">
@@ -10041,12 +10067,432 @@
           </p:sp>
         </p:grpSp>
       </p:grpSp>
+      <p:grpSp>
+        <p:nvGrpSpPr>
+          <p:cNvPr id="16" name="Group 15">
+            <a:extLst>
+              <a:ext uri="{FF2B5EF4-FFF2-40B4-BE49-F238E27FC236}">
+                <a16:creationId xmlns:a16="http://schemas.microsoft.com/office/drawing/2014/main" id="{A2E3E0F8-8E09-4221-815C-48FE677A89E8}"/>
+              </a:ext>
+            </a:extLst>
+          </p:cNvPr>
+          <p:cNvGrpSpPr/>
+          <p:nvPr/>
+        </p:nvGrpSpPr>
+        <p:grpSpPr>
+          <a:xfrm>
+            <a:off x="10654960" y="2882580"/>
+            <a:ext cx="25920" cy="360"/>
+            <a:chOff x="10654960" y="2882580"/>
+            <a:chExt cx="25920" cy="360"/>
+          </a:xfrm>
+        </p:grpSpPr>
+        <mc:AlternateContent xmlns:mc="http://schemas.openxmlformats.org/markup-compatibility/2006" xmlns:p14="http://schemas.microsoft.com/office/powerpoint/2010/main">
+          <mc:Choice Requires="p14">
+            <p:contentPart p14:bwMode="auto" r:id="rId4">
+              <p14:nvContentPartPr>
+                <p14:cNvPr id="3" name="Ink 2">
+                  <a:extLst>
+                    <a:ext uri="{FF2B5EF4-FFF2-40B4-BE49-F238E27FC236}">
+                      <a16:creationId xmlns:a16="http://schemas.microsoft.com/office/drawing/2014/main" id="{5E149F11-F730-4AE7-914B-6EF88A0780A9}"/>
+                    </a:ext>
+                  </a:extLst>
+                </p14:cNvPr>
+                <p14:cNvContentPartPr/>
+                <p14:nvPr/>
+              </p14:nvContentPartPr>
+              <p14:xfrm>
+                <a:off x="10654960" y="2882580"/>
+                <a:ext cx="360" cy="360"/>
+              </p14:xfrm>
+            </p:contentPart>
+          </mc:Choice>
+          <mc:Fallback xmlns="">
+            <p:pic>
+              <p:nvPicPr>
+                <p:cNvPr id="3" name="Ink 2">
+                  <a:extLst>
+                    <a:ext uri="{FF2B5EF4-FFF2-40B4-BE49-F238E27FC236}">
+                      <a16:creationId xmlns:a16="http://schemas.microsoft.com/office/drawing/2014/main" id="{5E149F11-F730-4AE7-914B-6EF88A0780A9}"/>
+                    </a:ext>
+                  </a:extLst>
+                </p:cNvPr>
+                <p:cNvPicPr/>
+                <p:nvPr/>
+              </p:nvPicPr>
+              <p:blipFill>
+                <a:blip r:embed="rId5"/>
+                <a:stretch>
+                  <a:fillRect/>
+                </a:stretch>
+              </p:blipFill>
+              <p:spPr>
+                <a:xfrm>
+                  <a:off x="10646320" y="2873940"/>
+                  <a:ext cx="18000" cy="18000"/>
+                </a:xfrm>
+                <a:prstGeom prst="rect">
+                  <a:avLst/>
+                </a:prstGeom>
+              </p:spPr>
+            </p:pic>
+          </mc:Fallback>
+        </mc:AlternateContent>
+        <mc:AlternateContent xmlns:mc="http://schemas.openxmlformats.org/markup-compatibility/2006" xmlns:p14="http://schemas.microsoft.com/office/powerpoint/2010/main">
+          <mc:Choice Requires="p14">
+            <p:contentPart p14:bwMode="auto" r:id="rId6">
+              <p14:nvContentPartPr>
+                <p14:cNvPr id="7" name="Ink 6">
+                  <a:extLst>
+                    <a:ext uri="{FF2B5EF4-FFF2-40B4-BE49-F238E27FC236}">
+                      <a16:creationId xmlns:a16="http://schemas.microsoft.com/office/drawing/2014/main" id="{7FD03C36-24DE-4FDB-A28A-4C8F36FC388C}"/>
+                    </a:ext>
+                  </a:extLst>
+                </p14:cNvPr>
+                <p14:cNvContentPartPr/>
+                <p14:nvPr/>
+              </p14:nvContentPartPr>
+              <p14:xfrm>
+                <a:off x="10680520" y="2882580"/>
+                <a:ext cx="360" cy="360"/>
+              </p14:xfrm>
+            </p:contentPart>
+          </mc:Choice>
+          <mc:Fallback xmlns="">
+            <p:pic>
+              <p:nvPicPr>
+                <p:cNvPr id="7" name="Ink 6">
+                  <a:extLst>
+                    <a:ext uri="{FF2B5EF4-FFF2-40B4-BE49-F238E27FC236}">
+                      <a16:creationId xmlns:a16="http://schemas.microsoft.com/office/drawing/2014/main" id="{7FD03C36-24DE-4FDB-A28A-4C8F36FC388C}"/>
+                    </a:ext>
+                  </a:extLst>
+                </p:cNvPr>
+                <p:cNvPicPr/>
+                <p:nvPr/>
+              </p:nvPicPr>
+              <p:blipFill>
+                <a:blip r:embed="rId5"/>
+                <a:stretch>
+                  <a:fillRect/>
+                </a:stretch>
+              </p:blipFill>
+              <p:spPr>
+                <a:xfrm>
+                  <a:off x="10671520" y="2873940"/>
+                  <a:ext cx="18000" cy="18000"/>
+                </a:xfrm>
+                <a:prstGeom prst="rect">
+                  <a:avLst/>
+                </a:prstGeom>
+              </p:spPr>
+            </p:pic>
+          </mc:Fallback>
+        </mc:AlternateContent>
+      </p:grpSp>
       <p:sp>
         <p:nvSpPr>
-          <p:cNvPr id="5" name="TextBox 4">
+          <p:cNvPr id="53" name="SMARTInkShape-482">
             <a:extLst>
               <a:ext uri="{FF2B5EF4-FFF2-40B4-BE49-F238E27FC236}">
-                <a16:creationId xmlns:a16="http://schemas.microsoft.com/office/drawing/2014/main" id="{9067EA2B-8C7C-D9D2-ADD9-D3F2D9D033FC}"/>
+                <a16:creationId xmlns:a16="http://schemas.microsoft.com/office/drawing/2014/main" id="{C710118F-25CB-4E5B-A911-CF63BCAA11EB}"/>
+              </a:ext>
+            </a:extLst>
+          </p:cNvPr>
+          <p:cNvSpPr/>
+          <p:nvPr>
+            <p:custDataLst>
+              <p:tags r:id="rId1"/>
+            </p:custDataLst>
+          </p:nvPr>
+        </p:nvSpPr>
+        <p:spPr bwMode="auto">
+          <a:xfrm>
+            <a:off x="747153" y="2160984"/>
+            <a:ext cx="348223" cy="212511"/>
+          </a:xfrm>
+          <a:custGeom>
+            <a:avLst/>
+            <a:gdLst/>
+            <a:ahLst/>
+            <a:cxnLst/>
+            <a:rect l="0" t="0" r="0" b="0"/>
+            <a:pathLst>
+              <a:path w="348223" h="212511">
+                <a:moveTo>
+                  <a:pt x="17824" y="44649"/>
+                </a:moveTo>
+                <a:lnTo>
+                  <a:pt x="17824" y="44649"/>
+                </a:lnTo>
+                <a:lnTo>
+                  <a:pt x="83" y="44649"/>
+                </a:lnTo>
+                <a:lnTo>
+                  <a:pt x="0" y="49389"/>
+                </a:lnTo>
+                <a:lnTo>
+                  <a:pt x="980" y="50786"/>
+                </a:lnTo>
+                <a:lnTo>
+                  <a:pt x="2626" y="51717"/>
+                </a:lnTo>
+                <a:lnTo>
+                  <a:pt x="8527" y="53469"/>
+                </a:lnTo>
+                <a:lnTo>
+                  <a:pt x="33720" y="95596"/>
+                </a:lnTo>
+                <a:lnTo>
+                  <a:pt x="56719" y="133426"/>
+                </a:lnTo>
+                <a:lnTo>
+                  <a:pt x="80371" y="169562"/>
+                </a:lnTo>
+                <a:lnTo>
+                  <a:pt x="112525" y="210257"/>
+                </a:lnTo>
+                <a:lnTo>
+                  <a:pt x="122421" y="212510"/>
+                </a:lnTo>
+                <a:lnTo>
+                  <a:pt x="150019" y="211133"/>
+                </a:lnTo>
+                <a:lnTo>
+                  <a:pt x="162508" y="209216"/>
+                </a:lnTo>
+                <a:lnTo>
+                  <a:pt x="181678" y="199149"/>
+                </a:lnTo>
+                <a:lnTo>
+                  <a:pt x="222696" y="158325"/>
+                </a:lnTo>
+                <a:lnTo>
+                  <a:pt x="258050" y="116761"/>
+                </a:lnTo>
+                <a:lnTo>
+                  <a:pt x="283602" y="79085"/>
+                </a:lnTo>
+                <a:lnTo>
+                  <a:pt x="318532" y="39106"/>
+                </a:lnTo>
+                <a:lnTo>
+                  <a:pt x="348222" y="0"/>
+                </a:lnTo>
+              </a:path>
+            </a:pathLst>
+          </a:custGeom>
+          <a:noFill/>
+          <a:ln w="19050" cap="flat" cmpd="sng" algn="ctr">
+            <a:solidFill>
+              <a:srgbClr val="FF0000"/>
+            </a:solidFill>
+            <a:prstDash val="solid"/>
+            <a:round/>
+            <a:headEnd type="none" w="med" len="med"/>
+            <a:tailEnd type="none" w="med" len="med"/>
+          </a:ln>
+          <a:effectLst/>
+          <a:extLst>
+            <a:ext uri="{909E8E84-426E-40DD-AFC4-6F175D3DCCD1}">
+              <a14:hiddenFill xmlns:a14="http://schemas.microsoft.com/office/drawing/2010/main">
+                <a:solidFill>
+                  <a:schemeClr val="bg1"/>
+                </a:solidFill>
+              </a14:hiddenFill>
+            </a:ext>
+            <a:ext uri="{AF507438-7753-43e0-B8FC-AC1667EBCBE1}">
+              <a14:hiddenEffects xmlns:a14="http://schemas.microsoft.com/office/drawing/2010/main" xmlns="">
+                <a:effectLst>
+                  <a:outerShdw dist="35921" dir="2700000" algn="ctr" rotWithShape="0">
+                    <a:schemeClr val="bg2"/>
+                  </a:outerShdw>
+                </a:effectLst>
+              </a14:hiddenEffects>
+            </a:ext>
+          </a:extLst>
+        </p:spPr>
+        <p:txBody>
+          <a:bodyPr vert="horz" wrap="square" lIns="91440" tIns="45720" rIns="91440" bIns="45720" numCol="1" rtlCol="0" anchor="t" anchorCtr="0" compatLnSpc="1">
+            <a:prstTxWarp prst="textNoShape">
+              <a:avLst/>
+            </a:prstTxWarp>
+          </a:bodyPr>
+          <a:lstStyle/>
+          <a:p>
+            <a:pPr marL="0" marR="0" indent="0" algn="l" defTabSz="914400" rtl="0" eaLnBrk="0" fontAlgn="base" latinLnBrk="0" hangingPunct="0">
+              <a:lnSpc>
+                <a:spcPct val="100000"/>
+              </a:lnSpc>
+              <a:spcBef>
+                <a:spcPct val="0"/>
+              </a:spcBef>
+              <a:spcAft>
+                <a:spcPct val="0"/>
+              </a:spcAft>
+              <a:buClrTx/>
+              <a:buSzTx/>
+              <a:buFontTx/>
+              <a:buNone/>
+              <a:tabLst/>
+            </a:pPr>
+            <a:endParaRPr kumimoji="0" lang="en-US" sz="1800" b="1" i="0" u="none" strike="noStrike" cap="none" normalizeH="0" baseline="0">
+              <a:ln>
+                <a:noFill/>
+              </a:ln>
+              <a:solidFill>
+                <a:schemeClr val="tx1"/>
+              </a:solidFill>
+              <a:effectLst/>
+              <a:latin typeface="Comic Sans MS" pitchFamily="66" charset="0"/>
+            </a:endParaRPr>
+          </a:p>
+        </p:txBody>
+      </p:sp>
+      <p:sp>
+        <p:nvSpPr>
+          <p:cNvPr id="54" name="SMARTInkShape-483">
+            <a:extLst>
+              <a:ext uri="{FF2B5EF4-FFF2-40B4-BE49-F238E27FC236}">
+                <a16:creationId xmlns:a16="http://schemas.microsoft.com/office/drawing/2014/main" id="{ED71C69C-2E79-47D5-A785-6CCAF8F17BFC}"/>
+              </a:ext>
+            </a:extLst>
+          </p:cNvPr>
+          <p:cNvSpPr/>
+          <p:nvPr>
+            <p:custDataLst>
+              <p:tags r:id="rId2"/>
+            </p:custDataLst>
+          </p:nvPr>
+        </p:nvSpPr>
+        <p:spPr bwMode="auto">
+          <a:xfrm>
+            <a:off x="1800821" y="2223492"/>
+            <a:ext cx="321469" cy="152317"/>
+          </a:xfrm>
+          <a:custGeom>
+            <a:avLst/>
+            <a:gdLst/>
+            <a:ahLst/>
+            <a:cxnLst/>
+            <a:rect l="0" t="0" r="0" b="0"/>
+            <a:pathLst>
+              <a:path w="321469" h="152317">
+                <a:moveTo>
+                  <a:pt x="0" y="62508"/>
+                </a:moveTo>
+                <a:lnTo>
+                  <a:pt x="0" y="62508"/>
+                </a:lnTo>
+                <a:lnTo>
+                  <a:pt x="0" y="83834"/>
+                </a:lnTo>
+                <a:lnTo>
+                  <a:pt x="2645" y="89515"/>
+                </a:lnTo>
+                <a:lnTo>
+                  <a:pt x="25731" y="127315"/>
+                </a:lnTo>
+                <a:lnTo>
+                  <a:pt x="51721" y="147746"/>
+                </a:lnTo>
+                <a:lnTo>
+                  <a:pt x="78549" y="152316"/>
+                </a:lnTo>
+                <a:lnTo>
+                  <a:pt x="108332" y="150048"/>
+                </a:lnTo>
+                <a:lnTo>
+                  <a:pt x="145428" y="138606"/>
+                </a:lnTo>
+                <a:lnTo>
+                  <a:pt x="169869" y="127499"/>
+                </a:lnTo>
+                <a:lnTo>
+                  <a:pt x="211521" y="96006"/>
+                </a:lnTo>
+                <a:lnTo>
+                  <a:pt x="255947" y="62999"/>
+                </a:lnTo>
+                <a:lnTo>
+                  <a:pt x="321468" y="0"/>
+                </a:lnTo>
+              </a:path>
+            </a:pathLst>
+          </a:custGeom>
+          <a:noFill/>
+          <a:ln w="19050" cap="flat" cmpd="sng" algn="ctr">
+            <a:solidFill>
+              <a:srgbClr val="FF0000"/>
+            </a:solidFill>
+            <a:prstDash val="solid"/>
+            <a:round/>
+            <a:headEnd type="none" w="med" len="med"/>
+            <a:tailEnd type="none" w="med" len="med"/>
+          </a:ln>
+          <a:effectLst/>
+          <a:extLst>
+            <a:ext uri="{909E8E84-426E-40DD-AFC4-6F175D3DCCD1}">
+              <a14:hiddenFill xmlns:a14="http://schemas.microsoft.com/office/drawing/2010/main">
+                <a:solidFill>
+                  <a:schemeClr val="bg1"/>
+                </a:solidFill>
+              </a14:hiddenFill>
+            </a:ext>
+            <a:ext uri="{AF507438-7753-43e0-B8FC-AC1667EBCBE1}">
+              <a14:hiddenEffects xmlns:a14="http://schemas.microsoft.com/office/drawing/2010/main" xmlns="">
+                <a:effectLst>
+                  <a:outerShdw dist="35921" dir="2700000" algn="ctr" rotWithShape="0">
+                    <a:schemeClr val="bg2"/>
+                  </a:outerShdw>
+                </a:effectLst>
+              </a14:hiddenEffects>
+            </a:ext>
+          </a:extLst>
+        </p:spPr>
+        <p:txBody>
+          <a:bodyPr vert="horz" wrap="square" lIns="91440" tIns="45720" rIns="91440" bIns="45720" numCol="1" rtlCol="0" anchor="t" anchorCtr="0" compatLnSpc="1">
+            <a:prstTxWarp prst="textNoShape">
+              <a:avLst/>
+            </a:prstTxWarp>
+          </a:bodyPr>
+          <a:lstStyle/>
+          <a:p>
+            <a:pPr marL="0" marR="0" indent="0" algn="l" defTabSz="914400" rtl="0" eaLnBrk="0" fontAlgn="base" latinLnBrk="0" hangingPunct="0">
+              <a:lnSpc>
+                <a:spcPct val="100000"/>
+              </a:lnSpc>
+              <a:spcBef>
+                <a:spcPct val="0"/>
+              </a:spcBef>
+              <a:spcAft>
+                <a:spcPct val="0"/>
+              </a:spcAft>
+              <a:buClrTx/>
+              <a:buSzTx/>
+              <a:buFontTx/>
+              <a:buNone/>
+              <a:tabLst/>
+            </a:pPr>
+            <a:endParaRPr kumimoji="0" lang="en-US" sz="1800" b="1" i="0" u="none" strike="noStrike" cap="none" normalizeH="0" baseline="0">
+              <a:ln>
+                <a:noFill/>
+              </a:ln>
+              <a:solidFill>
+                <a:schemeClr val="tx1"/>
+              </a:solidFill>
+              <a:effectLst/>
+              <a:latin typeface="Comic Sans MS" pitchFamily="66" charset="0"/>
+            </a:endParaRPr>
+          </a:p>
+        </p:txBody>
+      </p:sp>
+      <p:sp>
+        <p:nvSpPr>
+          <p:cNvPr id="29" name="TextBox 28">
+            <a:extLst>
+              <a:ext uri="{FF2B5EF4-FFF2-40B4-BE49-F238E27FC236}">
+                <a16:creationId xmlns:a16="http://schemas.microsoft.com/office/drawing/2014/main" id="{0AAE93F3-D5F5-D2AC-28DB-167EF865814A}"/>
               </a:ext>
             </a:extLst>
           </p:cNvPr>
@@ -10055,8 +10501,8 @@
         </p:nvSpPr>
         <p:spPr>
           <a:xfrm>
-            <a:off x="35887" y="4787747"/>
-            <a:ext cx="4307513" cy="461665"/>
+            <a:off x="2831147" y="5457226"/>
+            <a:ext cx="3645853" cy="707886"/>
           </a:xfrm>
           <a:prstGeom prst="rect">
             <a:avLst/>
@@ -10070,31 +10516,557 @@
           <a:lstStyle/>
           <a:p>
             <a:r>
-              <a:rPr lang="en-GB" altLang="zh-CN" sz="2400" b="0" dirty="0">
+              <a:rPr lang="en-US" altLang="zh-CN" sz="2000" b="0" dirty="0">
                 <a:solidFill>
                   <a:schemeClr val="dk1"/>
                 </a:solidFill>
-                <a:latin typeface="Gill Sans" panose="020B0502020104020203"/>
+                <a:latin typeface="+mn-lt"/>
                 <a:ea typeface="+mn-ea"/>
                 <a:cs typeface="+mn-cs"/>
               </a:rPr>
-              <a:t>Deadlock, no safe sequence</a:t>
-            </a:r>
-            <a:endParaRPr lang="en-GB" sz="2400" b="0" dirty="0">
+              <a:t>Safe Sequence: </a:t>
+            </a:r>
+            <a:r>
+              <a:rPr lang="fr-FR" altLang="zh-CN" sz="2000" b="0" dirty="0">
+                <a:solidFill>
+                  <a:schemeClr val="dk1"/>
+                </a:solidFill>
+                <a:latin typeface="+mn-lt"/>
+                <a:ea typeface="+mn-ea"/>
+                <a:cs typeface="+mn-cs"/>
+              </a:rPr>
+              <a:t>T2, T3, T1 or T2, T1, T3</a:t>
+            </a:r>
+            <a:endParaRPr lang="en-GB" sz="2000" b="0" dirty="0">
               <a:solidFill>
                 <a:schemeClr val="dk1"/>
               </a:solidFill>
-              <a:latin typeface="Gill Sans" panose="020B0502020104020203"/>
+              <a:latin typeface="+mn-lt"/>
               <a:ea typeface="+mn-ea"/>
               <a:cs typeface="+mn-cs"/>
             </a:endParaRPr>
+          </a:p>
+        </p:txBody>
+      </p:sp>
+      <p:graphicFrame>
+        <p:nvGraphicFramePr>
+          <p:cNvPr id="55" name="Content Placeholder 5">
+            <a:extLst>
+              <a:ext uri="{FF2B5EF4-FFF2-40B4-BE49-F238E27FC236}">
+                <a16:creationId xmlns:a16="http://schemas.microsoft.com/office/drawing/2014/main" id="{5D97BB6F-374D-C004-A9FA-37A35643AE95}"/>
+              </a:ext>
+            </a:extLst>
+          </p:cNvPr>
+          <p:cNvGraphicFramePr>
+            <a:graphicFrameLocks/>
+          </p:cNvGraphicFramePr>
+          <p:nvPr>
+            <p:extLst>
+              <p:ext uri="{D42A27DB-BD31-4B8C-83A1-F6EECF244321}">
+                <p14:modId xmlns:p14="http://schemas.microsoft.com/office/powerpoint/2010/main" val="1932914273"/>
+              </p:ext>
+            </p:extLst>
+          </p:nvPr>
+        </p:nvGraphicFramePr>
+        <p:xfrm>
+          <a:off x="6208995" y="4108529"/>
+          <a:ext cx="2654405" cy="1981200"/>
+        </p:xfrm>
+        <a:graphic>
+          <a:graphicData uri="http://schemas.openxmlformats.org/drawingml/2006/table">
+            <a:tbl>
+              <a:tblPr firstRow="1" bandRow="1">
+                <a:tableStyleId>{5C22544A-7EE6-4342-B048-85BDC9FD1C3A}</a:tableStyleId>
+              </a:tblPr>
+              <a:tblGrid>
+                <a:gridCol w="530881">
+                  <a:extLst>
+                    <a:ext uri="{9D8B030D-6E8A-4147-A177-3AD203B41FA5}">
+                      <a16:colId xmlns:a16="http://schemas.microsoft.com/office/drawing/2014/main" val="1619986141"/>
+                    </a:ext>
+                  </a:extLst>
+                </a:gridCol>
+                <a:gridCol w="530881">
+                  <a:extLst>
+                    <a:ext uri="{9D8B030D-6E8A-4147-A177-3AD203B41FA5}">
+                      <a16:colId xmlns:a16="http://schemas.microsoft.com/office/drawing/2014/main" val="3558990718"/>
+                    </a:ext>
+                  </a:extLst>
+                </a:gridCol>
+                <a:gridCol w="530881">
+                  <a:extLst>
+                    <a:ext uri="{9D8B030D-6E8A-4147-A177-3AD203B41FA5}">
+                      <a16:colId xmlns:a16="http://schemas.microsoft.com/office/drawing/2014/main" val="2817522056"/>
+                    </a:ext>
+                  </a:extLst>
+                </a:gridCol>
+                <a:gridCol w="530881">
+                  <a:extLst>
+                    <a:ext uri="{9D8B030D-6E8A-4147-A177-3AD203B41FA5}">
+                      <a16:colId xmlns:a16="http://schemas.microsoft.com/office/drawing/2014/main" val="27933147"/>
+                    </a:ext>
+                  </a:extLst>
+                </a:gridCol>
+                <a:gridCol w="530881">
+                  <a:extLst>
+                    <a:ext uri="{9D8B030D-6E8A-4147-A177-3AD203B41FA5}">
+                      <a16:colId xmlns:a16="http://schemas.microsoft.com/office/drawing/2014/main" val="2599289334"/>
+                    </a:ext>
+                  </a:extLst>
+                </a:gridCol>
+              </a:tblGrid>
+              <a:tr h="370840">
+                <a:tc>
+                  <a:txBody>
+                    <a:bodyPr/>
+                    <a:lstStyle/>
+                    <a:p>
+                      <a:pPr algn="ctr"/>
+                      <a:endParaRPr lang="en-SE" sz="2000"/>
+                    </a:p>
+                  </a:txBody>
+                  <a:tcPr/>
+                </a:tc>
+                <a:tc>
+                  <a:txBody>
+                    <a:bodyPr/>
+                    <a:lstStyle/>
+                    <a:p>
+                      <a:pPr algn="ctr"/>
+                      <a:r>
+                        <a:rPr lang="en-GB" sz="2000" dirty="0"/>
+                        <a:t>R1</a:t>
+                      </a:r>
+                      <a:endParaRPr lang="en-SE" sz="2000" dirty="0"/>
+                    </a:p>
+                  </a:txBody>
+                  <a:tcPr/>
+                </a:tc>
+                <a:tc>
+                  <a:txBody>
+                    <a:bodyPr/>
+                    <a:lstStyle/>
+                    <a:p>
+                      <a:pPr algn="ctr"/>
+                      <a:r>
+                        <a:rPr lang="en-GB" sz="2000" dirty="0"/>
+                        <a:t>R2</a:t>
+                      </a:r>
+                      <a:endParaRPr lang="en-SE" sz="2000" dirty="0"/>
+                    </a:p>
+                  </a:txBody>
+                  <a:tcPr/>
+                </a:tc>
+                <a:tc>
+                  <a:txBody>
+                    <a:bodyPr/>
+                    <a:lstStyle/>
+                    <a:p>
+                      <a:pPr algn="ctr"/>
+                      <a:r>
+                        <a:rPr lang="en-GB" sz="2000" dirty="0"/>
+                        <a:t>R3</a:t>
+                      </a:r>
+                      <a:endParaRPr lang="en-SE" sz="2000" dirty="0"/>
+                    </a:p>
+                  </a:txBody>
+                  <a:tcPr/>
+                </a:tc>
+                <a:tc>
+                  <a:txBody>
+                    <a:bodyPr/>
+                    <a:lstStyle/>
+                    <a:p>
+                      <a:pPr algn="ctr"/>
+                      <a:r>
+                        <a:rPr lang="en-GB" sz="2000" dirty="0"/>
+                        <a:t>R4</a:t>
+                      </a:r>
+                      <a:endParaRPr lang="en-SE" sz="2000" dirty="0"/>
+                    </a:p>
+                  </a:txBody>
+                  <a:tcPr/>
+                </a:tc>
+                <a:extLst>
+                  <a:ext uri="{0D108BD9-81ED-4DB2-BD59-A6C34878D82A}">
+                    <a16:rowId xmlns:a16="http://schemas.microsoft.com/office/drawing/2014/main" val="117063772"/>
+                  </a:ext>
+                </a:extLst>
+              </a:tr>
+              <a:tr h="370840">
+                <a:tc>
+                  <a:txBody>
+                    <a:bodyPr/>
+                    <a:lstStyle/>
+                    <a:p>
+                      <a:pPr algn="ctr"/>
+                      <a:endParaRPr lang="en-SE" sz="2000" dirty="0"/>
+                    </a:p>
+                  </a:txBody>
+                  <a:tcPr/>
+                </a:tc>
+                <a:tc>
+                  <a:txBody>
+                    <a:bodyPr/>
+                    <a:lstStyle/>
+                    <a:p>
+                      <a:pPr algn="ctr"/>
+                      <a:r>
+                        <a:rPr lang="en-GB" sz="2000" dirty="0"/>
+                        <a:t>0</a:t>
+                      </a:r>
+                      <a:endParaRPr lang="en-SE" sz="2000" dirty="0"/>
+                    </a:p>
+                  </a:txBody>
+                  <a:tcPr/>
+                </a:tc>
+                <a:tc>
+                  <a:txBody>
+                    <a:bodyPr/>
+                    <a:lstStyle/>
+                    <a:p>
+                      <a:pPr algn="ctr"/>
+                      <a:r>
+                        <a:rPr lang="en-GB" sz="2000" dirty="0"/>
+                        <a:t>0</a:t>
+                      </a:r>
+                      <a:endParaRPr lang="en-SE" sz="2000" dirty="0"/>
+                    </a:p>
+                  </a:txBody>
+                  <a:tcPr/>
+                </a:tc>
+                <a:tc>
+                  <a:txBody>
+                    <a:bodyPr/>
+                    <a:lstStyle/>
+                    <a:p>
+                      <a:pPr algn="ctr"/>
+                      <a:r>
+                        <a:rPr lang="en-GB" sz="2000" dirty="0"/>
+                        <a:t>0</a:t>
+                      </a:r>
+                      <a:endParaRPr lang="en-SE" sz="2000" dirty="0"/>
+                    </a:p>
+                  </a:txBody>
+                  <a:tcPr/>
+                </a:tc>
+                <a:tc>
+                  <a:txBody>
+                    <a:bodyPr/>
+                    <a:lstStyle/>
+                    <a:p>
+                      <a:pPr algn="ctr"/>
+                      <a:r>
+                        <a:rPr lang="en-GB" sz="2000" dirty="0"/>
+                        <a:t>3</a:t>
+                      </a:r>
+                      <a:endParaRPr lang="en-SE" sz="2000" dirty="0"/>
+                    </a:p>
+                  </a:txBody>
+                  <a:tcPr/>
+                </a:tc>
+                <a:extLst>
+                  <a:ext uri="{0D108BD9-81ED-4DB2-BD59-A6C34878D82A}">
+                    <a16:rowId xmlns:a16="http://schemas.microsoft.com/office/drawing/2014/main" val="2823243655"/>
+                  </a:ext>
+                </a:extLst>
+              </a:tr>
+              <a:tr h="370840">
+                <a:tc>
+                  <a:txBody>
+                    <a:bodyPr/>
+                    <a:lstStyle/>
+                    <a:p>
+                      <a:pPr algn="ctr"/>
+                      <a:r>
+                        <a:rPr lang="en-GB" sz="2000" dirty="0"/>
+                        <a:t>T2</a:t>
+                      </a:r>
+                      <a:endParaRPr lang="en-SE" sz="2000" dirty="0"/>
+                    </a:p>
+                  </a:txBody>
+                  <a:tcPr/>
+                </a:tc>
+                <a:tc>
+                  <a:txBody>
+                    <a:bodyPr/>
+                    <a:lstStyle/>
+                    <a:p>
+                      <a:pPr algn="ctr"/>
+                      <a:r>
+                        <a:rPr lang="en-GB" sz="2000" dirty="0"/>
+                        <a:t>1</a:t>
+                      </a:r>
+                      <a:endParaRPr lang="en-SE" sz="2000" dirty="0"/>
+                    </a:p>
+                  </a:txBody>
+                  <a:tcPr/>
+                </a:tc>
+                <a:tc>
+                  <a:txBody>
+                    <a:bodyPr/>
+                    <a:lstStyle/>
+                    <a:p>
+                      <a:pPr algn="ctr"/>
+                      <a:r>
+                        <a:rPr lang="en-GB" sz="2000" dirty="0"/>
+                        <a:t>0</a:t>
+                      </a:r>
+                      <a:endParaRPr lang="en-SE" sz="2000" dirty="0"/>
+                    </a:p>
+                  </a:txBody>
+                  <a:tcPr/>
+                </a:tc>
+                <a:tc>
+                  <a:txBody>
+                    <a:bodyPr/>
+                    <a:lstStyle/>
+                    <a:p>
+                      <a:pPr algn="ctr"/>
+                      <a:r>
+                        <a:rPr lang="en-GB" sz="2000" dirty="0"/>
+                        <a:t>1</a:t>
+                      </a:r>
+                      <a:endParaRPr lang="en-SE" sz="2000" dirty="0"/>
+                    </a:p>
+                  </a:txBody>
+                  <a:tcPr/>
+                </a:tc>
+                <a:tc>
+                  <a:txBody>
+                    <a:bodyPr/>
+                    <a:lstStyle/>
+                    <a:p>
+                      <a:pPr algn="ctr"/>
+                      <a:r>
+                        <a:rPr lang="en-GB" sz="2000" dirty="0"/>
+                        <a:t>3</a:t>
+                      </a:r>
+                      <a:endParaRPr lang="en-SE" sz="2000" dirty="0"/>
+                    </a:p>
+                  </a:txBody>
+                  <a:tcPr/>
+                </a:tc>
+                <a:extLst>
+                  <a:ext uri="{0D108BD9-81ED-4DB2-BD59-A6C34878D82A}">
+                    <a16:rowId xmlns:a16="http://schemas.microsoft.com/office/drawing/2014/main" val="1884641263"/>
+                  </a:ext>
+                </a:extLst>
+              </a:tr>
+              <a:tr h="370840">
+                <a:tc>
+                  <a:txBody>
+                    <a:bodyPr/>
+                    <a:lstStyle/>
+                    <a:p>
+                      <a:pPr algn="ctr"/>
+                      <a:r>
+                        <a:rPr lang="en-GB" sz="2000" dirty="0"/>
+                        <a:t>T3</a:t>
+                      </a:r>
+                      <a:endParaRPr lang="en-SE" sz="2000" dirty="0"/>
+                    </a:p>
+                  </a:txBody>
+                  <a:tcPr/>
+                </a:tc>
+                <a:tc>
+                  <a:txBody>
+                    <a:bodyPr/>
+                    <a:lstStyle/>
+                    <a:p>
+                      <a:pPr algn="ctr"/>
+                      <a:r>
+                        <a:rPr lang="en-GB" sz="2000" dirty="0"/>
+                        <a:t>1</a:t>
+                      </a:r>
+                      <a:endParaRPr lang="en-SE" sz="2000" dirty="0"/>
+                    </a:p>
+                  </a:txBody>
+                  <a:tcPr/>
+                </a:tc>
+                <a:tc>
+                  <a:txBody>
+                    <a:bodyPr/>
+                    <a:lstStyle/>
+                    <a:p>
+                      <a:pPr algn="ctr"/>
+                      <a:r>
+                        <a:rPr lang="en-GB" sz="2000" dirty="0"/>
+                        <a:t>1</a:t>
+                      </a:r>
+                      <a:endParaRPr lang="en-SE" sz="2000" dirty="0"/>
+                    </a:p>
+                  </a:txBody>
+                  <a:tcPr/>
+                </a:tc>
+                <a:tc>
+                  <a:txBody>
+                    <a:bodyPr/>
+                    <a:lstStyle/>
+                    <a:p>
+                      <a:pPr algn="ctr"/>
+                      <a:r>
+                        <a:rPr lang="en-GB" sz="2000" dirty="0"/>
+                        <a:t>1</a:t>
+                      </a:r>
+                      <a:endParaRPr lang="en-SE" sz="2000" dirty="0"/>
+                    </a:p>
+                  </a:txBody>
+                  <a:tcPr/>
+                </a:tc>
+                <a:tc>
+                  <a:txBody>
+                    <a:bodyPr/>
+                    <a:lstStyle/>
+                    <a:p>
+                      <a:pPr algn="ctr"/>
+                      <a:r>
+                        <a:rPr lang="en-GB" sz="2000" dirty="0"/>
+                        <a:t>3</a:t>
+                      </a:r>
+                      <a:endParaRPr lang="en-SE" sz="2000" dirty="0"/>
+                    </a:p>
+                  </a:txBody>
+                  <a:tcPr/>
+                </a:tc>
+                <a:extLst>
+                  <a:ext uri="{0D108BD9-81ED-4DB2-BD59-A6C34878D82A}">
+                    <a16:rowId xmlns:a16="http://schemas.microsoft.com/office/drawing/2014/main" val="3030728590"/>
+                  </a:ext>
+                </a:extLst>
+              </a:tr>
+              <a:tr h="370840">
+                <a:tc>
+                  <a:txBody>
+                    <a:bodyPr/>
+                    <a:lstStyle/>
+                    <a:p>
+                      <a:pPr algn="ctr"/>
+                      <a:r>
+                        <a:rPr lang="en-GB" sz="2000" dirty="0"/>
+                        <a:t>T1</a:t>
+                      </a:r>
+                      <a:endParaRPr lang="en-SE" sz="2000" dirty="0"/>
+                    </a:p>
+                  </a:txBody>
+                  <a:tcPr/>
+                </a:tc>
+                <a:tc>
+                  <a:txBody>
+                    <a:bodyPr/>
+                    <a:lstStyle/>
+                    <a:p>
+                      <a:pPr algn="ctr"/>
+                      <a:r>
+                        <a:rPr lang="en-GB" sz="2000" dirty="0"/>
+                        <a:t>1</a:t>
+                      </a:r>
+                      <a:endParaRPr lang="en-SE" sz="2000" dirty="0"/>
+                    </a:p>
+                  </a:txBody>
+                  <a:tcPr/>
+                </a:tc>
+                <a:tc>
+                  <a:txBody>
+                    <a:bodyPr/>
+                    <a:lstStyle/>
+                    <a:p>
+                      <a:pPr algn="ctr"/>
+                      <a:r>
+                        <a:rPr lang="en-GB" sz="2000" dirty="0"/>
+                        <a:t>1</a:t>
+                      </a:r>
+                      <a:endParaRPr lang="en-SE" sz="2000" dirty="0"/>
+                    </a:p>
+                  </a:txBody>
+                  <a:tcPr/>
+                </a:tc>
+                <a:tc>
+                  <a:txBody>
+                    <a:bodyPr/>
+                    <a:lstStyle/>
+                    <a:p>
+                      <a:pPr algn="ctr"/>
+                      <a:r>
+                        <a:rPr lang="en-GB" sz="2000" dirty="0"/>
+                        <a:t>2</a:t>
+                      </a:r>
+                      <a:endParaRPr lang="en-SE" sz="2000" dirty="0"/>
+                    </a:p>
+                  </a:txBody>
+                  <a:tcPr/>
+                </a:tc>
+                <a:tc>
+                  <a:txBody>
+                    <a:bodyPr/>
+                    <a:lstStyle/>
+                    <a:p>
+                      <a:pPr algn="ctr"/>
+                      <a:r>
+                        <a:rPr lang="en-GB" sz="2000" dirty="0"/>
+                        <a:t>3</a:t>
+                      </a:r>
+                      <a:endParaRPr lang="en-SE" sz="2000" dirty="0"/>
+                    </a:p>
+                  </a:txBody>
+                  <a:tcPr/>
+                </a:tc>
+                <a:extLst>
+                  <a:ext uri="{0D108BD9-81ED-4DB2-BD59-A6C34878D82A}">
+                    <a16:rowId xmlns:a16="http://schemas.microsoft.com/office/drawing/2014/main" val="3263484799"/>
+                  </a:ext>
+                </a:extLst>
+              </a:tr>
+            </a:tbl>
+          </a:graphicData>
+        </a:graphic>
+      </p:graphicFrame>
+      <p:sp>
+        <p:nvSpPr>
+          <p:cNvPr id="56" name="TextBox 55">
+            <a:extLst>
+              <a:ext uri="{FF2B5EF4-FFF2-40B4-BE49-F238E27FC236}">
+                <a16:creationId xmlns:a16="http://schemas.microsoft.com/office/drawing/2014/main" id="{AEB28D33-D218-7558-C21C-AED799F9F775}"/>
+              </a:ext>
+            </a:extLst>
+          </p:cNvPr>
+          <p:cNvSpPr txBox="1"/>
+          <p:nvPr/>
+        </p:nvSpPr>
+        <p:spPr>
+          <a:xfrm>
+            <a:off x="6808472" y="3689677"/>
+            <a:ext cx="1266693" cy="400110"/>
+          </a:xfrm>
+          <a:prstGeom prst="rect">
+            <a:avLst/>
+          </a:prstGeom>
+          <a:noFill/>
+        </p:spPr>
+        <p:txBody>
+          <a:bodyPr wrap="none" rtlCol="0">
+            <a:spAutoFit/>
+          </a:bodyPr>
+          <a:lstStyle/>
+          <a:p>
+            <a:r>
+              <a:rPr lang="en-GB" sz="2000" b="0" dirty="0">
+                <a:solidFill>
+                  <a:schemeClr val="dk1"/>
+                </a:solidFill>
+                <a:latin typeface="+mn-lt"/>
+                <a:ea typeface="+mn-ea"/>
+                <a:cs typeface="+mn-cs"/>
+              </a:rPr>
+              <a:t>Available</a:t>
+            </a:r>
           </a:p>
         </p:txBody>
       </p:sp>
     </p:spTree>
     <p:extLst>
       <p:ext uri="{BB962C8B-B14F-4D97-AF65-F5344CB8AC3E}">
-        <p14:creationId xmlns:p14="http://schemas.microsoft.com/office/powerpoint/2010/main" val="3758005116"/>
+        <p14:creationId xmlns:p14="http://schemas.microsoft.com/office/powerpoint/2010/main" val="2396488227"/>
       </p:ext>
     </p:extLst>
   </p:cSld>
@@ -11490,7 +12462,7 @@
         </p:nvSpPr>
         <p:spPr>
           <a:xfrm>
-            <a:off x="2971800" y="5450474"/>
+            <a:off x="2831147" y="5457226"/>
             <a:ext cx="3377848" cy="400110"/>
           </a:xfrm>
           <a:prstGeom prst="rect">
@@ -14477,6 +15449,3683 @@
   <p:cSld>
     <p:spTree>
       <p:nvGrpSpPr>
+        <p:cNvPr id="1" name="">
+          <a:extLst>
+            <a:ext uri="{FF2B5EF4-FFF2-40B4-BE49-F238E27FC236}">
+              <a16:creationId xmlns:a16="http://schemas.microsoft.com/office/drawing/2014/main" id="{59619FA5-2B9D-F58F-C009-4A269E43EF43}"/>
+            </a:ext>
+          </a:extLst>
+        </p:cNvPr>
+        <p:cNvGrpSpPr/>
+        <p:nvPr/>
+      </p:nvGrpSpPr>
+      <p:grpSpPr>
+        <a:xfrm>
+          <a:off x="0" y="0"/>
+          <a:ext cx="0" cy="0"/>
+          <a:chOff x="0" y="0"/>
+          <a:chExt cx="0" cy="0"/>
+        </a:xfrm>
+      </p:grpSpPr>
+      <p:sp>
+        <p:nvSpPr>
+          <p:cNvPr id="2" name="Title 1">
+            <a:extLst>
+              <a:ext uri="{FF2B5EF4-FFF2-40B4-BE49-F238E27FC236}">
+                <a16:creationId xmlns:a16="http://schemas.microsoft.com/office/drawing/2014/main" id="{F1097517-EBD6-6477-5C68-EAD6155B7CD1}"/>
+              </a:ext>
+            </a:extLst>
+          </p:cNvPr>
+          <p:cNvSpPr>
+            <a:spLocks noGrp="1"/>
+          </p:cNvSpPr>
+          <p:nvPr>
+            <p:ph type="title"/>
+          </p:nvPr>
+        </p:nvSpPr>
+        <p:spPr/>
+        <p:txBody>
+          <a:bodyPr/>
+          <a:lstStyle/>
+          <a:p>
+            <a:r>
+              <a:rPr lang="en-US" altLang="zh-CN" dirty="0"/>
+              <a:t>Extra Exercise</a:t>
+            </a:r>
+            <a:r>
+              <a:rPr lang="en-GB" altLang="zh-CN" dirty="0"/>
+              <a:t> (Not in Exam)</a:t>
+            </a:r>
+            <a:endParaRPr lang="en-SE" dirty="0"/>
+          </a:p>
+        </p:txBody>
+      </p:sp>
+      <p:graphicFrame>
+        <p:nvGraphicFramePr>
+          <p:cNvPr id="6" name="Content Placeholder 5">
+            <a:extLst>
+              <a:ext uri="{FF2B5EF4-FFF2-40B4-BE49-F238E27FC236}">
+                <a16:creationId xmlns:a16="http://schemas.microsoft.com/office/drawing/2014/main" id="{CE6860D6-003F-999E-2061-DF2F3B929BA2}"/>
+              </a:ext>
+            </a:extLst>
+          </p:cNvPr>
+          <p:cNvGraphicFramePr>
+            <a:graphicFrameLocks noGrp="1"/>
+          </p:cNvGraphicFramePr>
+          <p:nvPr>
+            <p:ph idx="1"/>
+          </p:nvPr>
+        </p:nvGraphicFramePr>
+        <p:xfrm>
+          <a:off x="164995" y="1564662"/>
+          <a:ext cx="2654405" cy="1584960"/>
+        </p:xfrm>
+        <a:graphic>
+          <a:graphicData uri="http://schemas.openxmlformats.org/drawingml/2006/table">
+            <a:tbl>
+              <a:tblPr firstRow="1" bandRow="1">
+                <a:tableStyleId>{5C22544A-7EE6-4342-B048-85BDC9FD1C3A}</a:tableStyleId>
+              </a:tblPr>
+              <a:tblGrid>
+                <a:gridCol w="530881">
+                  <a:extLst>
+                    <a:ext uri="{9D8B030D-6E8A-4147-A177-3AD203B41FA5}">
+                      <a16:colId xmlns:a16="http://schemas.microsoft.com/office/drawing/2014/main" val="1619986141"/>
+                    </a:ext>
+                  </a:extLst>
+                </a:gridCol>
+                <a:gridCol w="530881">
+                  <a:extLst>
+                    <a:ext uri="{9D8B030D-6E8A-4147-A177-3AD203B41FA5}">
+                      <a16:colId xmlns:a16="http://schemas.microsoft.com/office/drawing/2014/main" val="3558990718"/>
+                    </a:ext>
+                  </a:extLst>
+                </a:gridCol>
+                <a:gridCol w="530881">
+                  <a:extLst>
+                    <a:ext uri="{9D8B030D-6E8A-4147-A177-3AD203B41FA5}">
+                      <a16:colId xmlns:a16="http://schemas.microsoft.com/office/drawing/2014/main" val="2817522056"/>
+                    </a:ext>
+                  </a:extLst>
+                </a:gridCol>
+                <a:gridCol w="530881">
+                  <a:extLst>
+                    <a:ext uri="{9D8B030D-6E8A-4147-A177-3AD203B41FA5}">
+                      <a16:colId xmlns:a16="http://schemas.microsoft.com/office/drawing/2014/main" val="27933147"/>
+                    </a:ext>
+                  </a:extLst>
+                </a:gridCol>
+                <a:gridCol w="530881">
+                  <a:extLst>
+                    <a:ext uri="{9D8B030D-6E8A-4147-A177-3AD203B41FA5}">
+                      <a16:colId xmlns:a16="http://schemas.microsoft.com/office/drawing/2014/main" val="2599289334"/>
+                    </a:ext>
+                  </a:extLst>
+                </a:gridCol>
+              </a:tblGrid>
+              <a:tr h="370840">
+                <a:tc>
+                  <a:txBody>
+                    <a:bodyPr/>
+                    <a:lstStyle/>
+                    <a:p>
+                      <a:pPr algn="ctr"/>
+                      <a:endParaRPr lang="en-SE" sz="2000"/>
+                    </a:p>
+                  </a:txBody>
+                  <a:tcPr/>
+                </a:tc>
+                <a:tc>
+                  <a:txBody>
+                    <a:bodyPr/>
+                    <a:lstStyle/>
+                    <a:p>
+                      <a:pPr algn="ctr"/>
+                      <a:r>
+                        <a:rPr lang="en-GB" sz="2000" dirty="0"/>
+                        <a:t>R1</a:t>
+                      </a:r>
+                      <a:endParaRPr lang="en-SE" sz="2000" dirty="0"/>
+                    </a:p>
+                  </a:txBody>
+                  <a:tcPr/>
+                </a:tc>
+                <a:tc>
+                  <a:txBody>
+                    <a:bodyPr/>
+                    <a:lstStyle/>
+                    <a:p>
+                      <a:pPr algn="ctr"/>
+                      <a:r>
+                        <a:rPr lang="en-GB" sz="2000" dirty="0"/>
+                        <a:t>R2</a:t>
+                      </a:r>
+                      <a:endParaRPr lang="en-SE" sz="2000" dirty="0"/>
+                    </a:p>
+                  </a:txBody>
+                  <a:tcPr/>
+                </a:tc>
+                <a:tc>
+                  <a:txBody>
+                    <a:bodyPr/>
+                    <a:lstStyle/>
+                    <a:p>
+                      <a:pPr algn="ctr"/>
+                      <a:r>
+                        <a:rPr lang="en-GB" sz="2000" dirty="0"/>
+                        <a:t>R3</a:t>
+                      </a:r>
+                      <a:endParaRPr lang="en-SE" sz="2000" dirty="0"/>
+                    </a:p>
+                  </a:txBody>
+                  <a:tcPr/>
+                </a:tc>
+                <a:tc>
+                  <a:txBody>
+                    <a:bodyPr/>
+                    <a:lstStyle/>
+                    <a:p>
+                      <a:pPr algn="ctr"/>
+                      <a:r>
+                        <a:rPr lang="en-GB" sz="2000" dirty="0"/>
+                        <a:t>R4</a:t>
+                      </a:r>
+                      <a:endParaRPr lang="en-SE" sz="2000" dirty="0"/>
+                    </a:p>
+                  </a:txBody>
+                  <a:tcPr/>
+                </a:tc>
+                <a:extLst>
+                  <a:ext uri="{0D108BD9-81ED-4DB2-BD59-A6C34878D82A}">
+                    <a16:rowId xmlns:a16="http://schemas.microsoft.com/office/drawing/2014/main" val="117063772"/>
+                  </a:ext>
+                </a:extLst>
+              </a:tr>
+              <a:tr h="370840">
+                <a:tc>
+                  <a:txBody>
+                    <a:bodyPr/>
+                    <a:lstStyle/>
+                    <a:p>
+                      <a:pPr algn="ctr"/>
+                      <a:r>
+                        <a:rPr lang="en-GB" sz="2000" dirty="0"/>
+                        <a:t>T1</a:t>
+                      </a:r>
+                      <a:endParaRPr lang="en-SE" sz="2000" dirty="0"/>
+                    </a:p>
+                  </a:txBody>
+                  <a:tcPr/>
+                </a:tc>
+                <a:tc>
+                  <a:txBody>
+                    <a:bodyPr/>
+                    <a:lstStyle/>
+                    <a:p>
+                      <a:pPr algn="ctr"/>
+                      <a:r>
+                        <a:rPr lang="en-GB" sz="2000" dirty="0"/>
+                        <a:t>1</a:t>
+                      </a:r>
+                      <a:endParaRPr lang="en-SE" sz="2000" dirty="0"/>
+                    </a:p>
+                  </a:txBody>
+                  <a:tcPr/>
+                </a:tc>
+                <a:tc>
+                  <a:txBody>
+                    <a:bodyPr/>
+                    <a:lstStyle/>
+                    <a:p>
+                      <a:pPr algn="ctr"/>
+                      <a:r>
+                        <a:rPr lang="en-GB" sz="2000" dirty="0"/>
+                        <a:t>0</a:t>
+                      </a:r>
+                      <a:endParaRPr lang="en-SE" sz="2000" dirty="0"/>
+                    </a:p>
+                  </a:txBody>
+                  <a:tcPr/>
+                </a:tc>
+                <a:tc>
+                  <a:txBody>
+                    <a:bodyPr/>
+                    <a:lstStyle/>
+                    <a:p>
+                      <a:pPr algn="ctr"/>
+                      <a:r>
+                        <a:rPr lang="en-GB" sz="2000" dirty="0"/>
+                        <a:t>1</a:t>
+                      </a:r>
+                      <a:endParaRPr lang="en-SE" sz="2000" dirty="0"/>
+                    </a:p>
+                  </a:txBody>
+                  <a:tcPr/>
+                </a:tc>
+                <a:tc>
+                  <a:txBody>
+                    <a:bodyPr/>
+                    <a:lstStyle/>
+                    <a:p>
+                      <a:pPr algn="ctr"/>
+                      <a:r>
+                        <a:rPr lang="en-GB" sz="2000" dirty="0"/>
+                        <a:t>0</a:t>
+                      </a:r>
+                      <a:endParaRPr lang="en-SE" sz="2000" dirty="0"/>
+                    </a:p>
+                  </a:txBody>
+                  <a:tcPr/>
+                </a:tc>
+                <a:extLst>
+                  <a:ext uri="{0D108BD9-81ED-4DB2-BD59-A6C34878D82A}">
+                    <a16:rowId xmlns:a16="http://schemas.microsoft.com/office/drawing/2014/main" val="2823243655"/>
+                  </a:ext>
+                </a:extLst>
+              </a:tr>
+              <a:tr h="370840">
+                <a:tc>
+                  <a:txBody>
+                    <a:bodyPr/>
+                    <a:lstStyle/>
+                    <a:p>
+                      <a:pPr algn="ctr"/>
+                      <a:r>
+                        <a:rPr lang="en-GB" sz="2000" dirty="0"/>
+                        <a:t>T2</a:t>
+                      </a:r>
+                      <a:endParaRPr lang="en-SE" sz="2000" dirty="0"/>
+                    </a:p>
+                  </a:txBody>
+                  <a:tcPr/>
+                </a:tc>
+                <a:tc>
+                  <a:txBody>
+                    <a:bodyPr/>
+                    <a:lstStyle/>
+                    <a:p>
+                      <a:pPr algn="ctr"/>
+                      <a:r>
+                        <a:rPr lang="en-GB" sz="2000" dirty="0"/>
+                        <a:t>1</a:t>
+                      </a:r>
+                      <a:endParaRPr lang="en-SE" sz="2000" dirty="0"/>
+                    </a:p>
+                  </a:txBody>
+                  <a:tcPr/>
+                </a:tc>
+                <a:tc>
+                  <a:txBody>
+                    <a:bodyPr/>
+                    <a:lstStyle/>
+                    <a:p>
+                      <a:pPr algn="ctr"/>
+                      <a:r>
+                        <a:rPr lang="en-GB" sz="2000" dirty="0"/>
+                        <a:t>1</a:t>
+                      </a:r>
+                      <a:endParaRPr lang="en-SE" sz="2000" dirty="0"/>
+                    </a:p>
+                  </a:txBody>
+                  <a:tcPr/>
+                </a:tc>
+                <a:tc>
+                  <a:txBody>
+                    <a:bodyPr/>
+                    <a:lstStyle/>
+                    <a:p>
+                      <a:pPr algn="ctr"/>
+                      <a:r>
+                        <a:rPr lang="en-GB" sz="2000" dirty="0"/>
+                        <a:t>1</a:t>
+                      </a:r>
+                      <a:endParaRPr lang="en-SE" sz="2000" dirty="0"/>
+                    </a:p>
+                  </a:txBody>
+                  <a:tcPr/>
+                </a:tc>
+                <a:tc>
+                  <a:txBody>
+                    <a:bodyPr/>
+                    <a:lstStyle/>
+                    <a:p>
+                      <a:pPr algn="ctr"/>
+                      <a:r>
+                        <a:rPr lang="en-GB" sz="2000" dirty="0"/>
+                        <a:t>0</a:t>
+                      </a:r>
+                      <a:endParaRPr lang="en-SE" sz="2000" dirty="0"/>
+                    </a:p>
+                  </a:txBody>
+                  <a:tcPr/>
+                </a:tc>
+                <a:extLst>
+                  <a:ext uri="{0D108BD9-81ED-4DB2-BD59-A6C34878D82A}">
+                    <a16:rowId xmlns:a16="http://schemas.microsoft.com/office/drawing/2014/main" val="1884641263"/>
+                  </a:ext>
+                </a:extLst>
+              </a:tr>
+              <a:tr h="370840">
+                <a:tc>
+                  <a:txBody>
+                    <a:bodyPr/>
+                    <a:lstStyle/>
+                    <a:p>
+                      <a:pPr algn="ctr"/>
+                      <a:r>
+                        <a:rPr lang="en-GB" sz="2000" dirty="0"/>
+                        <a:t>T3</a:t>
+                      </a:r>
+                      <a:endParaRPr lang="en-SE" sz="2000" dirty="0"/>
+                    </a:p>
+                  </a:txBody>
+                  <a:tcPr/>
+                </a:tc>
+                <a:tc>
+                  <a:txBody>
+                    <a:bodyPr/>
+                    <a:lstStyle/>
+                    <a:p>
+                      <a:pPr algn="ctr"/>
+                      <a:r>
+                        <a:rPr lang="en-GB" sz="2000" dirty="0"/>
+                        <a:t>0</a:t>
+                      </a:r>
+                      <a:endParaRPr lang="en-SE" sz="2000" dirty="0"/>
+                    </a:p>
+                  </a:txBody>
+                  <a:tcPr/>
+                </a:tc>
+                <a:tc>
+                  <a:txBody>
+                    <a:bodyPr/>
+                    <a:lstStyle/>
+                    <a:p>
+                      <a:pPr algn="ctr"/>
+                      <a:r>
+                        <a:rPr lang="en-GB" sz="2000" dirty="0"/>
+                        <a:t>1</a:t>
+                      </a:r>
+                      <a:endParaRPr lang="en-SE" sz="2000" dirty="0"/>
+                    </a:p>
+                  </a:txBody>
+                  <a:tcPr/>
+                </a:tc>
+                <a:tc>
+                  <a:txBody>
+                    <a:bodyPr/>
+                    <a:lstStyle/>
+                    <a:p>
+                      <a:pPr algn="ctr"/>
+                      <a:r>
+                        <a:rPr lang="en-GB" sz="2000" dirty="0"/>
+                        <a:t>1</a:t>
+                      </a:r>
+                      <a:endParaRPr lang="en-SE" sz="2000" dirty="0"/>
+                    </a:p>
+                  </a:txBody>
+                  <a:tcPr/>
+                </a:tc>
+                <a:tc>
+                  <a:txBody>
+                    <a:bodyPr/>
+                    <a:lstStyle/>
+                    <a:p>
+                      <a:pPr algn="ctr"/>
+                      <a:r>
+                        <a:rPr lang="en-GB" sz="2000" dirty="0"/>
+                        <a:t>0</a:t>
+                      </a:r>
+                      <a:endParaRPr lang="en-SE" sz="2000" dirty="0"/>
+                    </a:p>
+                  </a:txBody>
+                  <a:tcPr/>
+                </a:tc>
+                <a:extLst>
+                  <a:ext uri="{0D108BD9-81ED-4DB2-BD59-A6C34878D82A}">
+                    <a16:rowId xmlns:a16="http://schemas.microsoft.com/office/drawing/2014/main" val="3030728590"/>
+                  </a:ext>
+                </a:extLst>
+              </a:tr>
+            </a:tbl>
+          </a:graphicData>
+        </a:graphic>
+      </p:graphicFrame>
+      <p:graphicFrame>
+        <p:nvGraphicFramePr>
+          <p:cNvPr id="9" name="Content Placeholder 5">
+            <a:extLst>
+              <a:ext uri="{FF2B5EF4-FFF2-40B4-BE49-F238E27FC236}">
+                <a16:creationId xmlns:a16="http://schemas.microsoft.com/office/drawing/2014/main" id="{0A8A3F25-C142-649A-6BD4-57DAEF75474E}"/>
+              </a:ext>
+            </a:extLst>
+          </p:cNvPr>
+          <p:cNvGraphicFramePr>
+            <a:graphicFrameLocks/>
+          </p:cNvGraphicFramePr>
+          <p:nvPr/>
+        </p:nvGraphicFramePr>
+        <p:xfrm>
+          <a:off x="3115025" y="1571112"/>
+          <a:ext cx="2654405" cy="1584960"/>
+        </p:xfrm>
+        <a:graphic>
+          <a:graphicData uri="http://schemas.openxmlformats.org/drawingml/2006/table">
+            <a:tbl>
+              <a:tblPr firstRow="1" bandRow="1">
+                <a:tableStyleId>{5C22544A-7EE6-4342-B048-85BDC9FD1C3A}</a:tableStyleId>
+              </a:tblPr>
+              <a:tblGrid>
+                <a:gridCol w="530881">
+                  <a:extLst>
+                    <a:ext uri="{9D8B030D-6E8A-4147-A177-3AD203B41FA5}">
+                      <a16:colId xmlns:a16="http://schemas.microsoft.com/office/drawing/2014/main" val="1619986141"/>
+                    </a:ext>
+                  </a:extLst>
+                </a:gridCol>
+                <a:gridCol w="530881">
+                  <a:extLst>
+                    <a:ext uri="{9D8B030D-6E8A-4147-A177-3AD203B41FA5}">
+                      <a16:colId xmlns:a16="http://schemas.microsoft.com/office/drawing/2014/main" val="3558990718"/>
+                    </a:ext>
+                  </a:extLst>
+                </a:gridCol>
+                <a:gridCol w="530881">
+                  <a:extLst>
+                    <a:ext uri="{9D8B030D-6E8A-4147-A177-3AD203B41FA5}">
+                      <a16:colId xmlns:a16="http://schemas.microsoft.com/office/drawing/2014/main" val="2817522056"/>
+                    </a:ext>
+                  </a:extLst>
+                </a:gridCol>
+                <a:gridCol w="530881">
+                  <a:extLst>
+                    <a:ext uri="{9D8B030D-6E8A-4147-A177-3AD203B41FA5}">
+                      <a16:colId xmlns:a16="http://schemas.microsoft.com/office/drawing/2014/main" val="27933147"/>
+                    </a:ext>
+                  </a:extLst>
+                </a:gridCol>
+                <a:gridCol w="530881">
+                  <a:extLst>
+                    <a:ext uri="{9D8B030D-6E8A-4147-A177-3AD203B41FA5}">
+                      <a16:colId xmlns:a16="http://schemas.microsoft.com/office/drawing/2014/main" val="2599289334"/>
+                    </a:ext>
+                  </a:extLst>
+                </a:gridCol>
+              </a:tblGrid>
+              <a:tr h="370840">
+                <a:tc>
+                  <a:txBody>
+                    <a:bodyPr/>
+                    <a:lstStyle/>
+                    <a:p>
+                      <a:pPr algn="ctr"/>
+                      <a:endParaRPr lang="en-SE" sz="2000"/>
+                    </a:p>
+                  </a:txBody>
+                  <a:tcPr/>
+                </a:tc>
+                <a:tc>
+                  <a:txBody>
+                    <a:bodyPr/>
+                    <a:lstStyle/>
+                    <a:p>
+                      <a:pPr algn="ctr"/>
+                      <a:r>
+                        <a:rPr lang="en-GB" sz="2000" dirty="0"/>
+                        <a:t>R1</a:t>
+                      </a:r>
+                      <a:endParaRPr lang="en-SE" sz="2000" dirty="0"/>
+                    </a:p>
+                  </a:txBody>
+                  <a:tcPr/>
+                </a:tc>
+                <a:tc>
+                  <a:txBody>
+                    <a:bodyPr/>
+                    <a:lstStyle/>
+                    <a:p>
+                      <a:pPr algn="ctr"/>
+                      <a:r>
+                        <a:rPr lang="en-GB" sz="2000" dirty="0"/>
+                        <a:t>R2</a:t>
+                      </a:r>
+                      <a:endParaRPr lang="en-SE" sz="2000" dirty="0"/>
+                    </a:p>
+                  </a:txBody>
+                  <a:tcPr/>
+                </a:tc>
+                <a:tc>
+                  <a:txBody>
+                    <a:bodyPr/>
+                    <a:lstStyle/>
+                    <a:p>
+                      <a:pPr algn="ctr"/>
+                      <a:r>
+                        <a:rPr lang="en-GB" sz="2000" dirty="0"/>
+                        <a:t>R3</a:t>
+                      </a:r>
+                      <a:endParaRPr lang="en-SE" sz="2000" dirty="0"/>
+                    </a:p>
+                  </a:txBody>
+                  <a:tcPr/>
+                </a:tc>
+                <a:tc>
+                  <a:txBody>
+                    <a:bodyPr/>
+                    <a:lstStyle/>
+                    <a:p>
+                      <a:pPr algn="ctr"/>
+                      <a:r>
+                        <a:rPr lang="en-GB" sz="2000" dirty="0"/>
+                        <a:t>R4</a:t>
+                      </a:r>
+                      <a:endParaRPr lang="en-SE" sz="2000" dirty="0"/>
+                    </a:p>
+                  </a:txBody>
+                  <a:tcPr/>
+                </a:tc>
+                <a:extLst>
+                  <a:ext uri="{0D108BD9-81ED-4DB2-BD59-A6C34878D82A}">
+                    <a16:rowId xmlns:a16="http://schemas.microsoft.com/office/drawing/2014/main" val="117063772"/>
+                  </a:ext>
+                </a:extLst>
+              </a:tr>
+              <a:tr h="370840">
+                <a:tc>
+                  <a:txBody>
+                    <a:bodyPr/>
+                    <a:lstStyle/>
+                    <a:p>
+                      <a:pPr algn="ctr"/>
+                      <a:r>
+                        <a:rPr lang="en-GB" sz="2000" dirty="0"/>
+                        <a:t>T1</a:t>
+                      </a:r>
+                      <a:endParaRPr lang="en-SE" sz="2000" dirty="0"/>
+                    </a:p>
+                  </a:txBody>
+                  <a:tcPr/>
+                </a:tc>
+                <a:tc>
+                  <a:txBody>
+                    <a:bodyPr/>
+                    <a:lstStyle/>
+                    <a:p>
+                      <a:pPr algn="ctr"/>
+                      <a:r>
+                        <a:rPr lang="en-GB" sz="2000" dirty="0"/>
+                        <a:t>0</a:t>
+                      </a:r>
+                      <a:endParaRPr lang="en-SE" sz="2000" dirty="0"/>
+                    </a:p>
+                  </a:txBody>
+                  <a:tcPr/>
+                </a:tc>
+                <a:tc>
+                  <a:txBody>
+                    <a:bodyPr/>
+                    <a:lstStyle/>
+                    <a:p>
+                      <a:pPr algn="ctr"/>
+                      <a:r>
+                        <a:rPr lang="en-GB" sz="2000" dirty="0"/>
+                        <a:t>0</a:t>
+                      </a:r>
+                      <a:endParaRPr lang="en-SE" sz="2000" dirty="0"/>
+                    </a:p>
+                  </a:txBody>
+                  <a:tcPr/>
+                </a:tc>
+                <a:tc>
+                  <a:txBody>
+                    <a:bodyPr/>
+                    <a:lstStyle/>
+                    <a:p>
+                      <a:pPr algn="ctr"/>
+                      <a:r>
+                        <a:rPr lang="en-GB" sz="2000" dirty="0"/>
+                        <a:t>1</a:t>
+                      </a:r>
+                      <a:endParaRPr lang="en-SE" sz="2000" dirty="0"/>
+                    </a:p>
+                  </a:txBody>
+                  <a:tcPr/>
+                </a:tc>
+                <a:tc>
+                  <a:txBody>
+                    <a:bodyPr/>
+                    <a:lstStyle/>
+                    <a:p>
+                      <a:pPr algn="ctr"/>
+                      <a:r>
+                        <a:rPr lang="en-GB" sz="2000" dirty="0"/>
+                        <a:t>0</a:t>
+                      </a:r>
+                      <a:endParaRPr lang="en-SE" sz="2000" dirty="0"/>
+                    </a:p>
+                  </a:txBody>
+                  <a:tcPr/>
+                </a:tc>
+                <a:extLst>
+                  <a:ext uri="{0D108BD9-81ED-4DB2-BD59-A6C34878D82A}">
+                    <a16:rowId xmlns:a16="http://schemas.microsoft.com/office/drawing/2014/main" val="2823243655"/>
+                  </a:ext>
+                </a:extLst>
+              </a:tr>
+              <a:tr h="370840">
+                <a:tc>
+                  <a:txBody>
+                    <a:bodyPr/>
+                    <a:lstStyle/>
+                    <a:p>
+                      <a:pPr algn="ctr"/>
+                      <a:r>
+                        <a:rPr lang="en-GB" sz="2000" dirty="0"/>
+                        <a:t>T2</a:t>
+                      </a:r>
+                      <a:endParaRPr lang="en-SE" sz="2000" dirty="0"/>
+                    </a:p>
+                  </a:txBody>
+                  <a:tcPr/>
+                </a:tc>
+                <a:tc>
+                  <a:txBody>
+                    <a:bodyPr/>
+                    <a:lstStyle/>
+                    <a:p>
+                      <a:pPr algn="ctr"/>
+                      <a:r>
+                        <a:rPr lang="en-GB" sz="2000" dirty="0"/>
+                        <a:t>1</a:t>
+                      </a:r>
+                      <a:endParaRPr lang="en-SE" sz="2000" dirty="0"/>
+                    </a:p>
+                  </a:txBody>
+                  <a:tcPr/>
+                </a:tc>
+                <a:tc>
+                  <a:txBody>
+                    <a:bodyPr/>
+                    <a:lstStyle/>
+                    <a:p>
+                      <a:pPr algn="ctr"/>
+                      <a:r>
+                        <a:rPr lang="en-GB" sz="2000" dirty="0"/>
+                        <a:t>0</a:t>
+                      </a:r>
+                      <a:endParaRPr lang="en-SE" sz="2000" dirty="0"/>
+                    </a:p>
+                  </a:txBody>
+                  <a:tcPr/>
+                </a:tc>
+                <a:tc>
+                  <a:txBody>
+                    <a:bodyPr/>
+                    <a:lstStyle/>
+                    <a:p>
+                      <a:pPr algn="ctr"/>
+                      <a:r>
+                        <a:rPr lang="en-GB" sz="2000" dirty="0"/>
+                        <a:t>1</a:t>
+                      </a:r>
+                      <a:endParaRPr lang="en-SE" sz="2000" dirty="0"/>
+                    </a:p>
+                  </a:txBody>
+                  <a:tcPr/>
+                </a:tc>
+                <a:tc>
+                  <a:txBody>
+                    <a:bodyPr/>
+                    <a:lstStyle/>
+                    <a:p>
+                      <a:pPr algn="ctr"/>
+                      <a:r>
+                        <a:rPr lang="en-GB" sz="2000" dirty="0"/>
+                        <a:t>0</a:t>
+                      </a:r>
+                      <a:endParaRPr lang="en-SE" sz="2000" dirty="0"/>
+                    </a:p>
+                  </a:txBody>
+                  <a:tcPr/>
+                </a:tc>
+                <a:extLst>
+                  <a:ext uri="{0D108BD9-81ED-4DB2-BD59-A6C34878D82A}">
+                    <a16:rowId xmlns:a16="http://schemas.microsoft.com/office/drawing/2014/main" val="1884641263"/>
+                  </a:ext>
+                </a:extLst>
+              </a:tr>
+              <a:tr h="370840">
+                <a:tc>
+                  <a:txBody>
+                    <a:bodyPr/>
+                    <a:lstStyle/>
+                    <a:p>
+                      <a:pPr algn="ctr"/>
+                      <a:r>
+                        <a:rPr lang="en-GB" sz="2000" dirty="0"/>
+                        <a:t>T3</a:t>
+                      </a:r>
+                      <a:endParaRPr lang="en-SE" sz="2000" dirty="0"/>
+                    </a:p>
+                  </a:txBody>
+                  <a:tcPr/>
+                </a:tc>
+                <a:tc>
+                  <a:txBody>
+                    <a:bodyPr/>
+                    <a:lstStyle/>
+                    <a:p>
+                      <a:pPr algn="ctr"/>
+                      <a:r>
+                        <a:rPr lang="en-GB" sz="2000" dirty="0"/>
+                        <a:t>0</a:t>
+                      </a:r>
+                      <a:endParaRPr lang="en-SE" sz="2000" dirty="0"/>
+                    </a:p>
+                  </a:txBody>
+                  <a:tcPr/>
+                </a:tc>
+                <a:tc>
+                  <a:txBody>
+                    <a:bodyPr/>
+                    <a:lstStyle/>
+                    <a:p>
+                      <a:pPr algn="ctr"/>
+                      <a:r>
+                        <a:rPr lang="en-GB" sz="2000" dirty="0"/>
+                        <a:t>1</a:t>
+                      </a:r>
+                      <a:endParaRPr lang="en-SE" sz="2000" dirty="0"/>
+                    </a:p>
+                  </a:txBody>
+                  <a:tcPr/>
+                </a:tc>
+                <a:tc>
+                  <a:txBody>
+                    <a:bodyPr/>
+                    <a:lstStyle/>
+                    <a:p>
+                      <a:pPr algn="ctr"/>
+                      <a:r>
+                        <a:rPr lang="en-GB" sz="2000" dirty="0"/>
+                        <a:t>0</a:t>
+                      </a:r>
+                      <a:endParaRPr lang="en-SE" sz="2000" dirty="0"/>
+                    </a:p>
+                  </a:txBody>
+                  <a:tcPr/>
+                </a:tc>
+                <a:tc>
+                  <a:txBody>
+                    <a:bodyPr/>
+                    <a:lstStyle/>
+                    <a:p>
+                      <a:pPr algn="ctr"/>
+                      <a:r>
+                        <a:rPr lang="en-GB" sz="2000" dirty="0"/>
+                        <a:t>0</a:t>
+                      </a:r>
+                      <a:endParaRPr lang="en-SE" sz="2000" dirty="0"/>
+                    </a:p>
+                  </a:txBody>
+                  <a:tcPr/>
+                </a:tc>
+                <a:extLst>
+                  <a:ext uri="{0D108BD9-81ED-4DB2-BD59-A6C34878D82A}">
+                    <a16:rowId xmlns:a16="http://schemas.microsoft.com/office/drawing/2014/main" val="3030728590"/>
+                  </a:ext>
+                </a:extLst>
+              </a:tr>
+            </a:tbl>
+          </a:graphicData>
+        </a:graphic>
+      </p:graphicFrame>
+      <p:graphicFrame>
+        <p:nvGraphicFramePr>
+          <p:cNvPr id="11" name="Content Placeholder 5">
+            <a:extLst>
+              <a:ext uri="{FF2B5EF4-FFF2-40B4-BE49-F238E27FC236}">
+                <a16:creationId xmlns:a16="http://schemas.microsoft.com/office/drawing/2014/main" id="{1D921B2D-0554-7F28-E615-514E9B8C5463}"/>
+              </a:ext>
+            </a:extLst>
+          </p:cNvPr>
+          <p:cNvGraphicFramePr>
+            <a:graphicFrameLocks/>
+          </p:cNvGraphicFramePr>
+          <p:nvPr/>
+        </p:nvGraphicFramePr>
+        <p:xfrm>
+          <a:off x="430434" y="3712289"/>
+          <a:ext cx="2123524" cy="792480"/>
+        </p:xfrm>
+        <a:graphic>
+          <a:graphicData uri="http://schemas.openxmlformats.org/drawingml/2006/table">
+            <a:tbl>
+              <a:tblPr firstRow="1" bandRow="1">
+                <a:tableStyleId>{5C22544A-7EE6-4342-B048-85BDC9FD1C3A}</a:tableStyleId>
+              </a:tblPr>
+              <a:tblGrid>
+                <a:gridCol w="530881">
+                  <a:extLst>
+                    <a:ext uri="{9D8B030D-6E8A-4147-A177-3AD203B41FA5}">
+                      <a16:colId xmlns:a16="http://schemas.microsoft.com/office/drawing/2014/main" val="3558990718"/>
+                    </a:ext>
+                  </a:extLst>
+                </a:gridCol>
+                <a:gridCol w="530881">
+                  <a:extLst>
+                    <a:ext uri="{9D8B030D-6E8A-4147-A177-3AD203B41FA5}">
+                      <a16:colId xmlns:a16="http://schemas.microsoft.com/office/drawing/2014/main" val="2817522056"/>
+                    </a:ext>
+                  </a:extLst>
+                </a:gridCol>
+                <a:gridCol w="530881">
+                  <a:extLst>
+                    <a:ext uri="{9D8B030D-6E8A-4147-A177-3AD203B41FA5}">
+                      <a16:colId xmlns:a16="http://schemas.microsoft.com/office/drawing/2014/main" val="27933147"/>
+                    </a:ext>
+                  </a:extLst>
+                </a:gridCol>
+                <a:gridCol w="530881">
+                  <a:extLst>
+                    <a:ext uri="{9D8B030D-6E8A-4147-A177-3AD203B41FA5}">
+                      <a16:colId xmlns:a16="http://schemas.microsoft.com/office/drawing/2014/main" val="2599289334"/>
+                    </a:ext>
+                  </a:extLst>
+                </a:gridCol>
+              </a:tblGrid>
+              <a:tr h="370840">
+                <a:tc>
+                  <a:txBody>
+                    <a:bodyPr/>
+                    <a:lstStyle/>
+                    <a:p>
+                      <a:pPr algn="ctr"/>
+                      <a:r>
+                        <a:rPr lang="en-GB" sz="2000" dirty="0"/>
+                        <a:t>R1</a:t>
+                      </a:r>
+                      <a:endParaRPr lang="en-SE" sz="2000" dirty="0"/>
+                    </a:p>
+                  </a:txBody>
+                  <a:tcPr/>
+                </a:tc>
+                <a:tc>
+                  <a:txBody>
+                    <a:bodyPr/>
+                    <a:lstStyle/>
+                    <a:p>
+                      <a:pPr algn="ctr"/>
+                      <a:r>
+                        <a:rPr lang="en-GB" sz="2000" dirty="0"/>
+                        <a:t>R2</a:t>
+                      </a:r>
+                      <a:endParaRPr lang="en-SE" sz="2000" dirty="0"/>
+                    </a:p>
+                  </a:txBody>
+                  <a:tcPr/>
+                </a:tc>
+                <a:tc>
+                  <a:txBody>
+                    <a:bodyPr/>
+                    <a:lstStyle/>
+                    <a:p>
+                      <a:pPr algn="ctr"/>
+                      <a:r>
+                        <a:rPr lang="en-GB" sz="2000" dirty="0"/>
+                        <a:t>R3</a:t>
+                      </a:r>
+                      <a:endParaRPr lang="en-SE" sz="2000" dirty="0"/>
+                    </a:p>
+                  </a:txBody>
+                  <a:tcPr/>
+                </a:tc>
+                <a:tc>
+                  <a:txBody>
+                    <a:bodyPr/>
+                    <a:lstStyle/>
+                    <a:p>
+                      <a:pPr algn="ctr"/>
+                      <a:r>
+                        <a:rPr lang="en-GB" sz="2000" dirty="0"/>
+                        <a:t>R4</a:t>
+                      </a:r>
+                      <a:endParaRPr lang="en-SE" sz="2000" dirty="0"/>
+                    </a:p>
+                  </a:txBody>
+                  <a:tcPr/>
+                </a:tc>
+                <a:extLst>
+                  <a:ext uri="{0D108BD9-81ED-4DB2-BD59-A6C34878D82A}">
+                    <a16:rowId xmlns:a16="http://schemas.microsoft.com/office/drawing/2014/main" val="117063772"/>
+                  </a:ext>
+                </a:extLst>
+              </a:tr>
+              <a:tr h="370840">
+                <a:tc>
+                  <a:txBody>
+                    <a:bodyPr/>
+                    <a:lstStyle/>
+                    <a:p>
+                      <a:pPr algn="ctr"/>
+                      <a:r>
+                        <a:rPr lang="en-GB" sz="2000" dirty="0"/>
+                        <a:t>1</a:t>
+                      </a:r>
+                      <a:endParaRPr lang="en-SE" sz="2000" dirty="0"/>
+                    </a:p>
+                  </a:txBody>
+                  <a:tcPr/>
+                </a:tc>
+                <a:tc>
+                  <a:txBody>
+                    <a:bodyPr/>
+                    <a:lstStyle/>
+                    <a:p>
+                      <a:pPr algn="ctr"/>
+                      <a:r>
+                        <a:rPr lang="en-GB" sz="2000" dirty="0"/>
+                        <a:t>1</a:t>
+                      </a:r>
+                      <a:endParaRPr lang="en-SE" sz="2000" dirty="0"/>
+                    </a:p>
+                  </a:txBody>
+                  <a:tcPr/>
+                </a:tc>
+                <a:tc>
+                  <a:txBody>
+                    <a:bodyPr/>
+                    <a:lstStyle/>
+                    <a:p>
+                      <a:pPr algn="ctr"/>
+                      <a:r>
+                        <a:rPr lang="en-GB" sz="2000" dirty="0"/>
+                        <a:t>2</a:t>
+                      </a:r>
+                      <a:endParaRPr lang="en-SE" sz="2000" dirty="0"/>
+                    </a:p>
+                  </a:txBody>
+                  <a:tcPr/>
+                </a:tc>
+                <a:tc>
+                  <a:txBody>
+                    <a:bodyPr/>
+                    <a:lstStyle/>
+                    <a:p>
+                      <a:pPr algn="ctr"/>
+                      <a:r>
+                        <a:rPr lang="en-GB" sz="2000" dirty="0"/>
+                        <a:t>3</a:t>
+                      </a:r>
+                      <a:endParaRPr lang="en-SE" sz="2000" dirty="0"/>
+                    </a:p>
+                  </a:txBody>
+                  <a:tcPr/>
+                </a:tc>
+                <a:extLst>
+                  <a:ext uri="{0D108BD9-81ED-4DB2-BD59-A6C34878D82A}">
+                    <a16:rowId xmlns:a16="http://schemas.microsoft.com/office/drawing/2014/main" val="3030728590"/>
+                  </a:ext>
+                </a:extLst>
+              </a:tr>
+            </a:tbl>
+          </a:graphicData>
+        </a:graphic>
+      </p:graphicFrame>
+      <p:sp>
+        <p:nvSpPr>
+          <p:cNvPr id="12" name="TextBox 11">
+            <a:extLst>
+              <a:ext uri="{FF2B5EF4-FFF2-40B4-BE49-F238E27FC236}">
+                <a16:creationId xmlns:a16="http://schemas.microsoft.com/office/drawing/2014/main" id="{FF284D1D-BB2E-739F-1CBA-B8C5AC354746}"/>
+              </a:ext>
+            </a:extLst>
+          </p:cNvPr>
+          <p:cNvSpPr txBox="1"/>
+          <p:nvPr/>
+        </p:nvSpPr>
+        <p:spPr>
+          <a:xfrm>
+            <a:off x="1079420" y="1089724"/>
+            <a:ext cx="692818" cy="400110"/>
+          </a:xfrm>
+          <a:prstGeom prst="rect">
+            <a:avLst/>
+          </a:prstGeom>
+          <a:noFill/>
+        </p:spPr>
+        <p:txBody>
+          <a:bodyPr wrap="none" rtlCol="0">
+            <a:spAutoFit/>
+          </a:bodyPr>
+          <a:lstStyle/>
+          <a:p>
+            <a:r>
+              <a:rPr lang="en-GB" sz="2000" b="0" dirty="0">
+                <a:solidFill>
+                  <a:schemeClr val="dk1"/>
+                </a:solidFill>
+                <a:latin typeface="+mn-lt"/>
+                <a:ea typeface="+mn-ea"/>
+                <a:cs typeface="+mn-cs"/>
+              </a:rPr>
+              <a:t>Max</a:t>
+            </a:r>
+          </a:p>
+        </p:txBody>
+      </p:sp>
+      <p:sp>
+        <p:nvSpPr>
+          <p:cNvPr id="13" name="TextBox 12">
+            <a:extLst>
+              <a:ext uri="{FF2B5EF4-FFF2-40B4-BE49-F238E27FC236}">
+                <a16:creationId xmlns:a16="http://schemas.microsoft.com/office/drawing/2014/main" id="{31501233-C2E0-7E04-784D-FEF55D8EA986}"/>
+              </a:ext>
+            </a:extLst>
+          </p:cNvPr>
+          <p:cNvSpPr txBox="1"/>
+          <p:nvPr/>
+        </p:nvSpPr>
+        <p:spPr>
+          <a:xfrm>
+            <a:off x="3812354" y="1089724"/>
+            <a:ext cx="1372492" cy="400110"/>
+          </a:xfrm>
+          <a:prstGeom prst="rect">
+            <a:avLst/>
+          </a:prstGeom>
+          <a:noFill/>
+        </p:spPr>
+        <p:txBody>
+          <a:bodyPr wrap="none" rtlCol="0">
+            <a:spAutoFit/>
+          </a:bodyPr>
+          <a:lstStyle/>
+          <a:p>
+            <a:r>
+              <a:rPr lang="en-GB" sz="2000" b="0" dirty="0">
+                <a:solidFill>
+                  <a:schemeClr val="dk1"/>
+                </a:solidFill>
+                <a:latin typeface="+mn-lt"/>
+                <a:ea typeface="+mn-ea"/>
+                <a:cs typeface="+mn-cs"/>
+              </a:rPr>
+              <a:t>Allocation</a:t>
+            </a:r>
+          </a:p>
+        </p:txBody>
+      </p:sp>
+      <p:sp>
+        <p:nvSpPr>
+          <p:cNvPr id="14" name="TextBox 13">
+            <a:extLst>
+              <a:ext uri="{FF2B5EF4-FFF2-40B4-BE49-F238E27FC236}">
+                <a16:creationId xmlns:a16="http://schemas.microsoft.com/office/drawing/2014/main" id="{73C4FB28-3D8A-9F7C-EECA-C3FE7F4083CC}"/>
+              </a:ext>
+            </a:extLst>
+          </p:cNvPr>
+          <p:cNvSpPr txBox="1"/>
+          <p:nvPr/>
+        </p:nvSpPr>
+        <p:spPr>
+          <a:xfrm>
+            <a:off x="1002907" y="3308269"/>
+            <a:ext cx="816249" cy="400110"/>
+          </a:xfrm>
+          <a:prstGeom prst="rect">
+            <a:avLst/>
+          </a:prstGeom>
+          <a:noFill/>
+        </p:spPr>
+        <p:txBody>
+          <a:bodyPr wrap="none" rtlCol="0">
+            <a:spAutoFit/>
+          </a:bodyPr>
+          <a:lstStyle/>
+          <a:p>
+            <a:r>
+              <a:rPr lang="en-GB" sz="2000" b="0" dirty="0">
+                <a:solidFill>
+                  <a:schemeClr val="dk1"/>
+                </a:solidFill>
+                <a:latin typeface="+mn-lt"/>
+                <a:ea typeface="+mn-ea"/>
+                <a:cs typeface="+mn-cs"/>
+              </a:rPr>
+              <a:t>Total</a:t>
+            </a:r>
+          </a:p>
+        </p:txBody>
+      </p:sp>
+      <p:sp>
+        <p:nvSpPr>
+          <p:cNvPr id="15" name="TextBox 14">
+            <a:extLst>
+              <a:ext uri="{FF2B5EF4-FFF2-40B4-BE49-F238E27FC236}">
+                <a16:creationId xmlns:a16="http://schemas.microsoft.com/office/drawing/2014/main" id="{6FDE4ACB-26A1-B0A9-929D-5F0800E4D00A}"/>
+              </a:ext>
+            </a:extLst>
+          </p:cNvPr>
+          <p:cNvSpPr txBox="1"/>
+          <p:nvPr/>
+        </p:nvSpPr>
+        <p:spPr>
+          <a:xfrm>
+            <a:off x="3782807" y="3308269"/>
+            <a:ext cx="1266693" cy="400110"/>
+          </a:xfrm>
+          <a:prstGeom prst="rect">
+            <a:avLst/>
+          </a:prstGeom>
+          <a:noFill/>
+        </p:spPr>
+        <p:txBody>
+          <a:bodyPr wrap="none" rtlCol="0">
+            <a:spAutoFit/>
+          </a:bodyPr>
+          <a:lstStyle/>
+          <a:p>
+            <a:r>
+              <a:rPr lang="en-GB" sz="2000" b="0" dirty="0">
+                <a:solidFill>
+                  <a:schemeClr val="dk1"/>
+                </a:solidFill>
+                <a:latin typeface="+mn-lt"/>
+                <a:ea typeface="+mn-ea"/>
+                <a:cs typeface="+mn-cs"/>
+              </a:rPr>
+              <a:t>Available</a:t>
+            </a:r>
+          </a:p>
+        </p:txBody>
+      </p:sp>
+      <p:graphicFrame>
+        <p:nvGraphicFramePr>
+          <p:cNvPr id="17" name="Content Placeholder 5">
+            <a:extLst>
+              <a:ext uri="{FF2B5EF4-FFF2-40B4-BE49-F238E27FC236}">
+                <a16:creationId xmlns:a16="http://schemas.microsoft.com/office/drawing/2014/main" id="{7715612E-A4A9-82B5-8221-243B94CBE0F2}"/>
+              </a:ext>
+            </a:extLst>
+          </p:cNvPr>
+          <p:cNvGraphicFramePr>
+            <a:graphicFrameLocks/>
+          </p:cNvGraphicFramePr>
+          <p:nvPr/>
+        </p:nvGraphicFramePr>
+        <p:xfrm>
+          <a:off x="3436838" y="3712289"/>
+          <a:ext cx="2123524" cy="792480"/>
+        </p:xfrm>
+        <a:graphic>
+          <a:graphicData uri="http://schemas.openxmlformats.org/drawingml/2006/table">
+            <a:tbl>
+              <a:tblPr firstRow="1" bandRow="1">
+                <a:tableStyleId>{5C22544A-7EE6-4342-B048-85BDC9FD1C3A}</a:tableStyleId>
+              </a:tblPr>
+              <a:tblGrid>
+                <a:gridCol w="530881">
+                  <a:extLst>
+                    <a:ext uri="{9D8B030D-6E8A-4147-A177-3AD203B41FA5}">
+                      <a16:colId xmlns:a16="http://schemas.microsoft.com/office/drawing/2014/main" val="3558990718"/>
+                    </a:ext>
+                  </a:extLst>
+                </a:gridCol>
+                <a:gridCol w="530881">
+                  <a:extLst>
+                    <a:ext uri="{9D8B030D-6E8A-4147-A177-3AD203B41FA5}">
+                      <a16:colId xmlns:a16="http://schemas.microsoft.com/office/drawing/2014/main" val="2817522056"/>
+                    </a:ext>
+                  </a:extLst>
+                </a:gridCol>
+                <a:gridCol w="530881">
+                  <a:extLst>
+                    <a:ext uri="{9D8B030D-6E8A-4147-A177-3AD203B41FA5}">
+                      <a16:colId xmlns:a16="http://schemas.microsoft.com/office/drawing/2014/main" val="27933147"/>
+                    </a:ext>
+                  </a:extLst>
+                </a:gridCol>
+                <a:gridCol w="530881">
+                  <a:extLst>
+                    <a:ext uri="{9D8B030D-6E8A-4147-A177-3AD203B41FA5}">
+                      <a16:colId xmlns:a16="http://schemas.microsoft.com/office/drawing/2014/main" val="2599289334"/>
+                    </a:ext>
+                  </a:extLst>
+                </a:gridCol>
+              </a:tblGrid>
+              <a:tr h="370840">
+                <a:tc>
+                  <a:txBody>
+                    <a:bodyPr/>
+                    <a:lstStyle/>
+                    <a:p>
+                      <a:pPr algn="ctr"/>
+                      <a:r>
+                        <a:rPr lang="en-GB" sz="2000" dirty="0"/>
+                        <a:t>R1</a:t>
+                      </a:r>
+                      <a:endParaRPr lang="en-SE" sz="2000" dirty="0"/>
+                    </a:p>
+                  </a:txBody>
+                  <a:tcPr/>
+                </a:tc>
+                <a:tc>
+                  <a:txBody>
+                    <a:bodyPr/>
+                    <a:lstStyle/>
+                    <a:p>
+                      <a:pPr algn="ctr"/>
+                      <a:r>
+                        <a:rPr lang="en-GB" sz="2000" dirty="0"/>
+                        <a:t>R2</a:t>
+                      </a:r>
+                      <a:endParaRPr lang="en-SE" sz="2000" dirty="0"/>
+                    </a:p>
+                  </a:txBody>
+                  <a:tcPr/>
+                </a:tc>
+                <a:tc>
+                  <a:txBody>
+                    <a:bodyPr/>
+                    <a:lstStyle/>
+                    <a:p>
+                      <a:pPr algn="ctr"/>
+                      <a:r>
+                        <a:rPr lang="en-GB" sz="2000" dirty="0"/>
+                        <a:t>R3</a:t>
+                      </a:r>
+                      <a:endParaRPr lang="en-SE" sz="2000" dirty="0"/>
+                    </a:p>
+                  </a:txBody>
+                  <a:tcPr/>
+                </a:tc>
+                <a:tc>
+                  <a:txBody>
+                    <a:bodyPr/>
+                    <a:lstStyle/>
+                    <a:p>
+                      <a:pPr algn="ctr"/>
+                      <a:r>
+                        <a:rPr lang="en-GB" sz="2000" dirty="0"/>
+                        <a:t>R4</a:t>
+                      </a:r>
+                      <a:endParaRPr lang="en-SE" sz="2000" dirty="0"/>
+                    </a:p>
+                  </a:txBody>
+                  <a:tcPr/>
+                </a:tc>
+                <a:extLst>
+                  <a:ext uri="{0D108BD9-81ED-4DB2-BD59-A6C34878D82A}">
+                    <a16:rowId xmlns:a16="http://schemas.microsoft.com/office/drawing/2014/main" val="117063772"/>
+                  </a:ext>
+                </a:extLst>
+              </a:tr>
+              <a:tr h="370840">
+                <a:tc>
+                  <a:txBody>
+                    <a:bodyPr/>
+                    <a:lstStyle/>
+                    <a:p>
+                      <a:pPr algn="ctr"/>
+                      <a:r>
+                        <a:rPr lang="en-GB" sz="2000" dirty="0"/>
+                        <a:t>0</a:t>
+                      </a:r>
+                      <a:endParaRPr lang="en-SE" sz="2000" dirty="0"/>
+                    </a:p>
+                  </a:txBody>
+                  <a:tcPr/>
+                </a:tc>
+                <a:tc>
+                  <a:txBody>
+                    <a:bodyPr/>
+                    <a:lstStyle/>
+                    <a:p>
+                      <a:pPr algn="ctr"/>
+                      <a:r>
+                        <a:rPr lang="en-GB" sz="2000" dirty="0"/>
+                        <a:t>0</a:t>
+                      </a:r>
+                      <a:endParaRPr lang="en-SE" sz="2000" dirty="0"/>
+                    </a:p>
+                  </a:txBody>
+                  <a:tcPr/>
+                </a:tc>
+                <a:tc>
+                  <a:txBody>
+                    <a:bodyPr/>
+                    <a:lstStyle/>
+                    <a:p>
+                      <a:pPr algn="ctr"/>
+                      <a:r>
+                        <a:rPr lang="en-GB" sz="2000" dirty="0"/>
+                        <a:t>0</a:t>
+                      </a:r>
+                      <a:endParaRPr lang="en-SE" sz="2000" dirty="0"/>
+                    </a:p>
+                  </a:txBody>
+                  <a:tcPr/>
+                </a:tc>
+                <a:tc>
+                  <a:txBody>
+                    <a:bodyPr/>
+                    <a:lstStyle/>
+                    <a:p>
+                      <a:pPr algn="ctr"/>
+                      <a:r>
+                        <a:rPr lang="en-GB" sz="2000"/>
+                        <a:t>3</a:t>
+                      </a:r>
+                      <a:endParaRPr lang="en-SE" sz="2000" dirty="0"/>
+                    </a:p>
+                  </a:txBody>
+                  <a:tcPr/>
+                </a:tc>
+                <a:extLst>
+                  <a:ext uri="{0D108BD9-81ED-4DB2-BD59-A6C34878D82A}">
+                    <a16:rowId xmlns:a16="http://schemas.microsoft.com/office/drawing/2014/main" val="3030728590"/>
+                  </a:ext>
+                </a:extLst>
+              </a:tr>
+            </a:tbl>
+          </a:graphicData>
+        </a:graphic>
+      </p:graphicFrame>
+      <p:graphicFrame>
+        <p:nvGraphicFramePr>
+          <p:cNvPr id="19" name="Content Placeholder 5">
+            <a:extLst>
+              <a:ext uri="{FF2B5EF4-FFF2-40B4-BE49-F238E27FC236}">
+                <a16:creationId xmlns:a16="http://schemas.microsoft.com/office/drawing/2014/main" id="{DC9BEF68-47F1-E6A8-FB2F-1FA240B93C50}"/>
+              </a:ext>
+            </a:extLst>
+          </p:cNvPr>
+          <p:cNvGraphicFramePr>
+            <a:graphicFrameLocks/>
+          </p:cNvGraphicFramePr>
+          <p:nvPr/>
+        </p:nvGraphicFramePr>
+        <p:xfrm>
+          <a:off x="6172200" y="1571112"/>
+          <a:ext cx="2654405" cy="1584960"/>
+        </p:xfrm>
+        <a:graphic>
+          <a:graphicData uri="http://schemas.openxmlformats.org/drawingml/2006/table">
+            <a:tbl>
+              <a:tblPr firstRow="1" bandRow="1">
+                <a:tableStyleId>{5C22544A-7EE6-4342-B048-85BDC9FD1C3A}</a:tableStyleId>
+              </a:tblPr>
+              <a:tblGrid>
+                <a:gridCol w="530881">
+                  <a:extLst>
+                    <a:ext uri="{9D8B030D-6E8A-4147-A177-3AD203B41FA5}">
+                      <a16:colId xmlns:a16="http://schemas.microsoft.com/office/drawing/2014/main" val="1619986141"/>
+                    </a:ext>
+                  </a:extLst>
+                </a:gridCol>
+                <a:gridCol w="530881">
+                  <a:extLst>
+                    <a:ext uri="{9D8B030D-6E8A-4147-A177-3AD203B41FA5}">
+                      <a16:colId xmlns:a16="http://schemas.microsoft.com/office/drawing/2014/main" val="3558990718"/>
+                    </a:ext>
+                  </a:extLst>
+                </a:gridCol>
+                <a:gridCol w="530881">
+                  <a:extLst>
+                    <a:ext uri="{9D8B030D-6E8A-4147-A177-3AD203B41FA5}">
+                      <a16:colId xmlns:a16="http://schemas.microsoft.com/office/drawing/2014/main" val="2817522056"/>
+                    </a:ext>
+                  </a:extLst>
+                </a:gridCol>
+                <a:gridCol w="530881">
+                  <a:extLst>
+                    <a:ext uri="{9D8B030D-6E8A-4147-A177-3AD203B41FA5}">
+                      <a16:colId xmlns:a16="http://schemas.microsoft.com/office/drawing/2014/main" val="27933147"/>
+                    </a:ext>
+                  </a:extLst>
+                </a:gridCol>
+                <a:gridCol w="530881">
+                  <a:extLst>
+                    <a:ext uri="{9D8B030D-6E8A-4147-A177-3AD203B41FA5}">
+                      <a16:colId xmlns:a16="http://schemas.microsoft.com/office/drawing/2014/main" val="2599289334"/>
+                    </a:ext>
+                  </a:extLst>
+                </a:gridCol>
+              </a:tblGrid>
+              <a:tr h="370840">
+                <a:tc>
+                  <a:txBody>
+                    <a:bodyPr/>
+                    <a:lstStyle/>
+                    <a:p>
+                      <a:pPr algn="ctr"/>
+                      <a:endParaRPr lang="en-SE" sz="2000"/>
+                    </a:p>
+                  </a:txBody>
+                  <a:tcPr/>
+                </a:tc>
+                <a:tc>
+                  <a:txBody>
+                    <a:bodyPr/>
+                    <a:lstStyle/>
+                    <a:p>
+                      <a:pPr algn="ctr"/>
+                      <a:r>
+                        <a:rPr lang="en-GB" sz="2000" dirty="0"/>
+                        <a:t>R1</a:t>
+                      </a:r>
+                      <a:endParaRPr lang="en-SE" sz="2000" dirty="0"/>
+                    </a:p>
+                  </a:txBody>
+                  <a:tcPr/>
+                </a:tc>
+                <a:tc>
+                  <a:txBody>
+                    <a:bodyPr/>
+                    <a:lstStyle/>
+                    <a:p>
+                      <a:pPr algn="ctr"/>
+                      <a:r>
+                        <a:rPr lang="en-GB" sz="2000" dirty="0"/>
+                        <a:t>R2</a:t>
+                      </a:r>
+                      <a:endParaRPr lang="en-SE" sz="2000" dirty="0"/>
+                    </a:p>
+                  </a:txBody>
+                  <a:tcPr/>
+                </a:tc>
+                <a:tc>
+                  <a:txBody>
+                    <a:bodyPr/>
+                    <a:lstStyle/>
+                    <a:p>
+                      <a:pPr algn="ctr"/>
+                      <a:r>
+                        <a:rPr lang="en-GB" sz="2000" dirty="0"/>
+                        <a:t>R3</a:t>
+                      </a:r>
+                      <a:endParaRPr lang="en-SE" sz="2000" dirty="0"/>
+                    </a:p>
+                  </a:txBody>
+                  <a:tcPr/>
+                </a:tc>
+                <a:tc>
+                  <a:txBody>
+                    <a:bodyPr/>
+                    <a:lstStyle/>
+                    <a:p>
+                      <a:pPr algn="ctr"/>
+                      <a:r>
+                        <a:rPr lang="en-GB" sz="2000" dirty="0"/>
+                        <a:t>R4</a:t>
+                      </a:r>
+                      <a:endParaRPr lang="en-SE" sz="2000" dirty="0"/>
+                    </a:p>
+                  </a:txBody>
+                  <a:tcPr/>
+                </a:tc>
+                <a:extLst>
+                  <a:ext uri="{0D108BD9-81ED-4DB2-BD59-A6C34878D82A}">
+                    <a16:rowId xmlns:a16="http://schemas.microsoft.com/office/drawing/2014/main" val="117063772"/>
+                  </a:ext>
+                </a:extLst>
+              </a:tr>
+              <a:tr h="370840">
+                <a:tc>
+                  <a:txBody>
+                    <a:bodyPr/>
+                    <a:lstStyle/>
+                    <a:p>
+                      <a:pPr algn="ctr"/>
+                      <a:r>
+                        <a:rPr lang="en-GB" sz="2000" dirty="0"/>
+                        <a:t>T1</a:t>
+                      </a:r>
+                      <a:endParaRPr lang="en-SE" sz="2000" dirty="0"/>
+                    </a:p>
+                  </a:txBody>
+                  <a:tcPr/>
+                </a:tc>
+                <a:tc>
+                  <a:txBody>
+                    <a:bodyPr/>
+                    <a:lstStyle/>
+                    <a:p>
+                      <a:pPr algn="ctr"/>
+                      <a:r>
+                        <a:rPr lang="en-GB" sz="2000" dirty="0"/>
+                        <a:t>1</a:t>
+                      </a:r>
+                      <a:endParaRPr lang="en-SE" sz="2000" dirty="0"/>
+                    </a:p>
+                  </a:txBody>
+                  <a:tcPr/>
+                </a:tc>
+                <a:tc>
+                  <a:txBody>
+                    <a:bodyPr/>
+                    <a:lstStyle/>
+                    <a:p>
+                      <a:pPr algn="ctr"/>
+                      <a:r>
+                        <a:rPr lang="en-GB" sz="2000" dirty="0"/>
+                        <a:t>0</a:t>
+                      </a:r>
+                      <a:endParaRPr lang="en-SE" sz="2000" dirty="0"/>
+                    </a:p>
+                  </a:txBody>
+                  <a:tcPr/>
+                </a:tc>
+                <a:tc>
+                  <a:txBody>
+                    <a:bodyPr/>
+                    <a:lstStyle/>
+                    <a:p>
+                      <a:pPr algn="ctr"/>
+                      <a:r>
+                        <a:rPr lang="en-GB" sz="2000" dirty="0"/>
+                        <a:t>0</a:t>
+                      </a:r>
+                      <a:endParaRPr lang="en-SE" sz="2000" dirty="0"/>
+                    </a:p>
+                  </a:txBody>
+                  <a:tcPr/>
+                </a:tc>
+                <a:tc>
+                  <a:txBody>
+                    <a:bodyPr/>
+                    <a:lstStyle/>
+                    <a:p>
+                      <a:pPr algn="ctr"/>
+                      <a:r>
+                        <a:rPr lang="en-GB" sz="2000" dirty="0"/>
+                        <a:t>0</a:t>
+                      </a:r>
+                      <a:endParaRPr lang="en-SE" sz="2000" dirty="0"/>
+                    </a:p>
+                  </a:txBody>
+                  <a:tcPr/>
+                </a:tc>
+                <a:extLst>
+                  <a:ext uri="{0D108BD9-81ED-4DB2-BD59-A6C34878D82A}">
+                    <a16:rowId xmlns:a16="http://schemas.microsoft.com/office/drawing/2014/main" val="2823243655"/>
+                  </a:ext>
+                </a:extLst>
+              </a:tr>
+              <a:tr h="370840">
+                <a:tc>
+                  <a:txBody>
+                    <a:bodyPr/>
+                    <a:lstStyle/>
+                    <a:p>
+                      <a:pPr algn="ctr"/>
+                      <a:r>
+                        <a:rPr lang="en-GB" sz="2000" dirty="0"/>
+                        <a:t>T2</a:t>
+                      </a:r>
+                      <a:endParaRPr lang="en-SE" sz="2000" dirty="0"/>
+                    </a:p>
+                  </a:txBody>
+                  <a:tcPr/>
+                </a:tc>
+                <a:tc>
+                  <a:txBody>
+                    <a:bodyPr/>
+                    <a:lstStyle/>
+                    <a:p>
+                      <a:pPr algn="ctr"/>
+                      <a:r>
+                        <a:rPr lang="en-GB" sz="2000" dirty="0"/>
+                        <a:t>0</a:t>
+                      </a:r>
+                      <a:endParaRPr lang="en-SE" sz="2000" dirty="0"/>
+                    </a:p>
+                  </a:txBody>
+                  <a:tcPr/>
+                </a:tc>
+                <a:tc>
+                  <a:txBody>
+                    <a:bodyPr/>
+                    <a:lstStyle/>
+                    <a:p>
+                      <a:pPr algn="ctr"/>
+                      <a:r>
+                        <a:rPr lang="en-GB" sz="2000" dirty="0"/>
+                        <a:t>1</a:t>
+                      </a:r>
+                      <a:endParaRPr lang="en-SE" sz="2000" dirty="0"/>
+                    </a:p>
+                  </a:txBody>
+                  <a:tcPr/>
+                </a:tc>
+                <a:tc>
+                  <a:txBody>
+                    <a:bodyPr/>
+                    <a:lstStyle/>
+                    <a:p>
+                      <a:pPr algn="ctr"/>
+                      <a:r>
+                        <a:rPr lang="en-GB" sz="2000" dirty="0"/>
+                        <a:t>0</a:t>
+                      </a:r>
+                      <a:endParaRPr lang="en-SE" sz="2000" dirty="0"/>
+                    </a:p>
+                  </a:txBody>
+                  <a:tcPr/>
+                </a:tc>
+                <a:tc>
+                  <a:txBody>
+                    <a:bodyPr/>
+                    <a:lstStyle/>
+                    <a:p>
+                      <a:pPr algn="ctr"/>
+                      <a:r>
+                        <a:rPr lang="en-GB" sz="2000" dirty="0"/>
+                        <a:t>0</a:t>
+                      </a:r>
+                      <a:endParaRPr lang="en-SE" sz="2000" dirty="0"/>
+                    </a:p>
+                  </a:txBody>
+                  <a:tcPr/>
+                </a:tc>
+                <a:extLst>
+                  <a:ext uri="{0D108BD9-81ED-4DB2-BD59-A6C34878D82A}">
+                    <a16:rowId xmlns:a16="http://schemas.microsoft.com/office/drawing/2014/main" val="1884641263"/>
+                  </a:ext>
+                </a:extLst>
+              </a:tr>
+              <a:tr h="370840">
+                <a:tc>
+                  <a:txBody>
+                    <a:bodyPr/>
+                    <a:lstStyle/>
+                    <a:p>
+                      <a:pPr algn="ctr"/>
+                      <a:r>
+                        <a:rPr lang="en-GB" sz="2000" dirty="0"/>
+                        <a:t>T3</a:t>
+                      </a:r>
+                      <a:endParaRPr lang="en-SE" sz="2000" dirty="0"/>
+                    </a:p>
+                  </a:txBody>
+                  <a:tcPr/>
+                </a:tc>
+                <a:tc>
+                  <a:txBody>
+                    <a:bodyPr/>
+                    <a:lstStyle/>
+                    <a:p>
+                      <a:pPr algn="ctr"/>
+                      <a:r>
+                        <a:rPr lang="en-GB" sz="2000" dirty="0"/>
+                        <a:t>0</a:t>
+                      </a:r>
+                      <a:endParaRPr lang="en-SE" sz="2000" dirty="0"/>
+                    </a:p>
+                  </a:txBody>
+                  <a:tcPr/>
+                </a:tc>
+                <a:tc>
+                  <a:txBody>
+                    <a:bodyPr/>
+                    <a:lstStyle/>
+                    <a:p>
+                      <a:pPr algn="ctr"/>
+                      <a:r>
+                        <a:rPr lang="en-GB" sz="2000" dirty="0"/>
+                        <a:t>0</a:t>
+                      </a:r>
+                      <a:endParaRPr lang="en-SE" sz="2000" dirty="0"/>
+                    </a:p>
+                  </a:txBody>
+                  <a:tcPr/>
+                </a:tc>
+                <a:tc>
+                  <a:txBody>
+                    <a:bodyPr/>
+                    <a:lstStyle/>
+                    <a:p>
+                      <a:pPr algn="ctr"/>
+                      <a:r>
+                        <a:rPr lang="en-GB" sz="2000" dirty="0"/>
+                        <a:t>1</a:t>
+                      </a:r>
+                      <a:endParaRPr lang="en-SE" sz="2000" dirty="0"/>
+                    </a:p>
+                  </a:txBody>
+                  <a:tcPr/>
+                </a:tc>
+                <a:tc>
+                  <a:txBody>
+                    <a:bodyPr/>
+                    <a:lstStyle/>
+                    <a:p>
+                      <a:pPr algn="ctr"/>
+                      <a:r>
+                        <a:rPr lang="en-GB" sz="2000" dirty="0"/>
+                        <a:t>0</a:t>
+                      </a:r>
+                      <a:endParaRPr lang="en-SE" sz="2000" dirty="0"/>
+                    </a:p>
+                  </a:txBody>
+                  <a:tcPr/>
+                </a:tc>
+                <a:extLst>
+                  <a:ext uri="{0D108BD9-81ED-4DB2-BD59-A6C34878D82A}">
+                    <a16:rowId xmlns:a16="http://schemas.microsoft.com/office/drawing/2014/main" val="3030728590"/>
+                  </a:ext>
+                </a:extLst>
+              </a:tr>
+            </a:tbl>
+          </a:graphicData>
+        </a:graphic>
+      </p:graphicFrame>
+      <p:sp>
+        <p:nvSpPr>
+          <p:cNvPr id="20" name="TextBox 19">
+            <a:extLst>
+              <a:ext uri="{FF2B5EF4-FFF2-40B4-BE49-F238E27FC236}">
+                <a16:creationId xmlns:a16="http://schemas.microsoft.com/office/drawing/2014/main" id="{A8D63088-9F28-ED59-BE90-ADA4B791C11A}"/>
+              </a:ext>
+            </a:extLst>
+          </p:cNvPr>
+          <p:cNvSpPr txBox="1"/>
+          <p:nvPr/>
+        </p:nvSpPr>
+        <p:spPr>
+          <a:xfrm>
+            <a:off x="7103552" y="1089724"/>
+            <a:ext cx="822661" cy="400110"/>
+          </a:xfrm>
+          <a:prstGeom prst="rect">
+            <a:avLst/>
+          </a:prstGeom>
+          <a:noFill/>
+        </p:spPr>
+        <p:txBody>
+          <a:bodyPr wrap="none" rtlCol="0">
+            <a:spAutoFit/>
+          </a:bodyPr>
+          <a:lstStyle/>
+          <a:p>
+            <a:r>
+              <a:rPr lang="en-GB" sz="2000" b="0" dirty="0">
+                <a:solidFill>
+                  <a:schemeClr val="dk1"/>
+                </a:solidFill>
+                <a:latin typeface="+mn-lt"/>
+                <a:ea typeface="+mn-ea"/>
+                <a:cs typeface="+mn-cs"/>
+              </a:rPr>
+              <a:t>Need</a:t>
+            </a:r>
+          </a:p>
+        </p:txBody>
+      </p:sp>
+      <p:grpSp>
+        <p:nvGrpSpPr>
+          <p:cNvPr id="4" name="Group 259">
+            <a:extLst>
+              <a:ext uri="{FF2B5EF4-FFF2-40B4-BE49-F238E27FC236}">
+                <a16:creationId xmlns:a16="http://schemas.microsoft.com/office/drawing/2014/main" id="{F57F685C-CBD5-9B5B-358D-C80424AFADA9}"/>
+              </a:ext>
+            </a:extLst>
+          </p:cNvPr>
+          <p:cNvGrpSpPr>
+            <a:grpSpLocks/>
+          </p:cNvGrpSpPr>
+          <p:nvPr/>
+        </p:nvGrpSpPr>
+        <p:grpSpPr bwMode="auto">
+          <a:xfrm>
+            <a:off x="8929690" y="1717181"/>
+            <a:ext cx="2782885" cy="3810000"/>
+            <a:chOff x="1920" y="624"/>
+            <a:chExt cx="1753" cy="2400"/>
+          </a:xfrm>
+        </p:grpSpPr>
+        <p:sp>
+          <p:nvSpPr>
+            <p:cNvPr id="8" name="Rectangle 199">
+              <a:extLst>
+                <a:ext uri="{FF2B5EF4-FFF2-40B4-BE49-F238E27FC236}">
+                  <a16:creationId xmlns:a16="http://schemas.microsoft.com/office/drawing/2014/main" id="{C48E7052-1864-7168-E81C-8B91224190D8}"/>
+                </a:ext>
+              </a:extLst>
+            </p:cNvPr>
+            <p:cNvSpPr>
+              <a:spLocks noChangeArrowheads="1"/>
+            </p:cNvSpPr>
+            <p:nvPr/>
+          </p:nvSpPr>
+          <p:spPr bwMode="auto">
+            <a:xfrm>
+              <a:off x="1920" y="624"/>
+              <a:ext cx="1753" cy="2400"/>
+            </a:xfrm>
+            <a:prstGeom prst="rect">
+              <a:avLst/>
+            </a:prstGeom>
+            <a:ln>
+              <a:headEnd/>
+              <a:tailEnd/>
+            </a:ln>
+          </p:spPr>
+          <p:style>
+            <a:lnRef idx="2">
+              <a:schemeClr val="dk1"/>
+            </a:lnRef>
+            <a:fillRef idx="1">
+              <a:schemeClr val="lt1"/>
+            </a:fillRef>
+            <a:effectRef idx="0">
+              <a:schemeClr val="dk1"/>
+            </a:effectRef>
+            <a:fontRef idx="minor">
+              <a:schemeClr val="dk1"/>
+            </a:fontRef>
+          </p:style>
+          <p:txBody>
+            <a:bodyPr vert="eaVert" wrap="none" anchor="ctr"/>
+            <a:lstStyle/>
+            <a:p>
+              <a:pPr algn="ctr"/>
+              <a:endParaRPr lang="en-US" b="0">
+                <a:solidFill>
+                  <a:srgbClr val="000000"/>
+                </a:solidFill>
+                <a:latin typeface="Helvetica"/>
+              </a:endParaRPr>
+            </a:p>
+          </p:txBody>
+        </p:sp>
+        <p:grpSp>
+          <p:nvGrpSpPr>
+            <p:cNvPr id="10" name="Group 197">
+              <a:extLst>
+                <a:ext uri="{FF2B5EF4-FFF2-40B4-BE49-F238E27FC236}">
+                  <a16:creationId xmlns:a16="http://schemas.microsoft.com/office/drawing/2014/main" id="{BF593A6C-3869-6E01-4649-8E3FEBE971B6}"/>
+                </a:ext>
+              </a:extLst>
+            </p:cNvPr>
+            <p:cNvGrpSpPr>
+              <a:grpSpLocks/>
+            </p:cNvGrpSpPr>
+            <p:nvPr/>
+          </p:nvGrpSpPr>
+          <p:grpSpPr bwMode="auto">
+            <a:xfrm>
+              <a:off x="2024" y="720"/>
+              <a:ext cx="1546" cy="2232"/>
+              <a:chOff x="2304" y="816"/>
+              <a:chExt cx="1546" cy="2232"/>
+            </a:xfrm>
+          </p:grpSpPr>
+          <p:sp>
+            <p:nvSpPr>
+              <p:cNvPr id="18" name="Oval 129">
+                <a:extLst>
+                  <a:ext uri="{FF2B5EF4-FFF2-40B4-BE49-F238E27FC236}">
+                    <a16:creationId xmlns:a16="http://schemas.microsoft.com/office/drawing/2014/main" id="{78BE5CF1-54E8-D6DC-0C3F-55D06CE0F056}"/>
+                  </a:ext>
+                </a:extLst>
+              </p:cNvPr>
+              <p:cNvSpPr>
+                <a:spLocks noChangeArrowheads="1"/>
+              </p:cNvSpPr>
+              <p:nvPr/>
+            </p:nvSpPr>
+            <p:spPr bwMode="auto">
+              <a:xfrm>
+                <a:off x="2304" y="1612"/>
+                <a:ext cx="375" cy="375"/>
+              </a:xfrm>
+              <a:prstGeom prst="ellipse">
+                <a:avLst/>
+              </a:prstGeom>
+              <a:ln>
+                <a:headEnd/>
+                <a:tailEnd/>
+              </a:ln>
+            </p:spPr>
+            <p:style>
+              <a:lnRef idx="2">
+                <a:schemeClr val="dk1"/>
+              </a:lnRef>
+              <a:fillRef idx="1">
+                <a:schemeClr val="lt1"/>
+              </a:fillRef>
+              <a:effectRef idx="0">
+                <a:schemeClr val="dk1"/>
+              </a:effectRef>
+              <a:fontRef idx="minor">
+                <a:schemeClr val="dk1"/>
+              </a:fontRef>
+            </p:style>
+            <p:txBody>
+              <a:bodyPr wrap="none" anchor="ctr"/>
+              <a:lstStyle/>
+              <a:p>
+                <a:pPr algn="ctr"/>
+                <a:r>
+                  <a:rPr lang="en-US" b="0">
+                    <a:solidFill>
+                      <a:srgbClr val="000000"/>
+                    </a:solidFill>
+                    <a:latin typeface="Helvetica"/>
+                  </a:rPr>
+                  <a:t>T</a:t>
+                </a:r>
+                <a:r>
+                  <a:rPr lang="en-US" b="0" baseline="-25000">
+                    <a:solidFill>
+                      <a:srgbClr val="000000"/>
+                    </a:solidFill>
+                    <a:latin typeface="Helvetica"/>
+                  </a:rPr>
+                  <a:t>1</a:t>
+                </a:r>
+                <a:endParaRPr lang="en-US" b="0">
+                  <a:solidFill>
+                    <a:srgbClr val="000000"/>
+                  </a:solidFill>
+                  <a:latin typeface="Helvetica"/>
+                </a:endParaRPr>
+              </a:p>
+            </p:txBody>
+          </p:sp>
+          <p:sp>
+            <p:nvSpPr>
+              <p:cNvPr id="21" name="Oval 130">
+                <a:extLst>
+                  <a:ext uri="{FF2B5EF4-FFF2-40B4-BE49-F238E27FC236}">
+                    <a16:creationId xmlns:a16="http://schemas.microsoft.com/office/drawing/2014/main" id="{1428425F-59F7-46A5-F194-DD4546E8EA95}"/>
+                  </a:ext>
+                </a:extLst>
+              </p:cNvPr>
+              <p:cNvSpPr>
+                <a:spLocks noChangeArrowheads="1"/>
+              </p:cNvSpPr>
+              <p:nvPr/>
+            </p:nvSpPr>
+            <p:spPr bwMode="auto">
+              <a:xfrm>
+                <a:off x="2913" y="1612"/>
+                <a:ext cx="375" cy="375"/>
+              </a:xfrm>
+              <a:prstGeom prst="ellipse">
+                <a:avLst/>
+              </a:prstGeom>
+              <a:ln>
+                <a:headEnd/>
+                <a:tailEnd/>
+              </a:ln>
+            </p:spPr>
+            <p:style>
+              <a:lnRef idx="2">
+                <a:schemeClr val="dk1"/>
+              </a:lnRef>
+              <a:fillRef idx="1">
+                <a:schemeClr val="lt1"/>
+              </a:fillRef>
+              <a:effectRef idx="0">
+                <a:schemeClr val="dk1"/>
+              </a:effectRef>
+              <a:fontRef idx="minor">
+                <a:schemeClr val="dk1"/>
+              </a:fontRef>
+            </p:style>
+            <p:txBody>
+              <a:bodyPr wrap="none" anchor="ctr"/>
+              <a:lstStyle/>
+              <a:p>
+                <a:pPr algn="ctr"/>
+                <a:r>
+                  <a:rPr lang="en-US" b="0" dirty="0">
+                    <a:solidFill>
+                      <a:srgbClr val="000000"/>
+                    </a:solidFill>
+                    <a:latin typeface="Helvetica"/>
+                  </a:rPr>
+                  <a:t>T</a:t>
+                </a:r>
+                <a:r>
+                  <a:rPr lang="en-US" b="0" baseline="-25000" dirty="0">
+                    <a:solidFill>
+                      <a:srgbClr val="000000"/>
+                    </a:solidFill>
+                    <a:latin typeface="Helvetica"/>
+                  </a:rPr>
+                  <a:t>2</a:t>
+                </a:r>
+                <a:endParaRPr lang="en-US" b="0" dirty="0">
+                  <a:solidFill>
+                    <a:srgbClr val="000000"/>
+                  </a:solidFill>
+                  <a:latin typeface="Helvetica"/>
+                </a:endParaRPr>
+              </a:p>
+            </p:txBody>
+          </p:sp>
+          <p:sp>
+            <p:nvSpPr>
+              <p:cNvPr id="22" name="Oval 131">
+                <a:extLst>
+                  <a:ext uri="{FF2B5EF4-FFF2-40B4-BE49-F238E27FC236}">
+                    <a16:creationId xmlns:a16="http://schemas.microsoft.com/office/drawing/2014/main" id="{44EE0A46-91CE-9D1C-26C4-9FDA89480707}"/>
+                  </a:ext>
+                </a:extLst>
+              </p:cNvPr>
+              <p:cNvSpPr>
+                <a:spLocks noChangeArrowheads="1"/>
+              </p:cNvSpPr>
+              <p:nvPr/>
+            </p:nvSpPr>
+            <p:spPr bwMode="auto">
+              <a:xfrm>
+                <a:off x="3475" y="1612"/>
+                <a:ext cx="375" cy="375"/>
+              </a:xfrm>
+              <a:prstGeom prst="ellipse">
+                <a:avLst/>
+              </a:prstGeom>
+              <a:ln>
+                <a:headEnd/>
+                <a:tailEnd/>
+              </a:ln>
+            </p:spPr>
+            <p:style>
+              <a:lnRef idx="2">
+                <a:schemeClr val="dk1"/>
+              </a:lnRef>
+              <a:fillRef idx="1">
+                <a:schemeClr val="lt1"/>
+              </a:fillRef>
+              <a:effectRef idx="0">
+                <a:schemeClr val="dk1"/>
+              </a:effectRef>
+              <a:fontRef idx="minor">
+                <a:schemeClr val="dk1"/>
+              </a:fontRef>
+            </p:style>
+            <p:txBody>
+              <a:bodyPr wrap="none" anchor="ctr"/>
+              <a:lstStyle/>
+              <a:p>
+                <a:pPr algn="ctr"/>
+                <a:r>
+                  <a:rPr lang="en-US" b="0">
+                    <a:solidFill>
+                      <a:srgbClr val="000000"/>
+                    </a:solidFill>
+                    <a:latin typeface="Helvetica"/>
+                  </a:rPr>
+                  <a:t>T</a:t>
+                </a:r>
+                <a:r>
+                  <a:rPr lang="en-US" b="0" baseline="-25000">
+                    <a:solidFill>
+                      <a:srgbClr val="000000"/>
+                    </a:solidFill>
+                    <a:latin typeface="Helvetica"/>
+                  </a:rPr>
+                  <a:t>3</a:t>
+                </a:r>
+                <a:endParaRPr lang="en-US" b="0">
+                  <a:solidFill>
+                    <a:srgbClr val="000000"/>
+                  </a:solidFill>
+                  <a:latin typeface="Helvetica"/>
+                </a:endParaRPr>
+              </a:p>
+            </p:txBody>
+          </p:sp>
+          <p:grpSp>
+            <p:nvGrpSpPr>
+              <p:cNvPr id="23" name="Group 132">
+                <a:extLst>
+                  <a:ext uri="{FF2B5EF4-FFF2-40B4-BE49-F238E27FC236}">
+                    <a16:creationId xmlns:a16="http://schemas.microsoft.com/office/drawing/2014/main" id="{F6835B6B-2233-2DE1-1BA3-E2E64CCB8ED5}"/>
+                  </a:ext>
+                </a:extLst>
+              </p:cNvPr>
+              <p:cNvGrpSpPr>
+                <a:grpSpLocks/>
+              </p:cNvGrpSpPr>
+              <p:nvPr/>
+            </p:nvGrpSpPr>
+            <p:grpSpPr bwMode="auto">
+              <a:xfrm>
+                <a:off x="2491" y="816"/>
+                <a:ext cx="375" cy="555"/>
+                <a:chOff x="576" y="432"/>
+                <a:chExt cx="384" cy="569"/>
+              </a:xfrm>
+            </p:grpSpPr>
+            <p:grpSp>
+              <p:nvGrpSpPr>
+                <p:cNvPr id="49" name="Group 133">
+                  <a:extLst>
+                    <a:ext uri="{FF2B5EF4-FFF2-40B4-BE49-F238E27FC236}">
+                      <a16:creationId xmlns:a16="http://schemas.microsoft.com/office/drawing/2014/main" id="{2B87CD32-91D9-903A-490A-A34FB9100355}"/>
+                    </a:ext>
+                  </a:extLst>
+                </p:cNvPr>
+                <p:cNvGrpSpPr>
+                  <a:grpSpLocks/>
+                </p:cNvGrpSpPr>
+                <p:nvPr/>
+              </p:nvGrpSpPr>
+              <p:grpSpPr bwMode="auto">
+                <a:xfrm>
+                  <a:off x="576" y="665"/>
+                  <a:ext cx="384" cy="336"/>
+                  <a:chOff x="1680" y="816"/>
+                  <a:chExt cx="384" cy="336"/>
+                </a:xfrm>
+              </p:grpSpPr>
+              <p:sp>
+                <p:nvSpPr>
+                  <p:cNvPr id="51" name="Rectangle 134">
+                    <a:extLst>
+                      <a:ext uri="{FF2B5EF4-FFF2-40B4-BE49-F238E27FC236}">
+                        <a16:creationId xmlns:a16="http://schemas.microsoft.com/office/drawing/2014/main" id="{D2511213-CD92-1AE0-13ED-8A5F6775B6E4}"/>
+                      </a:ext>
+                    </a:extLst>
+                  </p:cNvPr>
+                  <p:cNvSpPr>
+                    <a:spLocks noChangeArrowheads="1"/>
+                  </p:cNvSpPr>
+                  <p:nvPr/>
+                </p:nvSpPr>
+                <p:spPr bwMode="auto">
+                  <a:xfrm>
+                    <a:off x="1680" y="816"/>
+                    <a:ext cx="384" cy="336"/>
+                  </a:xfrm>
+                  <a:prstGeom prst="rect">
+                    <a:avLst/>
+                  </a:prstGeom>
+                  <a:ln>
+                    <a:headEnd/>
+                    <a:tailEnd/>
+                  </a:ln>
+                </p:spPr>
+                <p:style>
+                  <a:lnRef idx="2">
+                    <a:schemeClr val="dk1"/>
+                  </a:lnRef>
+                  <a:fillRef idx="1">
+                    <a:schemeClr val="lt1"/>
+                  </a:fillRef>
+                  <a:effectRef idx="0">
+                    <a:schemeClr val="dk1"/>
+                  </a:effectRef>
+                  <a:fontRef idx="minor">
+                    <a:schemeClr val="dk1"/>
+                  </a:fontRef>
+                </p:style>
+                <p:txBody>
+                  <a:bodyPr vert="eaVert" wrap="none" anchor="ctr"/>
+                  <a:lstStyle/>
+                  <a:p>
+                    <a:pPr algn="ctr"/>
+                    <a:endParaRPr lang="en-US" b="0">
+                      <a:solidFill>
+                        <a:srgbClr val="000000"/>
+                      </a:solidFill>
+                      <a:latin typeface="Helvetica"/>
+                    </a:endParaRPr>
+                  </a:p>
+                </p:txBody>
+              </p:sp>
+              <p:sp>
+                <p:nvSpPr>
+                  <p:cNvPr id="52" name="Oval 135">
+                    <a:extLst>
+                      <a:ext uri="{FF2B5EF4-FFF2-40B4-BE49-F238E27FC236}">
+                        <a16:creationId xmlns:a16="http://schemas.microsoft.com/office/drawing/2014/main" id="{BDB7CE31-31B1-FC57-2E48-CD9C6006748B}"/>
+                      </a:ext>
+                    </a:extLst>
+                  </p:cNvPr>
+                  <p:cNvSpPr>
+                    <a:spLocks noChangeArrowheads="1"/>
+                  </p:cNvSpPr>
+                  <p:nvPr/>
+                </p:nvSpPr>
+                <p:spPr bwMode="auto">
+                  <a:xfrm>
+                    <a:off x="1848" y="960"/>
+                    <a:ext cx="48" cy="48"/>
+                  </a:xfrm>
+                  <a:prstGeom prst="ellipse">
+                    <a:avLst/>
+                  </a:prstGeom>
+                  <a:ln>
+                    <a:headEnd/>
+                    <a:tailEnd/>
+                  </a:ln>
+                </p:spPr>
+                <p:style>
+                  <a:lnRef idx="2">
+                    <a:schemeClr val="dk1"/>
+                  </a:lnRef>
+                  <a:fillRef idx="1">
+                    <a:schemeClr val="lt1"/>
+                  </a:fillRef>
+                  <a:effectRef idx="0">
+                    <a:schemeClr val="dk1"/>
+                  </a:effectRef>
+                  <a:fontRef idx="minor">
+                    <a:schemeClr val="dk1"/>
+                  </a:fontRef>
+                </p:style>
+                <p:txBody>
+                  <a:bodyPr vert="eaVert" wrap="none" anchor="ctr"/>
+                  <a:lstStyle/>
+                  <a:p>
+                    <a:pPr algn="ctr"/>
+                    <a:endParaRPr lang="en-US" b="0">
+                      <a:solidFill>
+                        <a:srgbClr val="000000"/>
+                      </a:solidFill>
+                      <a:latin typeface="Helvetica"/>
+                    </a:endParaRPr>
+                  </a:p>
+                </p:txBody>
+              </p:sp>
+            </p:grpSp>
+            <p:sp>
+              <p:nvSpPr>
+                <p:cNvPr id="50" name="Text Box 136">
+                  <a:extLst>
+                    <a:ext uri="{FF2B5EF4-FFF2-40B4-BE49-F238E27FC236}">
+                      <a16:creationId xmlns:a16="http://schemas.microsoft.com/office/drawing/2014/main" id="{A1D23B87-00E8-B4D6-5963-4BC191050315}"/>
+                    </a:ext>
+                  </a:extLst>
+                </p:cNvPr>
+                <p:cNvSpPr txBox="1">
+                  <a:spLocks noChangeArrowheads="1"/>
+                </p:cNvSpPr>
+                <p:nvPr/>
+              </p:nvSpPr>
+              <p:spPr bwMode="auto">
+                <a:xfrm>
+                  <a:off x="628" y="432"/>
+                  <a:ext cx="281" cy="239"/>
+                </a:xfrm>
+                <a:prstGeom prst="rect">
+                  <a:avLst/>
+                </a:prstGeom>
+                <a:ln>
+                  <a:headEnd/>
+                  <a:tailEnd/>
+                </a:ln>
+              </p:spPr>
+              <p:style>
+                <a:lnRef idx="2">
+                  <a:schemeClr val="dk1"/>
+                </a:lnRef>
+                <a:fillRef idx="1">
+                  <a:schemeClr val="lt1"/>
+                </a:fillRef>
+                <a:effectRef idx="0">
+                  <a:schemeClr val="dk1"/>
+                </a:effectRef>
+                <a:fontRef idx="minor">
+                  <a:schemeClr val="dk1"/>
+                </a:fontRef>
+              </p:style>
+              <p:txBody>
+                <a:bodyPr wrap="none">
+                  <a:spAutoFit/>
+                </a:bodyPr>
+                <a:lstStyle/>
+                <a:p>
+                  <a:pPr algn="ctr"/>
+                  <a:r>
+                    <a:rPr lang="en-US" b="0">
+                      <a:solidFill>
+                        <a:srgbClr val="000000"/>
+                      </a:solidFill>
+                      <a:latin typeface="Helvetica"/>
+                    </a:rPr>
+                    <a:t>R</a:t>
+                  </a:r>
+                  <a:r>
+                    <a:rPr lang="en-US" b="0" baseline="-25000">
+                      <a:solidFill>
+                        <a:srgbClr val="000000"/>
+                      </a:solidFill>
+                      <a:latin typeface="Helvetica"/>
+                    </a:rPr>
+                    <a:t>1</a:t>
+                  </a:r>
+                  <a:endParaRPr lang="en-US" b="0">
+                    <a:solidFill>
+                      <a:srgbClr val="000000"/>
+                    </a:solidFill>
+                    <a:latin typeface="Helvetica"/>
+                  </a:endParaRPr>
+                </a:p>
+              </p:txBody>
+            </p:sp>
+          </p:grpSp>
+          <p:grpSp>
+            <p:nvGrpSpPr>
+              <p:cNvPr id="24" name="Group 137">
+                <a:extLst>
+                  <a:ext uri="{FF2B5EF4-FFF2-40B4-BE49-F238E27FC236}">
+                    <a16:creationId xmlns:a16="http://schemas.microsoft.com/office/drawing/2014/main" id="{E76B84D1-4A2B-382F-9BBF-A67322261A98}"/>
+                  </a:ext>
+                </a:extLst>
+              </p:cNvPr>
+              <p:cNvGrpSpPr>
+                <a:grpSpLocks/>
+              </p:cNvGrpSpPr>
+              <p:nvPr/>
+            </p:nvGrpSpPr>
+            <p:grpSpPr bwMode="auto">
+              <a:xfrm>
+                <a:off x="3194" y="816"/>
+                <a:ext cx="375" cy="562"/>
+                <a:chOff x="1392" y="432"/>
+                <a:chExt cx="384" cy="576"/>
+              </a:xfrm>
+            </p:grpSpPr>
+            <p:grpSp>
+              <p:nvGrpSpPr>
+                <p:cNvPr id="45" name="Group 138">
+                  <a:extLst>
+                    <a:ext uri="{FF2B5EF4-FFF2-40B4-BE49-F238E27FC236}">
+                      <a16:creationId xmlns:a16="http://schemas.microsoft.com/office/drawing/2014/main" id="{A6BA7978-8BA3-2775-F4D0-5B14D00C207B}"/>
+                    </a:ext>
+                  </a:extLst>
+                </p:cNvPr>
+                <p:cNvGrpSpPr>
+                  <a:grpSpLocks/>
+                </p:cNvGrpSpPr>
+                <p:nvPr/>
+              </p:nvGrpSpPr>
+              <p:grpSpPr bwMode="auto">
+                <a:xfrm>
+                  <a:off x="1392" y="672"/>
+                  <a:ext cx="384" cy="336"/>
+                  <a:chOff x="1680" y="816"/>
+                  <a:chExt cx="384" cy="336"/>
+                </a:xfrm>
+              </p:grpSpPr>
+              <p:sp>
+                <p:nvSpPr>
+                  <p:cNvPr id="47" name="Rectangle 139">
+                    <a:extLst>
+                      <a:ext uri="{FF2B5EF4-FFF2-40B4-BE49-F238E27FC236}">
+                        <a16:creationId xmlns:a16="http://schemas.microsoft.com/office/drawing/2014/main" id="{F552656E-37BF-77E0-EE3A-F90FF5305862}"/>
+                      </a:ext>
+                    </a:extLst>
+                  </p:cNvPr>
+                  <p:cNvSpPr>
+                    <a:spLocks noChangeArrowheads="1"/>
+                  </p:cNvSpPr>
+                  <p:nvPr/>
+                </p:nvSpPr>
+                <p:spPr bwMode="auto">
+                  <a:xfrm>
+                    <a:off x="1680" y="816"/>
+                    <a:ext cx="384" cy="336"/>
+                  </a:xfrm>
+                  <a:prstGeom prst="rect">
+                    <a:avLst/>
+                  </a:prstGeom>
+                  <a:ln>
+                    <a:headEnd/>
+                    <a:tailEnd/>
+                  </a:ln>
+                </p:spPr>
+                <p:style>
+                  <a:lnRef idx="2">
+                    <a:schemeClr val="dk1"/>
+                  </a:lnRef>
+                  <a:fillRef idx="1">
+                    <a:schemeClr val="lt1"/>
+                  </a:fillRef>
+                  <a:effectRef idx="0">
+                    <a:schemeClr val="dk1"/>
+                  </a:effectRef>
+                  <a:fontRef idx="minor">
+                    <a:schemeClr val="dk1"/>
+                  </a:fontRef>
+                </p:style>
+                <p:txBody>
+                  <a:bodyPr vert="eaVert" wrap="none" anchor="ctr"/>
+                  <a:lstStyle/>
+                  <a:p>
+                    <a:pPr algn="ctr"/>
+                    <a:endParaRPr lang="en-US" b="0">
+                      <a:solidFill>
+                        <a:srgbClr val="000000"/>
+                      </a:solidFill>
+                      <a:latin typeface="Helvetica"/>
+                    </a:endParaRPr>
+                  </a:p>
+                </p:txBody>
+              </p:sp>
+              <p:sp>
+                <p:nvSpPr>
+                  <p:cNvPr id="48" name="Oval 140">
+                    <a:extLst>
+                      <a:ext uri="{FF2B5EF4-FFF2-40B4-BE49-F238E27FC236}">
+                        <a16:creationId xmlns:a16="http://schemas.microsoft.com/office/drawing/2014/main" id="{86ECB73B-1F14-1956-ACED-AA4DA0544092}"/>
+                      </a:ext>
+                    </a:extLst>
+                  </p:cNvPr>
+                  <p:cNvSpPr>
+                    <a:spLocks noChangeArrowheads="1"/>
+                  </p:cNvSpPr>
+                  <p:nvPr/>
+                </p:nvSpPr>
+                <p:spPr bwMode="auto">
+                  <a:xfrm>
+                    <a:off x="1848" y="960"/>
+                    <a:ext cx="48" cy="48"/>
+                  </a:xfrm>
+                  <a:prstGeom prst="ellipse">
+                    <a:avLst/>
+                  </a:prstGeom>
+                  <a:ln>
+                    <a:headEnd/>
+                    <a:tailEnd/>
+                  </a:ln>
+                </p:spPr>
+                <p:style>
+                  <a:lnRef idx="2">
+                    <a:schemeClr val="dk1"/>
+                  </a:lnRef>
+                  <a:fillRef idx="1">
+                    <a:schemeClr val="lt1"/>
+                  </a:fillRef>
+                  <a:effectRef idx="0">
+                    <a:schemeClr val="dk1"/>
+                  </a:effectRef>
+                  <a:fontRef idx="minor">
+                    <a:schemeClr val="dk1"/>
+                  </a:fontRef>
+                </p:style>
+                <p:txBody>
+                  <a:bodyPr vert="eaVert" wrap="none" anchor="ctr"/>
+                  <a:lstStyle/>
+                  <a:p>
+                    <a:pPr algn="ctr"/>
+                    <a:endParaRPr lang="en-US" b="0">
+                      <a:solidFill>
+                        <a:srgbClr val="000000"/>
+                      </a:solidFill>
+                      <a:latin typeface="Helvetica"/>
+                    </a:endParaRPr>
+                  </a:p>
+                </p:txBody>
+              </p:sp>
+            </p:grpSp>
+            <p:sp>
+              <p:nvSpPr>
+                <p:cNvPr id="46" name="Text Box 141">
+                  <a:extLst>
+                    <a:ext uri="{FF2B5EF4-FFF2-40B4-BE49-F238E27FC236}">
+                      <a16:creationId xmlns:a16="http://schemas.microsoft.com/office/drawing/2014/main" id="{D71442A9-DCAA-1BC8-FB66-90361E20AC7C}"/>
+                    </a:ext>
+                  </a:extLst>
+                </p:cNvPr>
+                <p:cNvSpPr txBox="1">
+                  <a:spLocks noChangeArrowheads="1"/>
+                </p:cNvSpPr>
+                <p:nvPr/>
+              </p:nvSpPr>
+              <p:spPr bwMode="auto">
+                <a:xfrm>
+                  <a:off x="1443" y="432"/>
+                  <a:ext cx="281" cy="238"/>
+                </a:xfrm>
+                <a:prstGeom prst="rect">
+                  <a:avLst/>
+                </a:prstGeom>
+                <a:ln>
+                  <a:headEnd/>
+                  <a:tailEnd/>
+                </a:ln>
+              </p:spPr>
+              <p:style>
+                <a:lnRef idx="2">
+                  <a:schemeClr val="dk1"/>
+                </a:lnRef>
+                <a:fillRef idx="1">
+                  <a:schemeClr val="lt1"/>
+                </a:fillRef>
+                <a:effectRef idx="0">
+                  <a:schemeClr val="dk1"/>
+                </a:effectRef>
+                <a:fontRef idx="minor">
+                  <a:schemeClr val="dk1"/>
+                </a:fontRef>
+              </p:style>
+              <p:txBody>
+                <a:bodyPr wrap="none">
+                  <a:spAutoFit/>
+                </a:bodyPr>
+                <a:lstStyle/>
+                <a:p>
+                  <a:pPr algn="ctr"/>
+                  <a:r>
+                    <a:rPr lang="en-US" b="0">
+                      <a:solidFill>
+                        <a:srgbClr val="000000"/>
+                      </a:solidFill>
+                      <a:latin typeface="Helvetica"/>
+                    </a:rPr>
+                    <a:t>R</a:t>
+                  </a:r>
+                  <a:r>
+                    <a:rPr lang="en-US" b="0" baseline="-25000">
+                      <a:solidFill>
+                        <a:srgbClr val="000000"/>
+                      </a:solidFill>
+                      <a:latin typeface="Helvetica"/>
+                    </a:rPr>
+                    <a:t>2</a:t>
+                  </a:r>
+                  <a:endParaRPr lang="en-US" b="0">
+                    <a:solidFill>
+                      <a:srgbClr val="000000"/>
+                    </a:solidFill>
+                    <a:latin typeface="Helvetica"/>
+                  </a:endParaRPr>
+                </a:p>
+              </p:txBody>
+            </p:sp>
+          </p:grpSp>
+          <p:grpSp>
+            <p:nvGrpSpPr>
+              <p:cNvPr id="25" name="Group 142">
+                <a:extLst>
+                  <a:ext uri="{FF2B5EF4-FFF2-40B4-BE49-F238E27FC236}">
+                    <a16:creationId xmlns:a16="http://schemas.microsoft.com/office/drawing/2014/main" id="{06CB78C0-2CD9-7507-28E5-785DB467F641}"/>
+                  </a:ext>
+                </a:extLst>
+              </p:cNvPr>
+              <p:cNvGrpSpPr>
+                <a:grpSpLocks/>
+              </p:cNvGrpSpPr>
+              <p:nvPr/>
+            </p:nvGrpSpPr>
+            <p:grpSpPr bwMode="auto">
+              <a:xfrm>
+                <a:off x="2632" y="2221"/>
+                <a:ext cx="375" cy="654"/>
+                <a:chOff x="672" y="2112"/>
+                <a:chExt cx="384" cy="670"/>
+              </a:xfrm>
+            </p:grpSpPr>
+            <p:grpSp>
+              <p:nvGrpSpPr>
+                <p:cNvPr id="40" name="Group 143">
+                  <a:extLst>
+                    <a:ext uri="{FF2B5EF4-FFF2-40B4-BE49-F238E27FC236}">
+                      <a16:creationId xmlns:a16="http://schemas.microsoft.com/office/drawing/2014/main" id="{167C15D1-DB9A-4112-AA32-00B3DC09A8BA}"/>
+                    </a:ext>
+                  </a:extLst>
+                </p:cNvPr>
+                <p:cNvGrpSpPr>
+                  <a:grpSpLocks/>
+                </p:cNvGrpSpPr>
+                <p:nvPr/>
+              </p:nvGrpSpPr>
+              <p:grpSpPr bwMode="auto">
+                <a:xfrm>
+                  <a:off x="672" y="2112"/>
+                  <a:ext cx="384" cy="432"/>
+                  <a:chOff x="672" y="2064"/>
+                  <a:chExt cx="384" cy="432"/>
+                </a:xfrm>
+              </p:grpSpPr>
+              <p:sp>
+                <p:nvSpPr>
+                  <p:cNvPr id="42" name="Rectangle 144">
+                    <a:extLst>
+                      <a:ext uri="{FF2B5EF4-FFF2-40B4-BE49-F238E27FC236}">
+                        <a16:creationId xmlns:a16="http://schemas.microsoft.com/office/drawing/2014/main" id="{44C804EC-8A03-296B-D5E5-432339B63341}"/>
+                      </a:ext>
+                    </a:extLst>
+                  </p:cNvPr>
+                  <p:cNvSpPr>
+                    <a:spLocks noChangeArrowheads="1"/>
+                  </p:cNvSpPr>
+                  <p:nvPr/>
+                </p:nvSpPr>
+                <p:spPr bwMode="auto">
+                  <a:xfrm>
+                    <a:off x="672" y="2064"/>
+                    <a:ext cx="384" cy="432"/>
+                  </a:xfrm>
+                  <a:prstGeom prst="rect">
+                    <a:avLst/>
+                  </a:prstGeom>
+                  <a:ln>
+                    <a:headEnd/>
+                    <a:tailEnd/>
+                  </a:ln>
+                </p:spPr>
+                <p:style>
+                  <a:lnRef idx="2">
+                    <a:schemeClr val="dk1"/>
+                  </a:lnRef>
+                  <a:fillRef idx="1">
+                    <a:schemeClr val="lt1"/>
+                  </a:fillRef>
+                  <a:effectRef idx="0">
+                    <a:schemeClr val="dk1"/>
+                  </a:effectRef>
+                  <a:fontRef idx="minor">
+                    <a:schemeClr val="dk1"/>
+                  </a:fontRef>
+                </p:style>
+                <p:txBody>
+                  <a:bodyPr vert="eaVert" wrap="none" anchor="ctr"/>
+                  <a:lstStyle/>
+                  <a:p>
+                    <a:pPr algn="ctr"/>
+                    <a:endParaRPr lang="en-US" b="0">
+                      <a:solidFill>
+                        <a:srgbClr val="000000"/>
+                      </a:solidFill>
+                      <a:latin typeface="Helvetica"/>
+                    </a:endParaRPr>
+                  </a:p>
+                </p:txBody>
+              </p:sp>
+              <p:sp>
+                <p:nvSpPr>
+                  <p:cNvPr id="43" name="Oval 145">
+                    <a:extLst>
+                      <a:ext uri="{FF2B5EF4-FFF2-40B4-BE49-F238E27FC236}">
+                        <a16:creationId xmlns:a16="http://schemas.microsoft.com/office/drawing/2014/main" id="{95915F65-531F-D081-25DE-4540EFB53E6E}"/>
+                      </a:ext>
+                    </a:extLst>
+                  </p:cNvPr>
+                  <p:cNvSpPr>
+                    <a:spLocks noChangeArrowheads="1"/>
+                  </p:cNvSpPr>
+                  <p:nvPr/>
+                </p:nvSpPr>
+                <p:spPr bwMode="auto">
+                  <a:xfrm>
+                    <a:off x="840" y="2170"/>
+                    <a:ext cx="48" cy="48"/>
+                  </a:xfrm>
+                  <a:prstGeom prst="ellipse">
+                    <a:avLst/>
+                  </a:prstGeom>
+                  <a:ln>
+                    <a:headEnd/>
+                    <a:tailEnd/>
+                  </a:ln>
+                </p:spPr>
+                <p:style>
+                  <a:lnRef idx="2">
+                    <a:schemeClr val="dk1"/>
+                  </a:lnRef>
+                  <a:fillRef idx="1">
+                    <a:schemeClr val="lt1"/>
+                  </a:fillRef>
+                  <a:effectRef idx="0">
+                    <a:schemeClr val="dk1"/>
+                  </a:effectRef>
+                  <a:fontRef idx="minor">
+                    <a:schemeClr val="dk1"/>
+                  </a:fontRef>
+                </p:style>
+                <p:txBody>
+                  <a:bodyPr vert="eaVert" wrap="none" anchor="ctr"/>
+                  <a:lstStyle/>
+                  <a:p>
+                    <a:pPr algn="ctr"/>
+                    <a:endParaRPr lang="en-US" b="0">
+                      <a:solidFill>
+                        <a:srgbClr val="000000"/>
+                      </a:solidFill>
+                      <a:latin typeface="Helvetica"/>
+                    </a:endParaRPr>
+                  </a:p>
+                </p:txBody>
+              </p:sp>
+              <p:sp>
+                <p:nvSpPr>
+                  <p:cNvPr id="44" name="Oval 146">
+                    <a:extLst>
+                      <a:ext uri="{FF2B5EF4-FFF2-40B4-BE49-F238E27FC236}">
+                        <a16:creationId xmlns:a16="http://schemas.microsoft.com/office/drawing/2014/main" id="{2885E4A3-7CFB-C431-2364-2FB7983D5F9F}"/>
+                      </a:ext>
+                    </a:extLst>
+                  </p:cNvPr>
+                  <p:cNvSpPr>
+                    <a:spLocks noChangeArrowheads="1"/>
+                  </p:cNvSpPr>
+                  <p:nvPr/>
+                </p:nvSpPr>
+                <p:spPr bwMode="auto">
+                  <a:xfrm>
+                    <a:off x="840" y="2324"/>
+                    <a:ext cx="48" cy="48"/>
+                  </a:xfrm>
+                  <a:prstGeom prst="ellipse">
+                    <a:avLst/>
+                  </a:prstGeom>
+                  <a:ln>
+                    <a:headEnd/>
+                    <a:tailEnd/>
+                  </a:ln>
+                </p:spPr>
+                <p:style>
+                  <a:lnRef idx="2">
+                    <a:schemeClr val="dk1"/>
+                  </a:lnRef>
+                  <a:fillRef idx="1">
+                    <a:schemeClr val="lt1"/>
+                  </a:fillRef>
+                  <a:effectRef idx="0">
+                    <a:schemeClr val="dk1"/>
+                  </a:effectRef>
+                  <a:fontRef idx="minor">
+                    <a:schemeClr val="dk1"/>
+                  </a:fontRef>
+                </p:style>
+                <p:txBody>
+                  <a:bodyPr vert="eaVert" wrap="none" anchor="ctr"/>
+                  <a:lstStyle/>
+                  <a:p>
+                    <a:pPr algn="ctr"/>
+                    <a:endParaRPr lang="en-US" b="0">
+                      <a:solidFill>
+                        <a:srgbClr val="000000"/>
+                      </a:solidFill>
+                      <a:latin typeface="Helvetica"/>
+                    </a:endParaRPr>
+                  </a:p>
+                </p:txBody>
+              </p:sp>
+            </p:grpSp>
+            <p:sp>
+              <p:nvSpPr>
+                <p:cNvPr id="41" name="Text Box 147">
+                  <a:extLst>
+                    <a:ext uri="{FF2B5EF4-FFF2-40B4-BE49-F238E27FC236}">
+                      <a16:creationId xmlns:a16="http://schemas.microsoft.com/office/drawing/2014/main" id="{29837A71-23C8-F868-01EF-424AF3F3E79A}"/>
+                    </a:ext>
+                  </a:extLst>
+                </p:cNvPr>
+                <p:cNvSpPr txBox="1">
+                  <a:spLocks noChangeArrowheads="1"/>
+                </p:cNvSpPr>
+                <p:nvPr/>
+              </p:nvSpPr>
+              <p:spPr bwMode="auto">
+                <a:xfrm>
+                  <a:off x="723" y="2544"/>
+                  <a:ext cx="281" cy="238"/>
+                </a:xfrm>
+                <a:prstGeom prst="rect">
+                  <a:avLst/>
+                </a:prstGeom>
+                <a:ln>
+                  <a:headEnd/>
+                  <a:tailEnd/>
+                </a:ln>
+              </p:spPr>
+              <p:style>
+                <a:lnRef idx="2">
+                  <a:schemeClr val="dk1"/>
+                </a:lnRef>
+                <a:fillRef idx="1">
+                  <a:schemeClr val="lt1"/>
+                </a:fillRef>
+                <a:effectRef idx="0">
+                  <a:schemeClr val="dk1"/>
+                </a:effectRef>
+                <a:fontRef idx="minor">
+                  <a:schemeClr val="dk1"/>
+                </a:fontRef>
+              </p:style>
+              <p:txBody>
+                <a:bodyPr wrap="none">
+                  <a:spAutoFit/>
+                </a:bodyPr>
+                <a:lstStyle/>
+                <a:p>
+                  <a:pPr algn="ctr"/>
+                  <a:r>
+                    <a:rPr lang="en-US" b="0">
+                      <a:solidFill>
+                        <a:srgbClr val="000000"/>
+                      </a:solidFill>
+                      <a:latin typeface="Helvetica"/>
+                    </a:rPr>
+                    <a:t>R</a:t>
+                  </a:r>
+                  <a:r>
+                    <a:rPr lang="en-US" b="0" baseline="-25000">
+                      <a:solidFill>
+                        <a:srgbClr val="000000"/>
+                      </a:solidFill>
+                      <a:latin typeface="Helvetica"/>
+                    </a:rPr>
+                    <a:t>3</a:t>
+                  </a:r>
+                  <a:endParaRPr lang="en-US" b="0">
+                    <a:solidFill>
+                      <a:srgbClr val="000000"/>
+                    </a:solidFill>
+                    <a:latin typeface="Helvetica"/>
+                  </a:endParaRPr>
+                </a:p>
+              </p:txBody>
+            </p:sp>
+          </p:grpSp>
+          <p:grpSp>
+            <p:nvGrpSpPr>
+              <p:cNvPr id="26" name="Group 148">
+                <a:extLst>
+                  <a:ext uri="{FF2B5EF4-FFF2-40B4-BE49-F238E27FC236}">
+                    <a16:creationId xmlns:a16="http://schemas.microsoft.com/office/drawing/2014/main" id="{1C39AA05-0AF3-E88A-7B49-7A6B47AB6460}"/>
+                  </a:ext>
+                </a:extLst>
+              </p:cNvPr>
+              <p:cNvGrpSpPr>
+                <a:grpSpLocks/>
+              </p:cNvGrpSpPr>
+              <p:nvPr/>
+            </p:nvGrpSpPr>
+            <p:grpSpPr bwMode="auto">
+              <a:xfrm>
+                <a:off x="3428" y="2221"/>
+                <a:ext cx="375" cy="827"/>
+                <a:chOff x="1584" y="2064"/>
+                <a:chExt cx="384" cy="847"/>
+              </a:xfrm>
+            </p:grpSpPr>
+            <p:grpSp>
+              <p:nvGrpSpPr>
+                <p:cNvPr id="34" name="Group 149">
+                  <a:extLst>
+                    <a:ext uri="{FF2B5EF4-FFF2-40B4-BE49-F238E27FC236}">
+                      <a16:creationId xmlns:a16="http://schemas.microsoft.com/office/drawing/2014/main" id="{9BA5B34C-D0E9-82A9-6CF5-3EDC7D85F47E}"/>
+                    </a:ext>
+                  </a:extLst>
+                </p:cNvPr>
+                <p:cNvGrpSpPr>
+                  <a:grpSpLocks/>
+                </p:cNvGrpSpPr>
+                <p:nvPr/>
+              </p:nvGrpSpPr>
+              <p:grpSpPr bwMode="auto">
+                <a:xfrm>
+                  <a:off x="1584" y="2064"/>
+                  <a:ext cx="384" cy="576"/>
+                  <a:chOff x="1584" y="2064"/>
+                  <a:chExt cx="384" cy="576"/>
+                </a:xfrm>
+              </p:grpSpPr>
+              <p:sp>
+                <p:nvSpPr>
+                  <p:cNvPr id="36" name="Rectangle 150">
+                    <a:extLst>
+                      <a:ext uri="{FF2B5EF4-FFF2-40B4-BE49-F238E27FC236}">
+                        <a16:creationId xmlns:a16="http://schemas.microsoft.com/office/drawing/2014/main" id="{B52D58E1-73C9-3B2B-D1F2-8278F31B594A}"/>
+                      </a:ext>
+                    </a:extLst>
+                  </p:cNvPr>
+                  <p:cNvSpPr>
+                    <a:spLocks noChangeArrowheads="1"/>
+                  </p:cNvSpPr>
+                  <p:nvPr/>
+                </p:nvSpPr>
+                <p:spPr bwMode="auto">
+                  <a:xfrm>
+                    <a:off x="1584" y="2064"/>
+                    <a:ext cx="384" cy="576"/>
+                  </a:xfrm>
+                  <a:prstGeom prst="rect">
+                    <a:avLst/>
+                  </a:prstGeom>
+                  <a:ln>
+                    <a:headEnd/>
+                    <a:tailEnd/>
+                  </a:ln>
+                </p:spPr>
+                <p:style>
+                  <a:lnRef idx="2">
+                    <a:schemeClr val="dk1"/>
+                  </a:lnRef>
+                  <a:fillRef idx="1">
+                    <a:schemeClr val="lt1"/>
+                  </a:fillRef>
+                  <a:effectRef idx="0">
+                    <a:schemeClr val="dk1"/>
+                  </a:effectRef>
+                  <a:fontRef idx="minor">
+                    <a:schemeClr val="dk1"/>
+                  </a:fontRef>
+                </p:style>
+                <p:txBody>
+                  <a:bodyPr vert="eaVert" wrap="none" anchor="ctr"/>
+                  <a:lstStyle/>
+                  <a:p>
+                    <a:pPr algn="ctr"/>
+                    <a:endParaRPr lang="en-US" b="0">
+                      <a:solidFill>
+                        <a:srgbClr val="000000"/>
+                      </a:solidFill>
+                      <a:latin typeface="Helvetica"/>
+                    </a:endParaRPr>
+                  </a:p>
+                </p:txBody>
+              </p:sp>
+              <p:sp>
+                <p:nvSpPr>
+                  <p:cNvPr id="37" name="Oval 151">
+                    <a:extLst>
+                      <a:ext uri="{FF2B5EF4-FFF2-40B4-BE49-F238E27FC236}">
+                        <a16:creationId xmlns:a16="http://schemas.microsoft.com/office/drawing/2014/main" id="{F6B7CD25-E508-79E7-7A77-1A6D4B585355}"/>
+                      </a:ext>
+                    </a:extLst>
+                  </p:cNvPr>
+                  <p:cNvSpPr>
+                    <a:spLocks noChangeArrowheads="1"/>
+                  </p:cNvSpPr>
+                  <p:nvPr/>
+                </p:nvSpPr>
+                <p:spPr bwMode="auto">
+                  <a:xfrm>
+                    <a:off x="1752" y="2169"/>
+                    <a:ext cx="48" cy="48"/>
+                  </a:xfrm>
+                  <a:prstGeom prst="ellipse">
+                    <a:avLst/>
+                  </a:prstGeom>
+                  <a:ln>
+                    <a:headEnd/>
+                    <a:tailEnd/>
+                  </a:ln>
+                </p:spPr>
+                <p:style>
+                  <a:lnRef idx="2">
+                    <a:schemeClr val="dk1"/>
+                  </a:lnRef>
+                  <a:fillRef idx="1">
+                    <a:schemeClr val="lt1"/>
+                  </a:fillRef>
+                  <a:effectRef idx="0">
+                    <a:schemeClr val="dk1"/>
+                  </a:effectRef>
+                  <a:fontRef idx="minor">
+                    <a:schemeClr val="dk1"/>
+                  </a:fontRef>
+                </p:style>
+                <p:txBody>
+                  <a:bodyPr vert="eaVert" wrap="none" anchor="ctr"/>
+                  <a:lstStyle/>
+                  <a:p>
+                    <a:pPr algn="ctr"/>
+                    <a:endParaRPr lang="en-US" b="0">
+                      <a:solidFill>
+                        <a:srgbClr val="000000"/>
+                      </a:solidFill>
+                      <a:latin typeface="Helvetica"/>
+                    </a:endParaRPr>
+                  </a:p>
+                </p:txBody>
+              </p:sp>
+              <p:sp>
+                <p:nvSpPr>
+                  <p:cNvPr id="38" name="Oval 152">
+                    <a:extLst>
+                      <a:ext uri="{FF2B5EF4-FFF2-40B4-BE49-F238E27FC236}">
+                        <a16:creationId xmlns:a16="http://schemas.microsoft.com/office/drawing/2014/main" id="{3F0C922D-FCF0-4E5E-BB14-C06B19576591}"/>
+                      </a:ext>
+                    </a:extLst>
+                  </p:cNvPr>
+                  <p:cNvSpPr>
+                    <a:spLocks noChangeArrowheads="1"/>
+                  </p:cNvSpPr>
+                  <p:nvPr/>
+                </p:nvSpPr>
+                <p:spPr bwMode="auto">
+                  <a:xfrm>
+                    <a:off x="1752" y="2328"/>
+                    <a:ext cx="48" cy="48"/>
+                  </a:xfrm>
+                  <a:prstGeom prst="ellipse">
+                    <a:avLst/>
+                  </a:prstGeom>
+                  <a:ln>
+                    <a:headEnd/>
+                    <a:tailEnd/>
+                  </a:ln>
+                </p:spPr>
+                <p:style>
+                  <a:lnRef idx="2">
+                    <a:schemeClr val="dk1"/>
+                  </a:lnRef>
+                  <a:fillRef idx="1">
+                    <a:schemeClr val="lt1"/>
+                  </a:fillRef>
+                  <a:effectRef idx="0">
+                    <a:schemeClr val="dk1"/>
+                  </a:effectRef>
+                  <a:fontRef idx="minor">
+                    <a:schemeClr val="dk1"/>
+                  </a:fontRef>
+                </p:style>
+                <p:txBody>
+                  <a:bodyPr vert="eaVert" wrap="none" anchor="ctr"/>
+                  <a:lstStyle/>
+                  <a:p>
+                    <a:pPr algn="ctr"/>
+                    <a:endParaRPr lang="en-US" b="0">
+                      <a:solidFill>
+                        <a:srgbClr val="000000"/>
+                      </a:solidFill>
+                      <a:latin typeface="Helvetica"/>
+                    </a:endParaRPr>
+                  </a:p>
+                </p:txBody>
+              </p:sp>
+              <p:sp>
+                <p:nvSpPr>
+                  <p:cNvPr id="39" name="Oval 153">
+                    <a:extLst>
+                      <a:ext uri="{FF2B5EF4-FFF2-40B4-BE49-F238E27FC236}">
+                        <a16:creationId xmlns:a16="http://schemas.microsoft.com/office/drawing/2014/main" id="{31B4338D-9669-AC31-E73F-33CAC763F5A3}"/>
+                      </a:ext>
+                    </a:extLst>
+                  </p:cNvPr>
+                  <p:cNvSpPr>
+                    <a:spLocks noChangeArrowheads="1"/>
+                  </p:cNvSpPr>
+                  <p:nvPr/>
+                </p:nvSpPr>
+                <p:spPr bwMode="auto">
+                  <a:xfrm>
+                    <a:off x="1752" y="2480"/>
+                    <a:ext cx="48" cy="48"/>
+                  </a:xfrm>
+                  <a:prstGeom prst="ellipse">
+                    <a:avLst/>
+                  </a:prstGeom>
+                  <a:ln>
+                    <a:headEnd/>
+                    <a:tailEnd/>
+                  </a:ln>
+                </p:spPr>
+                <p:style>
+                  <a:lnRef idx="2">
+                    <a:schemeClr val="dk1"/>
+                  </a:lnRef>
+                  <a:fillRef idx="1">
+                    <a:schemeClr val="lt1"/>
+                  </a:fillRef>
+                  <a:effectRef idx="0">
+                    <a:schemeClr val="dk1"/>
+                  </a:effectRef>
+                  <a:fontRef idx="minor">
+                    <a:schemeClr val="dk1"/>
+                  </a:fontRef>
+                </p:style>
+                <p:txBody>
+                  <a:bodyPr vert="eaVert" wrap="none" anchor="ctr"/>
+                  <a:lstStyle/>
+                  <a:p>
+                    <a:pPr algn="ctr"/>
+                    <a:endParaRPr lang="en-US" b="0">
+                      <a:solidFill>
+                        <a:srgbClr val="000000"/>
+                      </a:solidFill>
+                      <a:latin typeface="Helvetica"/>
+                    </a:endParaRPr>
+                  </a:p>
+                </p:txBody>
+              </p:sp>
+            </p:grpSp>
+            <p:sp>
+              <p:nvSpPr>
+                <p:cNvPr id="35" name="Text Box 154">
+                  <a:extLst>
+                    <a:ext uri="{FF2B5EF4-FFF2-40B4-BE49-F238E27FC236}">
+                      <a16:creationId xmlns:a16="http://schemas.microsoft.com/office/drawing/2014/main" id="{C0951046-D759-2A4E-B43C-062810EAA5F2}"/>
+                    </a:ext>
+                  </a:extLst>
+                </p:cNvPr>
+                <p:cNvSpPr txBox="1">
+                  <a:spLocks noChangeArrowheads="1"/>
+                </p:cNvSpPr>
+                <p:nvPr/>
+              </p:nvSpPr>
+              <p:spPr bwMode="auto">
+                <a:xfrm>
+                  <a:off x="1635" y="2673"/>
+                  <a:ext cx="281" cy="238"/>
+                </a:xfrm>
+                <a:prstGeom prst="rect">
+                  <a:avLst/>
+                </a:prstGeom>
+                <a:ln>
+                  <a:headEnd/>
+                  <a:tailEnd/>
+                </a:ln>
+              </p:spPr>
+              <p:style>
+                <a:lnRef idx="2">
+                  <a:schemeClr val="dk1"/>
+                </a:lnRef>
+                <a:fillRef idx="1">
+                  <a:schemeClr val="lt1"/>
+                </a:fillRef>
+                <a:effectRef idx="0">
+                  <a:schemeClr val="dk1"/>
+                </a:effectRef>
+                <a:fontRef idx="minor">
+                  <a:schemeClr val="dk1"/>
+                </a:fontRef>
+              </p:style>
+              <p:txBody>
+                <a:bodyPr wrap="none">
+                  <a:spAutoFit/>
+                </a:bodyPr>
+                <a:lstStyle/>
+                <a:p>
+                  <a:pPr algn="ctr"/>
+                  <a:r>
+                    <a:rPr lang="en-US" b="0">
+                      <a:solidFill>
+                        <a:srgbClr val="000000"/>
+                      </a:solidFill>
+                      <a:latin typeface="Helvetica"/>
+                    </a:rPr>
+                    <a:t>R</a:t>
+                  </a:r>
+                  <a:r>
+                    <a:rPr lang="en-US" b="0" baseline="-25000">
+                      <a:solidFill>
+                        <a:srgbClr val="000000"/>
+                      </a:solidFill>
+                      <a:latin typeface="Helvetica"/>
+                    </a:rPr>
+                    <a:t>4</a:t>
+                  </a:r>
+                  <a:endParaRPr lang="en-US" b="0">
+                    <a:solidFill>
+                      <a:srgbClr val="000000"/>
+                    </a:solidFill>
+                    <a:latin typeface="Helvetica"/>
+                  </a:endParaRPr>
+                </a:p>
+              </p:txBody>
+            </p:sp>
+          </p:grpSp>
+          <p:sp>
+            <p:nvSpPr>
+              <p:cNvPr id="27" name="Line 155">
+                <a:extLst>
+                  <a:ext uri="{FF2B5EF4-FFF2-40B4-BE49-F238E27FC236}">
+                    <a16:creationId xmlns:a16="http://schemas.microsoft.com/office/drawing/2014/main" id="{7E8EEB5A-DCC4-ED46-1E1F-2DD24D024B4F}"/>
+                  </a:ext>
+                </a:extLst>
+              </p:cNvPr>
+              <p:cNvSpPr>
+                <a:spLocks noChangeShapeType="1"/>
+              </p:cNvSpPr>
+              <p:nvPr/>
+            </p:nvSpPr>
+            <p:spPr bwMode="auto">
+              <a:xfrm flipV="1">
+                <a:off x="2538" y="1378"/>
+                <a:ext cx="141" cy="234"/>
+              </a:xfrm>
+              <a:prstGeom prst="line">
+                <a:avLst/>
+              </a:prstGeom>
+              <a:ln>
+                <a:headEnd/>
+                <a:tailEnd type="stealth" w="med" len="med"/>
+              </a:ln>
+            </p:spPr>
+            <p:style>
+              <a:lnRef idx="2">
+                <a:schemeClr val="dk1"/>
+              </a:lnRef>
+              <a:fillRef idx="1">
+                <a:schemeClr val="lt1"/>
+              </a:fillRef>
+              <a:effectRef idx="0">
+                <a:schemeClr val="dk1"/>
+              </a:effectRef>
+              <a:fontRef idx="minor">
+                <a:schemeClr val="dk1"/>
+              </a:fontRef>
+            </p:style>
+            <p:txBody>
+              <a:bodyPr vert="eaVert" wrap="none" anchor="ctr"/>
+              <a:lstStyle/>
+              <a:p>
+                <a:pPr algn="ctr"/>
+                <a:endParaRPr lang="en-US" b="0">
+                  <a:solidFill>
+                    <a:srgbClr val="000000"/>
+                  </a:solidFill>
+                  <a:latin typeface="Helvetica"/>
+                </a:endParaRPr>
+              </a:p>
+            </p:txBody>
+          </p:sp>
+          <p:sp>
+            <p:nvSpPr>
+              <p:cNvPr id="28" name="Line 156">
+                <a:extLst>
+                  <a:ext uri="{FF2B5EF4-FFF2-40B4-BE49-F238E27FC236}">
+                    <a16:creationId xmlns:a16="http://schemas.microsoft.com/office/drawing/2014/main" id="{F5C6E1C3-0223-BC41-676F-3D67460EF291}"/>
+                  </a:ext>
+                </a:extLst>
+              </p:cNvPr>
+              <p:cNvSpPr>
+                <a:spLocks noChangeShapeType="1"/>
+              </p:cNvSpPr>
+              <p:nvPr/>
+            </p:nvSpPr>
+            <p:spPr bwMode="auto">
+              <a:xfrm>
+                <a:off x="2687" y="1220"/>
+                <a:ext cx="326" cy="406"/>
+              </a:xfrm>
+              <a:prstGeom prst="line">
+                <a:avLst/>
+              </a:prstGeom>
+              <a:ln>
+                <a:headEnd/>
+                <a:tailEnd type="stealth" w="med" len="med"/>
+              </a:ln>
+            </p:spPr>
+            <p:style>
+              <a:lnRef idx="2">
+                <a:schemeClr val="dk1"/>
+              </a:lnRef>
+              <a:fillRef idx="1">
+                <a:schemeClr val="lt1"/>
+              </a:fillRef>
+              <a:effectRef idx="0">
+                <a:schemeClr val="dk1"/>
+              </a:effectRef>
+              <a:fontRef idx="minor">
+                <a:schemeClr val="dk1"/>
+              </a:fontRef>
+            </p:style>
+            <p:txBody>
+              <a:bodyPr vert="eaVert" wrap="none" anchor="ctr"/>
+              <a:lstStyle/>
+              <a:p>
+                <a:pPr algn="ctr"/>
+                <a:endParaRPr lang="en-US" b="0">
+                  <a:solidFill>
+                    <a:srgbClr val="000000"/>
+                  </a:solidFill>
+                  <a:latin typeface="Helvetica"/>
+                </a:endParaRPr>
+              </a:p>
+            </p:txBody>
+          </p:sp>
+          <p:sp>
+            <p:nvSpPr>
+              <p:cNvPr id="29" name="Line 157">
+                <a:extLst>
+                  <a:ext uri="{FF2B5EF4-FFF2-40B4-BE49-F238E27FC236}">
+                    <a16:creationId xmlns:a16="http://schemas.microsoft.com/office/drawing/2014/main" id="{48E04AB9-99A2-A7CF-CEAF-3D948781984C}"/>
+                  </a:ext>
+                </a:extLst>
+              </p:cNvPr>
+              <p:cNvSpPr>
+                <a:spLocks noChangeShapeType="1"/>
+              </p:cNvSpPr>
+              <p:nvPr/>
+            </p:nvSpPr>
+            <p:spPr bwMode="auto">
+              <a:xfrm flipV="1">
+                <a:off x="3212" y="1393"/>
+                <a:ext cx="148" cy="247"/>
+              </a:xfrm>
+              <a:prstGeom prst="line">
+                <a:avLst/>
+              </a:prstGeom>
+              <a:ln>
+                <a:headEnd/>
+                <a:tailEnd type="stealth" w="med" len="med"/>
+              </a:ln>
+            </p:spPr>
+            <p:style>
+              <a:lnRef idx="2">
+                <a:schemeClr val="dk1"/>
+              </a:lnRef>
+              <a:fillRef idx="1">
+                <a:schemeClr val="lt1"/>
+              </a:fillRef>
+              <a:effectRef idx="0">
+                <a:schemeClr val="dk1"/>
+              </a:effectRef>
+              <a:fontRef idx="minor">
+                <a:schemeClr val="dk1"/>
+              </a:fontRef>
+            </p:style>
+            <p:txBody>
+              <a:bodyPr vert="eaVert" wrap="none" anchor="ctr"/>
+              <a:lstStyle/>
+              <a:p>
+                <a:pPr algn="ctr"/>
+                <a:endParaRPr lang="en-US" b="0">
+                  <a:solidFill>
+                    <a:srgbClr val="000000"/>
+                  </a:solidFill>
+                  <a:latin typeface="Helvetica"/>
+                </a:endParaRPr>
+              </a:p>
+            </p:txBody>
+          </p:sp>
+          <p:sp>
+            <p:nvSpPr>
+              <p:cNvPr id="30" name="Line 158">
+                <a:extLst>
+                  <a:ext uri="{FF2B5EF4-FFF2-40B4-BE49-F238E27FC236}">
+                    <a16:creationId xmlns:a16="http://schemas.microsoft.com/office/drawing/2014/main" id="{41A6B7B8-0CE7-D279-0B99-1F9C6A922DD7}"/>
+                  </a:ext>
+                </a:extLst>
+              </p:cNvPr>
+              <p:cNvSpPr>
+                <a:spLocks noChangeShapeType="1"/>
+              </p:cNvSpPr>
+              <p:nvPr/>
+            </p:nvSpPr>
+            <p:spPr bwMode="auto">
+              <a:xfrm>
+                <a:off x="3387" y="1222"/>
+                <a:ext cx="229" cy="390"/>
+              </a:xfrm>
+              <a:prstGeom prst="line">
+                <a:avLst/>
+              </a:prstGeom>
+              <a:ln>
+                <a:headEnd/>
+                <a:tailEnd type="stealth" w="med" len="med"/>
+              </a:ln>
+            </p:spPr>
+            <p:style>
+              <a:lnRef idx="2">
+                <a:schemeClr val="dk1"/>
+              </a:lnRef>
+              <a:fillRef idx="1">
+                <a:schemeClr val="lt1"/>
+              </a:fillRef>
+              <a:effectRef idx="0">
+                <a:schemeClr val="dk1"/>
+              </a:effectRef>
+              <a:fontRef idx="minor">
+                <a:schemeClr val="dk1"/>
+              </a:fontRef>
+            </p:style>
+            <p:txBody>
+              <a:bodyPr vert="eaVert" wrap="none" anchor="ctr"/>
+              <a:lstStyle/>
+              <a:p>
+                <a:pPr algn="ctr"/>
+                <a:endParaRPr lang="en-US" b="0">
+                  <a:solidFill>
+                    <a:srgbClr val="000000"/>
+                  </a:solidFill>
+                  <a:latin typeface="Helvetica"/>
+                </a:endParaRPr>
+              </a:p>
+            </p:txBody>
+          </p:sp>
+          <p:sp>
+            <p:nvSpPr>
+              <p:cNvPr id="31" name="Line 159">
+                <a:extLst>
+                  <a:ext uri="{FF2B5EF4-FFF2-40B4-BE49-F238E27FC236}">
+                    <a16:creationId xmlns:a16="http://schemas.microsoft.com/office/drawing/2014/main" id="{CA22B69B-E54D-1D5B-7AEF-78873C499988}"/>
+                  </a:ext>
+                </a:extLst>
+              </p:cNvPr>
+              <p:cNvSpPr>
+                <a:spLocks noChangeShapeType="1"/>
+              </p:cNvSpPr>
+              <p:nvPr/>
+            </p:nvSpPr>
+            <p:spPr bwMode="auto">
+              <a:xfrm flipH="1" flipV="1">
+                <a:off x="2554" y="1981"/>
+                <a:ext cx="261" cy="363"/>
+              </a:xfrm>
+              <a:prstGeom prst="line">
+                <a:avLst/>
+              </a:prstGeom>
+              <a:ln>
+                <a:headEnd/>
+                <a:tailEnd type="stealth" w="med" len="med"/>
+              </a:ln>
+            </p:spPr>
+            <p:style>
+              <a:lnRef idx="2">
+                <a:schemeClr val="dk1"/>
+              </a:lnRef>
+              <a:fillRef idx="1">
+                <a:schemeClr val="lt1"/>
+              </a:fillRef>
+              <a:effectRef idx="0">
+                <a:schemeClr val="dk1"/>
+              </a:effectRef>
+              <a:fontRef idx="minor">
+                <a:schemeClr val="dk1"/>
+              </a:fontRef>
+            </p:style>
+            <p:txBody>
+              <a:bodyPr vert="eaVert" wrap="none" anchor="ctr"/>
+              <a:lstStyle/>
+              <a:p>
+                <a:pPr algn="ctr"/>
+                <a:endParaRPr lang="en-US" b="0">
+                  <a:solidFill>
+                    <a:srgbClr val="000000"/>
+                  </a:solidFill>
+                  <a:latin typeface="Helvetica"/>
+                </a:endParaRPr>
+              </a:p>
+            </p:txBody>
+          </p:sp>
+          <p:sp>
+            <p:nvSpPr>
+              <p:cNvPr id="32" name="Line 160">
+                <a:extLst>
+                  <a:ext uri="{FF2B5EF4-FFF2-40B4-BE49-F238E27FC236}">
+                    <a16:creationId xmlns:a16="http://schemas.microsoft.com/office/drawing/2014/main" id="{01BC125E-A261-D503-E930-2F51BC613AF1}"/>
+                  </a:ext>
+                </a:extLst>
+              </p:cNvPr>
+              <p:cNvSpPr>
+                <a:spLocks noChangeShapeType="1"/>
+              </p:cNvSpPr>
+              <p:nvPr/>
+            </p:nvSpPr>
+            <p:spPr bwMode="auto">
+              <a:xfrm flipV="1">
+                <a:off x="2821" y="1985"/>
+                <a:ext cx="236" cy="512"/>
+              </a:xfrm>
+              <a:prstGeom prst="line">
+                <a:avLst/>
+              </a:prstGeom>
+              <a:ln>
+                <a:headEnd/>
+                <a:tailEnd type="stealth" w="med" len="med"/>
+              </a:ln>
+            </p:spPr>
+            <p:style>
+              <a:lnRef idx="2">
+                <a:schemeClr val="dk1"/>
+              </a:lnRef>
+              <a:fillRef idx="1">
+                <a:schemeClr val="lt1"/>
+              </a:fillRef>
+              <a:effectRef idx="0">
+                <a:schemeClr val="dk1"/>
+              </a:effectRef>
+              <a:fontRef idx="minor">
+                <a:schemeClr val="dk1"/>
+              </a:fontRef>
+            </p:style>
+            <p:txBody>
+              <a:bodyPr vert="eaVert" wrap="none" anchor="ctr"/>
+              <a:lstStyle/>
+              <a:p>
+                <a:pPr algn="ctr"/>
+                <a:endParaRPr lang="en-US" b="0">
+                  <a:solidFill>
+                    <a:srgbClr val="000000"/>
+                  </a:solidFill>
+                  <a:latin typeface="Helvetica"/>
+                </a:endParaRPr>
+              </a:p>
+            </p:txBody>
+          </p:sp>
+          <p:sp>
+            <p:nvSpPr>
+              <p:cNvPr id="33" name="Line 195">
+                <a:extLst>
+                  <a:ext uri="{FF2B5EF4-FFF2-40B4-BE49-F238E27FC236}">
+                    <a16:creationId xmlns:a16="http://schemas.microsoft.com/office/drawing/2014/main" id="{401F6455-50AF-E0B4-5D2C-857B7016B35A}"/>
+                  </a:ext>
+                </a:extLst>
+              </p:cNvPr>
+              <p:cNvSpPr>
+                <a:spLocks noChangeShapeType="1"/>
+              </p:cNvSpPr>
+              <p:nvPr/>
+            </p:nvSpPr>
+            <p:spPr bwMode="auto">
+              <a:xfrm flipH="1">
+                <a:off x="3014" y="1933"/>
+                <a:ext cx="505" cy="410"/>
+              </a:xfrm>
+              <a:prstGeom prst="line">
+                <a:avLst/>
+              </a:prstGeom>
+              <a:ln>
+                <a:headEnd/>
+                <a:tailEnd type="stealth" w="med" len="med"/>
+              </a:ln>
+            </p:spPr>
+            <p:style>
+              <a:lnRef idx="2">
+                <a:schemeClr val="dk1"/>
+              </a:lnRef>
+              <a:fillRef idx="1">
+                <a:schemeClr val="lt1"/>
+              </a:fillRef>
+              <a:effectRef idx="0">
+                <a:schemeClr val="dk1"/>
+              </a:effectRef>
+              <a:fontRef idx="minor">
+                <a:schemeClr val="dk1"/>
+              </a:fontRef>
+            </p:style>
+            <p:txBody>
+              <a:bodyPr vert="eaVert" wrap="none" anchor="ctr"/>
+              <a:lstStyle/>
+              <a:p>
+                <a:pPr algn="ctr"/>
+                <a:endParaRPr lang="en-US" b="0">
+                  <a:solidFill>
+                    <a:srgbClr val="000000"/>
+                  </a:solidFill>
+                  <a:latin typeface="Helvetica"/>
+                </a:endParaRPr>
+              </a:p>
+            </p:txBody>
+          </p:sp>
+        </p:grpSp>
+      </p:grpSp>
+      <p:sp>
+        <p:nvSpPr>
+          <p:cNvPr id="5" name="TextBox 4">
+            <a:extLst>
+              <a:ext uri="{FF2B5EF4-FFF2-40B4-BE49-F238E27FC236}">
+                <a16:creationId xmlns:a16="http://schemas.microsoft.com/office/drawing/2014/main" id="{9067EA2B-8C7C-D9D2-ADD9-D3F2D9D033FC}"/>
+              </a:ext>
+            </a:extLst>
+          </p:cNvPr>
+          <p:cNvSpPr txBox="1"/>
+          <p:nvPr/>
+        </p:nvSpPr>
+        <p:spPr>
+          <a:xfrm>
+            <a:off x="35887" y="4787747"/>
+            <a:ext cx="4307513" cy="461665"/>
+          </a:xfrm>
+          <a:prstGeom prst="rect">
+            <a:avLst/>
+          </a:prstGeom>
+          <a:noFill/>
+        </p:spPr>
+        <p:txBody>
+          <a:bodyPr wrap="square" rtlCol="0">
+            <a:spAutoFit/>
+          </a:bodyPr>
+          <a:lstStyle/>
+          <a:p>
+            <a:r>
+              <a:rPr lang="en-GB" altLang="zh-CN" sz="2400" b="0" dirty="0">
+                <a:solidFill>
+                  <a:schemeClr val="dk1"/>
+                </a:solidFill>
+                <a:latin typeface="Gill Sans" panose="020B0502020104020203"/>
+                <a:ea typeface="+mn-ea"/>
+                <a:cs typeface="+mn-cs"/>
+              </a:rPr>
+              <a:t>Deadlock, no safe sequence</a:t>
+            </a:r>
+            <a:endParaRPr lang="en-GB" sz="2400" b="0" dirty="0">
+              <a:solidFill>
+                <a:schemeClr val="dk1"/>
+              </a:solidFill>
+              <a:latin typeface="Gill Sans" panose="020B0502020104020203"/>
+              <a:ea typeface="+mn-ea"/>
+              <a:cs typeface="+mn-cs"/>
+            </a:endParaRPr>
+          </a:p>
+        </p:txBody>
+      </p:sp>
+    </p:spTree>
+    <p:extLst>
+      <p:ext uri="{BB962C8B-B14F-4D97-AF65-F5344CB8AC3E}">
+        <p14:creationId xmlns:p14="http://schemas.microsoft.com/office/powerpoint/2010/main" val="3789561435"/>
+      </p:ext>
+    </p:extLst>
+  </p:cSld>
+  <p:clrMapOvr>
+    <a:masterClrMapping/>
+  </p:clrMapOvr>
+  <p:transition/>
+</p:sld>
+</file>
+
+<file path=ppt/slides/slide18.xml><?xml version="1.0" encoding="utf-8"?>
+<p:sld xmlns:a="http://schemas.openxmlformats.org/drawingml/2006/main" xmlns:r="http://schemas.openxmlformats.org/officeDocument/2006/relationships" xmlns:p="http://schemas.openxmlformats.org/presentationml/2006/main">
+  <p:cSld>
+    <p:spTree>
+      <p:nvGrpSpPr>
         <p:cNvPr id="1" name=""/>
         <p:cNvGrpSpPr/>
         <p:nvPr/>
@@ -14542,7 +19191,7 @@
         </p:spPr>
         <p:txBody>
           <a:bodyPr>
-            <a:normAutofit fontScale="92500" lnSpcReduction="20000"/>
+            <a:normAutofit fontScale="85000" lnSpcReduction="10000"/>
           </a:bodyPr>
           <a:lstStyle/>
           <a:p>
@@ -14567,6 +19216,13 @@
             <a:r>
               <a:rPr lang="en-GB" dirty="0"/>
               <a:t>SJF: P1-&gt;P2-&gt;P3, R=(10+12+14)/3=12</a:t>
+            </a:r>
+          </a:p>
+          <a:p>
+            <a:pPr lvl="1"/>
+            <a:r>
+              <a:rPr lang="en-GB" dirty="0"/>
+              <a:t>Due to ambiguity in problem specification (all processes arrive at time 0 in the order of P1, P2, P3 ), this answer is also graded as correct: P2-&gt;P3-&gt;P1 or P3-&gt;P2-&gt;P1, R=(14+2+4)/3=6.7</a:t>
             </a:r>
           </a:p>
           <a:p>
@@ -14603,7 +19259,7 @@
 </p:sld>
 </file>
 
-<file path=ppt/slides/slide18.xml><?xml version="1.0" encoding="utf-8"?>
+<file path=ppt/slides/slide19.xml><?xml version="1.0" encoding="utf-8"?>
 <p:sld xmlns:a="http://schemas.openxmlformats.org/drawingml/2006/main" xmlns:r="http://schemas.openxmlformats.org/officeDocument/2006/relationships" xmlns:p="http://schemas.openxmlformats.org/presentationml/2006/main">
   <p:cSld>
     <p:spTree>
@@ -15853,7 +20509,1606 @@
 </p:sld>
 </file>
 
-<file path=ppt/slides/slide19.xml><?xml version="1.0" encoding="utf-8"?>
+<file path=ppt/slides/slide2.xml><?xml version="1.0" encoding="utf-8"?>
+<p:sld xmlns:a="http://schemas.openxmlformats.org/drawingml/2006/main" xmlns:r="http://schemas.openxmlformats.org/officeDocument/2006/relationships" xmlns:p="http://schemas.openxmlformats.org/presentationml/2006/main">
+  <p:cSld>
+    <p:spTree>
+      <p:nvGrpSpPr>
+        <p:cNvPr id="1" name=""/>
+        <p:cNvGrpSpPr/>
+        <p:nvPr/>
+      </p:nvGrpSpPr>
+      <p:grpSpPr>
+        <a:xfrm>
+          <a:off x="0" y="0"/>
+          <a:ext cx="0" cy="0"/>
+          <a:chOff x="0" y="0"/>
+          <a:chExt cx="0" cy="0"/>
+        </a:xfrm>
+      </p:grpSpPr>
+      <p:sp>
+        <p:nvSpPr>
+          <p:cNvPr id="2" name="Title 1">
+            <a:extLst>
+              <a:ext uri="{FF2B5EF4-FFF2-40B4-BE49-F238E27FC236}">
+                <a16:creationId xmlns:a16="http://schemas.microsoft.com/office/drawing/2014/main" id="{A5F5590B-6D90-629D-80B6-3D8DA0390A49}"/>
+              </a:ext>
+            </a:extLst>
+          </p:cNvPr>
+          <p:cNvSpPr>
+            <a:spLocks noGrp="1"/>
+          </p:cNvSpPr>
+          <p:nvPr>
+            <p:ph type="title"/>
+          </p:nvPr>
+        </p:nvSpPr>
+        <p:spPr/>
+        <p:txBody>
+          <a:bodyPr/>
+          <a:lstStyle/>
+          <a:p>
+            <a:r>
+              <a:rPr lang="en-US" dirty="0"/>
+              <a:t>Q1. Multiple-choice. (20 pts)</a:t>
+            </a:r>
+            <a:endParaRPr lang="en-SE" dirty="0"/>
+          </a:p>
+        </p:txBody>
+      </p:sp>
+      <p:sp>
+        <p:nvSpPr>
+          <p:cNvPr id="3" name="Content Placeholder 2">
+            <a:extLst>
+              <a:ext uri="{FF2B5EF4-FFF2-40B4-BE49-F238E27FC236}">
+                <a16:creationId xmlns:a16="http://schemas.microsoft.com/office/drawing/2014/main" id="{F56FD100-EB30-C0F2-A223-2CDFA7A23848}"/>
+              </a:ext>
+            </a:extLst>
+          </p:cNvPr>
+          <p:cNvSpPr>
+            <a:spLocks noGrp="1"/>
+          </p:cNvSpPr>
+          <p:nvPr>
+            <p:ph idx="1"/>
+          </p:nvPr>
+        </p:nvSpPr>
+        <p:spPr>
+          <a:xfrm>
+            <a:off x="533400" y="858078"/>
+            <a:ext cx="5562600" cy="5867400"/>
+          </a:xfrm>
+        </p:spPr>
+        <p:txBody>
+          <a:bodyPr>
+            <a:normAutofit fontScale="62500" lnSpcReduction="20000"/>
+          </a:bodyPr>
+          <a:lstStyle/>
+          <a:p>
+            <a:pPr>
+              <a:buNone/>
+            </a:pPr>
+            <a:r>
+              <a:rPr lang="en-SE" sz="1800" dirty="0">
+                <a:effectLst/>
+                <a:latin typeface="Times New Roman" panose="02020603050405020304" pitchFamily="18" charset="0"/>
+                <a:ea typeface="SimSun" panose="02010600030101010101" pitchFamily="2" charset="-122"/>
+              </a:rPr>
+              <a:t>1. What is a process in an operating system?</a:t>
+            </a:r>
+            <a:endParaRPr lang="en-SE" sz="1800" dirty="0">
+              <a:effectLst/>
+              <a:latin typeface="Times New Roman" panose="02020603050405020304" pitchFamily="18" charset="0"/>
+              <a:ea typeface="Times New Roman" panose="02020603050405020304" pitchFamily="18" charset="0"/>
+            </a:endParaRPr>
+          </a:p>
+          <a:p>
+            <a:pPr>
+              <a:buNone/>
+            </a:pPr>
+            <a:r>
+              <a:rPr lang="en-SE" sz="1800" dirty="0">
+                <a:effectLst/>
+                <a:latin typeface="Times New Roman" panose="02020603050405020304" pitchFamily="18" charset="0"/>
+                <a:ea typeface="SimSun" panose="02010600030101010101" pitchFamily="2" charset="-122"/>
+              </a:rPr>
+              <a:t>A) A static program stored on disk</a:t>
+            </a:r>
+            <a:endParaRPr lang="en-SE" sz="1800" dirty="0">
+              <a:effectLst/>
+              <a:latin typeface="Times New Roman" panose="02020603050405020304" pitchFamily="18" charset="0"/>
+              <a:ea typeface="Times New Roman" panose="02020603050405020304" pitchFamily="18" charset="0"/>
+            </a:endParaRPr>
+          </a:p>
+          <a:p>
+            <a:pPr>
+              <a:buNone/>
+            </a:pPr>
+            <a:r>
+              <a:rPr lang="en-SE" sz="1800" dirty="0">
+                <a:effectLst/>
+                <a:latin typeface="Times New Roman" panose="02020603050405020304" pitchFamily="18" charset="0"/>
+                <a:ea typeface="SimSun" panose="02010600030101010101" pitchFamily="2" charset="-122"/>
+              </a:rPr>
+              <a:t>B) An active entity with a program counter and stack</a:t>
+            </a:r>
+            <a:endParaRPr lang="en-SE" sz="1800" dirty="0">
+              <a:effectLst/>
+              <a:latin typeface="Times New Roman" panose="02020603050405020304" pitchFamily="18" charset="0"/>
+              <a:ea typeface="Times New Roman" panose="02020603050405020304" pitchFamily="18" charset="0"/>
+            </a:endParaRPr>
+          </a:p>
+          <a:p>
+            <a:pPr>
+              <a:buNone/>
+            </a:pPr>
+            <a:r>
+              <a:rPr lang="en-SE" sz="1800" dirty="0">
+                <a:effectLst/>
+                <a:latin typeface="Times New Roman" panose="02020603050405020304" pitchFamily="18" charset="0"/>
+                <a:ea typeface="SimSun" panose="02010600030101010101" pitchFamily="2" charset="-122"/>
+              </a:rPr>
+              <a:t>C) A thread of execution</a:t>
+            </a:r>
+            <a:endParaRPr lang="en-SE" sz="1800" dirty="0">
+              <a:effectLst/>
+              <a:latin typeface="Times New Roman" panose="02020603050405020304" pitchFamily="18" charset="0"/>
+              <a:ea typeface="Times New Roman" panose="02020603050405020304" pitchFamily="18" charset="0"/>
+            </a:endParaRPr>
+          </a:p>
+          <a:p>
+            <a:pPr>
+              <a:buNone/>
+            </a:pPr>
+            <a:r>
+              <a:rPr lang="en-SE" sz="1800" dirty="0">
+                <a:effectLst/>
+                <a:latin typeface="Times New Roman" panose="02020603050405020304" pitchFamily="18" charset="0"/>
+                <a:ea typeface="SimSun" panose="02010600030101010101" pitchFamily="2" charset="-122"/>
+              </a:rPr>
+              <a:t>D) A section of memory</a:t>
+            </a:r>
+            <a:endParaRPr lang="en-SE" sz="1800" dirty="0">
+              <a:effectLst/>
+              <a:latin typeface="Times New Roman" panose="02020603050405020304" pitchFamily="18" charset="0"/>
+              <a:ea typeface="Times New Roman" panose="02020603050405020304" pitchFamily="18" charset="0"/>
+            </a:endParaRPr>
+          </a:p>
+          <a:p>
+            <a:pPr>
+              <a:buNone/>
+            </a:pPr>
+            <a:r>
+              <a:rPr lang="en-SE" sz="1800" dirty="0">
+                <a:effectLst/>
+                <a:latin typeface="Times New Roman" panose="02020603050405020304" pitchFamily="18" charset="0"/>
+                <a:ea typeface="SimSun" panose="02010600030101010101" pitchFamily="2" charset="-122"/>
+              </a:rPr>
+              <a:t>Answer: B</a:t>
+            </a:r>
+            <a:endParaRPr lang="en-SE" sz="1800" dirty="0">
+              <a:effectLst/>
+              <a:latin typeface="Times New Roman" panose="02020603050405020304" pitchFamily="18" charset="0"/>
+              <a:ea typeface="Times New Roman" panose="02020603050405020304" pitchFamily="18" charset="0"/>
+            </a:endParaRPr>
+          </a:p>
+          <a:p>
+            <a:pPr>
+              <a:buNone/>
+            </a:pPr>
+            <a:r>
+              <a:rPr lang="en-SE" sz="1800" dirty="0">
+                <a:effectLst/>
+                <a:latin typeface="Times New Roman" panose="02020603050405020304" pitchFamily="18" charset="0"/>
+                <a:ea typeface="SimSun" panose="02010600030101010101" pitchFamily="2" charset="-122"/>
+              </a:rPr>
+              <a:t> </a:t>
+            </a:r>
+            <a:endParaRPr lang="en-SE" sz="1800" dirty="0">
+              <a:effectLst/>
+              <a:latin typeface="Times New Roman" panose="02020603050405020304" pitchFamily="18" charset="0"/>
+              <a:ea typeface="Times New Roman" panose="02020603050405020304" pitchFamily="18" charset="0"/>
+            </a:endParaRPr>
+          </a:p>
+          <a:p>
+            <a:pPr>
+              <a:buNone/>
+            </a:pPr>
+            <a:r>
+              <a:rPr lang="en-US" sz="1800" dirty="0">
+                <a:effectLst/>
+                <a:latin typeface="Times New Roman" panose="02020603050405020304" pitchFamily="18" charset="0"/>
+                <a:ea typeface="SimSun" panose="02010600030101010101" pitchFamily="2" charset="-122"/>
+              </a:rPr>
+              <a:t>2. What is dual-mode operation in an operating system?</a:t>
+            </a:r>
+            <a:endParaRPr lang="en-SE" sz="1800" dirty="0">
+              <a:effectLst/>
+              <a:latin typeface="Times New Roman" panose="02020603050405020304" pitchFamily="18" charset="0"/>
+              <a:ea typeface="SimSun" panose="02010600030101010101" pitchFamily="2" charset="-122"/>
+            </a:endParaRPr>
+          </a:p>
+          <a:p>
+            <a:pPr>
+              <a:buNone/>
+            </a:pPr>
+            <a:r>
+              <a:rPr lang="en-US" sz="1800" dirty="0">
+                <a:effectLst/>
+                <a:latin typeface="Times New Roman" panose="02020603050405020304" pitchFamily="18" charset="0"/>
+                <a:ea typeface="SimSun" panose="02010600030101010101" pitchFamily="2" charset="-122"/>
+              </a:rPr>
+              <a:t>A) Running two operating systems simultaneously  </a:t>
+            </a:r>
+            <a:endParaRPr lang="en-SE" sz="1800" dirty="0">
+              <a:effectLst/>
+              <a:latin typeface="Times New Roman" panose="02020603050405020304" pitchFamily="18" charset="0"/>
+              <a:ea typeface="SimSun" panose="02010600030101010101" pitchFamily="2" charset="-122"/>
+            </a:endParaRPr>
+          </a:p>
+          <a:p>
+            <a:pPr>
+              <a:buNone/>
+            </a:pPr>
+            <a:r>
+              <a:rPr lang="en-US" sz="1800" dirty="0">
+                <a:effectLst/>
+                <a:latin typeface="Times New Roman" panose="02020603050405020304" pitchFamily="18" charset="0"/>
+                <a:ea typeface="SimSun" panose="02010600030101010101" pitchFamily="2" charset="-122"/>
+              </a:rPr>
+              <a:t>B) Providing two modes: kernel mode and user mode  </a:t>
+            </a:r>
+            <a:endParaRPr lang="en-SE" sz="1800" dirty="0">
+              <a:effectLst/>
+              <a:latin typeface="Times New Roman" panose="02020603050405020304" pitchFamily="18" charset="0"/>
+              <a:ea typeface="SimSun" panose="02010600030101010101" pitchFamily="2" charset="-122"/>
+            </a:endParaRPr>
+          </a:p>
+          <a:p>
+            <a:pPr>
+              <a:buNone/>
+            </a:pPr>
+            <a:r>
+              <a:rPr lang="en-US" sz="1800" dirty="0">
+                <a:effectLst/>
+                <a:latin typeface="Times New Roman" panose="02020603050405020304" pitchFamily="18" charset="0"/>
+                <a:ea typeface="SimSun" panose="02010600030101010101" pitchFamily="2" charset="-122"/>
+              </a:rPr>
+              <a:t>C) Allowing two users to access the same process  </a:t>
+            </a:r>
+            <a:endParaRPr lang="en-SE" sz="1800" dirty="0">
+              <a:effectLst/>
+              <a:latin typeface="Times New Roman" panose="02020603050405020304" pitchFamily="18" charset="0"/>
+              <a:ea typeface="SimSun" panose="02010600030101010101" pitchFamily="2" charset="-122"/>
+            </a:endParaRPr>
+          </a:p>
+          <a:p>
+            <a:pPr>
+              <a:buNone/>
+            </a:pPr>
+            <a:r>
+              <a:rPr lang="en-US" sz="1800" dirty="0">
+                <a:effectLst/>
+                <a:latin typeface="Times New Roman" panose="02020603050405020304" pitchFamily="18" charset="0"/>
+                <a:ea typeface="SimSun" panose="02010600030101010101" pitchFamily="2" charset="-122"/>
+              </a:rPr>
+              <a:t>D) Switching between two CPUs dynamically  </a:t>
+            </a:r>
+            <a:endParaRPr lang="en-SE" sz="1800" dirty="0">
+              <a:effectLst/>
+              <a:latin typeface="Times New Roman" panose="02020603050405020304" pitchFamily="18" charset="0"/>
+              <a:ea typeface="SimSun" panose="02010600030101010101" pitchFamily="2" charset="-122"/>
+            </a:endParaRPr>
+          </a:p>
+          <a:p>
+            <a:pPr>
+              <a:buNone/>
+            </a:pPr>
+            <a:r>
+              <a:rPr lang="en-US" sz="1800" dirty="0">
+                <a:effectLst/>
+                <a:latin typeface="Times New Roman" panose="02020603050405020304" pitchFamily="18" charset="0"/>
+                <a:ea typeface="SimSun" panose="02010600030101010101" pitchFamily="2" charset="-122"/>
+              </a:rPr>
+              <a:t>Answer: B</a:t>
+            </a:r>
+            <a:endParaRPr lang="en-SE" sz="1800" dirty="0">
+              <a:effectLst/>
+              <a:latin typeface="Times New Roman" panose="02020603050405020304" pitchFamily="18" charset="0"/>
+              <a:ea typeface="SimSun" panose="02010600030101010101" pitchFamily="2" charset="-122"/>
+            </a:endParaRPr>
+          </a:p>
+          <a:p>
+            <a:pPr>
+              <a:buNone/>
+            </a:pPr>
+            <a:r>
+              <a:rPr lang="en-SE" sz="1800" dirty="0">
+                <a:effectLst/>
+                <a:latin typeface="Times New Roman" panose="02020603050405020304" pitchFamily="18" charset="0"/>
+                <a:ea typeface="SimSun" panose="02010600030101010101" pitchFamily="2" charset="-122"/>
+              </a:rPr>
+              <a:t> </a:t>
+            </a:r>
+            <a:endParaRPr lang="en-SE" sz="1800" dirty="0">
+              <a:effectLst/>
+              <a:latin typeface="Times New Roman" panose="02020603050405020304" pitchFamily="18" charset="0"/>
+              <a:ea typeface="Times New Roman" panose="02020603050405020304" pitchFamily="18" charset="0"/>
+            </a:endParaRPr>
+          </a:p>
+          <a:p>
+            <a:pPr>
+              <a:buNone/>
+            </a:pPr>
+            <a:r>
+              <a:rPr lang="en-US" sz="1800" dirty="0">
+                <a:effectLst/>
+                <a:latin typeface="Times New Roman" panose="02020603050405020304" pitchFamily="18" charset="0"/>
+                <a:ea typeface="SimSun" panose="02010600030101010101" pitchFamily="2" charset="-122"/>
+              </a:rPr>
+              <a:t>3. What does "protection" in an operating system ensure?</a:t>
+            </a:r>
+            <a:endParaRPr lang="en-SE" sz="1800" dirty="0">
+              <a:effectLst/>
+              <a:latin typeface="Times New Roman" panose="02020603050405020304" pitchFamily="18" charset="0"/>
+              <a:ea typeface="SimSun" panose="02010600030101010101" pitchFamily="2" charset="-122"/>
+            </a:endParaRPr>
+          </a:p>
+          <a:p>
+            <a:pPr>
+              <a:buNone/>
+            </a:pPr>
+            <a:r>
+              <a:rPr lang="en-US" sz="1800" dirty="0">
+                <a:effectLst/>
+                <a:latin typeface="Times New Roman" panose="02020603050405020304" pitchFamily="18" charset="0"/>
+                <a:ea typeface="SimSun" panose="02010600030101010101" pitchFamily="2" charset="-122"/>
+              </a:rPr>
+              <a:t>A) That processes cannot interfere with each other or the OS itself  </a:t>
+            </a:r>
+            <a:endParaRPr lang="en-SE" sz="1800" dirty="0">
+              <a:effectLst/>
+              <a:latin typeface="Times New Roman" panose="02020603050405020304" pitchFamily="18" charset="0"/>
+              <a:ea typeface="SimSun" panose="02010600030101010101" pitchFamily="2" charset="-122"/>
+            </a:endParaRPr>
+          </a:p>
+          <a:p>
+            <a:pPr>
+              <a:buNone/>
+            </a:pPr>
+            <a:r>
+              <a:rPr lang="en-US" sz="1800" dirty="0">
+                <a:effectLst/>
+                <a:latin typeface="Times New Roman" panose="02020603050405020304" pitchFamily="18" charset="0"/>
+                <a:ea typeface="SimSun" panose="02010600030101010101" pitchFamily="2" charset="-122"/>
+              </a:rPr>
+              <a:t>B) That all applications run in kernel mode for efficiency  </a:t>
+            </a:r>
+            <a:endParaRPr lang="en-SE" sz="1800" dirty="0">
+              <a:effectLst/>
+              <a:latin typeface="Times New Roman" panose="02020603050405020304" pitchFamily="18" charset="0"/>
+              <a:ea typeface="SimSun" panose="02010600030101010101" pitchFamily="2" charset="-122"/>
+            </a:endParaRPr>
+          </a:p>
+          <a:p>
+            <a:pPr>
+              <a:buNone/>
+            </a:pPr>
+            <a:r>
+              <a:rPr lang="en-US" sz="1800" dirty="0">
+                <a:effectLst/>
+                <a:latin typeface="Times New Roman" panose="02020603050405020304" pitchFamily="18" charset="0"/>
+                <a:ea typeface="SimSun" panose="02010600030101010101" pitchFamily="2" charset="-122"/>
+              </a:rPr>
+              <a:t>C) That users have unrestricted access to hardware resources  </a:t>
+            </a:r>
+            <a:endParaRPr lang="en-SE" sz="1800" dirty="0">
+              <a:effectLst/>
+              <a:latin typeface="Times New Roman" panose="02020603050405020304" pitchFamily="18" charset="0"/>
+              <a:ea typeface="SimSun" panose="02010600030101010101" pitchFamily="2" charset="-122"/>
+            </a:endParaRPr>
+          </a:p>
+          <a:p>
+            <a:pPr>
+              <a:buNone/>
+            </a:pPr>
+            <a:r>
+              <a:rPr lang="en-US" sz="1800" dirty="0">
+                <a:effectLst/>
+                <a:latin typeface="Times New Roman" panose="02020603050405020304" pitchFamily="18" charset="0"/>
+                <a:ea typeface="SimSun" panose="02010600030101010101" pitchFamily="2" charset="-122"/>
+              </a:rPr>
+              <a:t>D) That only one application can run at a time on the machine  </a:t>
+            </a:r>
+            <a:endParaRPr lang="en-SE" sz="1800" dirty="0">
+              <a:effectLst/>
+              <a:latin typeface="Times New Roman" panose="02020603050405020304" pitchFamily="18" charset="0"/>
+              <a:ea typeface="SimSun" panose="02010600030101010101" pitchFamily="2" charset="-122"/>
+            </a:endParaRPr>
+          </a:p>
+          <a:p>
+            <a:pPr>
+              <a:buNone/>
+            </a:pPr>
+            <a:r>
+              <a:rPr lang="en-US" sz="1800" dirty="0">
+                <a:effectLst/>
+                <a:latin typeface="Times New Roman" panose="02020603050405020304" pitchFamily="18" charset="0"/>
+                <a:ea typeface="SimSun" panose="02010600030101010101" pitchFamily="2" charset="-122"/>
+              </a:rPr>
+              <a:t>Answer: A</a:t>
+            </a:r>
+            <a:endParaRPr lang="en-SE" sz="1800" dirty="0">
+              <a:effectLst/>
+              <a:latin typeface="Times New Roman" panose="02020603050405020304" pitchFamily="18" charset="0"/>
+              <a:ea typeface="SimSun" panose="02010600030101010101" pitchFamily="2" charset="-122"/>
+            </a:endParaRPr>
+          </a:p>
+          <a:p>
+            <a:pPr>
+              <a:buNone/>
+            </a:pPr>
+            <a:r>
+              <a:rPr lang="en-SE" sz="1800" dirty="0">
+                <a:effectLst/>
+                <a:latin typeface="Times New Roman" panose="02020603050405020304" pitchFamily="18" charset="0"/>
+                <a:ea typeface="SimSun" panose="02010600030101010101" pitchFamily="2" charset="-122"/>
+              </a:rPr>
+              <a:t> </a:t>
+            </a:r>
+            <a:endParaRPr lang="en-SE" sz="1800" dirty="0">
+              <a:effectLst/>
+              <a:latin typeface="Times New Roman" panose="02020603050405020304" pitchFamily="18" charset="0"/>
+              <a:ea typeface="Times New Roman" panose="02020603050405020304" pitchFamily="18" charset="0"/>
+            </a:endParaRPr>
+          </a:p>
+          <a:p>
+            <a:pPr>
+              <a:buNone/>
+            </a:pPr>
+            <a:r>
+              <a:rPr lang="en-SE" sz="1800" dirty="0">
+                <a:effectLst/>
+                <a:latin typeface="Times New Roman" panose="02020603050405020304" pitchFamily="18" charset="0"/>
+                <a:ea typeface="SimSun" panose="02010600030101010101" pitchFamily="2" charset="-122"/>
+              </a:rPr>
+              <a:t>4. Which of the following is NOT typically included in a process control block (PCB)?</a:t>
+            </a:r>
+            <a:endParaRPr lang="en-SE" sz="1800" dirty="0">
+              <a:effectLst/>
+              <a:latin typeface="Times New Roman" panose="02020603050405020304" pitchFamily="18" charset="0"/>
+              <a:ea typeface="Times New Roman" panose="02020603050405020304" pitchFamily="18" charset="0"/>
+            </a:endParaRPr>
+          </a:p>
+          <a:p>
+            <a:pPr>
+              <a:buNone/>
+            </a:pPr>
+            <a:r>
+              <a:rPr lang="en-SE" sz="1800" dirty="0">
+                <a:effectLst/>
+                <a:latin typeface="Times New Roman" panose="02020603050405020304" pitchFamily="18" charset="0"/>
+                <a:ea typeface="SimSun" panose="02010600030101010101" pitchFamily="2" charset="-122"/>
+              </a:rPr>
+              <a:t>A) Process ID</a:t>
+            </a:r>
+            <a:endParaRPr lang="en-SE" sz="1800" dirty="0">
+              <a:effectLst/>
+              <a:latin typeface="Times New Roman" panose="02020603050405020304" pitchFamily="18" charset="0"/>
+              <a:ea typeface="Times New Roman" panose="02020603050405020304" pitchFamily="18" charset="0"/>
+            </a:endParaRPr>
+          </a:p>
+          <a:p>
+            <a:pPr>
+              <a:buNone/>
+            </a:pPr>
+            <a:r>
+              <a:rPr lang="en-SE" sz="1800" dirty="0">
+                <a:effectLst/>
+                <a:latin typeface="Times New Roman" panose="02020603050405020304" pitchFamily="18" charset="0"/>
+                <a:ea typeface="SimSun" panose="02010600030101010101" pitchFamily="2" charset="-122"/>
+              </a:rPr>
+              <a:t>B) Program counter</a:t>
+            </a:r>
+            <a:endParaRPr lang="en-SE" sz="1800" dirty="0">
+              <a:effectLst/>
+              <a:latin typeface="Times New Roman" panose="02020603050405020304" pitchFamily="18" charset="0"/>
+              <a:ea typeface="Times New Roman" panose="02020603050405020304" pitchFamily="18" charset="0"/>
+            </a:endParaRPr>
+          </a:p>
+          <a:p>
+            <a:pPr>
+              <a:buNone/>
+            </a:pPr>
+            <a:r>
+              <a:rPr lang="en-SE" sz="1800" dirty="0">
+                <a:effectLst/>
+                <a:latin typeface="Times New Roman" panose="02020603050405020304" pitchFamily="18" charset="0"/>
+                <a:ea typeface="SimSun" panose="02010600030101010101" pitchFamily="2" charset="-122"/>
+              </a:rPr>
+              <a:t>C) Source code</a:t>
+            </a:r>
+            <a:endParaRPr lang="en-SE" sz="1800" dirty="0">
+              <a:effectLst/>
+              <a:latin typeface="Times New Roman" panose="02020603050405020304" pitchFamily="18" charset="0"/>
+              <a:ea typeface="Times New Roman" panose="02020603050405020304" pitchFamily="18" charset="0"/>
+            </a:endParaRPr>
+          </a:p>
+          <a:p>
+            <a:pPr>
+              <a:buNone/>
+            </a:pPr>
+            <a:r>
+              <a:rPr lang="en-SE" sz="1800" dirty="0">
+                <a:effectLst/>
+                <a:latin typeface="Times New Roman" panose="02020603050405020304" pitchFamily="18" charset="0"/>
+                <a:ea typeface="SimSun" panose="02010600030101010101" pitchFamily="2" charset="-122"/>
+              </a:rPr>
+              <a:t>D) Open file descriptors</a:t>
+            </a:r>
+            <a:endParaRPr lang="en-SE" sz="1800" dirty="0">
+              <a:effectLst/>
+              <a:latin typeface="Times New Roman" panose="02020603050405020304" pitchFamily="18" charset="0"/>
+              <a:ea typeface="Times New Roman" panose="02020603050405020304" pitchFamily="18" charset="0"/>
+            </a:endParaRPr>
+          </a:p>
+          <a:p>
+            <a:pPr>
+              <a:buNone/>
+            </a:pPr>
+            <a:r>
+              <a:rPr lang="en-SE" sz="1800" dirty="0">
+                <a:effectLst/>
+                <a:latin typeface="Times New Roman" panose="02020603050405020304" pitchFamily="18" charset="0"/>
+                <a:ea typeface="SimSun" panose="02010600030101010101" pitchFamily="2" charset="-122"/>
+              </a:rPr>
+              <a:t>Answer: C</a:t>
+            </a:r>
+            <a:endParaRPr lang="en-SE" sz="1800" dirty="0">
+              <a:effectLst/>
+              <a:latin typeface="Times New Roman" panose="02020603050405020304" pitchFamily="18" charset="0"/>
+              <a:ea typeface="Times New Roman" panose="02020603050405020304" pitchFamily="18" charset="0"/>
+            </a:endParaRPr>
+          </a:p>
+          <a:p>
+            <a:pPr>
+              <a:buNone/>
+            </a:pPr>
+            <a:r>
+              <a:rPr lang="en-SE" sz="1800" dirty="0">
+                <a:effectLst/>
+                <a:latin typeface="Times New Roman" panose="02020603050405020304" pitchFamily="18" charset="0"/>
+                <a:ea typeface="SimSun" panose="02010600030101010101" pitchFamily="2" charset="-122"/>
+              </a:rPr>
+              <a:t> </a:t>
+            </a:r>
+            <a:endParaRPr lang="en-SE" sz="1800" dirty="0">
+              <a:effectLst/>
+              <a:latin typeface="Times New Roman" panose="02020603050405020304" pitchFamily="18" charset="0"/>
+              <a:ea typeface="Times New Roman" panose="02020603050405020304" pitchFamily="18" charset="0"/>
+            </a:endParaRPr>
+          </a:p>
+          <a:p>
+            <a:pPr>
+              <a:buNone/>
+            </a:pPr>
+            <a:r>
+              <a:rPr lang="en-SE" sz="1800" dirty="0">
+                <a:effectLst/>
+                <a:latin typeface="Times New Roman" panose="02020603050405020304" pitchFamily="18" charset="0"/>
+                <a:ea typeface="SimSun" panose="02010600030101010101" pitchFamily="2" charset="-122"/>
+              </a:rPr>
+              <a:t>5. What is the purpose of the fork() system call?</a:t>
+            </a:r>
+            <a:endParaRPr lang="en-SE" sz="1800" dirty="0">
+              <a:effectLst/>
+              <a:latin typeface="Times New Roman" panose="02020603050405020304" pitchFamily="18" charset="0"/>
+              <a:ea typeface="Times New Roman" panose="02020603050405020304" pitchFamily="18" charset="0"/>
+            </a:endParaRPr>
+          </a:p>
+          <a:p>
+            <a:pPr>
+              <a:buNone/>
+            </a:pPr>
+            <a:r>
+              <a:rPr lang="en-SE" sz="1800" dirty="0">
+                <a:effectLst/>
+                <a:latin typeface="Times New Roman" panose="02020603050405020304" pitchFamily="18" charset="0"/>
+                <a:ea typeface="SimSun" panose="02010600030101010101" pitchFamily="2" charset="-122"/>
+              </a:rPr>
+              <a:t>A) To create a new thread</a:t>
+            </a:r>
+            <a:endParaRPr lang="en-SE" sz="1800" dirty="0">
+              <a:effectLst/>
+              <a:latin typeface="Times New Roman" panose="02020603050405020304" pitchFamily="18" charset="0"/>
+              <a:ea typeface="Times New Roman" panose="02020603050405020304" pitchFamily="18" charset="0"/>
+            </a:endParaRPr>
+          </a:p>
+          <a:p>
+            <a:pPr>
+              <a:buNone/>
+            </a:pPr>
+            <a:r>
+              <a:rPr lang="en-SE" sz="1800" dirty="0">
+                <a:effectLst/>
+                <a:latin typeface="Times New Roman" panose="02020603050405020304" pitchFamily="18" charset="0"/>
+                <a:ea typeface="SimSun" panose="02010600030101010101" pitchFamily="2" charset="-122"/>
+              </a:rPr>
+              <a:t>B) To make a duplicate copy of the calling process</a:t>
+            </a:r>
+            <a:endParaRPr lang="en-SE" sz="1800" dirty="0">
+              <a:effectLst/>
+              <a:latin typeface="Times New Roman" panose="02020603050405020304" pitchFamily="18" charset="0"/>
+              <a:ea typeface="Times New Roman" panose="02020603050405020304" pitchFamily="18" charset="0"/>
+            </a:endParaRPr>
+          </a:p>
+          <a:p>
+            <a:pPr>
+              <a:buNone/>
+            </a:pPr>
+            <a:r>
+              <a:rPr lang="en-SE" sz="1800" dirty="0">
+                <a:effectLst/>
+                <a:latin typeface="Times New Roman" panose="02020603050405020304" pitchFamily="18" charset="0"/>
+                <a:ea typeface="SimSun" panose="02010600030101010101" pitchFamily="2" charset="-122"/>
+              </a:rPr>
+              <a:t>C) To execute a new program</a:t>
+            </a:r>
+            <a:endParaRPr lang="en-SE" sz="1800" dirty="0">
+              <a:effectLst/>
+              <a:latin typeface="Times New Roman" panose="02020603050405020304" pitchFamily="18" charset="0"/>
+              <a:ea typeface="Times New Roman" panose="02020603050405020304" pitchFamily="18" charset="0"/>
+            </a:endParaRPr>
+          </a:p>
+          <a:p>
+            <a:pPr>
+              <a:buNone/>
+            </a:pPr>
+            <a:r>
+              <a:rPr lang="en-SE" sz="1800" dirty="0">
+                <a:effectLst/>
+                <a:latin typeface="Times New Roman" panose="02020603050405020304" pitchFamily="18" charset="0"/>
+                <a:ea typeface="SimSun" panose="02010600030101010101" pitchFamily="2" charset="-122"/>
+              </a:rPr>
+              <a:t>D) To terminate a process</a:t>
+            </a:r>
+            <a:endParaRPr lang="en-SE" sz="1800" dirty="0">
+              <a:effectLst/>
+              <a:latin typeface="Times New Roman" panose="02020603050405020304" pitchFamily="18" charset="0"/>
+              <a:ea typeface="Times New Roman" panose="02020603050405020304" pitchFamily="18" charset="0"/>
+            </a:endParaRPr>
+          </a:p>
+          <a:p>
+            <a:pPr marL="0" indent="0">
+              <a:buNone/>
+            </a:pPr>
+            <a:r>
+              <a:rPr lang="en-SE" sz="1800" dirty="0">
+                <a:effectLst/>
+                <a:latin typeface="Times New Roman" panose="02020603050405020304" pitchFamily="18" charset="0"/>
+                <a:ea typeface="SimSun" panose="02010600030101010101" pitchFamily="2" charset="-122"/>
+              </a:rPr>
+              <a:t>Answer: B</a:t>
+            </a:r>
+            <a:endParaRPr lang="en-SE" dirty="0"/>
+          </a:p>
+        </p:txBody>
+      </p:sp>
+      <p:sp>
+        <p:nvSpPr>
+          <p:cNvPr id="4" name="Content Placeholder 2">
+            <a:extLst>
+              <a:ext uri="{FF2B5EF4-FFF2-40B4-BE49-F238E27FC236}">
+                <a16:creationId xmlns:a16="http://schemas.microsoft.com/office/drawing/2014/main" id="{5A55F1D0-DD70-69ED-0F05-EC076414C748}"/>
+              </a:ext>
+            </a:extLst>
+          </p:cNvPr>
+          <p:cNvSpPr txBox="1">
+            <a:spLocks/>
+          </p:cNvSpPr>
+          <p:nvPr/>
+        </p:nvSpPr>
+        <p:spPr bwMode="auto">
+          <a:xfrm>
+            <a:off x="6324600" y="838200"/>
+            <a:ext cx="5562600" cy="5867400"/>
+          </a:xfrm>
+          <a:prstGeom prst="rect">
+            <a:avLst/>
+          </a:prstGeom>
+          <a:noFill/>
+          <a:ln>
+            <a:noFill/>
+          </a:ln>
+          <a:effectLst/>
+          <a:extLst>
+            <a:ext uri="{FAA26D3D-D897-4be2-8F04-BA451C77F1D7}">
+              <ma14:placeholderFlag xmlns="" xmlns:ma14="http://schemas.microsoft.com/office/mac/drawingml/2011/main" val="1"/>
+            </a:ext>
+            <a:ext uri="{909E8E84-426E-40dd-AFC4-6F175D3DCCD1}">
+              <a14:hiddenFill xmlns="" xmlns:a14="http://schemas.microsoft.com/office/drawing/2010/main">
+                <a:solidFill>
+                  <a:schemeClr val="bg1"/>
+                </a:solidFill>
+              </a14:hiddenFill>
+            </a:ext>
+            <a:ext uri="{91240B29-F687-4f45-9708-019B960494DF}">
+              <a14:hiddenLine xmlns="" xmlns:a14="http://schemas.microsoft.com/office/drawing/2010/main" w="12700">
+                <a:pattFill prst="narHorz">
+                  <a:fgClr>
+                    <a:schemeClr val="tx1"/>
+                  </a:fgClr>
+                  <a:bgClr>
+                    <a:schemeClr val="bg1"/>
+                  </a:bgClr>
+                </a:pattFill>
+                <a:miter lim="800000"/>
+                <a:headEnd/>
+                <a:tailEnd/>
+              </a14:hiddenLine>
+            </a:ext>
+            <a:ext uri="{AF507438-7753-43e0-B8FC-AC1667EBCBE1}">
+              <a14:hiddenEffects xmlns="" xmlns:a14="http://schemas.microsoft.com/office/drawing/2010/main">
+                <a:effectLst>
+                  <a:outerShdw blurRad="63500" dist="38099" dir="2700000" algn="ctr" rotWithShape="0">
+                    <a:schemeClr val="bg2">
+                      <a:alpha val="74998"/>
+                    </a:schemeClr>
+                  </a:outerShdw>
+                </a:effectLst>
+              </a14:hiddenEffects>
+            </a:ext>
+          </a:extLst>
+        </p:spPr>
+        <p:txBody>
+          <a:bodyPr vert="horz" wrap="square" lIns="90478" tIns="44445" rIns="90478" bIns="44445" numCol="1" anchor="t" anchorCtr="0" compatLnSpc="1">
+            <a:prstTxWarp prst="textNoShape">
+              <a:avLst/>
+            </a:prstTxWarp>
+            <a:normAutofit fontScale="62500" lnSpcReduction="20000"/>
+          </a:bodyPr>
+          <a:lstStyle>
+            <a:lvl1pPr marL="285750" indent="-285750" algn="l" rtl="0" eaLnBrk="0" fontAlgn="base" hangingPunct="0">
+              <a:lnSpc>
+                <a:spcPct val="90000"/>
+              </a:lnSpc>
+              <a:spcBef>
+                <a:spcPct val="30000"/>
+              </a:spcBef>
+              <a:spcAft>
+                <a:spcPct val="0"/>
+              </a:spcAft>
+              <a:buSzPct val="100000"/>
+              <a:buChar char="•"/>
+              <a:defRPr sz="2800" b="0" i="0">
+                <a:solidFill>
+                  <a:schemeClr val="tx1"/>
+                </a:solidFill>
+                <a:latin typeface="Gill Sans" panose="020B0502020104020203"/>
+                <a:ea typeface="Gill Sans" panose="020B0502020104020203"/>
+                <a:cs typeface="Gill Sans" panose="020B0502020104020203"/>
+              </a:defRPr>
+            </a:lvl1pPr>
+            <a:lvl2pPr marL="685800" indent="-228600" algn="l" rtl="0" eaLnBrk="0" fontAlgn="base" hangingPunct="0">
+              <a:lnSpc>
+                <a:spcPct val="90000"/>
+              </a:lnSpc>
+              <a:spcBef>
+                <a:spcPct val="30000"/>
+              </a:spcBef>
+              <a:spcAft>
+                <a:spcPct val="0"/>
+              </a:spcAft>
+              <a:buSzPct val="100000"/>
+              <a:buChar char="–"/>
+              <a:defRPr sz="2400" b="0" i="0">
+                <a:solidFill>
+                  <a:schemeClr val="tx1"/>
+                </a:solidFill>
+                <a:latin typeface="Gill Sans" panose="020B0502020104020203"/>
+                <a:ea typeface="Gill Sans" panose="020B0502020104020203"/>
+                <a:cs typeface="Gill Sans" panose="020B0502020104020203"/>
+              </a:defRPr>
+            </a:lvl2pPr>
+            <a:lvl3pPr marL="1143000" indent="-228600" algn="l" rtl="0" eaLnBrk="0" fontAlgn="base" hangingPunct="0">
+              <a:lnSpc>
+                <a:spcPct val="90000"/>
+              </a:lnSpc>
+              <a:spcBef>
+                <a:spcPct val="30000"/>
+              </a:spcBef>
+              <a:spcAft>
+                <a:spcPct val="0"/>
+              </a:spcAft>
+              <a:buSzPct val="100000"/>
+              <a:buChar char="»"/>
+              <a:defRPr sz="2400" b="0" i="0">
+                <a:solidFill>
+                  <a:schemeClr val="tx1"/>
+                </a:solidFill>
+                <a:latin typeface="Gill Sans" panose="020B0502020104020203"/>
+                <a:ea typeface="Gill Sans" panose="020B0502020104020203"/>
+                <a:cs typeface="Gill Sans" panose="020B0502020104020203"/>
+              </a:defRPr>
+            </a:lvl3pPr>
+            <a:lvl4pPr marL="1543050" indent="-171450" algn="l" rtl="0" eaLnBrk="0" fontAlgn="base" hangingPunct="0">
+              <a:lnSpc>
+                <a:spcPct val="90000"/>
+              </a:lnSpc>
+              <a:spcBef>
+                <a:spcPct val="30000"/>
+              </a:spcBef>
+              <a:spcAft>
+                <a:spcPct val="0"/>
+              </a:spcAft>
+              <a:buSzPct val="100000"/>
+              <a:buChar char="•"/>
+              <a:defRPr sz="2400" b="0" i="0">
+                <a:solidFill>
+                  <a:schemeClr val="tx1"/>
+                </a:solidFill>
+                <a:latin typeface="Gill Sans" panose="020B0502020104020203"/>
+                <a:ea typeface="Gill Sans" panose="020B0502020104020203"/>
+                <a:cs typeface="Gill Sans" panose="020B0502020104020203"/>
+              </a:defRPr>
+            </a:lvl4pPr>
+            <a:lvl5pPr marL="2000250" indent="-171450" algn="l" rtl="0" eaLnBrk="0" fontAlgn="base" hangingPunct="0">
+              <a:lnSpc>
+                <a:spcPct val="90000"/>
+              </a:lnSpc>
+              <a:spcBef>
+                <a:spcPct val="30000"/>
+              </a:spcBef>
+              <a:spcAft>
+                <a:spcPct val="0"/>
+              </a:spcAft>
+              <a:buSzPct val="100000"/>
+              <a:buChar char="–"/>
+              <a:defRPr sz="2400" b="0" i="0">
+                <a:solidFill>
+                  <a:schemeClr val="tx1"/>
+                </a:solidFill>
+                <a:latin typeface="Gill Sans" panose="020B0502020104020203"/>
+                <a:ea typeface="Gill Sans" panose="020B0502020104020203"/>
+                <a:cs typeface="Gill Sans" panose="020B0502020104020203"/>
+              </a:defRPr>
+            </a:lvl5pPr>
+            <a:lvl6pPr marL="2457450" indent="-171450" algn="l" rtl="0" eaLnBrk="0" fontAlgn="base" hangingPunct="0">
+              <a:lnSpc>
+                <a:spcPct val="90000"/>
+              </a:lnSpc>
+              <a:spcBef>
+                <a:spcPct val="30000"/>
+              </a:spcBef>
+              <a:spcAft>
+                <a:spcPct val="0"/>
+              </a:spcAft>
+              <a:buSzPct val="100000"/>
+              <a:buChar char="–"/>
+              <a:defRPr sz="2000" b="1">
+                <a:solidFill>
+                  <a:schemeClr val="tx1"/>
+                </a:solidFill>
+                <a:latin typeface="+mn-lt"/>
+              </a:defRPr>
+            </a:lvl6pPr>
+            <a:lvl7pPr marL="2914650" indent="-171450" algn="l" rtl="0" eaLnBrk="0" fontAlgn="base" hangingPunct="0">
+              <a:lnSpc>
+                <a:spcPct val="90000"/>
+              </a:lnSpc>
+              <a:spcBef>
+                <a:spcPct val="30000"/>
+              </a:spcBef>
+              <a:spcAft>
+                <a:spcPct val="0"/>
+              </a:spcAft>
+              <a:buSzPct val="100000"/>
+              <a:buChar char="–"/>
+              <a:defRPr sz="2000" b="1">
+                <a:solidFill>
+                  <a:schemeClr val="tx1"/>
+                </a:solidFill>
+                <a:latin typeface="+mn-lt"/>
+              </a:defRPr>
+            </a:lvl7pPr>
+            <a:lvl8pPr marL="3371850" indent="-171450" algn="l" rtl="0" eaLnBrk="0" fontAlgn="base" hangingPunct="0">
+              <a:lnSpc>
+                <a:spcPct val="90000"/>
+              </a:lnSpc>
+              <a:spcBef>
+                <a:spcPct val="30000"/>
+              </a:spcBef>
+              <a:spcAft>
+                <a:spcPct val="0"/>
+              </a:spcAft>
+              <a:buSzPct val="100000"/>
+              <a:buChar char="–"/>
+              <a:defRPr sz="2000" b="1">
+                <a:solidFill>
+                  <a:schemeClr val="tx1"/>
+                </a:solidFill>
+                <a:latin typeface="+mn-lt"/>
+              </a:defRPr>
+            </a:lvl8pPr>
+            <a:lvl9pPr marL="3829050" indent="-171450" algn="l" rtl="0" eaLnBrk="0" fontAlgn="base" hangingPunct="0">
+              <a:lnSpc>
+                <a:spcPct val="90000"/>
+              </a:lnSpc>
+              <a:spcBef>
+                <a:spcPct val="30000"/>
+              </a:spcBef>
+              <a:spcAft>
+                <a:spcPct val="0"/>
+              </a:spcAft>
+              <a:buSzPct val="100000"/>
+              <a:buChar char="–"/>
+              <a:defRPr sz="2000" b="1">
+                <a:solidFill>
+                  <a:schemeClr val="tx1"/>
+                </a:solidFill>
+                <a:latin typeface="+mn-lt"/>
+              </a:defRPr>
+            </a:lvl9pPr>
+          </a:lstStyle>
+          <a:p>
+            <a:pPr>
+              <a:buNone/>
+            </a:pPr>
+            <a:r>
+              <a:rPr lang="en-SE" sz="1800" dirty="0">
+                <a:effectLst/>
+                <a:latin typeface="Times New Roman" panose="02020603050405020304" pitchFamily="18" charset="0"/>
+                <a:ea typeface="SimSun" panose="02010600030101010101" pitchFamily="2" charset="-122"/>
+              </a:rPr>
+              <a:t>6. What is the purpose of the wait() system call?</a:t>
+            </a:r>
+            <a:endParaRPr lang="en-SE" sz="1800" dirty="0">
+              <a:effectLst/>
+              <a:latin typeface="Times New Roman" panose="02020603050405020304" pitchFamily="18" charset="0"/>
+              <a:ea typeface="Times New Roman" panose="02020603050405020304" pitchFamily="18" charset="0"/>
+            </a:endParaRPr>
+          </a:p>
+          <a:p>
+            <a:pPr>
+              <a:buNone/>
+            </a:pPr>
+            <a:r>
+              <a:rPr lang="en-SE" sz="1800" dirty="0">
+                <a:effectLst/>
+                <a:latin typeface="Times New Roman" panose="02020603050405020304" pitchFamily="18" charset="0"/>
+                <a:ea typeface="SimSun" panose="02010600030101010101" pitchFamily="2" charset="-122"/>
+              </a:rPr>
+              <a:t>A) Puts the calling process to sleep</a:t>
+            </a:r>
+            <a:endParaRPr lang="en-SE" sz="1800" dirty="0">
+              <a:effectLst/>
+              <a:latin typeface="Times New Roman" panose="02020603050405020304" pitchFamily="18" charset="0"/>
+              <a:ea typeface="Times New Roman" panose="02020603050405020304" pitchFamily="18" charset="0"/>
+            </a:endParaRPr>
+          </a:p>
+          <a:p>
+            <a:pPr>
+              <a:buNone/>
+            </a:pPr>
+            <a:r>
+              <a:rPr lang="en-SE" sz="1800" dirty="0">
+                <a:effectLst/>
+                <a:latin typeface="Times New Roman" panose="02020603050405020304" pitchFamily="18" charset="0"/>
+                <a:ea typeface="SimSun" panose="02010600030101010101" pitchFamily="2" charset="-122"/>
+              </a:rPr>
+              <a:t>B) Waits for any child process to terminate</a:t>
+            </a:r>
+            <a:endParaRPr lang="en-SE" sz="1800" dirty="0">
+              <a:effectLst/>
+              <a:latin typeface="Times New Roman" panose="02020603050405020304" pitchFamily="18" charset="0"/>
+              <a:ea typeface="Times New Roman" panose="02020603050405020304" pitchFamily="18" charset="0"/>
+            </a:endParaRPr>
+          </a:p>
+          <a:p>
+            <a:pPr>
+              <a:buNone/>
+            </a:pPr>
+            <a:r>
+              <a:rPr lang="en-SE" sz="1800" dirty="0">
+                <a:effectLst/>
+                <a:latin typeface="Times New Roman" panose="02020603050405020304" pitchFamily="18" charset="0"/>
+                <a:ea typeface="SimSun" panose="02010600030101010101" pitchFamily="2" charset="-122"/>
+              </a:rPr>
+              <a:t>C) Waits for any parent process to terminate</a:t>
+            </a:r>
+            <a:endParaRPr lang="en-SE" sz="1800" dirty="0">
+              <a:effectLst/>
+              <a:latin typeface="Times New Roman" panose="02020603050405020304" pitchFamily="18" charset="0"/>
+              <a:ea typeface="Times New Roman" panose="02020603050405020304" pitchFamily="18" charset="0"/>
+            </a:endParaRPr>
+          </a:p>
+          <a:p>
+            <a:pPr>
+              <a:buNone/>
+            </a:pPr>
+            <a:r>
+              <a:rPr lang="en-SE" sz="1800" dirty="0">
+                <a:effectLst/>
+                <a:latin typeface="Times New Roman" panose="02020603050405020304" pitchFamily="18" charset="0"/>
+                <a:ea typeface="SimSun" panose="02010600030101010101" pitchFamily="2" charset="-122"/>
+              </a:rPr>
+              <a:t>D) Waits for available CPU time</a:t>
+            </a:r>
+            <a:endParaRPr lang="en-SE" sz="1800" dirty="0">
+              <a:effectLst/>
+              <a:latin typeface="Times New Roman" panose="02020603050405020304" pitchFamily="18" charset="0"/>
+              <a:ea typeface="Times New Roman" panose="02020603050405020304" pitchFamily="18" charset="0"/>
+            </a:endParaRPr>
+          </a:p>
+          <a:p>
+            <a:pPr>
+              <a:buNone/>
+            </a:pPr>
+            <a:r>
+              <a:rPr lang="en-SE" sz="1800" dirty="0">
+                <a:effectLst/>
+                <a:latin typeface="Times New Roman" panose="02020603050405020304" pitchFamily="18" charset="0"/>
+                <a:ea typeface="SimSun" panose="02010600030101010101" pitchFamily="2" charset="-122"/>
+              </a:rPr>
+              <a:t>Answer: B</a:t>
+            </a:r>
+            <a:endParaRPr lang="en-SE" sz="1800" dirty="0">
+              <a:effectLst/>
+              <a:latin typeface="Times New Roman" panose="02020603050405020304" pitchFamily="18" charset="0"/>
+              <a:ea typeface="Times New Roman" panose="02020603050405020304" pitchFamily="18" charset="0"/>
+            </a:endParaRPr>
+          </a:p>
+          <a:p>
+            <a:pPr>
+              <a:buNone/>
+            </a:pPr>
+            <a:r>
+              <a:rPr lang="en-SE" sz="1800" dirty="0">
+                <a:effectLst/>
+                <a:latin typeface="Times New Roman" panose="02020603050405020304" pitchFamily="18" charset="0"/>
+                <a:ea typeface="SimSun" panose="02010600030101010101" pitchFamily="2" charset="-122"/>
+              </a:rPr>
+              <a:t> </a:t>
+            </a:r>
+            <a:endParaRPr lang="en-SE" sz="1800" dirty="0">
+              <a:effectLst/>
+              <a:latin typeface="Times New Roman" panose="02020603050405020304" pitchFamily="18" charset="0"/>
+              <a:ea typeface="Times New Roman" panose="02020603050405020304" pitchFamily="18" charset="0"/>
+            </a:endParaRPr>
+          </a:p>
+          <a:p>
+            <a:pPr>
+              <a:buNone/>
+            </a:pPr>
+            <a:r>
+              <a:rPr lang="en-SE" sz="1800" dirty="0">
+                <a:effectLst/>
+                <a:latin typeface="Times New Roman" panose="02020603050405020304" pitchFamily="18" charset="0"/>
+                <a:ea typeface="SimSun" panose="02010600030101010101" pitchFamily="2" charset="-122"/>
+              </a:rPr>
+              <a:t>7. What is the main difference between a process and a thread?</a:t>
+            </a:r>
+            <a:endParaRPr lang="en-SE" sz="1800" dirty="0">
+              <a:effectLst/>
+              <a:latin typeface="Times New Roman" panose="02020603050405020304" pitchFamily="18" charset="0"/>
+              <a:ea typeface="Times New Roman" panose="02020603050405020304" pitchFamily="18" charset="0"/>
+            </a:endParaRPr>
+          </a:p>
+          <a:p>
+            <a:pPr>
+              <a:buNone/>
+            </a:pPr>
+            <a:r>
+              <a:rPr lang="en-SE" sz="1800" dirty="0">
+                <a:effectLst/>
+                <a:latin typeface="Times New Roman" panose="02020603050405020304" pitchFamily="18" charset="0"/>
+                <a:ea typeface="SimSun" panose="02010600030101010101" pitchFamily="2" charset="-122"/>
+              </a:rPr>
+              <a:t>A) Processes are in the kernel space, and threads are in the user space</a:t>
+            </a:r>
+            <a:endParaRPr lang="en-SE" sz="1800" dirty="0">
+              <a:effectLst/>
+              <a:latin typeface="Times New Roman" panose="02020603050405020304" pitchFamily="18" charset="0"/>
+              <a:ea typeface="Times New Roman" panose="02020603050405020304" pitchFamily="18" charset="0"/>
+            </a:endParaRPr>
+          </a:p>
+          <a:p>
+            <a:pPr>
+              <a:buNone/>
+            </a:pPr>
+            <a:r>
+              <a:rPr lang="en-SE" sz="1800" dirty="0">
+                <a:effectLst/>
+                <a:latin typeface="Times New Roman" panose="02020603050405020304" pitchFamily="18" charset="0"/>
+                <a:ea typeface="SimSun" panose="02010600030101010101" pitchFamily="2" charset="-122"/>
+              </a:rPr>
+              <a:t>B) Threads cannot have multiple instances, but processes can</a:t>
+            </a:r>
+            <a:endParaRPr lang="en-SE" sz="1800" dirty="0">
+              <a:effectLst/>
+              <a:latin typeface="Times New Roman" panose="02020603050405020304" pitchFamily="18" charset="0"/>
+              <a:ea typeface="Times New Roman" panose="02020603050405020304" pitchFamily="18" charset="0"/>
+            </a:endParaRPr>
+          </a:p>
+          <a:p>
+            <a:pPr>
+              <a:buNone/>
+            </a:pPr>
+            <a:r>
+              <a:rPr lang="en-SE" sz="1800" dirty="0">
+                <a:effectLst/>
+                <a:latin typeface="Times New Roman" panose="02020603050405020304" pitchFamily="18" charset="0"/>
+                <a:ea typeface="SimSun" panose="02010600030101010101" pitchFamily="2" charset="-122"/>
+              </a:rPr>
+              <a:t>C) Processes have their own address spaces, while threads can share an address space</a:t>
+            </a:r>
+            <a:endParaRPr lang="en-SE" sz="1800" dirty="0">
+              <a:effectLst/>
+              <a:latin typeface="Times New Roman" panose="02020603050405020304" pitchFamily="18" charset="0"/>
+              <a:ea typeface="Times New Roman" panose="02020603050405020304" pitchFamily="18" charset="0"/>
+            </a:endParaRPr>
+          </a:p>
+          <a:p>
+            <a:pPr>
+              <a:buNone/>
+            </a:pPr>
+            <a:r>
+              <a:rPr lang="en-SE" sz="1800" dirty="0">
+                <a:effectLst/>
+                <a:latin typeface="Times New Roman" panose="02020603050405020304" pitchFamily="18" charset="0"/>
+                <a:ea typeface="SimSun" panose="02010600030101010101" pitchFamily="2" charset="-122"/>
+              </a:rPr>
+              <a:t>D) Threads are managed by the kernel, while processes are managed by the user</a:t>
+            </a:r>
+            <a:endParaRPr lang="en-SE" sz="1800" dirty="0">
+              <a:effectLst/>
+              <a:latin typeface="Times New Roman" panose="02020603050405020304" pitchFamily="18" charset="0"/>
+              <a:ea typeface="Times New Roman" panose="02020603050405020304" pitchFamily="18" charset="0"/>
+            </a:endParaRPr>
+          </a:p>
+          <a:p>
+            <a:pPr>
+              <a:buNone/>
+            </a:pPr>
+            <a:r>
+              <a:rPr lang="en-SE" sz="1800" dirty="0">
+                <a:effectLst/>
+                <a:latin typeface="Times New Roman" panose="02020603050405020304" pitchFamily="18" charset="0"/>
+                <a:ea typeface="SimSun" panose="02010600030101010101" pitchFamily="2" charset="-122"/>
+              </a:rPr>
+              <a:t>Answer: C</a:t>
+            </a:r>
+            <a:endParaRPr lang="en-SE" sz="1800" dirty="0">
+              <a:effectLst/>
+              <a:latin typeface="Times New Roman" panose="02020603050405020304" pitchFamily="18" charset="0"/>
+              <a:ea typeface="Times New Roman" panose="02020603050405020304" pitchFamily="18" charset="0"/>
+            </a:endParaRPr>
+          </a:p>
+          <a:p>
+            <a:pPr>
+              <a:buNone/>
+            </a:pPr>
+            <a:r>
+              <a:rPr lang="en-SE" sz="1800" dirty="0">
+                <a:effectLst/>
+                <a:latin typeface="Times New Roman" panose="02020603050405020304" pitchFamily="18" charset="0"/>
+                <a:ea typeface="SimSun" panose="02010600030101010101" pitchFamily="2" charset="-122"/>
+              </a:rPr>
+              <a:t> </a:t>
+            </a:r>
+            <a:endParaRPr lang="en-SE" sz="1800" dirty="0">
+              <a:effectLst/>
+              <a:latin typeface="Times New Roman" panose="02020603050405020304" pitchFamily="18" charset="0"/>
+              <a:ea typeface="Times New Roman" panose="02020603050405020304" pitchFamily="18" charset="0"/>
+            </a:endParaRPr>
+          </a:p>
+          <a:p>
+            <a:pPr>
+              <a:buNone/>
+            </a:pPr>
+            <a:r>
+              <a:rPr lang="en-GB" sz="1800" dirty="0">
+                <a:effectLst/>
+                <a:latin typeface="Times New Roman" panose="02020603050405020304" pitchFamily="18" charset="0"/>
+                <a:ea typeface="SimSun" panose="02010600030101010101" pitchFamily="2" charset="-122"/>
+              </a:rPr>
+              <a:t>8. What prevents starvation in the ticket lock implementation?  </a:t>
+            </a:r>
+            <a:endParaRPr lang="en-SE" sz="1800" dirty="0">
+              <a:effectLst/>
+              <a:latin typeface="Times New Roman" panose="02020603050405020304" pitchFamily="18" charset="0"/>
+              <a:ea typeface="SimSun" panose="02010600030101010101" pitchFamily="2" charset="-122"/>
+            </a:endParaRPr>
+          </a:p>
+          <a:p>
+            <a:pPr>
+              <a:buNone/>
+            </a:pPr>
+            <a:r>
+              <a:rPr lang="en-GB" sz="1800" dirty="0">
+                <a:effectLst/>
+                <a:latin typeface="Times New Roman" panose="02020603050405020304" pitchFamily="18" charset="0"/>
+                <a:ea typeface="SimSun" panose="02010600030101010101" pitchFamily="2" charset="-122"/>
+              </a:rPr>
+              <a:t>A) Random backoff  </a:t>
+            </a:r>
+            <a:endParaRPr lang="en-SE" sz="1800" dirty="0">
+              <a:effectLst/>
+              <a:latin typeface="Times New Roman" panose="02020603050405020304" pitchFamily="18" charset="0"/>
+              <a:ea typeface="SimSun" panose="02010600030101010101" pitchFamily="2" charset="-122"/>
+            </a:endParaRPr>
+          </a:p>
+          <a:p>
+            <a:pPr>
+              <a:buNone/>
+            </a:pPr>
+            <a:r>
+              <a:rPr lang="en-GB" sz="1800" dirty="0">
+                <a:effectLst/>
+                <a:latin typeface="Times New Roman" panose="02020603050405020304" pitchFamily="18" charset="0"/>
+                <a:ea typeface="SimSun" panose="02010600030101010101" pitchFamily="2" charset="-122"/>
+              </a:rPr>
+              <a:t>B) FIFO queue based on ticket numbers  </a:t>
+            </a:r>
+            <a:endParaRPr lang="en-SE" sz="1800" dirty="0">
+              <a:effectLst/>
+              <a:latin typeface="Times New Roman" panose="02020603050405020304" pitchFamily="18" charset="0"/>
+              <a:ea typeface="SimSun" panose="02010600030101010101" pitchFamily="2" charset="-122"/>
+            </a:endParaRPr>
+          </a:p>
+          <a:p>
+            <a:pPr>
+              <a:buNone/>
+            </a:pPr>
+            <a:r>
+              <a:rPr lang="en-GB" sz="1800" dirty="0">
+                <a:effectLst/>
+                <a:latin typeface="Times New Roman" panose="02020603050405020304" pitchFamily="18" charset="0"/>
+                <a:ea typeface="SimSun" panose="02010600030101010101" pitchFamily="2" charset="-122"/>
+              </a:rPr>
+              <a:t>C) Priority inheritance</a:t>
+            </a:r>
+            <a:endParaRPr lang="en-SE" sz="1800" dirty="0">
+              <a:effectLst/>
+              <a:latin typeface="Times New Roman" panose="02020603050405020304" pitchFamily="18" charset="0"/>
+              <a:ea typeface="SimSun" panose="02010600030101010101" pitchFamily="2" charset="-122"/>
+            </a:endParaRPr>
+          </a:p>
+          <a:p>
+            <a:pPr>
+              <a:buNone/>
+            </a:pPr>
+            <a:r>
+              <a:rPr lang="en-GB" sz="1800" dirty="0">
+                <a:effectLst/>
+                <a:latin typeface="Times New Roman" panose="02020603050405020304" pitchFamily="18" charset="0"/>
+                <a:ea typeface="SimSun" panose="02010600030101010101" pitchFamily="2" charset="-122"/>
+              </a:rPr>
+              <a:t>D) Timeout mechanisms</a:t>
+            </a:r>
+            <a:endParaRPr lang="en-SE" sz="1800" dirty="0">
+              <a:effectLst/>
+              <a:latin typeface="Times New Roman" panose="02020603050405020304" pitchFamily="18" charset="0"/>
+              <a:ea typeface="SimSun" panose="02010600030101010101" pitchFamily="2" charset="-122"/>
+            </a:endParaRPr>
+          </a:p>
+          <a:p>
+            <a:pPr>
+              <a:buNone/>
+            </a:pPr>
+            <a:r>
+              <a:rPr lang="en-GB" sz="1800" dirty="0">
+                <a:effectLst/>
+                <a:latin typeface="Times New Roman" panose="02020603050405020304" pitchFamily="18" charset="0"/>
+                <a:ea typeface="SimSun" panose="02010600030101010101" pitchFamily="2" charset="-122"/>
+              </a:rPr>
+              <a:t>Answer: B</a:t>
+            </a:r>
+            <a:endParaRPr lang="en-SE" sz="1800" dirty="0">
+              <a:effectLst/>
+              <a:latin typeface="Times New Roman" panose="02020603050405020304" pitchFamily="18" charset="0"/>
+              <a:ea typeface="SimSun" panose="02010600030101010101" pitchFamily="2" charset="-122"/>
+            </a:endParaRPr>
+          </a:p>
+          <a:p>
+            <a:pPr>
+              <a:buNone/>
+            </a:pPr>
+            <a:r>
+              <a:rPr lang="en-SE" sz="1800" dirty="0">
+                <a:effectLst/>
+                <a:latin typeface="Times New Roman" panose="02020603050405020304" pitchFamily="18" charset="0"/>
+                <a:ea typeface="SimSun" panose="02010600030101010101" pitchFamily="2" charset="-122"/>
+              </a:rPr>
+              <a:t> </a:t>
+            </a:r>
+            <a:endParaRPr lang="en-SE" sz="1800" dirty="0">
+              <a:effectLst/>
+              <a:latin typeface="Times New Roman" panose="02020603050405020304" pitchFamily="18" charset="0"/>
+              <a:ea typeface="Times New Roman" panose="02020603050405020304" pitchFamily="18" charset="0"/>
+            </a:endParaRPr>
+          </a:p>
+          <a:p>
+            <a:pPr>
+              <a:buNone/>
+            </a:pPr>
+            <a:r>
+              <a:rPr lang="en-GB" sz="1800" dirty="0">
+                <a:effectLst/>
+                <a:latin typeface="Times New Roman" panose="02020603050405020304" pitchFamily="18" charset="0"/>
+                <a:ea typeface="SimSun" panose="02010600030101010101" pitchFamily="2" charset="-122"/>
+              </a:rPr>
+              <a:t>9. What ensures fairness in ticket locks?  </a:t>
+            </a:r>
+            <a:endParaRPr lang="en-SE" sz="1800" dirty="0">
+              <a:effectLst/>
+              <a:latin typeface="Times New Roman" panose="02020603050405020304" pitchFamily="18" charset="0"/>
+              <a:ea typeface="SimSun" panose="02010600030101010101" pitchFamily="2" charset="-122"/>
+            </a:endParaRPr>
+          </a:p>
+          <a:p>
+            <a:pPr>
+              <a:buNone/>
+            </a:pPr>
+            <a:r>
+              <a:rPr lang="en-GB" sz="1800" dirty="0">
+                <a:effectLst/>
+                <a:latin typeface="Times New Roman" panose="02020603050405020304" pitchFamily="18" charset="0"/>
+                <a:ea typeface="SimSun" panose="02010600030101010101" pitchFamily="2" charset="-122"/>
+              </a:rPr>
+              <a:t>A) Test-and-Set instruction  </a:t>
+            </a:r>
+            <a:endParaRPr lang="en-SE" sz="1800" dirty="0">
+              <a:effectLst/>
+              <a:latin typeface="Times New Roman" panose="02020603050405020304" pitchFamily="18" charset="0"/>
+              <a:ea typeface="SimSun" panose="02010600030101010101" pitchFamily="2" charset="-122"/>
+            </a:endParaRPr>
+          </a:p>
+          <a:p>
+            <a:pPr>
+              <a:buNone/>
+            </a:pPr>
+            <a:r>
+              <a:rPr lang="en-GB" sz="1800" dirty="0">
+                <a:effectLst/>
+                <a:latin typeface="Times New Roman" panose="02020603050405020304" pitchFamily="18" charset="0"/>
+                <a:ea typeface="SimSun" panose="02010600030101010101" pitchFamily="2" charset="-122"/>
+              </a:rPr>
+              <a:t>B) Fetch-and-Add atomic operation  </a:t>
+            </a:r>
+            <a:endParaRPr lang="en-SE" sz="1800" dirty="0">
+              <a:effectLst/>
+              <a:latin typeface="Times New Roman" panose="02020603050405020304" pitchFamily="18" charset="0"/>
+              <a:ea typeface="SimSun" panose="02010600030101010101" pitchFamily="2" charset="-122"/>
+            </a:endParaRPr>
+          </a:p>
+          <a:p>
+            <a:pPr>
+              <a:buNone/>
+            </a:pPr>
+            <a:r>
+              <a:rPr lang="en-GB" sz="1800" dirty="0">
+                <a:effectLst/>
+                <a:latin typeface="Times New Roman" panose="02020603050405020304" pitchFamily="18" charset="0"/>
+                <a:ea typeface="SimSun" panose="02010600030101010101" pitchFamily="2" charset="-122"/>
+              </a:rPr>
+              <a:t>C) Compare-and-Swap  </a:t>
+            </a:r>
+            <a:endParaRPr lang="en-SE" sz="1800" dirty="0">
+              <a:effectLst/>
+              <a:latin typeface="Times New Roman" panose="02020603050405020304" pitchFamily="18" charset="0"/>
+              <a:ea typeface="SimSun" panose="02010600030101010101" pitchFamily="2" charset="-122"/>
+            </a:endParaRPr>
+          </a:p>
+          <a:p>
+            <a:pPr>
+              <a:buNone/>
+            </a:pPr>
+            <a:r>
+              <a:rPr lang="en-GB" sz="1800" dirty="0">
+                <a:effectLst/>
+                <a:latin typeface="Times New Roman" panose="02020603050405020304" pitchFamily="18" charset="0"/>
+                <a:ea typeface="SimSun" panose="02010600030101010101" pitchFamily="2" charset="-122"/>
+              </a:rPr>
+              <a:t>D) Disabling interrupts  </a:t>
+            </a:r>
+            <a:endParaRPr lang="en-SE" sz="1800" dirty="0">
+              <a:effectLst/>
+              <a:latin typeface="Times New Roman" panose="02020603050405020304" pitchFamily="18" charset="0"/>
+              <a:ea typeface="SimSun" panose="02010600030101010101" pitchFamily="2" charset="-122"/>
+            </a:endParaRPr>
+          </a:p>
+          <a:p>
+            <a:pPr>
+              <a:buNone/>
+            </a:pPr>
+            <a:r>
+              <a:rPr lang="en-GB" sz="1800" dirty="0">
+                <a:effectLst/>
+                <a:latin typeface="Times New Roman" panose="02020603050405020304" pitchFamily="18" charset="0"/>
+                <a:ea typeface="SimSun" panose="02010600030101010101" pitchFamily="2" charset="-122"/>
+              </a:rPr>
+              <a:t>Answer: B</a:t>
+            </a:r>
+            <a:endParaRPr lang="en-SE" sz="1800" dirty="0">
+              <a:effectLst/>
+              <a:latin typeface="Times New Roman" panose="02020603050405020304" pitchFamily="18" charset="0"/>
+              <a:ea typeface="SimSun" panose="02010600030101010101" pitchFamily="2" charset="-122"/>
+            </a:endParaRPr>
+          </a:p>
+          <a:p>
+            <a:pPr>
+              <a:buNone/>
+            </a:pPr>
+            <a:r>
+              <a:rPr lang="en-SE" sz="1800" dirty="0">
+                <a:effectLst/>
+                <a:latin typeface="Times New Roman" panose="02020603050405020304" pitchFamily="18" charset="0"/>
+                <a:ea typeface="SimSun" panose="02010600030101010101" pitchFamily="2" charset="-122"/>
+              </a:rPr>
+              <a:t> </a:t>
+            </a:r>
+            <a:endParaRPr lang="en-SE" sz="1800" dirty="0">
+              <a:effectLst/>
+              <a:latin typeface="Times New Roman" panose="02020603050405020304" pitchFamily="18" charset="0"/>
+              <a:ea typeface="Times New Roman" panose="02020603050405020304" pitchFamily="18" charset="0"/>
+            </a:endParaRPr>
+          </a:p>
+          <a:p>
+            <a:pPr>
+              <a:buNone/>
+            </a:pPr>
+            <a:r>
+              <a:rPr lang="en-GB" sz="1800" dirty="0">
+                <a:effectLst/>
+                <a:latin typeface="Times New Roman" panose="02020603050405020304" pitchFamily="18" charset="0"/>
+                <a:ea typeface="SimSun" panose="02010600030101010101" pitchFamily="2" charset="-122"/>
+              </a:rPr>
+              <a:t>10. What happens when </a:t>
+            </a:r>
+            <a:r>
+              <a:rPr lang="en-GB" sz="1800" dirty="0" err="1">
+                <a:effectLst/>
+                <a:latin typeface="Times New Roman" panose="02020603050405020304" pitchFamily="18" charset="0"/>
+                <a:ea typeface="SimSun" panose="02010600030101010101" pitchFamily="2" charset="-122"/>
+              </a:rPr>
+              <a:t>sem_wait</a:t>
+            </a:r>
+            <a:r>
+              <a:rPr lang="en-GB" sz="1800" dirty="0">
+                <a:effectLst/>
+                <a:latin typeface="Times New Roman" panose="02020603050405020304" pitchFamily="18" charset="0"/>
+                <a:ea typeface="SimSun" panose="02010600030101010101" pitchFamily="2" charset="-122"/>
+              </a:rPr>
+              <a:t>() is called on a semaphore with value 1?  </a:t>
+            </a:r>
+            <a:endParaRPr lang="en-SE" sz="1800" dirty="0">
+              <a:effectLst/>
+              <a:latin typeface="Times New Roman" panose="02020603050405020304" pitchFamily="18" charset="0"/>
+              <a:ea typeface="SimSun" panose="02010600030101010101" pitchFamily="2" charset="-122"/>
+            </a:endParaRPr>
+          </a:p>
+          <a:p>
+            <a:pPr>
+              <a:buNone/>
+            </a:pPr>
+            <a:r>
+              <a:rPr lang="en-GB" sz="1800" dirty="0">
+                <a:effectLst/>
+                <a:latin typeface="Times New Roman" panose="02020603050405020304" pitchFamily="18" charset="0"/>
+                <a:ea typeface="SimSun" panose="02010600030101010101" pitchFamily="2" charset="-122"/>
+              </a:rPr>
+              <a:t>A) Decrements the value to 0 and does not block </a:t>
+            </a:r>
+            <a:endParaRPr lang="en-SE" sz="1800" dirty="0">
+              <a:effectLst/>
+              <a:latin typeface="Times New Roman" panose="02020603050405020304" pitchFamily="18" charset="0"/>
+              <a:ea typeface="SimSun" panose="02010600030101010101" pitchFamily="2" charset="-122"/>
+            </a:endParaRPr>
+          </a:p>
+          <a:p>
+            <a:pPr>
+              <a:buNone/>
+            </a:pPr>
+            <a:r>
+              <a:rPr lang="en-GB" sz="1800" dirty="0">
+                <a:effectLst/>
+                <a:latin typeface="Times New Roman" panose="02020603050405020304" pitchFamily="18" charset="0"/>
+                <a:ea typeface="SimSun" panose="02010600030101010101" pitchFamily="2" charset="-122"/>
+              </a:rPr>
+              <a:t>B) Increments the value to 2 and does not block</a:t>
+            </a:r>
+            <a:endParaRPr lang="en-SE" sz="1800" dirty="0">
+              <a:effectLst/>
+              <a:latin typeface="Times New Roman" panose="02020603050405020304" pitchFamily="18" charset="0"/>
+              <a:ea typeface="SimSun" panose="02010600030101010101" pitchFamily="2" charset="-122"/>
+            </a:endParaRPr>
+          </a:p>
+          <a:p>
+            <a:pPr>
+              <a:buNone/>
+            </a:pPr>
+            <a:r>
+              <a:rPr lang="en-GB" sz="1800" dirty="0">
+                <a:effectLst/>
+                <a:latin typeface="Times New Roman" panose="02020603050405020304" pitchFamily="18" charset="0"/>
+                <a:ea typeface="SimSun" panose="02010600030101010101" pitchFamily="2" charset="-122"/>
+              </a:rPr>
+              <a:t>C) Blocks until </a:t>
+            </a:r>
+            <a:r>
+              <a:rPr lang="en-GB" sz="1800" dirty="0" err="1">
+                <a:effectLst/>
+                <a:latin typeface="Times New Roman" panose="02020603050405020304" pitchFamily="18" charset="0"/>
+                <a:ea typeface="SimSun" panose="02010600030101010101" pitchFamily="2" charset="-122"/>
+              </a:rPr>
+              <a:t>sem_post</a:t>
+            </a:r>
+            <a:r>
+              <a:rPr lang="en-GB" sz="1800" dirty="0">
+                <a:effectLst/>
+                <a:latin typeface="Times New Roman" panose="02020603050405020304" pitchFamily="18" charset="0"/>
+                <a:ea typeface="SimSun" panose="02010600030101010101" pitchFamily="2" charset="-122"/>
+              </a:rPr>
+              <a:t>() is called  </a:t>
+            </a:r>
+            <a:endParaRPr lang="en-SE" sz="1800" dirty="0">
+              <a:effectLst/>
+              <a:latin typeface="Times New Roman" panose="02020603050405020304" pitchFamily="18" charset="0"/>
+              <a:ea typeface="SimSun" panose="02010600030101010101" pitchFamily="2" charset="-122"/>
+            </a:endParaRPr>
+          </a:p>
+          <a:p>
+            <a:pPr>
+              <a:buNone/>
+            </a:pPr>
+            <a:r>
+              <a:rPr lang="en-GB" sz="1800" dirty="0">
+                <a:effectLst/>
+                <a:latin typeface="Times New Roman" panose="02020603050405020304" pitchFamily="18" charset="0"/>
+                <a:ea typeface="SimSun" panose="02010600030101010101" pitchFamily="2" charset="-122"/>
+              </a:rPr>
+              <a:t>D) It does not modify the value and does not block</a:t>
+            </a:r>
+            <a:endParaRPr lang="en-SE" sz="1800" dirty="0">
+              <a:effectLst/>
+              <a:latin typeface="Times New Roman" panose="02020603050405020304" pitchFamily="18" charset="0"/>
+              <a:ea typeface="SimSun" panose="02010600030101010101" pitchFamily="2" charset="-122"/>
+            </a:endParaRPr>
+          </a:p>
+          <a:p>
+            <a:pPr marL="0" indent="0">
+              <a:buNone/>
+            </a:pPr>
+            <a:r>
+              <a:rPr lang="en-GB" sz="1800" dirty="0">
+                <a:effectLst/>
+                <a:latin typeface="Times New Roman" panose="02020603050405020304" pitchFamily="18" charset="0"/>
+                <a:ea typeface="SimSun" panose="02010600030101010101" pitchFamily="2" charset="-122"/>
+              </a:rPr>
+              <a:t>Answer: A</a:t>
+            </a:r>
+            <a:endParaRPr lang="en-SE" sz="1800" dirty="0">
+              <a:effectLst/>
+              <a:latin typeface="Times New Roman" panose="02020603050405020304" pitchFamily="18" charset="0"/>
+              <a:ea typeface="SimSun" panose="02010600030101010101" pitchFamily="2" charset="-122"/>
+            </a:endParaRPr>
+          </a:p>
+        </p:txBody>
+      </p:sp>
+    </p:spTree>
+    <p:extLst>
+      <p:ext uri="{BB962C8B-B14F-4D97-AF65-F5344CB8AC3E}">
+        <p14:creationId xmlns:p14="http://schemas.microsoft.com/office/powerpoint/2010/main" val="2591894312"/>
+      </p:ext>
+    </p:extLst>
+  </p:cSld>
+  <p:clrMapOvr>
+    <a:masterClrMapping/>
+  </p:clrMapOvr>
+  <p:transition/>
+</p:sld>
+</file>
+
+<file path=ppt/slides/slide20.xml><?xml version="1.0" encoding="utf-8"?>
 <p:sld xmlns:a="http://schemas.openxmlformats.org/drawingml/2006/main" xmlns:r="http://schemas.openxmlformats.org/officeDocument/2006/relationships" xmlns:p="http://schemas.openxmlformats.org/presentationml/2006/main">
   <p:cSld>
     <p:spTree>
@@ -16710,23 +22965,23 @@
                     <a:p>
                       <a:pPr algn="ctr"/>
                       <a:r>
+                        <a:rPr lang="en-US" dirty="0"/>
+                        <a:t>2</a:t>
+                      </a:r>
+                      <a:endParaRPr lang="en-SE" dirty="0"/>
+                    </a:p>
+                  </a:txBody>
+                  <a:tcPr/>
+                </a:tc>
+                <a:tc>
+                  <a:txBody>
+                    <a:bodyPr/>
+                    <a:lstStyle/>
+                    <a:p>
+                      <a:pPr algn="ctr"/>
+                      <a:r>
                         <a:rPr lang="en-GB" dirty="0"/>
                         <a:t>1</a:t>
-                      </a:r>
-                      <a:endParaRPr lang="en-SE" dirty="0"/>
-                    </a:p>
-                  </a:txBody>
-                  <a:tcPr/>
-                </a:tc>
-                <a:tc>
-                  <a:txBody>
-                    <a:bodyPr/>
-                    <a:lstStyle/>
-                    <a:p>
-                      <a:pPr algn="ctr"/>
-                      <a:r>
-                        <a:rPr lang="en-GB" dirty="0"/>
-                        <a:t>2</a:t>
                       </a:r>
                       <a:endParaRPr lang="en-SE" dirty="0"/>
                     </a:p>
@@ -18693,7 +24948,7 @@
                             <a:schemeClr val="tx1"/>
                           </a:solidFill>
                         </a:rPr>
-                        <a:t>11</a:t>
+                        <a:t>10</a:t>
                       </a:r>
                     </a:p>
                   </a:txBody>
@@ -18711,7 +24966,7 @@
                             <a:schemeClr val="tx1"/>
                           </a:solidFill>
                         </a:rPr>
-                        <a:t>11</a:t>
+                        <a:t>10</a:t>
                       </a:r>
                     </a:p>
                   </a:txBody>
@@ -18729,7 +24984,7 @@
                             <a:schemeClr val="tx1"/>
                           </a:solidFill>
                         </a:rPr>
-                        <a:t>6</a:t>
+                        <a:t>5</a:t>
                       </a:r>
                     </a:p>
                   </a:txBody>
@@ -18747,7 +25002,7 @@
                             <a:schemeClr val="tx1"/>
                           </a:solidFill>
                         </a:rPr>
-                        <a:t>7</a:t>
+                        <a:t>5</a:t>
                       </a:r>
                     </a:p>
                   </a:txBody>
@@ -18765,7 +25020,7 @@
                             <a:schemeClr val="tx1"/>
                           </a:solidFill>
                         </a:rPr>
-                        <a:t>6</a:t>
+                        <a:t>5</a:t>
                       </a:r>
                     </a:p>
                   </a:txBody>
@@ -18908,7 +25163,7 @@
                             <a:schemeClr val="tx1"/>
                           </a:solidFill>
                         </a:rPr>
-                        <a:t>10</a:t>
+                        <a:t>9.5</a:t>
                       </a:r>
                     </a:p>
                   </a:txBody>
@@ -18969,7 +25224,7 @@
                             <a:schemeClr val="tx1"/>
                           </a:solidFill>
                         </a:rPr>
-                        <a:t>10</a:t>
+                        <a:t>9.5</a:t>
                       </a:r>
                     </a:p>
                   </a:txBody>
@@ -19014,7 +25269,7 @@
                             <a:schemeClr val="tx1"/>
                           </a:solidFill>
                         </a:rPr>
-                        <a:t>8</a:t>
+                        <a:t>7.5</a:t>
                       </a:r>
                     </a:p>
                   </a:txBody>
@@ -19059,7 +25314,7 @@
                             <a:schemeClr val="tx1"/>
                           </a:solidFill>
                         </a:rPr>
-                        <a:t>8.5</a:t>
+                        <a:t>7.5</a:t>
                       </a:r>
                     </a:p>
                   </a:txBody>
@@ -19104,7 +25359,7 @@
                             <a:schemeClr val="tx1"/>
                           </a:solidFill>
                         </a:rPr>
-                        <a:t>8</a:t>
+                        <a:t>7.5</a:t>
                       </a:r>
                     </a:p>
                   </a:txBody>
@@ -19120,10 +25375,169 @@
           </a:graphicData>
         </a:graphic>
       </p:graphicFrame>
+      <mc:AlternateContent xmlns:mc="http://schemas.openxmlformats.org/markup-compatibility/2006" xmlns:p14="http://schemas.microsoft.com/office/powerpoint/2010/main">
+        <mc:Choice Requires="p14">
+          <p:contentPart p14:bwMode="auto" r:id="rId4">
+            <p14:nvContentPartPr>
+              <p14:cNvPr id="43" name="Ink 42">
+                <a:extLst>
+                  <a:ext uri="{FF2B5EF4-FFF2-40B4-BE49-F238E27FC236}">
+                    <a16:creationId xmlns:a16="http://schemas.microsoft.com/office/drawing/2014/main" id="{9C2C5244-CF6F-47D0-A8A7-3D4F4F40D817}"/>
+                  </a:ext>
+                </a:extLst>
+              </p14:cNvPr>
+              <p14:cNvContentPartPr/>
+              <p14:nvPr/>
+            </p14:nvContentPartPr>
+            <p14:xfrm>
+              <a:off x="9042160" y="2196780"/>
+              <a:ext cx="360" cy="360"/>
+            </p14:xfrm>
+          </p:contentPart>
+        </mc:Choice>
+        <mc:Fallback xmlns="">
+          <p:pic>
+            <p:nvPicPr>
+              <p:cNvPr id="43" name="Ink 42">
+                <a:extLst>
+                  <a:ext uri="{FF2B5EF4-FFF2-40B4-BE49-F238E27FC236}">
+                    <a16:creationId xmlns:a16="http://schemas.microsoft.com/office/drawing/2014/main" id="{9C2C5244-CF6F-47D0-A8A7-3D4F4F40D817}"/>
+                  </a:ext>
+                </a:extLst>
+              </p:cNvPr>
+              <p:cNvPicPr/>
+              <p:nvPr/>
+            </p:nvPicPr>
+            <p:blipFill>
+              <a:blip r:embed="rId17"/>
+              <a:stretch>
+                <a:fillRect/>
+              </a:stretch>
+            </p:blipFill>
+            <p:spPr>
+              <a:xfrm>
+                <a:off x="9033520" y="2188140"/>
+                <a:ext cx="18000" cy="18000"/>
+              </a:xfrm>
+              <a:prstGeom prst="rect">
+                <a:avLst/>
+              </a:prstGeom>
+            </p:spPr>
+          </p:pic>
+        </mc:Fallback>
+      </mc:AlternateContent>
+      <p:sp>
+        <p:nvSpPr>
+          <p:cNvPr id="59" name="SMARTInkShape-571">
+            <a:extLst>
+              <a:ext uri="{FF2B5EF4-FFF2-40B4-BE49-F238E27FC236}">
+                <a16:creationId xmlns:a16="http://schemas.microsoft.com/office/drawing/2014/main" id="{6B451916-5406-4BDB-A635-344FC26B5671}"/>
+              </a:ext>
+            </a:extLst>
+          </p:cNvPr>
+          <p:cNvSpPr/>
+          <p:nvPr>
+            <p:custDataLst>
+              <p:tags r:id="rId1"/>
+            </p:custDataLst>
+          </p:nvPr>
+        </p:nvSpPr>
+        <p:spPr bwMode="auto">
+          <a:xfrm>
+            <a:off x="9069585" y="3384351"/>
+            <a:ext cx="1" cy="8931"/>
+          </a:xfrm>
+          <a:custGeom>
+            <a:avLst/>
+            <a:gdLst/>
+            <a:ahLst/>
+            <a:cxnLst/>
+            <a:rect l="0" t="0" r="0" b="0"/>
+            <a:pathLst>
+              <a:path w="1" h="8931">
+                <a:moveTo>
+                  <a:pt x="0" y="8930"/>
+                </a:moveTo>
+                <a:lnTo>
+                  <a:pt x="0" y="8930"/>
+                </a:lnTo>
+                <a:lnTo>
+                  <a:pt x="0" y="0"/>
+                </a:lnTo>
+              </a:path>
+            </a:pathLst>
+          </a:custGeom>
+          <a:noFill/>
+          <a:ln w="19050" cap="flat" cmpd="sng" algn="ctr">
+            <a:solidFill>
+              <a:srgbClr val="FF0000"/>
+            </a:solidFill>
+            <a:prstDash val="solid"/>
+            <a:round/>
+            <a:headEnd type="none" w="med" len="med"/>
+            <a:tailEnd type="none" w="med" len="med"/>
+          </a:ln>
+          <a:effectLst/>
+          <a:extLst>
+            <a:ext uri="{909E8E84-426E-40DD-AFC4-6F175D3DCCD1}">
+              <a14:hiddenFill xmlns:a14="http://schemas.microsoft.com/office/drawing/2010/main">
+                <a:solidFill>
+                  <a:schemeClr val="bg1"/>
+                </a:solidFill>
+              </a14:hiddenFill>
+            </a:ext>
+            <a:ext uri="{AF507438-7753-43e0-B8FC-AC1667EBCBE1}">
+              <a14:hiddenEffects xmlns:a14="http://schemas.microsoft.com/office/drawing/2010/main" xmlns="">
+                <a:effectLst>
+                  <a:outerShdw dist="35921" dir="2700000" algn="ctr" rotWithShape="0">
+                    <a:schemeClr val="bg2"/>
+                  </a:outerShdw>
+                </a:effectLst>
+              </a14:hiddenEffects>
+            </a:ext>
+          </a:extLst>
+        </p:spPr>
+        <p:txBody>
+          <a:bodyPr vert="horz" wrap="square" lIns="91440" tIns="45720" rIns="91440" bIns="45720" numCol="1" rtlCol="0" anchor="t" anchorCtr="0" compatLnSpc="1">
+            <a:prstTxWarp prst="textNoShape">
+              <a:avLst/>
+            </a:prstTxWarp>
+          </a:bodyPr>
+          <a:lstStyle/>
+          <a:p>
+            <a:pPr marL="0" marR="0" indent="0" algn="l" defTabSz="914400" rtl="0" eaLnBrk="0" fontAlgn="base" latinLnBrk="0" hangingPunct="0">
+              <a:lnSpc>
+                <a:spcPct val="100000"/>
+              </a:lnSpc>
+              <a:spcBef>
+                <a:spcPct val="0"/>
+              </a:spcBef>
+              <a:spcAft>
+                <a:spcPct val="0"/>
+              </a:spcAft>
+              <a:buClrTx/>
+              <a:buSzTx/>
+              <a:buFontTx/>
+              <a:buNone/>
+              <a:tabLst/>
+            </a:pPr>
+            <a:endParaRPr kumimoji="0" lang="en-US" sz="1800" b="1" i="0" u="none" strike="noStrike" cap="none" normalizeH="0" baseline="0">
+              <a:ln>
+                <a:noFill/>
+              </a:ln>
+              <a:solidFill>
+                <a:schemeClr val="tx1"/>
+              </a:solidFill>
+              <a:effectLst/>
+              <a:latin typeface="Comic Sans MS" pitchFamily="66" charset="0"/>
+            </a:endParaRPr>
+          </a:p>
+        </p:txBody>
+      </p:sp>
     </p:spTree>
     <p:extLst>
       <p:ext uri="{BB962C8B-B14F-4D97-AF65-F5344CB8AC3E}">
-        <p14:creationId xmlns:p14="http://schemas.microsoft.com/office/powerpoint/2010/main" val="570477452"/>
+        <p14:creationId xmlns:p14="http://schemas.microsoft.com/office/powerpoint/2010/main" val="1975193091"/>
       </p:ext>
     </p:extLst>
   </p:cSld>
@@ -19134,1606 +25548,7 @@
 </p:sld>
 </file>
 
-<file path=ppt/slides/slide2.xml><?xml version="1.0" encoding="utf-8"?>
-<p:sld xmlns:a="http://schemas.openxmlformats.org/drawingml/2006/main" xmlns:r="http://schemas.openxmlformats.org/officeDocument/2006/relationships" xmlns:p="http://schemas.openxmlformats.org/presentationml/2006/main">
-  <p:cSld>
-    <p:spTree>
-      <p:nvGrpSpPr>
-        <p:cNvPr id="1" name=""/>
-        <p:cNvGrpSpPr/>
-        <p:nvPr/>
-      </p:nvGrpSpPr>
-      <p:grpSpPr>
-        <a:xfrm>
-          <a:off x="0" y="0"/>
-          <a:ext cx="0" cy="0"/>
-          <a:chOff x="0" y="0"/>
-          <a:chExt cx="0" cy="0"/>
-        </a:xfrm>
-      </p:grpSpPr>
-      <p:sp>
-        <p:nvSpPr>
-          <p:cNvPr id="2" name="Title 1">
-            <a:extLst>
-              <a:ext uri="{FF2B5EF4-FFF2-40B4-BE49-F238E27FC236}">
-                <a16:creationId xmlns:a16="http://schemas.microsoft.com/office/drawing/2014/main" id="{A5F5590B-6D90-629D-80B6-3D8DA0390A49}"/>
-              </a:ext>
-            </a:extLst>
-          </p:cNvPr>
-          <p:cNvSpPr>
-            <a:spLocks noGrp="1"/>
-          </p:cNvSpPr>
-          <p:nvPr>
-            <p:ph type="title"/>
-          </p:nvPr>
-        </p:nvSpPr>
-        <p:spPr/>
-        <p:txBody>
-          <a:bodyPr/>
-          <a:lstStyle/>
-          <a:p>
-            <a:r>
-              <a:rPr lang="en-US" dirty="0"/>
-              <a:t>Q1. Multiple-choice. (20 pts)</a:t>
-            </a:r>
-            <a:endParaRPr lang="en-SE" dirty="0"/>
-          </a:p>
-        </p:txBody>
-      </p:sp>
-      <p:sp>
-        <p:nvSpPr>
-          <p:cNvPr id="3" name="Content Placeholder 2">
-            <a:extLst>
-              <a:ext uri="{FF2B5EF4-FFF2-40B4-BE49-F238E27FC236}">
-                <a16:creationId xmlns:a16="http://schemas.microsoft.com/office/drawing/2014/main" id="{F56FD100-EB30-C0F2-A223-2CDFA7A23848}"/>
-              </a:ext>
-            </a:extLst>
-          </p:cNvPr>
-          <p:cNvSpPr>
-            <a:spLocks noGrp="1"/>
-          </p:cNvSpPr>
-          <p:nvPr>
-            <p:ph idx="1"/>
-          </p:nvPr>
-        </p:nvSpPr>
-        <p:spPr>
-          <a:xfrm>
-            <a:off x="533400" y="858078"/>
-            <a:ext cx="5562600" cy="5867400"/>
-          </a:xfrm>
-        </p:spPr>
-        <p:txBody>
-          <a:bodyPr>
-            <a:normAutofit fontScale="62500" lnSpcReduction="20000"/>
-          </a:bodyPr>
-          <a:lstStyle/>
-          <a:p>
-            <a:pPr>
-              <a:buNone/>
-            </a:pPr>
-            <a:r>
-              <a:rPr lang="en-SE" sz="1800" dirty="0">
-                <a:effectLst/>
-                <a:latin typeface="Times New Roman" panose="02020603050405020304" pitchFamily="18" charset="0"/>
-                <a:ea typeface="SimSun" panose="02010600030101010101" pitchFamily="2" charset="-122"/>
-              </a:rPr>
-              <a:t>1. What is a process in an operating system?</a:t>
-            </a:r>
-            <a:endParaRPr lang="en-SE" sz="1800" dirty="0">
-              <a:effectLst/>
-              <a:latin typeface="Times New Roman" panose="02020603050405020304" pitchFamily="18" charset="0"/>
-              <a:ea typeface="Times New Roman" panose="02020603050405020304" pitchFamily="18" charset="0"/>
-            </a:endParaRPr>
-          </a:p>
-          <a:p>
-            <a:pPr>
-              <a:buNone/>
-            </a:pPr>
-            <a:r>
-              <a:rPr lang="en-SE" sz="1800" dirty="0">
-                <a:effectLst/>
-                <a:latin typeface="Times New Roman" panose="02020603050405020304" pitchFamily="18" charset="0"/>
-                <a:ea typeface="SimSun" panose="02010600030101010101" pitchFamily="2" charset="-122"/>
-              </a:rPr>
-              <a:t>A) A static program stored on disk</a:t>
-            </a:r>
-            <a:endParaRPr lang="en-SE" sz="1800" dirty="0">
-              <a:effectLst/>
-              <a:latin typeface="Times New Roman" panose="02020603050405020304" pitchFamily="18" charset="0"/>
-              <a:ea typeface="Times New Roman" panose="02020603050405020304" pitchFamily="18" charset="0"/>
-            </a:endParaRPr>
-          </a:p>
-          <a:p>
-            <a:pPr>
-              <a:buNone/>
-            </a:pPr>
-            <a:r>
-              <a:rPr lang="en-SE" sz="1800" dirty="0">
-                <a:effectLst/>
-                <a:latin typeface="Times New Roman" panose="02020603050405020304" pitchFamily="18" charset="0"/>
-                <a:ea typeface="SimSun" panose="02010600030101010101" pitchFamily="2" charset="-122"/>
-              </a:rPr>
-              <a:t>B) An active entity with a program counter and stack</a:t>
-            </a:r>
-            <a:endParaRPr lang="en-SE" sz="1800" dirty="0">
-              <a:effectLst/>
-              <a:latin typeface="Times New Roman" panose="02020603050405020304" pitchFamily="18" charset="0"/>
-              <a:ea typeface="Times New Roman" panose="02020603050405020304" pitchFamily="18" charset="0"/>
-            </a:endParaRPr>
-          </a:p>
-          <a:p>
-            <a:pPr>
-              <a:buNone/>
-            </a:pPr>
-            <a:r>
-              <a:rPr lang="en-SE" sz="1800" dirty="0">
-                <a:effectLst/>
-                <a:latin typeface="Times New Roman" panose="02020603050405020304" pitchFamily="18" charset="0"/>
-                <a:ea typeface="SimSun" panose="02010600030101010101" pitchFamily="2" charset="-122"/>
-              </a:rPr>
-              <a:t>C) A thread of execution</a:t>
-            </a:r>
-            <a:endParaRPr lang="en-SE" sz="1800" dirty="0">
-              <a:effectLst/>
-              <a:latin typeface="Times New Roman" panose="02020603050405020304" pitchFamily="18" charset="0"/>
-              <a:ea typeface="Times New Roman" panose="02020603050405020304" pitchFamily="18" charset="0"/>
-            </a:endParaRPr>
-          </a:p>
-          <a:p>
-            <a:pPr>
-              <a:buNone/>
-            </a:pPr>
-            <a:r>
-              <a:rPr lang="en-SE" sz="1800" dirty="0">
-                <a:effectLst/>
-                <a:latin typeface="Times New Roman" panose="02020603050405020304" pitchFamily="18" charset="0"/>
-                <a:ea typeface="SimSun" panose="02010600030101010101" pitchFamily="2" charset="-122"/>
-              </a:rPr>
-              <a:t>D) A section of memory</a:t>
-            </a:r>
-            <a:endParaRPr lang="en-SE" sz="1800" dirty="0">
-              <a:effectLst/>
-              <a:latin typeface="Times New Roman" panose="02020603050405020304" pitchFamily="18" charset="0"/>
-              <a:ea typeface="Times New Roman" panose="02020603050405020304" pitchFamily="18" charset="0"/>
-            </a:endParaRPr>
-          </a:p>
-          <a:p>
-            <a:pPr>
-              <a:buNone/>
-            </a:pPr>
-            <a:r>
-              <a:rPr lang="en-SE" sz="1800" dirty="0">
-                <a:effectLst/>
-                <a:latin typeface="Times New Roman" panose="02020603050405020304" pitchFamily="18" charset="0"/>
-                <a:ea typeface="SimSun" panose="02010600030101010101" pitchFamily="2" charset="-122"/>
-              </a:rPr>
-              <a:t>Answer: B</a:t>
-            </a:r>
-            <a:endParaRPr lang="en-SE" sz="1800" dirty="0">
-              <a:effectLst/>
-              <a:latin typeface="Times New Roman" panose="02020603050405020304" pitchFamily="18" charset="0"/>
-              <a:ea typeface="Times New Roman" panose="02020603050405020304" pitchFamily="18" charset="0"/>
-            </a:endParaRPr>
-          </a:p>
-          <a:p>
-            <a:pPr>
-              <a:buNone/>
-            </a:pPr>
-            <a:r>
-              <a:rPr lang="en-SE" sz="1800" dirty="0">
-                <a:effectLst/>
-                <a:latin typeface="Times New Roman" panose="02020603050405020304" pitchFamily="18" charset="0"/>
-                <a:ea typeface="SimSun" panose="02010600030101010101" pitchFamily="2" charset="-122"/>
-              </a:rPr>
-              <a:t> </a:t>
-            </a:r>
-            <a:endParaRPr lang="en-SE" sz="1800" dirty="0">
-              <a:effectLst/>
-              <a:latin typeface="Times New Roman" panose="02020603050405020304" pitchFamily="18" charset="0"/>
-              <a:ea typeface="Times New Roman" panose="02020603050405020304" pitchFamily="18" charset="0"/>
-            </a:endParaRPr>
-          </a:p>
-          <a:p>
-            <a:pPr>
-              <a:buNone/>
-            </a:pPr>
-            <a:r>
-              <a:rPr lang="en-US" sz="1800" dirty="0">
-                <a:effectLst/>
-                <a:latin typeface="Times New Roman" panose="02020603050405020304" pitchFamily="18" charset="0"/>
-                <a:ea typeface="SimSun" panose="02010600030101010101" pitchFamily="2" charset="-122"/>
-              </a:rPr>
-              <a:t>2. What is dual-mode operation in an operating system?</a:t>
-            </a:r>
-            <a:endParaRPr lang="en-SE" sz="1800" dirty="0">
-              <a:effectLst/>
-              <a:latin typeface="Times New Roman" panose="02020603050405020304" pitchFamily="18" charset="0"/>
-              <a:ea typeface="SimSun" panose="02010600030101010101" pitchFamily="2" charset="-122"/>
-            </a:endParaRPr>
-          </a:p>
-          <a:p>
-            <a:pPr>
-              <a:buNone/>
-            </a:pPr>
-            <a:r>
-              <a:rPr lang="en-US" sz="1800" dirty="0">
-                <a:effectLst/>
-                <a:latin typeface="Times New Roman" panose="02020603050405020304" pitchFamily="18" charset="0"/>
-                <a:ea typeface="SimSun" panose="02010600030101010101" pitchFamily="2" charset="-122"/>
-              </a:rPr>
-              <a:t>A) Running two operating systems simultaneously  </a:t>
-            </a:r>
-            <a:endParaRPr lang="en-SE" sz="1800" dirty="0">
-              <a:effectLst/>
-              <a:latin typeface="Times New Roman" panose="02020603050405020304" pitchFamily="18" charset="0"/>
-              <a:ea typeface="SimSun" panose="02010600030101010101" pitchFamily="2" charset="-122"/>
-            </a:endParaRPr>
-          </a:p>
-          <a:p>
-            <a:pPr>
-              <a:buNone/>
-            </a:pPr>
-            <a:r>
-              <a:rPr lang="en-US" sz="1800" dirty="0">
-                <a:effectLst/>
-                <a:latin typeface="Times New Roman" panose="02020603050405020304" pitchFamily="18" charset="0"/>
-                <a:ea typeface="SimSun" panose="02010600030101010101" pitchFamily="2" charset="-122"/>
-              </a:rPr>
-              <a:t>B) Providing two modes: kernel mode and user mode  </a:t>
-            </a:r>
-            <a:endParaRPr lang="en-SE" sz="1800" dirty="0">
-              <a:effectLst/>
-              <a:latin typeface="Times New Roman" panose="02020603050405020304" pitchFamily="18" charset="0"/>
-              <a:ea typeface="SimSun" panose="02010600030101010101" pitchFamily="2" charset="-122"/>
-            </a:endParaRPr>
-          </a:p>
-          <a:p>
-            <a:pPr>
-              <a:buNone/>
-            </a:pPr>
-            <a:r>
-              <a:rPr lang="en-US" sz="1800" dirty="0">
-                <a:effectLst/>
-                <a:latin typeface="Times New Roman" panose="02020603050405020304" pitchFamily="18" charset="0"/>
-                <a:ea typeface="SimSun" panose="02010600030101010101" pitchFamily="2" charset="-122"/>
-              </a:rPr>
-              <a:t>C) Allowing two users to access the same process  </a:t>
-            </a:r>
-            <a:endParaRPr lang="en-SE" sz="1800" dirty="0">
-              <a:effectLst/>
-              <a:latin typeface="Times New Roman" panose="02020603050405020304" pitchFamily="18" charset="0"/>
-              <a:ea typeface="SimSun" panose="02010600030101010101" pitchFamily="2" charset="-122"/>
-            </a:endParaRPr>
-          </a:p>
-          <a:p>
-            <a:pPr>
-              <a:buNone/>
-            </a:pPr>
-            <a:r>
-              <a:rPr lang="en-US" sz="1800" dirty="0">
-                <a:effectLst/>
-                <a:latin typeface="Times New Roman" panose="02020603050405020304" pitchFamily="18" charset="0"/>
-                <a:ea typeface="SimSun" panose="02010600030101010101" pitchFamily="2" charset="-122"/>
-              </a:rPr>
-              <a:t>D) Switching between two CPUs dynamically  </a:t>
-            </a:r>
-            <a:endParaRPr lang="en-SE" sz="1800" dirty="0">
-              <a:effectLst/>
-              <a:latin typeface="Times New Roman" panose="02020603050405020304" pitchFamily="18" charset="0"/>
-              <a:ea typeface="SimSun" panose="02010600030101010101" pitchFamily="2" charset="-122"/>
-            </a:endParaRPr>
-          </a:p>
-          <a:p>
-            <a:pPr>
-              <a:buNone/>
-            </a:pPr>
-            <a:r>
-              <a:rPr lang="en-US" sz="1800" dirty="0">
-                <a:effectLst/>
-                <a:latin typeface="Times New Roman" panose="02020603050405020304" pitchFamily="18" charset="0"/>
-                <a:ea typeface="SimSun" panose="02010600030101010101" pitchFamily="2" charset="-122"/>
-              </a:rPr>
-              <a:t>Answer: B</a:t>
-            </a:r>
-            <a:endParaRPr lang="en-SE" sz="1800" dirty="0">
-              <a:effectLst/>
-              <a:latin typeface="Times New Roman" panose="02020603050405020304" pitchFamily="18" charset="0"/>
-              <a:ea typeface="SimSun" panose="02010600030101010101" pitchFamily="2" charset="-122"/>
-            </a:endParaRPr>
-          </a:p>
-          <a:p>
-            <a:pPr>
-              <a:buNone/>
-            </a:pPr>
-            <a:r>
-              <a:rPr lang="en-SE" sz="1800" dirty="0">
-                <a:effectLst/>
-                <a:latin typeface="Times New Roman" panose="02020603050405020304" pitchFamily="18" charset="0"/>
-                <a:ea typeface="SimSun" panose="02010600030101010101" pitchFamily="2" charset="-122"/>
-              </a:rPr>
-              <a:t> </a:t>
-            </a:r>
-            <a:endParaRPr lang="en-SE" sz="1800" dirty="0">
-              <a:effectLst/>
-              <a:latin typeface="Times New Roman" panose="02020603050405020304" pitchFamily="18" charset="0"/>
-              <a:ea typeface="Times New Roman" panose="02020603050405020304" pitchFamily="18" charset="0"/>
-            </a:endParaRPr>
-          </a:p>
-          <a:p>
-            <a:pPr>
-              <a:buNone/>
-            </a:pPr>
-            <a:r>
-              <a:rPr lang="en-US" sz="1800" dirty="0">
-                <a:effectLst/>
-                <a:latin typeface="Times New Roman" panose="02020603050405020304" pitchFamily="18" charset="0"/>
-                <a:ea typeface="SimSun" panose="02010600030101010101" pitchFamily="2" charset="-122"/>
-              </a:rPr>
-              <a:t>3. What does "protection" in an operating system ensure?</a:t>
-            </a:r>
-            <a:endParaRPr lang="en-SE" sz="1800" dirty="0">
-              <a:effectLst/>
-              <a:latin typeface="Times New Roman" panose="02020603050405020304" pitchFamily="18" charset="0"/>
-              <a:ea typeface="SimSun" panose="02010600030101010101" pitchFamily="2" charset="-122"/>
-            </a:endParaRPr>
-          </a:p>
-          <a:p>
-            <a:pPr>
-              <a:buNone/>
-            </a:pPr>
-            <a:r>
-              <a:rPr lang="en-US" sz="1800" dirty="0">
-                <a:effectLst/>
-                <a:latin typeface="Times New Roman" panose="02020603050405020304" pitchFamily="18" charset="0"/>
-                <a:ea typeface="SimSun" panose="02010600030101010101" pitchFamily="2" charset="-122"/>
-              </a:rPr>
-              <a:t>A) That processes cannot interfere with each other or the OS itself  </a:t>
-            </a:r>
-            <a:endParaRPr lang="en-SE" sz="1800" dirty="0">
-              <a:effectLst/>
-              <a:latin typeface="Times New Roman" panose="02020603050405020304" pitchFamily="18" charset="0"/>
-              <a:ea typeface="SimSun" panose="02010600030101010101" pitchFamily="2" charset="-122"/>
-            </a:endParaRPr>
-          </a:p>
-          <a:p>
-            <a:pPr>
-              <a:buNone/>
-            </a:pPr>
-            <a:r>
-              <a:rPr lang="en-US" sz="1800" dirty="0">
-                <a:effectLst/>
-                <a:latin typeface="Times New Roman" panose="02020603050405020304" pitchFamily="18" charset="0"/>
-                <a:ea typeface="SimSun" panose="02010600030101010101" pitchFamily="2" charset="-122"/>
-              </a:rPr>
-              <a:t>B) That all applications run in kernel mode for efficiency  </a:t>
-            </a:r>
-            <a:endParaRPr lang="en-SE" sz="1800" dirty="0">
-              <a:effectLst/>
-              <a:latin typeface="Times New Roman" panose="02020603050405020304" pitchFamily="18" charset="0"/>
-              <a:ea typeface="SimSun" panose="02010600030101010101" pitchFamily="2" charset="-122"/>
-            </a:endParaRPr>
-          </a:p>
-          <a:p>
-            <a:pPr>
-              <a:buNone/>
-            </a:pPr>
-            <a:r>
-              <a:rPr lang="en-US" sz="1800" dirty="0">
-                <a:effectLst/>
-                <a:latin typeface="Times New Roman" panose="02020603050405020304" pitchFamily="18" charset="0"/>
-                <a:ea typeface="SimSun" panose="02010600030101010101" pitchFamily="2" charset="-122"/>
-              </a:rPr>
-              <a:t>C) That users have unrestricted access to hardware resources  </a:t>
-            </a:r>
-            <a:endParaRPr lang="en-SE" sz="1800" dirty="0">
-              <a:effectLst/>
-              <a:latin typeface="Times New Roman" panose="02020603050405020304" pitchFamily="18" charset="0"/>
-              <a:ea typeface="SimSun" panose="02010600030101010101" pitchFamily="2" charset="-122"/>
-            </a:endParaRPr>
-          </a:p>
-          <a:p>
-            <a:pPr>
-              <a:buNone/>
-            </a:pPr>
-            <a:r>
-              <a:rPr lang="en-US" sz="1800" dirty="0">
-                <a:effectLst/>
-                <a:latin typeface="Times New Roman" panose="02020603050405020304" pitchFamily="18" charset="0"/>
-                <a:ea typeface="SimSun" panose="02010600030101010101" pitchFamily="2" charset="-122"/>
-              </a:rPr>
-              <a:t>D) That only one application can run at a time on the machine  </a:t>
-            </a:r>
-            <a:endParaRPr lang="en-SE" sz="1800" dirty="0">
-              <a:effectLst/>
-              <a:latin typeface="Times New Roman" panose="02020603050405020304" pitchFamily="18" charset="0"/>
-              <a:ea typeface="SimSun" panose="02010600030101010101" pitchFamily="2" charset="-122"/>
-            </a:endParaRPr>
-          </a:p>
-          <a:p>
-            <a:pPr>
-              <a:buNone/>
-            </a:pPr>
-            <a:r>
-              <a:rPr lang="en-US" sz="1800" dirty="0">
-                <a:effectLst/>
-                <a:latin typeface="Times New Roman" panose="02020603050405020304" pitchFamily="18" charset="0"/>
-                <a:ea typeface="SimSun" panose="02010600030101010101" pitchFamily="2" charset="-122"/>
-              </a:rPr>
-              <a:t>Answer: A</a:t>
-            </a:r>
-            <a:endParaRPr lang="en-SE" sz="1800" dirty="0">
-              <a:effectLst/>
-              <a:latin typeface="Times New Roman" panose="02020603050405020304" pitchFamily="18" charset="0"/>
-              <a:ea typeface="SimSun" panose="02010600030101010101" pitchFamily="2" charset="-122"/>
-            </a:endParaRPr>
-          </a:p>
-          <a:p>
-            <a:pPr>
-              <a:buNone/>
-            </a:pPr>
-            <a:r>
-              <a:rPr lang="en-SE" sz="1800" dirty="0">
-                <a:effectLst/>
-                <a:latin typeface="Times New Roman" panose="02020603050405020304" pitchFamily="18" charset="0"/>
-                <a:ea typeface="SimSun" panose="02010600030101010101" pitchFamily="2" charset="-122"/>
-              </a:rPr>
-              <a:t> </a:t>
-            </a:r>
-            <a:endParaRPr lang="en-SE" sz="1800" dirty="0">
-              <a:effectLst/>
-              <a:latin typeface="Times New Roman" panose="02020603050405020304" pitchFamily="18" charset="0"/>
-              <a:ea typeface="Times New Roman" panose="02020603050405020304" pitchFamily="18" charset="0"/>
-            </a:endParaRPr>
-          </a:p>
-          <a:p>
-            <a:pPr>
-              <a:buNone/>
-            </a:pPr>
-            <a:r>
-              <a:rPr lang="en-SE" sz="1800" dirty="0">
-                <a:effectLst/>
-                <a:latin typeface="Times New Roman" panose="02020603050405020304" pitchFamily="18" charset="0"/>
-                <a:ea typeface="SimSun" panose="02010600030101010101" pitchFamily="2" charset="-122"/>
-              </a:rPr>
-              <a:t>4. Which of the following is NOT typically included in a process control block (PCB)?</a:t>
-            </a:r>
-            <a:endParaRPr lang="en-SE" sz="1800" dirty="0">
-              <a:effectLst/>
-              <a:latin typeface="Times New Roman" panose="02020603050405020304" pitchFamily="18" charset="0"/>
-              <a:ea typeface="Times New Roman" panose="02020603050405020304" pitchFamily="18" charset="0"/>
-            </a:endParaRPr>
-          </a:p>
-          <a:p>
-            <a:pPr>
-              <a:buNone/>
-            </a:pPr>
-            <a:r>
-              <a:rPr lang="en-SE" sz="1800" dirty="0">
-                <a:effectLst/>
-                <a:latin typeface="Times New Roman" panose="02020603050405020304" pitchFamily="18" charset="0"/>
-                <a:ea typeface="SimSun" panose="02010600030101010101" pitchFamily="2" charset="-122"/>
-              </a:rPr>
-              <a:t>A) Process ID</a:t>
-            </a:r>
-            <a:endParaRPr lang="en-SE" sz="1800" dirty="0">
-              <a:effectLst/>
-              <a:latin typeface="Times New Roman" panose="02020603050405020304" pitchFamily="18" charset="0"/>
-              <a:ea typeface="Times New Roman" panose="02020603050405020304" pitchFamily="18" charset="0"/>
-            </a:endParaRPr>
-          </a:p>
-          <a:p>
-            <a:pPr>
-              <a:buNone/>
-            </a:pPr>
-            <a:r>
-              <a:rPr lang="en-SE" sz="1800" dirty="0">
-                <a:effectLst/>
-                <a:latin typeface="Times New Roman" panose="02020603050405020304" pitchFamily="18" charset="0"/>
-                <a:ea typeface="SimSun" panose="02010600030101010101" pitchFamily="2" charset="-122"/>
-              </a:rPr>
-              <a:t>B) Program counter</a:t>
-            </a:r>
-            <a:endParaRPr lang="en-SE" sz="1800" dirty="0">
-              <a:effectLst/>
-              <a:latin typeface="Times New Roman" panose="02020603050405020304" pitchFamily="18" charset="0"/>
-              <a:ea typeface="Times New Roman" panose="02020603050405020304" pitchFamily="18" charset="0"/>
-            </a:endParaRPr>
-          </a:p>
-          <a:p>
-            <a:pPr>
-              <a:buNone/>
-            </a:pPr>
-            <a:r>
-              <a:rPr lang="en-SE" sz="1800" dirty="0">
-                <a:effectLst/>
-                <a:latin typeface="Times New Roman" panose="02020603050405020304" pitchFamily="18" charset="0"/>
-                <a:ea typeface="SimSun" panose="02010600030101010101" pitchFamily="2" charset="-122"/>
-              </a:rPr>
-              <a:t>C) Source code</a:t>
-            </a:r>
-            <a:endParaRPr lang="en-SE" sz="1800" dirty="0">
-              <a:effectLst/>
-              <a:latin typeface="Times New Roman" panose="02020603050405020304" pitchFamily="18" charset="0"/>
-              <a:ea typeface="Times New Roman" panose="02020603050405020304" pitchFamily="18" charset="0"/>
-            </a:endParaRPr>
-          </a:p>
-          <a:p>
-            <a:pPr>
-              <a:buNone/>
-            </a:pPr>
-            <a:r>
-              <a:rPr lang="en-SE" sz="1800" dirty="0">
-                <a:effectLst/>
-                <a:latin typeface="Times New Roman" panose="02020603050405020304" pitchFamily="18" charset="0"/>
-                <a:ea typeface="SimSun" panose="02010600030101010101" pitchFamily="2" charset="-122"/>
-              </a:rPr>
-              <a:t>D) Open file descriptors</a:t>
-            </a:r>
-            <a:endParaRPr lang="en-SE" sz="1800" dirty="0">
-              <a:effectLst/>
-              <a:latin typeface="Times New Roman" panose="02020603050405020304" pitchFamily="18" charset="0"/>
-              <a:ea typeface="Times New Roman" panose="02020603050405020304" pitchFamily="18" charset="0"/>
-            </a:endParaRPr>
-          </a:p>
-          <a:p>
-            <a:pPr>
-              <a:buNone/>
-            </a:pPr>
-            <a:r>
-              <a:rPr lang="en-SE" sz="1800" dirty="0">
-                <a:effectLst/>
-                <a:latin typeface="Times New Roman" panose="02020603050405020304" pitchFamily="18" charset="0"/>
-                <a:ea typeface="SimSun" panose="02010600030101010101" pitchFamily="2" charset="-122"/>
-              </a:rPr>
-              <a:t>Answer: C</a:t>
-            </a:r>
-            <a:endParaRPr lang="en-SE" sz="1800" dirty="0">
-              <a:effectLst/>
-              <a:latin typeface="Times New Roman" panose="02020603050405020304" pitchFamily="18" charset="0"/>
-              <a:ea typeface="Times New Roman" panose="02020603050405020304" pitchFamily="18" charset="0"/>
-            </a:endParaRPr>
-          </a:p>
-          <a:p>
-            <a:pPr>
-              <a:buNone/>
-            </a:pPr>
-            <a:r>
-              <a:rPr lang="en-SE" sz="1800" dirty="0">
-                <a:effectLst/>
-                <a:latin typeface="Times New Roman" panose="02020603050405020304" pitchFamily="18" charset="0"/>
-                <a:ea typeface="SimSun" panose="02010600030101010101" pitchFamily="2" charset="-122"/>
-              </a:rPr>
-              <a:t> </a:t>
-            </a:r>
-            <a:endParaRPr lang="en-SE" sz="1800" dirty="0">
-              <a:effectLst/>
-              <a:latin typeface="Times New Roman" panose="02020603050405020304" pitchFamily="18" charset="0"/>
-              <a:ea typeface="Times New Roman" panose="02020603050405020304" pitchFamily="18" charset="0"/>
-            </a:endParaRPr>
-          </a:p>
-          <a:p>
-            <a:pPr>
-              <a:buNone/>
-            </a:pPr>
-            <a:r>
-              <a:rPr lang="en-SE" sz="1800" dirty="0">
-                <a:effectLst/>
-                <a:latin typeface="Times New Roman" panose="02020603050405020304" pitchFamily="18" charset="0"/>
-                <a:ea typeface="SimSun" panose="02010600030101010101" pitchFamily="2" charset="-122"/>
-              </a:rPr>
-              <a:t>5. What is the purpose of the fork() system call?</a:t>
-            </a:r>
-            <a:endParaRPr lang="en-SE" sz="1800" dirty="0">
-              <a:effectLst/>
-              <a:latin typeface="Times New Roman" panose="02020603050405020304" pitchFamily="18" charset="0"/>
-              <a:ea typeface="Times New Roman" panose="02020603050405020304" pitchFamily="18" charset="0"/>
-            </a:endParaRPr>
-          </a:p>
-          <a:p>
-            <a:pPr>
-              <a:buNone/>
-            </a:pPr>
-            <a:r>
-              <a:rPr lang="en-SE" sz="1800" dirty="0">
-                <a:effectLst/>
-                <a:latin typeface="Times New Roman" panose="02020603050405020304" pitchFamily="18" charset="0"/>
-                <a:ea typeface="SimSun" panose="02010600030101010101" pitchFamily="2" charset="-122"/>
-              </a:rPr>
-              <a:t>A) To create a new thread</a:t>
-            </a:r>
-            <a:endParaRPr lang="en-SE" sz="1800" dirty="0">
-              <a:effectLst/>
-              <a:latin typeface="Times New Roman" panose="02020603050405020304" pitchFamily="18" charset="0"/>
-              <a:ea typeface="Times New Roman" panose="02020603050405020304" pitchFamily="18" charset="0"/>
-            </a:endParaRPr>
-          </a:p>
-          <a:p>
-            <a:pPr>
-              <a:buNone/>
-            </a:pPr>
-            <a:r>
-              <a:rPr lang="en-SE" sz="1800" dirty="0">
-                <a:effectLst/>
-                <a:latin typeface="Times New Roman" panose="02020603050405020304" pitchFamily="18" charset="0"/>
-                <a:ea typeface="SimSun" panose="02010600030101010101" pitchFamily="2" charset="-122"/>
-              </a:rPr>
-              <a:t>B) To make a duplicate copy of the calling process</a:t>
-            </a:r>
-            <a:endParaRPr lang="en-SE" sz="1800" dirty="0">
-              <a:effectLst/>
-              <a:latin typeface="Times New Roman" panose="02020603050405020304" pitchFamily="18" charset="0"/>
-              <a:ea typeface="Times New Roman" panose="02020603050405020304" pitchFamily="18" charset="0"/>
-            </a:endParaRPr>
-          </a:p>
-          <a:p>
-            <a:pPr>
-              <a:buNone/>
-            </a:pPr>
-            <a:r>
-              <a:rPr lang="en-SE" sz="1800" dirty="0">
-                <a:effectLst/>
-                <a:latin typeface="Times New Roman" panose="02020603050405020304" pitchFamily="18" charset="0"/>
-                <a:ea typeface="SimSun" panose="02010600030101010101" pitchFamily="2" charset="-122"/>
-              </a:rPr>
-              <a:t>C) To execute a new program</a:t>
-            </a:r>
-            <a:endParaRPr lang="en-SE" sz="1800" dirty="0">
-              <a:effectLst/>
-              <a:latin typeface="Times New Roman" panose="02020603050405020304" pitchFamily="18" charset="0"/>
-              <a:ea typeface="Times New Roman" panose="02020603050405020304" pitchFamily="18" charset="0"/>
-            </a:endParaRPr>
-          </a:p>
-          <a:p>
-            <a:pPr>
-              <a:buNone/>
-            </a:pPr>
-            <a:r>
-              <a:rPr lang="en-SE" sz="1800" dirty="0">
-                <a:effectLst/>
-                <a:latin typeface="Times New Roman" panose="02020603050405020304" pitchFamily="18" charset="0"/>
-                <a:ea typeface="SimSun" panose="02010600030101010101" pitchFamily="2" charset="-122"/>
-              </a:rPr>
-              <a:t>D) To terminate a process</a:t>
-            </a:r>
-            <a:endParaRPr lang="en-SE" sz="1800" dirty="0">
-              <a:effectLst/>
-              <a:latin typeface="Times New Roman" panose="02020603050405020304" pitchFamily="18" charset="0"/>
-              <a:ea typeface="Times New Roman" panose="02020603050405020304" pitchFamily="18" charset="0"/>
-            </a:endParaRPr>
-          </a:p>
-          <a:p>
-            <a:pPr marL="0" indent="0">
-              <a:buNone/>
-            </a:pPr>
-            <a:r>
-              <a:rPr lang="en-SE" sz="1800" dirty="0">
-                <a:effectLst/>
-                <a:latin typeface="Times New Roman" panose="02020603050405020304" pitchFamily="18" charset="0"/>
-                <a:ea typeface="SimSun" panose="02010600030101010101" pitchFamily="2" charset="-122"/>
-              </a:rPr>
-              <a:t>Answer: B</a:t>
-            </a:r>
-            <a:endParaRPr lang="en-SE" dirty="0"/>
-          </a:p>
-        </p:txBody>
-      </p:sp>
-      <p:sp>
-        <p:nvSpPr>
-          <p:cNvPr id="4" name="Content Placeholder 2">
-            <a:extLst>
-              <a:ext uri="{FF2B5EF4-FFF2-40B4-BE49-F238E27FC236}">
-                <a16:creationId xmlns:a16="http://schemas.microsoft.com/office/drawing/2014/main" id="{5A55F1D0-DD70-69ED-0F05-EC076414C748}"/>
-              </a:ext>
-            </a:extLst>
-          </p:cNvPr>
-          <p:cNvSpPr txBox="1">
-            <a:spLocks/>
-          </p:cNvSpPr>
-          <p:nvPr/>
-        </p:nvSpPr>
-        <p:spPr bwMode="auto">
-          <a:xfrm>
-            <a:off x="6324600" y="838200"/>
-            <a:ext cx="5562600" cy="5867400"/>
-          </a:xfrm>
-          <a:prstGeom prst="rect">
-            <a:avLst/>
-          </a:prstGeom>
-          <a:noFill/>
-          <a:ln>
-            <a:noFill/>
-          </a:ln>
-          <a:effectLst/>
-          <a:extLst>
-            <a:ext uri="{FAA26D3D-D897-4be2-8F04-BA451C77F1D7}">
-              <ma14:placeholderFlag xmlns:ma14="http://schemas.microsoft.com/office/mac/drawingml/2011/main" xmlns="" val="1"/>
-            </a:ext>
-            <a:ext uri="{909E8E84-426E-40dd-AFC4-6F175D3DCCD1}">
-              <a14:hiddenFill xmlns:a14="http://schemas.microsoft.com/office/drawing/2010/main" xmlns="">
-                <a:solidFill>
-                  <a:schemeClr val="bg1"/>
-                </a:solidFill>
-              </a14:hiddenFill>
-            </a:ext>
-            <a:ext uri="{91240B29-F687-4f45-9708-019B960494DF}">
-              <a14:hiddenLine xmlns:a14="http://schemas.microsoft.com/office/drawing/2010/main" xmlns="" w="12700">
-                <a:pattFill prst="narHorz">
-                  <a:fgClr>
-                    <a:schemeClr val="tx1"/>
-                  </a:fgClr>
-                  <a:bgClr>
-                    <a:schemeClr val="bg1"/>
-                  </a:bgClr>
-                </a:pattFill>
-                <a:miter lim="800000"/>
-                <a:headEnd/>
-                <a:tailEnd/>
-              </a14:hiddenLine>
-            </a:ext>
-            <a:ext uri="{AF507438-7753-43e0-B8FC-AC1667EBCBE1}">
-              <a14:hiddenEffects xmlns:a14="http://schemas.microsoft.com/office/drawing/2010/main" xmlns="">
-                <a:effectLst>
-                  <a:outerShdw blurRad="63500" dist="38099" dir="2700000" algn="ctr" rotWithShape="0">
-                    <a:schemeClr val="bg2">
-                      <a:alpha val="74998"/>
-                    </a:schemeClr>
-                  </a:outerShdw>
-                </a:effectLst>
-              </a14:hiddenEffects>
-            </a:ext>
-          </a:extLst>
-        </p:spPr>
-        <p:txBody>
-          <a:bodyPr vert="horz" wrap="square" lIns="90478" tIns="44445" rIns="90478" bIns="44445" numCol="1" anchor="t" anchorCtr="0" compatLnSpc="1">
-            <a:prstTxWarp prst="textNoShape">
-              <a:avLst/>
-            </a:prstTxWarp>
-            <a:normAutofit fontScale="62500" lnSpcReduction="20000"/>
-          </a:bodyPr>
-          <a:lstStyle>
-            <a:lvl1pPr marL="285750" indent="-285750" algn="l" rtl="0" eaLnBrk="0" fontAlgn="base" hangingPunct="0">
-              <a:lnSpc>
-                <a:spcPct val="90000"/>
-              </a:lnSpc>
-              <a:spcBef>
-                <a:spcPct val="30000"/>
-              </a:spcBef>
-              <a:spcAft>
-                <a:spcPct val="0"/>
-              </a:spcAft>
-              <a:buSzPct val="100000"/>
-              <a:buChar char="•"/>
-              <a:defRPr sz="2800" b="0" i="0">
-                <a:solidFill>
-                  <a:schemeClr val="tx1"/>
-                </a:solidFill>
-                <a:latin typeface="Gill Sans" panose="020B0502020104020203"/>
-                <a:ea typeface="Gill Sans" panose="020B0502020104020203"/>
-                <a:cs typeface="Gill Sans" panose="020B0502020104020203"/>
-              </a:defRPr>
-            </a:lvl1pPr>
-            <a:lvl2pPr marL="685800" indent="-228600" algn="l" rtl="0" eaLnBrk="0" fontAlgn="base" hangingPunct="0">
-              <a:lnSpc>
-                <a:spcPct val="90000"/>
-              </a:lnSpc>
-              <a:spcBef>
-                <a:spcPct val="30000"/>
-              </a:spcBef>
-              <a:spcAft>
-                <a:spcPct val="0"/>
-              </a:spcAft>
-              <a:buSzPct val="100000"/>
-              <a:buChar char="–"/>
-              <a:defRPr sz="2400" b="0" i="0">
-                <a:solidFill>
-                  <a:schemeClr val="tx1"/>
-                </a:solidFill>
-                <a:latin typeface="Gill Sans" panose="020B0502020104020203"/>
-                <a:ea typeface="Gill Sans" panose="020B0502020104020203"/>
-                <a:cs typeface="Gill Sans" panose="020B0502020104020203"/>
-              </a:defRPr>
-            </a:lvl2pPr>
-            <a:lvl3pPr marL="1143000" indent="-228600" algn="l" rtl="0" eaLnBrk="0" fontAlgn="base" hangingPunct="0">
-              <a:lnSpc>
-                <a:spcPct val="90000"/>
-              </a:lnSpc>
-              <a:spcBef>
-                <a:spcPct val="30000"/>
-              </a:spcBef>
-              <a:spcAft>
-                <a:spcPct val="0"/>
-              </a:spcAft>
-              <a:buSzPct val="100000"/>
-              <a:buChar char="»"/>
-              <a:defRPr sz="2400" b="0" i="0">
-                <a:solidFill>
-                  <a:schemeClr val="tx1"/>
-                </a:solidFill>
-                <a:latin typeface="Gill Sans" panose="020B0502020104020203"/>
-                <a:ea typeface="Gill Sans" panose="020B0502020104020203"/>
-                <a:cs typeface="Gill Sans" panose="020B0502020104020203"/>
-              </a:defRPr>
-            </a:lvl3pPr>
-            <a:lvl4pPr marL="1543050" indent="-171450" algn="l" rtl="0" eaLnBrk="0" fontAlgn="base" hangingPunct="0">
-              <a:lnSpc>
-                <a:spcPct val="90000"/>
-              </a:lnSpc>
-              <a:spcBef>
-                <a:spcPct val="30000"/>
-              </a:spcBef>
-              <a:spcAft>
-                <a:spcPct val="0"/>
-              </a:spcAft>
-              <a:buSzPct val="100000"/>
-              <a:buChar char="•"/>
-              <a:defRPr sz="2400" b="0" i="0">
-                <a:solidFill>
-                  <a:schemeClr val="tx1"/>
-                </a:solidFill>
-                <a:latin typeface="Gill Sans" panose="020B0502020104020203"/>
-                <a:ea typeface="Gill Sans" panose="020B0502020104020203"/>
-                <a:cs typeface="Gill Sans" panose="020B0502020104020203"/>
-              </a:defRPr>
-            </a:lvl4pPr>
-            <a:lvl5pPr marL="2000250" indent="-171450" algn="l" rtl="0" eaLnBrk="0" fontAlgn="base" hangingPunct="0">
-              <a:lnSpc>
-                <a:spcPct val="90000"/>
-              </a:lnSpc>
-              <a:spcBef>
-                <a:spcPct val="30000"/>
-              </a:spcBef>
-              <a:spcAft>
-                <a:spcPct val="0"/>
-              </a:spcAft>
-              <a:buSzPct val="100000"/>
-              <a:buChar char="–"/>
-              <a:defRPr sz="2400" b="0" i="0">
-                <a:solidFill>
-                  <a:schemeClr val="tx1"/>
-                </a:solidFill>
-                <a:latin typeface="Gill Sans" panose="020B0502020104020203"/>
-                <a:ea typeface="Gill Sans" panose="020B0502020104020203"/>
-                <a:cs typeface="Gill Sans" panose="020B0502020104020203"/>
-              </a:defRPr>
-            </a:lvl5pPr>
-            <a:lvl6pPr marL="2457450" indent="-171450" algn="l" rtl="0" eaLnBrk="0" fontAlgn="base" hangingPunct="0">
-              <a:lnSpc>
-                <a:spcPct val="90000"/>
-              </a:lnSpc>
-              <a:spcBef>
-                <a:spcPct val="30000"/>
-              </a:spcBef>
-              <a:spcAft>
-                <a:spcPct val="0"/>
-              </a:spcAft>
-              <a:buSzPct val="100000"/>
-              <a:buChar char="–"/>
-              <a:defRPr sz="2000" b="1">
-                <a:solidFill>
-                  <a:schemeClr val="tx1"/>
-                </a:solidFill>
-                <a:latin typeface="+mn-lt"/>
-              </a:defRPr>
-            </a:lvl6pPr>
-            <a:lvl7pPr marL="2914650" indent="-171450" algn="l" rtl="0" eaLnBrk="0" fontAlgn="base" hangingPunct="0">
-              <a:lnSpc>
-                <a:spcPct val="90000"/>
-              </a:lnSpc>
-              <a:spcBef>
-                <a:spcPct val="30000"/>
-              </a:spcBef>
-              <a:spcAft>
-                <a:spcPct val="0"/>
-              </a:spcAft>
-              <a:buSzPct val="100000"/>
-              <a:buChar char="–"/>
-              <a:defRPr sz="2000" b="1">
-                <a:solidFill>
-                  <a:schemeClr val="tx1"/>
-                </a:solidFill>
-                <a:latin typeface="+mn-lt"/>
-              </a:defRPr>
-            </a:lvl7pPr>
-            <a:lvl8pPr marL="3371850" indent="-171450" algn="l" rtl="0" eaLnBrk="0" fontAlgn="base" hangingPunct="0">
-              <a:lnSpc>
-                <a:spcPct val="90000"/>
-              </a:lnSpc>
-              <a:spcBef>
-                <a:spcPct val="30000"/>
-              </a:spcBef>
-              <a:spcAft>
-                <a:spcPct val="0"/>
-              </a:spcAft>
-              <a:buSzPct val="100000"/>
-              <a:buChar char="–"/>
-              <a:defRPr sz="2000" b="1">
-                <a:solidFill>
-                  <a:schemeClr val="tx1"/>
-                </a:solidFill>
-                <a:latin typeface="+mn-lt"/>
-              </a:defRPr>
-            </a:lvl8pPr>
-            <a:lvl9pPr marL="3829050" indent="-171450" algn="l" rtl="0" eaLnBrk="0" fontAlgn="base" hangingPunct="0">
-              <a:lnSpc>
-                <a:spcPct val="90000"/>
-              </a:lnSpc>
-              <a:spcBef>
-                <a:spcPct val="30000"/>
-              </a:spcBef>
-              <a:spcAft>
-                <a:spcPct val="0"/>
-              </a:spcAft>
-              <a:buSzPct val="100000"/>
-              <a:buChar char="–"/>
-              <a:defRPr sz="2000" b="1">
-                <a:solidFill>
-                  <a:schemeClr val="tx1"/>
-                </a:solidFill>
-                <a:latin typeface="+mn-lt"/>
-              </a:defRPr>
-            </a:lvl9pPr>
-          </a:lstStyle>
-          <a:p>
-            <a:pPr>
-              <a:buNone/>
-            </a:pPr>
-            <a:r>
-              <a:rPr lang="en-SE" sz="1800" dirty="0">
-                <a:effectLst/>
-                <a:latin typeface="Times New Roman" panose="02020603050405020304" pitchFamily="18" charset="0"/>
-                <a:ea typeface="SimSun" panose="02010600030101010101" pitchFamily="2" charset="-122"/>
-              </a:rPr>
-              <a:t>6. What is the purpose of the wait() system call?</a:t>
-            </a:r>
-            <a:endParaRPr lang="en-SE" sz="1800" dirty="0">
-              <a:effectLst/>
-              <a:latin typeface="Times New Roman" panose="02020603050405020304" pitchFamily="18" charset="0"/>
-              <a:ea typeface="Times New Roman" panose="02020603050405020304" pitchFamily="18" charset="0"/>
-            </a:endParaRPr>
-          </a:p>
-          <a:p>
-            <a:pPr>
-              <a:buNone/>
-            </a:pPr>
-            <a:r>
-              <a:rPr lang="en-SE" sz="1800" dirty="0">
-                <a:effectLst/>
-                <a:latin typeface="Times New Roman" panose="02020603050405020304" pitchFamily="18" charset="0"/>
-                <a:ea typeface="SimSun" panose="02010600030101010101" pitchFamily="2" charset="-122"/>
-              </a:rPr>
-              <a:t>A) Puts the calling process to sleep</a:t>
-            </a:r>
-            <a:endParaRPr lang="en-SE" sz="1800" dirty="0">
-              <a:effectLst/>
-              <a:latin typeface="Times New Roman" panose="02020603050405020304" pitchFamily="18" charset="0"/>
-              <a:ea typeface="Times New Roman" panose="02020603050405020304" pitchFamily="18" charset="0"/>
-            </a:endParaRPr>
-          </a:p>
-          <a:p>
-            <a:pPr>
-              <a:buNone/>
-            </a:pPr>
-            <a:r>
-              <a:rPr lang="en-SE" sz="1800" dirty="0">
-                <a:effectLst/>
-                <a:latin typeface="Times New Roman" panose="02020603050405020304" pitchFamily="18" charset="0"/>
-                <a:ea typeface="SimSun" panose="02010600030101010101" pitchFamily="2" charset="-122"/>
-              </a:rPr>
-              <a:t>B) Waits for any child process to terminate</a:t>
-            </a:r>
-            <a:endParaRPr lang="en-SE" sz="1800" dirty="0">
-              <a:effectLst/>
-              <a:latin typeface="Times New Roman" panose="02020603050405020304" pitchFamily="18" charset="0"/>
-              <a:ea typeface="Times New Roman" panose="02020603050405020304" pitchFamily="18" charset="0"/>
-            </a:endParaRPr>
-          </a:p>
-          <a:p>
-            <a:pPr>
-              <a:buNone/>
-            </a:pPr>
-            <a:r>
-              <a:rPr lang="en-SE" sz="1800" dirty="0">
-                <a:effectLst/>
-                <a:latin typeface="Times New Roman" panose="02020603050405020304" pitchFamily="18" charset="0"/>
-                <a:ea typeface="SimSun" panose="02010600030101010101" pitchFamily="2" charset="-122"/>
-              </a:rPr>
-              <a:t>C) Waits for any parent process to terminate</a:t>
-            </a:r>
-            <a:endParaRPr lang="en-SE" sz="1800" dirty="0">
-              <a:effectLst/>
-              <a:latin typeface="Times New Roman" panose="02020603050405020304" pitchFamily="18" charset="0"/>
-              <a:ea typeface="Times New Roman" panose="02020603050405020304" pitchFamily="18" charset="0"/>
-            </a:endParaRPr>
-          </a:p>
-          <a:p>
-            <a:pPr>
-              <a:buNone/>
-            </a:pPr>
-            <a:r>
-              <a:rPr lang="en-SE" sz="1800" dirty="0">
-                <a:effectLst/>
-                <a:latin typeface="Times New Roman" panose="02020603050405020304" pitchFamily="18" charset="0"/>
-                <a:ea typeface="SimSun" panose="02010600030101010101" pitchFamily="2" charset="-122"/>
-              </a:rPr>
-              <a:t>D) Waits for available CPU time</a:t>
-            </a:r>
-            <a:endParaRPr lang="en-SE" sz="1800" dirty="0">
-              <a:effectLst/>
-              <a:latin typeface="Times New Roman" panose="02020603050405020304" pitchFamily="18" charset="0"/>
-              <a:ea typeface="Times New Roman" panose="02020603050405020304" pitchFamily="18" charset="0"/>
-            </a:endParaRPr>
-          </a:p>
-          <a:p>
-            <a:pPr>
-              <a:buNone/>
-            </a:pPr>
-            <a:r>
-              <a:rPr lang="en-SE" sz="1800" dirty="0">
-                <a:effectLst/>
-                <a:latin typeface="Times New Roman" panose="02020603050405020304" pitchFamily="18" charset="0"/>
-                <a:ea typeface="SimSun" panose="02010600030101010101" pitchFamily="2" charset="-122"/>
-              </a:rPr>
-              <a:t>Answer: B</a:t>
-            </a:r>
-            <a:endParaRPr lang="en-SE" sz="1800" dirty="0">
-              <a:effectLst/>
-              <a:latin typeface="Times New Roman" panose="02020603050405020304" pitchFamily="18" charset="0"/>
-              <a:ea typeface="Times New Roman" panose="02020603050405020304" pitchFamily="18" charset="0"/>
-            </a:endParaRPr>
-          </a:p>
-          <a:p>
-            <a:pPr>
-              <a:buNone/>
-            </a:pPr>
-            <a:r>
-              <a:rPr lang="en-SE" sz="1800" dirty="0">
-                <a:effectLst/>
-                <a:latin typeface="Times New Roman" panose="02020603050405020304" pitchFamily="18" charset="0"/>
-                <a:ea typeface="SimSun" panose="02010600030101010101" pitchFamily="2" charset="-122"/>
-              </a:rPr>
-              <a:t> </a:t>
-            </a:r>
-            <a:endParaRPr lang="en-SE" sz="1800" dirty="0">
-              <a:effectLst/>
-              <a:latin typeface="Times New Roman" panose="02020603050405020304" pitchFamily="18" charset="0"/>
-              <a:ea typeface="Times New Roman" panose="02020603050405020304" pitchFamily="18" charset="0"/>
-            </a:endParaRPr>
-          </a:p>
-          <a:p>
-            <a:pPr>
-              <a:buNone/>
-            </a:pPr>
-            <a:r>
-              <a:rPr lang="en-SE" sz="1800" dirty="0">
-                <a:effectLst/>
-                <a:latin typeface="Times New Roman" panose="02020603050405020304" pitchFamily="18" charset="0"/>
-                <a:ea typeface="SimSun" panose="02010600030101010101" pitchFamily="2" charset="-122"/>
-              </a:rPr>
-              <a:t>7. What is the main difference between a process and a thread?</a:t>
-            </a:r>
-            <a:endParaRPr lang="en-SE" sz="1800" dirty="0">
-              <a:effectLst/>
-              <a:latin typeface="Times New Roman" panose="02020603050405020304" pitchFamily="18" charset="0"/>
-              <a:ea typeface="Times New Roman" panose="02020603050405020304" pitchFamily="18" charset="0"/>
-            </a:endParaRPr>
-          </a:p>
-          <a:p>
-            <a:pPr>
-              <a:buNone/>
-            </a:pPr>
-            <a:r>
-              <a:rPr lang="en-SE" sz="1800" dirty="0">
-                <a:effectLst/>
-                <a:latin typeface="Times New Roman" panose="02020603050405020304" pitchFamily="18" charset="0"/>
-                <a:ea typeface="SimSun" panose="02010600030101010101" pitchFamily="2" charset="-122"/>
-              </a:rPr>
-              <a:t>A) Processes are in the kernel space, and threads are in the user space</a:t>
-            </a:r>
-            <a:endParaRPr lang="en-SE" sz="1800" dirty="0">
-              <a:effectLst/>
-              <a:latin typeface="Times New Roman" panose="02020603050405020304" pitchFamily="18" charset="0"/>
-              <a:ea typeface="Times New Roman" panose="02020603050405020304" pitchFamily="18" charset="0"/>
-            </a:endParaRPr>
-          </a:p>
-          <a:p>
-            <a:pPr>
-              <a:buNone/>
-            </a:pPr>
-            <a:r>
-              <a:rPr lang="en-SE" sz="1800" dirty="0">
-                <a:effectLst/>
-                <a:latin typeface="Times New Roman" panose="02020603050405020304" pitchFamily="18" charset="0"/>
-                <a:ea typeface="SimSun" panose="02010600030101010101" pitchFamily="2" charset="-122"/>
-              </a:rPr>
-              <a:t>B) Threads cannot have multiple instances, but processes can</a:t>
-            </a:r>
-            <a:endParaRPr lang="en-SE" sz="1800" dirty="0">
-              <a:effectLst/>
-              <a:latin typeface="Times New Roman" panose="02020603050405020304" pitchFamily="18" charset="0"/>
-              <a:ea typeface="Times New Roman" panose="02020603050405020304" pitchFamily="18" charset="0"/>
-            </a:endParaRPr>
-          </a:p>
-          <a:p>
-            <a:pPr>
-              <a:buNone/>
-            </a:pPr>
-            <a:r>
-              <a:rPr lang="en-SE" sz="1800" dirty="0">
-                <a:effectLst/>
-                <a:latin typeface="Times New Roman" panose="02020603050405020304" pitchFamily="18" charset="0"/>
-                <a:ea typeface="SimSun" panose="02010600030101010101" pitchFamily="2" charset="-122"/>
-              </a:rPr>
-              <a:t>C) Processes have their own address spaces, while threads can share an address space</a:t>
-            </a:r>
-            <a:endParaRPr lang="en-SE" sz="1800" dirty="0">
-              <a:effectLst/>
-              <a:latin typeface="Times New Roman" panose="02020603050405020304" pitchFamily="18" charset="0"/>
-              <a:ea typeface="Times New Roman" panose="02020603050405020304" pitchFamily="18" charset="0"/>
-            </a:endParaRPr>
-          </a:p>
-          <a:p>
-            <a:pPr>
-              <a:buNone/>
-            </a:pPr>
-            <a:r>
-              <a:rPr lang="en-SE" sz="1800" dirty="0">
-                <a:effectLst/>
-                <a:latin typeface="Times New Roman" panose="02020603050405020304" pitchFamily="18" charset="0"/>
-                <a:ea typeface="SimSun" panose="02010600030101010101" pitchFamily="2" charset="-122"/>
-              </a:rPr>
-              <a:t>D) Threads are managed by the kernel, while processes are managed by the user</a:t>
-            </a:r>
-            <a:endParaRPr lang="en-SE" sz="1800" dirty="0">
-              <a:effectLst/>
-              <a:latin typeface="Times New Roman" panose="02020603050405020304" pitchFamily="18" charset="0"/>
-              <a:ea typeface="Times New Roman" panose="02020603050405020304" pitchFamily="18" charset="0"/>
-            </a:endParaRPr>
-          </a:p>
-          <a:p>
-            <a:pPr>
-              <a:buNone/>
-            </a:pPr>
-            <a:r>
-              <a:rPr lang="en-SE" sz="1800" dirty="0">
-                <a:effectLst/>
-                <a:latin typeface="Times New Roman" panose="02020603050405020304" pitchFamily="18" charset="0"/>
-                <a:ea typeface="SimSun" panose="02010600030101010101" pitchFamily="2" charset="-122"/>
-              </a:rPr>
-              <a:t>Answer: C</a:t>
-            </a:r>
-            <a:endParaRPr lang="en-SE" sz="1800" dirty="0">
-              <a:effectLst/>
-              <a:latin typeface="Times New Roman" panose="02020603050405020304" pitchFamily="18" charset="0"/>
-              <a:ea typeface="Times New Roman" panose="02020603050405020304" pitchFamily="18" charset="0"/>
-            </a:endParaRPr>
-          </a:p>
-          <a:p>
-            <a:pPr>
-              <a:buNone/>
-            </a:pPr>
-            <a:r>
-              <a:rPr lang="en-SE" sz="1800" dirty="0">
-                <a:effectLst/>
-                <a:latin typeface="Times New Roman" panose="02020603050405020304" pitchFamily="18" charset="0"/>
-                <a:ea typeface="SimSun" panose="02010600030101010101" pitchFamily="2" charset="-122"/>
-              </a:rPr>
-              <a:t> </a:t>
-            </a:r>
-            <a:endParaRPr lang="en-SE" sz="1800" dirty="0">
-              <a:effectLst/>
-              <a:latin typeface="Times New Roman" panose="02020603050405020304" pitchFamily="18" charset="0"/>
-              <a:ea typeface="Times New Roman" panose="02020603050405020304" pitchFamily="18" charset="0"/>
-            </a:endParaRPr>
-          </a:p>
-          <a:p>
-            <a:pPr>
-              <a:buNone/>
-            </a:pPr>
-            <a:r>
-              <a:rPr lang="en-GB" sz="1800" dirty="0">
-                <a:effectLst/>
-                <a:latin typeface="Times New Roman" panose="02020603050405020304" pitchFamily="18" charset="0"/>
-                <a:ea typeface="SimSun" panose="02010600030101010101" pitchFamily="2" charset="-122"/>
-              </a:rPr>
-              <a:t>8. What prevents starvation in the ticket lock implementation?  </a:t>
-            </a:r>
-            <a:endParaRPr lang="en-SE" sz="1800" dirty="0">
-              <a:effectLst/>
-              <a:latin typeface="Times New Roman" panose="02020603050405020304" pitchFamily="18" charset="0"/>
-              <a:ea typeface="SimSun" panose="02010600030101010101" pitchFamily="2" charset="-122"/>
-            </a:endParaRPr>
-          </a:p>
-          <a:p>
-            <a:pPr>
-              <a:buNone/>
-            </a:pPr>
-            <a:r>
-              <a:rPr lang="en-GB" sz="1800" dirty="0">
-                <a:effectLst/>
-                <a:latin typeface="Times New Roman" panose="02020603050405020304" pitchFamily="18" charset="0"/>
-                <a:ea typeface="SimSun" panose="02010600030101010101" pitchFamily="2" charset="-122"/>
-              </a:rPr>
-              <a:t>A) Random backoff  </a:t>
-            </a:r>
-            <a:endParaRPr lang="en-SE" sz="1800" dirty="0">
-              <a:effectLst/>
-              <a:latin typeface="Times New Roman" panose="02020603050405020304" pitchFamily="18" charset="0"/>
-              <a:ea typeface="SimSun" panose="02010600030101010101" pitchFamily="2" charset="-122"/>
-            </a:endParaRPr>
-          </a:p>
-          <a:p>
-            <a:pPr>
-              <a:buNone/>
-            </a:pPr>
-            <a:r>
-              <a:rPr lang="en-GB" sz="1800" dirty="0">
-                <a:effectLst/>
-                <a:latin typeface="Times New Roman" panose="02020603050405020304" pitchFamily="18" charset="0"/>
-                <a:ea typeface="SimSun" panose="02010600030101010101" pitchFamily="2" charset="-122"/>
-              </a:rPr>
-              <a:t>B) FIFO queue based on ticket numbers  </a:t>
-            </a:r>
-            <a:endParaRPr lang="en-SE" sz="1800" dirty="0">
-              <a:effectLst/>
-              <a:latin typeface="Times New Roman" panose="02020603050405020304" pitchFamily="18" charset="0"/>
-              <a:ea typeface="SimSun" panose="02010600030101010101" pitchFamily="2" charset="-122"/>
-            </a:endParaRPr>
-          </a:p>
-          <a:p>
-            <a:pPr>
-              <a:buNone/>
-            </a:pPr>
-            <a:r>
-              <a:rPr lang="en-GB" sz="1800" dirty="0">
-                <a:effectLst/>
-                <a:latin typeface="Times New Roman" panose="02020603050405020304" pitchFamily="18" charset="0"/>
-                <a:ea typeface="SimSun" panose="02010600030101010101" pitchFamily="2" charset="-122"/>
-              </a:rPr>
-              <a:t>C) Priority inheritance</a:t>
-            </a:r>
-            <a:endParaRPr lang="en-SE" sz="1800" dirty="0">
-              <a:effectLst/>
-              <a:latin typeface="Times New Roman" panose="02020603050405020304" pitchFamily="18" charset="0"/>
-              <a:ea typeface="SimSun" panose="02010600030101010101" pitchFamily="2" charset="-122"/>
-            </a:endParaRPr>
-          </a:p>
-          <a:p>
-            <a:pPr>
-              <a:buNone/>
-            </a:pPr>
-            <a:r>
-              <a:rPr lang="en-GB" sz="1800" dirty="0">
-                <a:effectLst/>
-                <a:latin typeface="Times New Roman" panose="02020603050405020304" pitchFamily="18" charset="0"/>
-                <a:ea typeface="SimSun" panose="02010600030101010101" pitchFamily="2" charset="-122"/>
-              </a:rPr>
-              <a:t>D) Timeout mechanisms</a:t>
-            </a:r>
-            <a:endParaRPr lang="en-SE" sz="1800" dirty="0">
-              <a:effectLst/>
-              <a:latin typeface="Times New Roman" panose="02020603050405020304" pitchFamily="18" charset="0"/>
-              <a:ea typeface="SimSun" panose="02010600030101010101" pitchFamily="2" charset="-122"/>
-            </a:endParaRPr>
-          </a:p>
-          <a:p>
-            <a:pPr>
-              <a:buNone/>
-            </a:pPr>
-            <a:r>
-              <a:rPr lang="en-GB" sz="1800" dirty="0">
-                <a:effectLst/>
-                <a:latin typeface="Times New Roman" panose="02020603050405020304" pitchFamily="18" charset="0"/>
-                <a:ea typeface="SimSun" panose="02010600030101010101" pitchFamily="2" charset="-122"/>
-              </a:rPr>
-              <a:t>Answer: B</a:t>
-            </a:r>
-            <a:endParaRPr lang="en-SE" sz="1800" dirty="0">
-              <a:effectLst/>
-              <a:latin typeface="Times New Roman" panose="02020603050405020304" pitchFamily="18" charset="0"/>
-              <a:ea typeface="SimSun" panose="02010600030101010101" pitchFamily="2" charset="-122"/>
-            </a:endParaRPr>
-          </a:p>
-          <a:p>
-            <a:pPr>
-              <a:buNone/>
-            </a:pPr>
-            <a:r>
-              <a:rPr lang="en-SE" sz="1800" dirty="0">
-                <a:effectLst/>
-                <a:latin typeface="Times New Roman" panose="02020603050405020304" pitchFamily="18" charset="0"/>
-                <a:ea typeface="SimSun" panose="02010600030101010101" pitchFamily="2" charset="-122"/>
-              </a:rPr>
-              <a:t> </a:t>
-            </a:r>
-            <a:endParaRPr lang="en-SE" sz="1800" dirty="0">
-              <a:effectLst/>
-              <a:latin typeface="Times New Roman" panose="02020603050405020304" pitchFamily="18" charset="0"/>
-              <a:ea typeface="Times New Roman" panose="02020603050405020304" pitchFamily="18" charset="0"/>
-            </a:endParaRPr>
-          </a:p>
-          <a:p>
-            <a:pPr>
-              <a:buNone/>
-            </a:pPr>
-            <a:r>
-              <a:rPr lang="en-GB" sz="1800" dirty="0">
-                <a:effectLst/>
-                <a:latin typeface="Times New Roman" panose="02020603050405020304" pitchFamily="18" charset="0"/>
-                <a:ea typeface="SimSun" panose="02010600030101010101" pitchFamily="2" charset="-122"/>
-              </a:rPr>
-              <a:t>9. What ensures fairness in ticket locks?  </a:t>
-            </a:r>
-            <a:endParaRPr lang="en-SE" sz="1800" dirty="0">
-              <a:effectLst/>
-              <a:latin typeface="Times New Roman" panose="02020603050405020304" pitchFamily="18" charset="0"/>
-              <a:ea typeface="SimSun" panose="02010600030101010101" pitchFamily="2" charset="-122"/>
-            </a:endParaRPr>
-          </a:p>
-          <a:p>
-            <a:pPr>
-              <a:buNone/>
-            </a:pPr>
-            <a:r>
-              <a:rPr lang="en-GB" sz="1800" dirty="0">
-                <a:effectLst/>
-                <a:latin typeface="Times New Roman" panose="02020603050405020304" pitchFamily="18" charset="0"/>
-                <a:ea typeface="SimSun" panose="02010600030101010101" pitchFamily="2" charset="-122"/>
-              </a:rPr>
-              <a:t>A) Test-and-Set instruction  </a:t>
-            </a:r>
-            <a:endParaRPr lang="en-SE" sz="1800" dirty="0">
-              <a:effectLst/>
-              <a:latin typeface="Times New Roman" panose="02020603050405020304" pitchFamily="18" charset="0"/>
-              <a:ea typeface="SimSun" panose="02010600030101010101" pitchFamily="2" charset="-122"/>
-            </a:endParaRPr>
-          </a:p>
-          <a:p>
-            <a:pPr>
-              <a:buNone/>
-            </a:pPr>
-            <a:r>
-              <a:rPr lang="en-GB" sz="1800" dirty="0">
-                <a:effectLst/>
-                <a:latin typeface="Times New Roman" panose="02020603050405020304" pitchFamily="18" charset="0"/>
-                <a:ea typeface="SimSun" panose="02010600030101010101" pitchFamily="2" charset="-122"/>
-              </a:rPr>
-              <a:t>B) Fetch-and-Add atomic operation  </a:t>
-            </a:r>
-            <a:endParaRPr lang="en-SE" sz="1800" dirty="0">
-              <a:effectLst/>
-              <a:latin typeface="Times New Roman" panose="02020603050405020304" pitchFamily="18" charset="0"/>
-              <a:ea typeface="SimSun" panose="02010600030101010101" pitchFamily="2" charset="-122"/>
-            </a:endParaRPr>
-          </a:p>
-          <a:p>
-            <a:pPr>
-              <a:buNone/>
-            </a:pPr>
-            <a:r>
-              <a:rPr lang="en-GB" sz="1800" dirty="0">
-                <a:effectLst/>
-                <a:latin typeface="Times New Roman" panose="02020603050405020304" pitchFamily="18" charset="0"/>
-                <a:ea typeface="SimSun" panose="02010600030101010101" pitchFamily="2" charset="-122"/>
-              </a:rPr>
-              <a:t>C) Compare-and-Swap  </a:t>
-            </a:r>
-            <a:endParaRPr lang="en-SE" sz="1800" dirty="0">
-              <a:effectLst/>
-              <a:latin typeface="Times New Roman" panose="02020603050405020304" pitchFamily="18" charset="0"/>
-              <a:ea typeface="SimSun" panose="02010600030101010101" pitchFamily="2" charset="-122"/>
-            </a:endParaRPr>
-          </a:p>
-          <a:p>
-            <a:pPr>
-              <a:buNone/>
-            </a:pPr>
-            <a:r>
-              <a:rPr lang="en-GB" sz="1800" dirty="0">
-                <a:effectLst/>
-                <a:latin typeface="Times New Roman" panose="02020603050405020304" pitchFamily="18" charset="0"/>
-                <a:ea typeface="SimSun" panose="02010600030101010101" pitchFamily="2" charset="-122"/>
-              </a:rPr>
-              <a:t>D) Disabling interrupts  </a:t>
-            </a:r>
-            <a:endParaRPr lang="en-SE" sz="1800" dirty="0">
-              <a:effectLst/>
-              <a:latin typeface="Times New Roman" panose="02020603050405020304" pitchFamily="18" charset="0"/>
-              <a:ea typeface="SimSun" panose="02010600030101010101" pitchFamily="2" charset="-122"/>
-            </a:endParaRPr>
-          </a:p>
-          <a:p>
-            <a:pPr>
-              <a:buNone/>
-            </a:pPr>
-            <a:r>
-              <a:rPr lang="en-GB" sz="1800" dirty="0">
-                <a:effectLst/>
-                <a:latin typeface="Times New Roman" panose="02020603050405020304" pitchFamily="18" charset="0"/>
-                <a:ea typeface="SimSun" panose="02010600030101010101" pitchFamily="2" charset="-122"/>
-              </a:rPr>
-              <a:t>Answer: B</a:t>
-            </a:r>
-            <a:endParaRPr lang="en-SE" sz="1800" dirty="0">
-              <a:effectLst/>
-              <a:latin typeface="Times New Roman" panose="02020603050405020304" pitchFamily="18" charset="0"/>
-              <a:ea typeface="SimSun" panose="02010600030101010101" pitchFamily="2" charset="-122"/>
-            </a:endParaRPr>
-          </a:p>
-          <a:p>
-            <a:pPr>
-              <a:buNone/>
-            </a:pPr>
-            <a:r>
-              <a:rPr lang="en-SE" sz="1800" dirty="0">
-                <a:effectLst/>
-                <a:latin typeface="Times New Roman" panose="02020603050405020304" pitchFamily="18" charset="0"/>
-                <a:ea typeface="SimSun" panose="02010600030101010101" pitchFamily="2" charset="-122"/>
-              </a:rPr>
-              <a:t> </a:t>
-            </a:r>
-            <a:endParaRPr lang="en-SE" sz="1800" dirty="0">
-              <a:effectLst/>
-              <a:latin typeface="Times New Roman" panose="02020603050405020304" pitchFamily="18" charset="0"/>
-              <a:ea typeface="Times New Roman" panose="02020603050405020304" pitchFamily="18" charset="0"/>
-            </a:endParaRPr>
-          </a:p>
-          <a:p>
-            <a:pPr>
-              <a:buNone/>
-            </a:pPr>
-            <a:r>
-              <a:rPr lang="en-GB" sz="1800" dirty="0">
-                <a:effectLst/>
-                <a:latin typeface="Times New Roman" panose="02020603050405020304" pitchFamily="18" charset="0"/>
-                <a:ea typeface="SimSun" panose="02010600030101010101" pitchFamily="2" charset="-122"/>
-              </a:rPr>
-              <a:t>10. What happens when </a:t>
-            </a:r>
-            <a:r>
-              <a:rPr lang="en-GB" sz="1800" dirty="0" err="1">
-                <a:effectLst/>
-                <a:latin typeface="Times New Roman" panose="02020603050405020304" pitchFamily="18" charset="0"/>
-                <a:ea typeface="SimSun" panose="02010600030101010101" pitchFamily="2" charset="-122"/>
-              </a:rPr>
-              <a:t>sem_wait</a:t>
-            </a:r>
-            <a:r>
-              <a:rPr lang="en-GB" sz="1800" dirty="0">
-                <a:effectLst/>
-                <a:latin typeface="Times New Roman" panose="02020603050405020304" pitchFamily="18" charset="0"/>
-                <a:ea typeface="SimSun" panose="02010600030101010101" pitchFamily="2" charset="-122"/>
-              </a:rPr>
-              <a:t>() is called on a semaphore with value 1?  </a:t>
-            </a:r>
-            <a:endParaRPr lang="en-SE" sz="1800" dirty="0">
-              <a:effectLst/>
-              <a:latin typeface="Times New Roman" panose="02020603050405020304" pitchFamily="18" charset="0"/>
-              <a:ea typeface="SimSun" panose="02010600030101010101" pitchFamily="2" charset="-122"/>
-            </a:endParaRPr>
-          </a:p>
-          <a:p>
-            <a:pPr>
-              <a:buNone/>
-            </a:pPr>
-            <a:r>
-              <a:rPr lang="en-GB" sz="1800" dirty="0">
-                <a:effectLst/>
-                <a:latin typeface="Times New Roman" panose="02020603050405020304" pitchFamily="18" charset="0"/>
-                <a:ea typeface="SimSun" panose="02010600030101010101" pitchFamily="2" charset="-122"/>
-              </a:rPr>
-              <a:t>A) Decrements the value to 0 and does not block </a:t>
-            </a:r>
-            <a:endParaRPr lang="en-SE" sz="1800" dirty="0">
-              <a:effectLst/>
-              <a:latin typeface="Times New Roman" panose="02020603050405020304" pitchFamily="18" charset="0"/>
-              <a:ea typeface="SimSun" panose="02010600030101010101" pitchFamily="2" charset="-122"/>
-            </a:endParaRPr>
-          </a:p>
-          <a:p>
-            <a:pPr>
-              <a:buNone/>
-            </a:pPr>
-            <a:r>
-              <a:rPr lang="en-GB" sz="1800" dirty="0">
-                <a:effectLst/>
-                <a:latin typeface="Times New Roman" panose="02020603050405020304" pitchFamily="18" charset="0"/>
-                <a:ea typeface="SimSun" panose="02010600030101010101" pitchFamily="2" charset="-122"/>
-              </a:rPr>
-              <a:t>B) Increments the value to 2 and does not block</a:t>
-            </a:r>
-            <a:endParaRPr lang="en-SE" sz="1800" dirty="0">
-              <a:effectLst/>
-              <a:latin typeface="Times New Roman" panose="02020603050405020304" pitchFamily="18" charset="0"/>
-              <a:ea typeface="SimSun" panose="02010600030101010101" pitchFamily="2" charset="-122"/>
-            </a:endParaRPr>
-          </a:p>
-          <a:p>
-            <a:pPr>
-              <a:buNone/>
-            </a:pPr>
-            <a:r>
-              <a:rPr lang="en-GB" sz="1800" dirty="0">
-                <a:effectLst/>
-                <a:latin typeface="Times New Roman" panose="02020603050405020304" pitchFamily="18" charset="0"/>
-                <a:ea typeface="SimSun" panose="02010600030101010101" pitchFamily="2" charset="-122"/>
-              </a:rPr>
-              <a:t>C) Blocks until </a:t>
-            </a:r>
-            <a:r>
-              <a:rPr lang="en-GB" sz="1800" dirty="0" err="1">
-                <a:effectLst/>
-                <a:latin typeface="Times New Roman" panose="02020603050405020304" pitchFamily="18" charset="0"/>
-                <a:ea typeface="SimSun" panose="02010600030101010101" pitchFamily="2" charset="-122"/>
-              </a:rPr>
-              <a:t>sem_post</a:t>
-            </a:r>
-            <a:r>
-              <a:rPr lang="en-GB" sz="1800" dirty="0">
-                <a:effectLst/>
-                <a:latin typeface="Times New Roman" panose="02020603050405020304" pitchFamily="18" charset="0"/>
-                <a:ea typeface="SimSun" panose="02010600030101010101" pitchFamily="2" charset="-122"/>
-              </a:rPr>
-              <a:t>() is called  </a:t>
-            </a:r>
-            <a:endParaRPr lang="en-SE" sz="1800" dirty="0">
-              <a:effectLst/>
-              <a:latin typeface="Times New Roman" panose="02020603050405020304" pitchFamily="18" charset="0"/>
-              <a:ea typeface="SimSun" panose="02010600030101010101" pitchFamily="2" charset="-122"/>
-            </a:endParaRPr>
-          </a:p>
-          <a:p>
-            <a:pPr>
-              <a:buNone/>
-            </a:pPr>
-            <a:r>
-              <a:rPr lang="en-GB" sz="1800" dirty="0">
-                <a:effectLst/>
-                <a:latin typeface="Times New Roman" panose="02020603050405020304" pitchFamily="18" charset="0"/>
-                <a:ea typeface="SimSun" panose="02010600030101010101" pitchFamily="2" charset="-122"/>
-              </a:rPr>
-              <a:t>D) It does not modify the value and does not block</a:t>
-            </a:r>
-            <a:endParaRPr lang="en-SE" sz="1800" dirty="0">
-              <a:effectLst/>
-              <a:latin typeface="Times New Roman" panose="02020603050405020304" pitchFamily="18" charset="0"/>
-              <a:ea typeface="SimSun" panose="02010600030101010101" pitchFamily="2" charset="-122"/>
-            </a:endParaRPr>
-          </a:p>
-          <a:p>
-            <a:pPr marL="0" indent="0">
-              <a:buNone/>
-            </a:pPr>
-            <a:r>
-              <a:rPr lang="en-GB" sz="1800" dirty="0">
-                <a:effectLst/>
-                <a:latin typeface="Times New Roman" panose="02020603050405020304" pitchFamily="18" charset="0"/>
-                <a:ea typeface="SimSun" panose="02010600030101010101" pitchFamily="2" charset="-122"/>
-              </a:rPr>
-              <a:t>Answer: A</a:t>
-            </a:r>
-            <a:endParaRPr lang="en-SE" sz="1800" dirty="0">
-              <a:effectLst/>
-              <a:latin typeface="Times New Roman" panose="02020603050405020304" pitchFamily="18" charset="0"/>
-              <a:ea typeface="SimSun" panose="02010600030101010101" pitchFamily="2" charset="-122"/>
-            </a:endParaRPr>
-          </a:p>
-        </p:txBody>
-      </p:sp>
-    </p:spTree>
-    <p:extLst>
-      <p:ext uri="{BB962C8B-B14F-4D97-AF65-F5344CB8AC3E}">
-        <p14:creationId xmlns:p14="http://schemas.microsoft.com/office/powerpoint/2010/main" val="2591894312"/>
-      </p:ext>
-    </p:extLst>
-  </p:cSld>
-  <p:clrMapOvr>
-    <a:masterClrMapping/>
-  </p:clrMapOvr>
-  <p:transition/>
-</p:sld>
-</file>
-
-<file path=ppt/slides/slide20.xml><?xml version="1.0" encoding="utf-8"?>
+<file path=ppt/slides/slide21.xml><?xml version="1.0" encoding="utf-8"?>
 <p:sld xmlns:a="http://schemas.openxmlformats.org/drawingml/2006/main" xmlns:r="http://schemas.openxmlformats.org/officeDocument/2006/relationships" xmlns:p="http://schemas.openxmlformats.org/presentationml/2006/main">
   <p:cSld>
     <p:spTree>
@@ -22037,7 +26852,7 @@
 </p:sld>
 </file>
 
-<file path=ppt/slides/slide21.xml><?xml version="1.0" encoding="utf-8"?>
+<file path=ppt/slides/slide22.xml><?xml version="1.0" encoding="utf-8"?>
 <p:sld xmlns:a="http://schemas.openxmlformats.org/drawingml/2006/main" xmlns:r="http://schemas.openxmlformats.org/officeDocument/2006/relationships" xmlns:p="http://schemas.openxmlformats.org/presentationml/2006/main">
   <p:cSld>
     <p:spTree>
@@ -23588,17 +28403,17 @@
           <a:effectLst/>
           <a:extLst>
             <a:ext uri="{FAA26D3D-D897-4be2-8F04-BA451C77F1D7}">
-              <ma14:placeholderFlag xmlns:ma14="http://schemas.microsoft.com/office/mac/drawingml/2011/main" xmlns="" val="1"/>
+              <ma14:placeholderFlag xmlns="" xmlns:ma14="http://schemas.microsoft.com/office/mac/drawingml/2011/main" val="1"/>
             </a:ext>
             <a:ext uri="{909E8E84-426E-40dd-AFC4-6F175D3DCCD1}">
-              <a14:hiddenFill xmlns:a14="http://schemas.microsoft.com/office/drawing/2010/main" xmlns="">
+              <a14:hiddenFill xmlns="" xmlns:a14="http://schemas.microsoft.com/office/drawing/2010/main">
                 <a:solidFill>
                   <a:schemeClr val="bg1"/>
                 </a:solidFill>
               </a14:hiddenFill>
             </a:ext>
             <a:ext uri="{91240B29-F687-4f45-9708-019B960494DF}">
-              <a14:hiddenLine xmlns:a14="http://schemas.microsoft.com/office/drawing/2010/main" xmlns="" w="12700">
+              <a14:hiddenLine xmlns="" xmlns:a14="http://schemas.microsoft.com/office/drawing/2010/main" w="12700">
                 <a:pattFill prst="narHorz">
                   <a:fgClr>
                     <a:schemeClr val="tx1"/>
@@ -23613,7 +28428,7 @@
               </a14:hiddenLine>
             </a:ext>
             <a:ext uri="{AF507438-7753-43e0-B8FC-AC1667EBCBE1}">
-              <a14:hiddenEffects xmlns:a14="http://schemas.microsoft.com/office/drawing/2010/main" xmlns="">
+              <a14:hiddenEffects xmlns="" xmlns:a14="http://schemas.microsoft.com/office/drawing/2010/main">
                 <a:effectLst>
                   <a:outerShdw blurRad="63500" dist="38099" dir="2700000" algn="ctr" rotWithShape="0">
                     <a:schemeClr val="bg2">
@@ -23861,7 +28676,7 @@
           </a:ln>
           <a:extLst>
             <a:ext uri="{AF507438-7753-43e0-B8FC-AC1667EBCBE1}">
-              <a14:hiddenEffects xmlns="" xmlns:a14="http://schemas.microsoft.com/office/drawing/2010/main">
+              <a14:hiddenEffects xmlns:a14="http://schemas.microsoft.com/office/drawing/2010/main" xmlns="">
                 <a:effectLst>
                   <a:outerShdw dist="35921" dir="2700000" algn="ctr" rotWithShape="0">
                     <a:schemeClr val="bg2"/>
@@ -23969,7 +28784,7 @@
           </a:ln>
           <a:extLst>
             <a:ext uri="{AF507438-7753-43e0-B8FC-AC1667EBCBE1}">
-              <a14:hiddenEffects xmlns="" xmlns:a14="http://schemas.microsoft.com/office/drawing/2010/main">
+              <a14:hiddenEffects xmlns:a14="http://schemas.microsoft.com/office/drawing/2010/main" xmlns="">
                 <a:effectLst>
                   <a:outerShdw dist="35921" dir="2700000" algn="ctr" rotWithShape="0">
                     <a:schemeClr val="bg2"/>
@@ -24056,7 +28871,13 @@
           <p:cNvGraphicFramePr>
             <a:graphicFrameLocks noGrp="1"/>
           </p:cNvGraphicFramePr>
-          <p:nvPr/>
+          <p:nvPr>
+            <p:extLst>
+              <p:ext uri="{D42A27DB-BD31-4B8C-83A1-F6EECF244321}">
+                <p14:modId xmlns:p14="http://schemas.microsoft.com/office/powerpoint/2010/main" val="2026567110"/>
+              </p:ext>
+            </p:extLst>
+          </p:nvPr>
         </p:nvGraphicFramePr>
         <p:xfrm>
           <a:off x="762000" y="834005"/>
@@ -24718,7 +29539,7 @@
                             <a:schemeClr val="tx1"/>
                           </a:solidFill>
                         </a:rPr>
-                        <a:t>10</a:t>
+                        <a:t>12</a:t>
                       </a:r>
                     </a:p>
                   </a:txBody>
@@ -24736,7 +29557,7 @@
                             <a:schemeClr val="tx1"/>
                           </a:solidFill>
                         </a:rPr>
-                        <a:t>10</a:t>
+                        <a:t>12</a:t>
                       </a:r>
                     </a:p>
                   </a:txBody>
@@ -24754,7 +29575,7 @@
                             <a:schemeClr val="tx1"/>
                           </a:solidFill>
                         </a:rPr>
-                        <a:t>10</a:t>
+                        <a:t>12</a:t>
                       </a:r>
                     </a:p>
                   </a:txBody>
@@ -24941,7 +29762,25 @@
                             <a:schemeClr val="tx1"/>
                           </a:solidFill>
                         </a:rPr>
-                        <a:t>6</a:t>
+                        <a:t>7</a:t>
+                      </a:r>
+                    </a:p>
+                  </a:txBody>
+                  <a:tcPr/>
+                </a:tc>
+                <a:tc>
+                  <a:txBody>
+                    <a:bodyPr/>
+                    <a:lstStyle/>
+                    <a:p>
+                      <a:pPr algn="r"/>
+                      <a:r>
+                        <a:rPr lang="en-US" dirty="0">
+                          <a:solidFill>
+                            <a:schemeClr val="tx1"/>
+                          </a:solidFill>
+                        </a:rPr>
+                        <a:t>9</a:t>
                       </a:r>
                     </a:p>
                   </a:txBody>
@@ -24960,24 +29799,6 @@
                           </a:solidFill>
                         </a:rPr>
                         <a:t>7</a:t>
-                      </a:r>
-                    </a:p>
-                  </a:txBody>
-                  <a:tcPr/>
-                </a:tc>
-                <a:tc>
-                  <a:txBody>
-                    <a:bodyPr/>
-                    <a:lstStyle/>
-                    <a:p>
-                      <a:pPr algn="r"/>
-                      <a:r>
-                        <a:rPr lang="en-US" dirty="0">
-                          <a:solidFill>
-                            <a:schemeClr val="tx1"/>
-                          </a:solidFill>
-                        </a:rPr>
-                        <a:t>6</a:t>
                       </a:r>
                     </a:p>
                   </a:txBody>
@@ -25226,7 +30047,7 @@
                             <a:schemeClr val="tx1"/>
                           </a:solidFill>
                         </a:rPr>
-                        <a:t>8</a:t>
+                        <a:t>9.5</a:t>
                       </a:r>
                     </a:p>
                   </a:txBody>
@@ -25271,7 +30092,7 @@
                             <a:schemeClr val="tx1"/>
                           </a:solidFill>
                         </a:rPr>
-                        <a:t>8.5</a:t>
+                        <a:t>10.5</a:t>
                       </a:r>
                     </a:p>
                   </a:txBody>
@@ -25316,7 +30137,7 @@
                             <a:schemeClr val="tx1"/>
                           </a:solidFill>
                         </a:rPr>
-                        <a:t>8</a:t>
+                        <a:t>9.5</a:t>
                       </a:r>
                     </a:p>
                   </a:txBody>
@@ -25897,17 +30718,17 @@
           <a:effectLst/>
           <a:extLst>
             <a:ext uri="{FAA26D3D-D897-4be2-8F04-BA451C77F1D7}">
-              <ma14:placeholderFlag xmlns:ma14="http://schemas.microsoft.com/office/mac/drawingml/2011/main" xmlns="" val="1"/>
+              <ma14:placeholderFlag xmlns="" xmlns:ma14="http://schemas.microsoft.com/office/mac/drawingml/2011/main" val="1"/>
             </a:ext>
             <a:ext uri="{909E8E84-426E-40dd-AFC4-6F175D3DCCD1}">
-              <a14:hiddenFill xmlns:a14="http://schemas.microsoft.com/office/drawing/2010/main" xmlns="">
+              <a14:hiddenFill xmlns="" xmlns:a14="http://schemas.microsoft.com/office/drawing/2010/main">
                 <a:solidFill>
                   <a:schemeClr val="bg1"/>
                 </a:solidFill>
               </a14:hiddenFill>
             </a:ext>
             <a:ext uri="{91240B29-F687-4f45-9708-019B960494DF}">
-              <a14:hiddenLine xmlns:a14="http://schemas.microsoft.com/office/drawing/2010/main" xmlns="" w="12700">
+              <a14:hiddenLine xmlns="" xmlns:a14="http://schemas.microsoft.com/office/drawing/2010/main" w="12700">
                 <a:pattFill prst="narHorz">
                   <a:fgClr>
                     <a:schemeClr val="tx1"/>
@@ -25922,7 +30743,7 @@
               </a14:hiddenLine>
             </a:ext>
             <a:ext uri="{AF507438-7753-43e0-B8FC-AC1667EBCBE1}">
-              <a14:hiddenEffects xmlns:a14="http://schemas.microsoft.com/office/drawing/2010/main" xmlns="">
+              <a14:hiddenEffects xmlns="" xmlns:a14="http://schemas.microsoft.com/office/drawing/2010/main">
                 <a:effectLst>
                   <a:outerShdw blurRad="63500" dist="38099" dir="2700000" algn="ctr" rotWithShape="0">
                     <a:schemeClr val="bg2">
@@ -26463,7 +31284,7 @@
                 <a:latin typeface="Times New Roman" panose="02020603050405020304" pitchFamily="18" charset="0"/>
                 <a:ea typeface="SimSun" panose="02010600030101010101" pitchFamily="2" charset="-122"/>
               </a:rPr>
-              <a:t>Answer: A</a:t>
+              <a:t>Answer: A, or D</a:t>
             </a:r>
           </a:p>
           <a:p>
@@ -28222,7 +33043,7 @@
           <p:nvPr/>
         </p:nvSpPr>
         <p:spPr>
-          <a:xfrm rot="10131385">
+          <a:xfrm rot="10232969">
             <a:off x="1912799" y="5347167"/>
             <a:ext cx="3263614" cy="591431"/>
           </a:xfrm>
@@ -28416,7 +33237,7 @@
           <p:nvPr/>
         </p:nvSpPr>
         <p:spPr>
-          <a:xfrm rot="4676906">
+          <a:xfrm rot="4764502">
             <a:off x="422026" y="4521908"/>
             <a:ext cx="1657715" cy="326396"/>
           </a:xfrm>
@@ -28496,8 +33317,8 @@
           <p:nvPr/>
         </p:nvSpPr>
         <p:spPr>
-          <a:xfrm rot="4619132">
-            <a:off x="980785" y="6047650"/>
+          <a:xfrm rot="4726402">
+            <a:off x="933873" y="6047650"/>
             <a:ext cx="602939" cy="130876"/>
           </a:xfrm>
           <a:custGeom>
@@ -30283,7 +35104,7 @@
           <p:nvPr/>
         </p:nvSpPr>
         <p:spPr>
-          <a:xfrm rot="4718799">
+          <a:xfrm rot="4694224">
             <a:off x="94272" y="4546557"/>
             <a:ext cx="1576553" cy="356276"/>
           </a:xfrm>
@@ -34191,7 +39012,7 @@
           <p:nvPr/>
         </p:nvSpPr>
         <p:spPr>
-          <a:xfrm rot="4589571">
+          <a:xfrm rot="4673019">
             <a:off x="423035" y="4298120"/>
             <a:ext cx="1694892" cy="390353"/>
           </a:xfrm>
@@ -34366,8 +39187,8 @@
           <p:nvPr/>
         </p:nvSpPr>
         <p:spPr>
-          <a:xfrm rot="10131385">
-            <a:off x="1912799" y="5186602"/>
+          <a:xfrm rot="10203268">
+            <a:off x="1912799" y="5203769"/>
             <a:ext cx="3263614" cy="591431"/>
           </a:xfrm>
           <a:custGeom>
@@ -34498,8 +39319,8 @@
           <p:nvPr/>
         </p:nvSpPr>
         <p:spPr>
-          <a:xfrm rot="4619132">
-            <a:off x="980785" y="5887085"/>
+          <a:xfrm rot="4711894">
+            <a:off x="949255" y="5887085"/>
             <a:ext cx="602939" cy="130876"/>
           </a:xfrm>
           <a:custGeom>
@@ -34642,7 +39463,7 @@
         </p:nvSpPr>
         <p:spPr>
           <a:xfrm>
-            <a:off x="5264829" y="5295848"/>
+            <a:off x="5264829" y="5376040"/>
             <a:ext cx="810389" cy="259045"/>
           </a:xfrm>
           <a:prstGeom prst="rect">
@@ -34847,7 +39668,7 @@
           <a:p>
             <a:r>
               <a:rPr lang="en-GB" dirty="0"/>
-              <a:t>b) (5 pts) Consider the following concurrent program, where three threads access a shared variable x without mutex locks. What are the possible final values of x after all threads finish execution? Explain why. </a:t>
+              <a:t>b) (5 pts) Consider the following concurrent program, where three threads access a shared variable x within critical sections protected by mutex locks. What are the possible final values of x after all threads finish execution? Explain why.</a:t>
             </a:r>
             <a:endParaRPr lang="en-SE" dirty="0"/>
           </a:p>
@@ -35236,6 +40057,24 @@
     <a:masterClrMapping/>
   </p:clrMapOvr>
 </p:sld>
+</file>
+
+<file path=ppt/tags/tag1.xml><?xml version="1.0" encoding="utf-8"?>
+<p:tagLst xmlns:a="http://schemas.openxmlformats.org/drawingml/2006/main" xmlns:r="http://schemas.openxmlformats.org/officeDocument/2006/relationships" xmlns:p="http://schemas.openxmlformats.org/presentationml/2006/main">
+  <p:tag name="HIGHLIGHTER" val="false"/>
+</p:tagLst>
+</file>
+
+<file path=ppt/tags/tag2.xml><?xml version="1.0" encoding="utf-8"?>
+<p:tagLst xmlns:a="http://schemas.openxmlformats.org/drawingml/2006/main" xmlns:r="http://schemas.openxmlformats.org/officeDocument/2006/relationships" xmlns:p="http://schemas.openxmlformats.org/presentationml/2006/main">
+  <p:tag name="HIGHLIGHTER" val="false"/>
+</p:tagLst>
+</file>
+
+<file path=ppt/tags/tag3.xml><?xml version="1.0" encoding="utf-8"?>
+<p:tagLst xmlns:a="http://schemas.openxmlformats.org/drawingml/2006/main" xmlns:r="http://schemas.openxmlformats.org/officeDocument/2006/relationships" xmlns:p="http://schemas.openxmlformats.org/presentationml/2006/main">
+  <p:tag name="HIGHLIGHTER" val="false"/>
+</p:tagLst>
 </file>
 
 <file path=ppt/theme/theme1.xml><?xml version="1.0" encoding="utf-8"?>
@@ -35476,7 +40315,7 @@
         <a:effectLst/>
         <a:extLst>
           <a:ext uri="{AF507438-7753-43e0-B8FC-AC1667EBCBE1}">
-            <a14:hiddenEffects xmlns:a14="http://schemas.microsoft.com/office/drawing/2010/main" xmlns="">
+            <a14:hiddenEffects xmlns="" xmlns:a14="http://schemas.microsoft.com/office/drawing/2010/main">
               <a:effectLst>
                 <a:outerShdw dist="35921" dir="2700000" algn="ctr" rotWithShape="0">
                   <a:schemeClr val="bg2"/>
@@ -35549,7 +40388,7 @@
         <a:effectLst/>
         <a:extLst>
           <a:ext uri="{AF507438-7753-43e0-B8FC-AC1667EBCBE1}">
-            <a14:hiddenEffects xmlns:a14="http://schemas.microsoft.com/office/drawing/2010/main" xmlns="">
+            <a14:hiddenEffects xmlns="" xmlns:a14="http://schemas.microsoft.com/office/drawing/2010/main">
               <a:effectLst>
                 <a:outerShdw dist="35921" dir="2700000" algn="ctr" rotWithShape="0">
                   <a:schemeClr val="bg2"/>
